--- a/Education_Material/FAQ/Misunderstandings_of_OSS_licenses_CC0.pptx
+++ b/Education_Material/FAQ/Misunderstandings_of_OSS_licenses_CC0.pptx
@@ -262,7 +262,7 @@
           <a:p>
             <a:fld id="{7EE8F3AE-FD72-4533-A5FB-266F0DC61623}" type="datetimeFigureOut">
               <a:rPr kumimoji="1" lang="ja-JP" altLang="en-US" smtClean="0"/>
-              <a:t>2019/3/8</a:t>
+              <a:t>2019/3/11</a:t>
             </a:fld>
             <a:endParaRPr kumimoji="1" lang="ja-JP" altLang="en-US"/>
           </a:p>
@@ -435,7 +435,7 @@
           <a:p>
             <a:fld id="{F0F040E9-6AB7-471E-8A6F-82F6EB81B1F8}" type="datetimeFigureOut">
               <a:rPr kumimoji="1" lang="ja-JP" altLang="en-US" smtClean="0"/>
-              <a:t>2019/3/8</a:t>
+              <a:t>2019/3/11</a:t>
             </a:fld>
             <a:endParaRPr kumimoji="1" lang="ja-JP" altLang="en-US"/>
           </a:p>
@@ -4232,7 +4232,7 @@
           <a:p>
             <a:fld id="{8CA85632-6543-417D-AA37-747D5FCD144A}" type="datetime1">
               <a:rPr kumimoji="1" lang="ja-JP" altLang="en-US" smtClean="0"/>
-              <a:t>2019/3/8</a:t>
+              <a:t>2019/3/11</a:t>
             </a:fld>
             <a:endParaRPr kumimoji="1" lang="ja-JP" altLang="en-US"/>
           </a:p>
@@ -4447,7 +4447,7 @@
           <a:p>
             <a:fld id="{2309D837-E112-4075-8CAC-C88D900CABC2}" type="datetime1">
               <a:rPr kumimoji="1" lang="ja-JP" altLang="en-US" smtClean="0"/>
-              <a:t>2019/3/8</a:t>
+              <a:t>2019/3/11</a:t>
             </a:fld>
             <a:endParaRPr kumimoji="1" lang="ja-JP" altLang="en-US"/>
           </a:p>
@@ -4672,7 +4672,7 @@
           <a:p>
             <a:fld id="{23C085D0-E678-423B-BDBC-C918E7FD0C67}" type="datetime1">
               <a:rPr kumimoji="1" lang="ja-JP" altLang="en-US" smtClean="0"/>
-              <a:t>2019/3/8</a:t>
+              <a:t>2019/3/11</a:t>
             </a:fld>
             <a:endParaRPr kumimoji="1" lang="ja-JP" altLang="en-US"/>
           </a:p>
@@ -4887,7 +4887,7 @@
           <a:p>
             <a:fld id="{B06565E3-0D02-4356-A8E4-34212A8E714C}" type="datetime1">
               <a:rPr kumimoji="1" lang="ja-JP" altLang="en-US" smtClean="0"/>
-              <a:t>2019/3/8</a:t>
+              <a:t>2019/3/11</a:t>
             </a:fld>
             <a:endParaRPr kumimoji="1" lang="ja-JP" altLang="en-US"/>
           </a:p>
@@ -5147,7 +5147,7 @@
           <a:p>
             <a:fld id="{1B8A8A6D-241C-4478-AD39-11F7EBF3663F}" type="datetime1">
               <a:rPr kumimoji="1" lang="ja-JP" altLang="en-US" smtClean="0"/>
-              <a:t>2019/3/8</a:t>
+              <a:t>2019/3/11</a:t>
             </a:fld>
             <a:endParaRPr kumimoji="1" lang="ja-JP" altLang="en-US"/>
           </a:p>
@@ -5511,7 +5511,7 @@
           <a:p>
             <a:fld id="{D1AE0380-F014-4923-9788-A7EEF4DBE4AF}" type="datetime1">
               <a:rPr kumimoji="1" lang="ja-JP" altLang="en-US" smtClean="0"/>
-              <a:t>2019/3/8</a:t>
+              <a:t>2019/3/11</a:t>
             </a:fld>
             <a:endParaRPr kumimoji="1" lang="ja-JP" altLang="en-US"/>
           </a:p>
@@ -6009,7 +6009,7 @@
           <a:p>
             <a:fld id="{410B50E0-6CD7-4849-A428-FA4F0846C438}" type="datetime1">
               <a:rPr kumimoji="1" lang="ja-JP" altLang="en-US" smtClean="0"/>
-              <a:t>2019/3/8</a:t>
+              <a:t>2019/3/11</a:t>
             </a:fld>
             <a:endParaRPr kumimoji="1" lang="ja-JP" altLang="en-US"/>
           </a:p>
@@ -6141,7 +6141,7 @@
           <a:p>
             <a:fld id="{E820F06B-049D-4BD4-9820-27A6981014E2}" type="datetime1">
               <a:rPr kumimoji="1" lang="ja-JP" altLang="en-US" smtClean="0"/>
-              <a:t>2019/3/8</a:t>
+              <a:t>2019/3/11</a:t>
             </a:fld>
             <a:endParaRPr kumimoji="1" lang="ja-JP" altLang="en-US"/>
           </a:p>
@@ -6251,7 +6251,7 @@
           <a:p>
             <a:fld id="{63B99404-B2ED-46D2-9FEA-10E2217461D3}" type="datetime1">
               <a:rPr kumimoji="1" lang="ja-JP" altLang="en-US" smtClean="0"/>
-              <a:t>2019/3/8</a:t>
+              <a:t>2019/3/11</a:t>
             </a:fld>
             <a:endParaRPr kumimoji="1" lang="ja-JP" altLang="en-US"/>
           </a:p>
@@ -6573,7 +6573,7 @@
           <a:p>
             <a:fld id="{679A7FF1-DF10-4B96-BC18-4D653DE91BD6}" type="datetime1">
               <a:rPr kumimoji="1" lang="ja-JP" altLang="en-US" smtClean="0"/>
-              <a:t>2019/3/8</a:t>
+              <a:t>2019/3/11</a:t>
             </a:fld>
             <a:endParaRPr kumimoji="1" lang="ja-JP" altLang="en-US"/>
           </a:p>
@@ -6840,7 +6840,7 @@
           <a:p>
             <a:fld id="{E1A0CA68-9F96-420A-9187-AB0E3D6FEA1B}" type="datetime1">
               <a:rPr kumimoji="1" lang="ja-JP" altLang="en-US" smtClean="0"/>
-              <a:t>2019/3/8</a:t>
+              <a:t>2019/3/11</a:t>
             </a:fld>
             <a:endParaRPr kumimoji="1" lang="ja-JP" altLang="en-US"/>
           </a:p>
@@ -7098,7 +7098,7 @@
           <a:p>
             <a:fld id="{F8226610-8A1B-469C-9F96-3C27427A06DB}" type="datetime1">
               <a:rPr kumimoji="1" lang="ja-JP" altLang="en-US" smtClean="0"/>
-              <a:t>2019/3/8</a:t>
+              <a:t>2019/3/11</a:t>
             </a:fld>
             <a:endParaRPr kumimoji="1" lang="ja-JP" altLang="en-US"/>
           </a:p>
@@ -7567,12 +7567,28 @@
               <a:t> </a:t>
             </a:r>
             <a:r>
-              <a:rPr lang="en-US" altLang="ja-JP" sz="4000" dirty="0">
+              <a:rPr lang="en-US" altLang="ja-JP" sz="4000" dirty="0" smtClean="0">
                 <a:latin typeface="Meiryo UI" panose="020B0604030504040204" pitchFamily="50" charset="-128"/>
                 <a:ea typeface="Meiryo UI" panose="020B0604030504040204" pitchFamily="50" charset="-128"/>
                 <a:cs typeface="Meiryo UI" panose="020B0604030504040204" pitchFamily="50" charset="-128"/>
               </a:rPr>
               <a:t>licenses</a:t>
+            </a:r>
+            <a:r>
+              <a:rPr lang="ja-JP" altLang="en-US" sz="4000" dirty="0" smtClean="0">
+                <a:latin typeface="Meiryo UI" panose="020B0604030504040204" pitchFamily="50" charset="-128"/>
+                <a:ea typeface="Meiryo UI" panose="020B0604030504040204" pitchFamily="50" charset="-128"/>
+                <a:cs typeface="Meiryo UI" panose="020B0604030504040204" pitchFamily="50" charset="-128"/>
+              </a:rPr>
+              <a:t>　</a:t>
+            </a:r>
+            <a:r>
+              <a:rPr lang="en-US" altLang="ja-JP" sz="4000" dirty="0" smtClean="0">
+                <a:latin typeface="Meiryo UI" panose="020B0604030504040204" pitchFamily="50" charset="-128"/>
+                <a:ea typeface="Meiryo UI" panose="020B0604030504040204" pitchFamily="50" charset="-128"/>
+                <a:cs typeface="Meiryo UI" panose="020B0604030504040204" pitchFamily="50" charset="-128"/>
+              </a:rPr>
+              <a:t>V2</a:t>
             </a:r>
             <a:endParaRPr kumimoji="1" lang="ja-JP" altLang="en-US" sz="4000" dirty="0"/>
           </a:p>
@@ -8347,7 +8363,7 @@
           <p:cNvPr id="11" name="テキスト ボックス 10">
             <a:extLst>
               <a:ext uri="{FF2B5EF4-FFF2-40B4-BE49-F238E27FC236}">
-                <a16:creationId xmlns="" xmlns:a16="http://schemas.microsoft.com/office/drawing/2014/main" id="{CBDBF241-6C3C-4F38-85D7-8EA2EED366DD}"/>
+                <a16:creationId xmlns:a16="http://schemas.microsoft.com/office/drawing/2014/main" xmlns="" id="{CBDBF241-6C3C-4F38-85D7-8EA2EED366DD}"/>
               </a:ext>
             </a:extLst>
           </p:cNvPr>
@@ -8423,7 +8439,7 @@
       </p:sp>
       <p:sp>
         <p:nvSpPr>
-          <p:cNvPr id="15" name="スライド番号プレースホルダー 14"/>
+          <p:cNvPr id="12" name="スライド番号プレースホルダー 11"/>
           <p:cNvSpPr>
             <a:spLocks noGrp="1"/>
           </p:cNvSpPr>
@@ -8911,7 +8927,7 @@
           <p:cNvPr id="11" name="テキスト ボックス 10">
             <a:extLst>
               <a:ext uri="{FF2B5EF4-FFF2-40B4-BE49-F238E27FC236}">
-                <a16:creationId xmlns="" xmlns:a16="http://schemas.microsoft.com/office/drawing/2014/main" id="{FDD3924C-59C7-4962-A40C-917F2D58E905}"/>
+                <a16:creationId xmlns:a16="http://schemas.microsoft.com/office/drawing/2014/main" xmlns="" id="{FDD3924C-59C7-4962-A40C-917F2D58E905}"/>
               </a:ext>
             </a:extLst>
           </p:cNvPr>
@@ -8987,7 +9003,7 @@
       </p:sp>
       <p:sp>
         <p:nvSpPr>
-          <p:cNvPr id="15" name="スライド番号プレースホルダー 14"/>
+          <p:cNvPr id="12" name="スライド番号プレースホルダー 11"/>
           <p:cNvSpPr>
             <a:spLocks noGrp="1"/>
           </p:cNvSpPr>
@@ -9542,7 +9558,7 @@
           <p:cNvPr id="11" name="テキスト ボックス 10">
             <a:extLst>
               <a:ext uri="{FF2B5EF4-FFF2-40B4-BE49-F238E27FC236}">
-                <a16:creationId xmlns="" xmlns:a16="http://schemas.microsoft.com/office/drawing/2014/main" id="{F253B77F-70F1-4C76-8703-D708C315F6E7}"/>
+                <a16:creationId xmlns:a16="http://schemas.microsoft.com/office/drawing/2014/main" xmlns="" id="{F253B77F-70F1-4C76-8703-D708C315F6E7}"/>
               </a:ext>
             </a:extLst>
           </p:cNvPr>
@@ -9611,7 +9627,7 @@
       </p:sp>
       <p:sp>
         <p:nvSpPr>
-          <p:cNvPr id="15" name="スライド番号プレースホルダー 14"/>
+          <p:cNvPr id="12" name="スライド番号プレースホルダー 11"/>
           <p:cNvSpPr>
             <a:spLocks noGrp="1"/>
           </p:cNvSpPr>
@@ -10085,7 +10101,7 @@
           <p:cNvPr id="11" name="テキスト ボックス 10">
             <a:extLst>
               <a:ext uri="{FF2B5EF4-FFF2-40B4-BE49-F238E27FC236}">
-                <a16:creationId xmlns="" xmlns:a16="http://schemas.microsoft.com/office/drawing/2014/main" id="{B8CBC6A6-A4DF-4D85-B8F8-5464732D3B81}"/>
+                <a16:creationId xmlns:a16="http://schemas.microsoft.com/office/drawing/2014/main" xmlns="" id="{B8CBC6A6-A4DF-4D85-B8F8-5464732D3B81}"/>
               </a:ext>
             </a:extLst>
           </p:cNvPr>
@@ -10138,7 +10154,7 @@
       </p:sp>
       <p:sp>
         <p:nvSpPr>
-          <p:cNvPr id="15" name="スライド番号プレースホルダー 14"/>
+          <p:cNvPr id="12" name="スライド番号プレースホルダー 11"/>
           <p:cNvSpPr>
             <a:spLocks noGrp="1"/>
           </p:cNvSpPr>
@@ -10902,7 +10918,7 @@
       </p:sp>
       <p:sp>
         <p:nvSpPr>
-          <p:cNvPr id="8" name="スライド番号プレースホルダー 7"/>
+          <p:cNvPr id="6" name="スライド番号プレースホルダー 5"/>
           <p:cNvSpPr>
             <a:spLocks noGrp="1"/>
           </p:cNvSpPr>
@@ -11055,7 +11071,7 @@
           <p:cNvPr id="7" name="コンテンツ プレースホルダー 6">
             <a:extLst>
               <a:ext uri="{FF2B5EF4-FFF2-40B4-BE49-F238E27FC236}">
-                <a16:creationId xmlns="" xmlns:a16="http://schemas.microsoft.com/office/drawing/2014/main" id="{D92C157B-B5E9-40EF-A2D6-A8B49D353884}"/>
+                <a16:creationId xmlns:a16="http://schemas.microsoft.com/office/drawing/2014/main" xmlns="" id="{D92C157B-B5E9-40EF-A2D6-A8B49D353884}"/>
               </a:ext>
             </a:extLst>
           </p:cNvPr>
@@ -11272,7 +11288,7 @@
           <p:cNvPr id="12" name="テキスト ボックス 11">
             <a:extLst>
               <a:ext uri="{FF2B5EF4-FFF2-40B4-BE49-F238E27FC236}">
-                <a16:creationId xmlns="" xmlns:a16="http://schemas.microsoft.com/office/drawing/2014/main" id="{FF510B5E-E0AA-4B2A-8D36-638BFA602D68}"/>
+                <a16:creationId xmlns:a16="http://schemas.microsoft.com/office/drawing/2014/main" xmlns="" id="{FF510B5E-E0AA-4B2A-8D36-638BFA602D68}"/>
               </a:ext>
             </a:extLst>
           </p:cNvPr>
@@ -11333,7 +11349,7 @@
           <p:cNvPr id="13" name="テキスト ボックス 12">
             <a:extLst>
               <a:ext uri="{FF2B5EF4-FFF2-40B4-BE49-F238E27FC236}">
-                <a16:creationId xmlns="" xmlns:a16="http://schemas.microsoft.com/office/drawing/2014/main" id="{0C28627F-2471-4D5B-9F1C-638D6BDE634D}"/>
+                <a16:creationId xmlns:a16="http://schemas.microsoft.com/office/drawing/2014/main" xmlns="" id="{0C28627F-2471-4D5B-9F1C-638D6BDE634D}"/>
               </a:ext>
             </a:extLst>
           </p:cNvPr>
@@ -11435,7 +11451,7 @@
       </p:sp>
       <p:sp>
         <p:nvSpPr>
-          <p:cNvPr id="14" name="スライド番号プレースホルダー 13"/>
+          <p:cNvPr id="9" name="スライド番号プレースホルダー 8"/>
           <p:cNvSpPr>
             <a:spLocks noGrp="1"/>
           </p:cNvSpPr>
@@ -12049,7 +12065,7 @@
           <p:cNvPr id="12" name="テキスト ボックス 11">
             <a:extLst>
               <a:ext uri="{FF2B5EF4-FFF2-40B4-BE49-F238E27FC236}">
-                <a16:creationId xmlns="" xmlns:a16="http://schemas.microsoft.com/office/drawing/2014/main" id="{FF510B5E-E0AA-4B2A-8D36-638BFA602D68}"/>
+                <a16:creationId xmlns:a16="http://schemas.microsoft.com/office/drawing/2014/main" xmlns="" id="{FF510B5E-E0AA-4B2A-8D36-638BFA602D68}"/>
               </a:ext>
             </a:extLst>
           </p:cNvPr>
@@ -12110,7 +12126,7 @@
           <p:cNvPr id="13" name="テキスト ボックス 12">
             <a:extLst>
               <a:ext uri="{FF2B5EF4-FFF2-40B4-BE49-F238E27FC236}">
-                <a16:creationId xmlns="" xmlns:a16="http://schemas.microsoft.com/office/drawing/2014/main" id="{0C28627F-2471-4D5B-9F1C-638D6BDE634D}"/>
+                <a16:creationId xmlns:a16="http://schemas.microsoft.com/office/drawing/2014/main" xmlns="" id="{0C28627F-2471-4D5B-9F1C-638D6BDE634D}"/>
               </a:ext>
             </a:extLst>
           </p:cNvPr>
@@ -12212,7 +12228,7 @@
       </p:sp>
       <p:sp>
         <p:nvSpPr>
-          <p:cNvPr id="15" name="スライド番号プレースホルダー 14"/>
+          <p:cNvPr id="8" name="スライド番号プレースホルダー 7"/>
           <p:cNvSpPr>
             <a:spLocks noGrp="1"/>
           </p:cNvSpPr>
@@ -12548,7 +12564,7 @@
           <p:cNvPr id="12" name="テキスト ボックス 11">
             <a:extLst>
               <a:ext uri="{FF2B5EF4-FFF2-40B4-BE49-F238E27FC236}">
-                <a16:creationId xmlns="" xmlns:a16="http://schemas.microsoft.com/office/drawing/2014/main" id="{FF510B5E-E0AA-4B2A-8D36-638BFA602D68}"/>
+                <a16:creationId xmlns:a16="http://schemas.microsoft.com/office/drawing/2014/main" xmlns="" id="{FF510B5E-E0AA-4B2A-8D36-638BFA602D68}"/>
               </a:ext>
             </a:extLst>
           </p:cNvPr>
@@ -12609,7 +12625,7 @@
           <p:cNvPr id="13" name="テキスト ボックス 12">
             <a:extLst>
               <a:ext uri="{FF2B5EF4-FFF2-40B4-BE49-F238E27FC236}">
-                <a16:creationId xmlns="" xmlns:a16="http://schemas.microsoft.com/office/drawing/2014/main" id="{0C28627F-2471-4D5B-9F1C-638D6BDE634D}"/>
+                <a16:creationId xmlns:a16="http://schemas.microsoft.com/office/drawing/2014/main" xmlns="" id="{0C28627F-2471-4D5B-9F1C-638D6BDE634D}"/>
               </a:ext>
             </a:extLst>
           </p:cNvPr>
@@ -12802,7 +12818,7 @@
       </p:sp>
       <p:sp>
         <p:nvSpPr>
-          <p:cNvPr id="10" name="スライド番号プレースホルダー 9"/>
+          <p:cNvPr id="8" name="スライド番号プレースホルダー 7"/>
           <p:cNvSpPr>
             <a:spLocks noGrp="1"/>
           </p:cNvSpPr>
@@ -13522,7 +13538,7 @@
       </p:sp>
       <p:sp>
         <p:nvSpPr>
-          <p:cNvPr id="16" name="スライド番号プレースホルダー 15"/>
+          <p:cNvPr id="11" name="スライド番号プレースホルダー 10"/>
           <p:cNvSpPr>
             <a:spLocks noGrp="1"/>
           </p:cNvSpPr>
@@ -13941,7 +13957,7 @@
           <p:cNvPr id="12" name="テキスト ボックス 11">
             <a:extLst>
               <a:ext uri="{FF2B5EF4-FFF2-40B4-BE49-F238E27FC236}">
-                <a16:creationId xmlns="" xmlns:a16="http://schemas.microsoft.com/office/drawing/2014/main" id="{FF510B5E-E0AA-4B2A-8D36-638BFA602D68}"/>
+                <a16:creationId xmlns:a16="http://schemas.microsoft.com/office/drawing/2014/main" xmlns="" id="{FF510B5E-E0AA-4B2A-8D36-638BFA602D68}"/>
               </a:ext>
             </a:extLst>
           </p:cNvPr>
@@ -14002,7 +14018,7 @@
           <p:cNvPr id="13" name="テキスト ボックス 12">
             <a:extLst>
               <a:ext uri="{FF2B5EF4-FFF2-40B4-BE49-F238E27FC236}">
-                <a16:creationId xmlns="" xmlns:a16="http://schemas.microsoft.com/office/drawing/2014/main" id="{0C28627F-2471-4D5B-9F1C-638D6BDE634D}"/>
+                <a16:creationId xmlns:a16="http://schemas.microsoft.com/office/drawing/2014/main" xmlns="" id="{0C28627F-2471-4D5B-9F1C-638D6BDE634D}"/>
               </a:ext>
             </a:extLst>
           </p:cNvPr>
@@ -14060,7 +14076,7 @@
       </p:sp>
       <p:sp>
         <p:nvSpPr>
-          <p:cNvPr id="16" name="スライド番号プレースホルダー 15"/>
+          <p:cNvPr id="8" name="スライド番号プレースホルダー 7"/>
           <p:cNvSpPr>
             <a:spLocks noGrp="1"/>
           </p:cNvSpPr>
@@ -14575,7 +14591,7 @@
           <p:cNvPr id="12" name="テキスト ボックス 11">
             <a:extLst>
               <a:ext uri="{FF2B5EF4-FFF2-40B4-BE49-F238E27FC236}">
-                <a16:creationId xmlns="" xmlns:a16="http://schemas.microsoft.com/office/drawing/2014/main" id="{FF510B5E-E0AA-4B2A-8D36-638BFA602D68}"/>
+                <a16:creationId xmlns:a16="http://schemas.microsoft.com/office/drawing/2014/main" xmlns="" id="{FF510B5E-E0AA-4B2A-8D36-638BFA602D68}"/>
               </a:ext>
             </a:extLst>
           </p:cNvPr>
@@ -14636,7 +14652,7 @@
           <p:cNvPr id="13" name="テキスト ボックス 12">
             <a:extLst>
               <a:ext uri="{FF2B5EF4-FFF2-40B4-BE49-F238E27FC236}">
-                <a16:creationId xmlns="" xmlns:a16="http://schemas.microsoft.com/office/drawing/2014/main" id="{0C28627F-2471-4D5B-9F1C-638D6BDE634D}"/>
+                <a16:creationId xmlns:a16="http://schemas.microsoft.com/office/drawing/2014/main" xmlns="" id="{0C28627F-2471-4D5B-9F1C-638D6BDE634D}"/>
               </a:ext>
             </a:extLst>
           </p:cNvPr>
@@ -14697,7 +14713,7 @@
           <p:cNvPr id="16" name="コンテンツ プレースホルダー 9">
             <a:extLst>
               <a:ext uri="{FF2B5EF4-FFF2-40B4-BE49-F238E27FC236}">
-                <a16:creationId xmlns="" xmlns:a16="http://schemas.microsoft.com/office/drawing/2014/main" id="{9B601336-CB7B-4780-9410-ABB576DA17EE}"/>
+                <a16:creationId xmlns:a16="http://schemas.microsoft.com/office/drawing/2014/main" xmlns="" id="{9B601336-CB7B-4780-9410-ABB576DA17EE}"/>
               </a:ext>
             </a:extLst>
           </p:cNvPr>
@@ -14812,7 +14828,7 @@
       </p:sp>
       <p:sp>
         <p:nvSpPr>
-          <p:cNvPr id="10" name="スライド番号プレースホルダー 9"/>
+          <p:cNvPr id="8" name="スライド番号プレースホルダー 7"/>
           <p:cNvSpPr>
             <a:spLocks noGrp="1"/>
           </p:cNvSpPr>
@@ -15365,7 +15381,7 @@
           <p:cNvPr id="12" name="テキスト ボックス 11">
             <a:extLst>
               <a:ext uri="{FF2B5EF4-FFF2-40B4-BE49-F238E27FC236}">
-                <a16:creationId xmlns="" xmlns:a16="http://schemas.microsoft.com/office/drawing/2014/main" id="{FF510B5E-E0AA-4B2A-8D36-638BFA602D68}"/>
+                <a16:creationId xmlns:a16="http://schemas.microsoft.com/office/drawing/2014/main" xmlns="" id="{FF510B5E-E0AA-4B2A-8D36-638BFA602D68}"/>
               </a:ext>
             </a:extLst>
           </p:cNvPr>
@@ -15426,7 +15442,7 @@
           <p:cNvPr id="13" name="テキスト ボックス 12">
             <a:extLst>
               <a:ext uri="{FF2B5EF4-FFF2-40B4-BE49-F238E27FC236}">
-                <a16:creationId xmlns="" xmlns:a16="http://schemas.microsoft.com/office/drawing/2014/main" id="{0C28627F-2471-4D5B-9F1C-638D6BDE634D}"/>
+                <a16:creationId xmlns:a16="http://schemas.microsoft.com/office/drawing/2014/main" xmlns="" id="{0C28627F-2471-4D5B-9F1C-638D6BDE634D}"/>
               </a:ext>
             </a:extLst>
           </p:cNvPr>
@@ -15487,7 +15503,7 @@
           <p:cNvPr id="7" name="テキスト ボックス 6">
             <a:extLst>
               <a:ext uri="{FF2B5EF4-FFF2-40B4-BE49-F238E27FC236}">
-                <a16:creationId xmlns="" xmlns:a16="http://schemas.microsoft.com/office/drawing/2014/main" id="{58D5AA38-B6AA-4F91-BA34-D87874533A28}"/>
+                <a16:creationId xmlns:a16="http://schemas.microsoft.com/office/drawing/2014/main" xmlns="" id="{58D5AA38-B6AA-4F91-BA34-D87874533A28}"/>
               </a:ext>
             </a:extLst>
           </p:cNvPr>
@@ -15536,7 +15552,7 @@
       </p:sp>
       <p:sp>
         <p:nvSpPr>
-          <p:cNvPr id="15" name="スライド番号プレースホルダー 14"/>
+          <p:cNvPr id="11" name="スライド番号プレースホルダー 10"/>
           <p:cNvSpPr>
             <a:spLocks noGrp="1"/>
           </p:cNvSpPr>
@@ -16082,7 +16098,7 @@
       </p:sp>
       <p:sp>
         <p:nvSpPr>
-          <p:cNvPr id="14" name="スライド番号プレースホルダー 13"/>
+          <p:cNvPr id="11" name="スライド番号プレースホルダー 10"/>
           <p:cNvSpPr>
             <a:spLocks noGrp="1"/>
           </p:cNvSpPr>
@@ -16710,7 +16726,7 @@
           <p:cNvPr id="11" name="テキスト ボックス 10">
             <a:extLst>
               <a:ext uri="{FF2B5EF4-FFF2-40B4-BE49-F238E27FC236}">
-                <a16:creationId xmlns="" xmlns:a16="http://schemas.microsoft.com/office/drawing/2014/main" id="{5FE0365D-2DA5-44E1-946C-6471C3FA5F44}"/>
+                <a16:creationId xmlns:a16="http://schemas.microsoft.com/office/drawing/2014/main" xmlns="" id="{5FE0365D-2DA5-44E1-946C-6471C3FA5F44}"/>
               </a:ext>
             </a:extLst>
           </p:cNvPr>
@@ -16771,7 +16787,7 @@
       </p:sp>
       <p:sp>
         <p:nvSpPr>
-          <p:cNvPr id="15" name="スライド番号プレースホルダー 14"/>
+          <p:cNvPr id="12" name="スライド番号プレースホルダー 11"/>
           <p:cNvSpPr>
             <a:spLocks noGrp="1"/>
           </p:cNvSpPr>
@@ -17421,7 +17437,7 @@
           <p:cNvPr id="11" name="テキスト ボックス 10">
             <a:extLst>
               <a:ext uri="{FF2B5EF4-FFF2-40B4-BE49-F238E27FC236}">
-                <a16:creationId xmlns="" xmlns:a16="http://schemas.microsoft.com/office/drawing/2014/main" id="{E285A9D9-68B8-438C-98B4-750324D5DDFF}"/>
+                <a16:creationId xmlns:a16="http://schemas.microsoft.com/office/drawing/2014/main" xmlns="" id="{E285A9D9-68B8-438C-98B4-750324D5DDFF}"/>
               </a:ext>
             </a:extLst>
           </p:cNvPr>
@@ -17504,7 +17520,7 @@
       </p:sp>
       <p:sp>
         <p:nvSpPr>
-          <p:cNvPr id="15" name="スライド番号プレースホルダー 14"/>
+          <p:cNvPr id="12" name="スライド番号プレースホルダー 11"/>
           <p:cNvSpPr>
             <a:spLocks noGrp="1"/>
           </p:cNvSpPr>
@@ -17978,7 +17994,7 @@
       </p:sp>
       <p:sp>
         <p:nvSpPr>
-          <p:cNvPr id="7" name="スライド番号プレースホルダー 6"/>
+          <p:cNvPr id="5" name="スライド番号プレースホルダー 4"/>
           <p:cNvSpPr>
             <a:spLocks noGrp="1"/>
           </p:cNvSpPr>
@@ -18640,7 +18656,7 @@
           <p:cNvPr id="13" name="テキスト ボックス 12">
             <a:extLst>
               <a:ext uri="{FF2B5EF4-FFF2-40B4-BE49-F238E27FC236}">
-                <a16:creationId xmlns="" xmlns:a16="http://schemas.microsoft.com/office/drawing/2014/main" id="{D1867D30-FE7F-465D-8A8D-6ED4DE5DE2D0}"/>
+                <a16:creationId xmlns:a16="http://schemas.microsoft.com/office/drawing/2014/main" xmlns="" id="{D1867D30-FE7F-465D-8A8D-6ED4DE5DE2D0}"/>
               </a:ext>
             </a:extLst>
           </p:cNvPr>
@@ -18700,7 +18716,7 @@
       </p:sp>
       <p:sp>
         <p:nvSpPr>
-          <p:cNvPr id="14" name="スライド番号プレースホルダー 13"/>
+          <p:cNvPr id="11" name="スライド番号プレースホルダー 10"/>
           <p:cNvSpPr>
             <a:spLocks noGrp="1"/>
           </p:cNvSpPr>
@@ -19204,7 +19220,7 @@
           <p:cNvPr id="11" name="テキスト ボックス 10">
             <a:extLst>
               <a:ext uri="{FF2B5EF4-FFF2-40B4-BE49-F238E27FC236}">
-                <a16:creationId xmlns="" xmlns:a16="http://schemas.microsoft.com/office/drawing/2014/main" id="{754F9331-8652-43EF-AEC7-0E42F96CC6FA}"/>
+                <a16:creationId xmlns:a16="http://schemas.microsoft.com/office/drawing/2014/main" xmlns="" id="{754F9331-8652-43EF-AEC7-0E42F96CC6FA}"/>
               </a:ext>
             </a:extLst>
           </p:cNvPr>
@@ -19265,7 +19281,7 @@
       </p:sp>
       <p:sp>
         <p:nvSpPr>
-          <p:cNvPr id="15" name="スライド番号プレースホルダー 14"/>
+          <p:cNvPr id="12" name="スライド番号プレースホルダー 11"/>
           <p:cNvSpPr>
             <a:spLocks noGrp="1"/>
           </p:cNvSpPr>
@@ -19780,7 +19796,7 @@
           <p:cNvPr id="11" name="テキスト ボックス 10">
             <a:extLst>
               <a:ext uri="{FF2B5EF4-FFF2-40B4-BE49-F238E27FC236}">
-                <a16:creationId xmlns="" xmlns:a16="http://schemas.microsoft.com/office/drawing/2014/main" id="{688448FE-C9DD-43F1-A340-7370B03658B0}"/>
+                <a16:creationId xmlns:a16="http://schemas.microsoft.com/office/drawing/2014/main" xmlns="" id="{688448FE-C9DD-43F1-A340-7370B03658B0}"/>
               </a:ext>
             </a:extLst>
           </p:cNvPr>
@@ -19863,7 +19879,7 @@
       </p:sp>
       <p:sp>
         <p:nvSpPr>
-          <p:cNvPr id="15" name="スライド番号プレースホルダー 14"/>
+          <p:cNvPr id="12" name="スライド番号プレースホルダー 11"/>
           <p:cNvSpPr>
             <a:spLocks noGrp="1"/>
           </p:cNvSpPr>
@@ -20366,7 +20382,7 @@
           <p:cNvPr id="12" name="テキスト ボックス 11">
             <a:extLst>
               <a:ext uri="{FF2B5EF4-FFF2-40B4-BE49-F238E27FC236}">
-                <a16:creationId xmlns="" xmlns:a16="http://schemas.microsoft.com/office/drawing/2014/main" id="{FF510B5E-E0AA-4B2A-8D36-638BFA602D68}"/>
+                <a16:creationId xmlns:a16="http://schemas.microsoft.com/office/drawing/2014/main" xmlns="" id="{FF510B5E-E0AA-4B2A-8D36-638BFA602D68}"/>
               </a:ext>
             </a:extLst>
           </p:cNvPr>
@@ -20427,7 +20443,7 @@
           <p:cNvPr id="13" name="テキスト ボックス 12">
             <a:extLst>
               <a:ext uri="{FF2B5EF4-FFF2-40B4-BE49-F238E27FC236}">
-                <a16:creationId xmlns="" xmlns:a16="http://schemas.microsoft.com/office/drawing/2014/main" id="{0C28627F-2471-4D5B-9F1C-638D6BDE634D}"/>
+                <a16:creationId xmlns:a16="http://schemas.microsoft.com/office/drawing/2014/main" xmlns="" id="{0C28627F-2471-4D5B-9F1C-638D6BDE634D}"/>
               </a:ext>
             </a:extLst>
           </p:cNvPr>
@@ -20532,7 +20548,7 @@
           <p:cNvPr id="7" name="正方形/長方形 6">
             <a:extLst>
               <a:ext uri="{FF2B5EF4-FFF2-40B4-BE49-F238E27FC236}">
-                <a16:creationId xmlns="" xmlns:a16="http://schemas.microsoft.com/office/drawing/2014/main" id="{244B7846-3E69-4550-B2FB-307647B94455}"/>
+                <a16:creationId xmlns:a16="http://schemas.microsoft.com/office/drawing/2014/main" xmlns="" id="{244B7846-3E69-4550-B2FB-307647B94455}"/>
               </a:ext>
             </a:extLst>
           </p:cNvPr>
@@ -20568,7 +20584,7 @@
       </p:sp>
       <p:sp>
         <p:nvSpPr>
-          <p:cNvPr id="14" name="スライド番号プレースホルダー 13"/>
+          <p:cNvPr id="9" name="スライド番号プレースホルダー 8"/>
           <p:cNvSpPr>
             <a:spLocks noGrp="1"/>
           </p:cNvSpPr>
@@ -21200,7 +21216,7 @@
           <p:cNvPr id="12" name="テキスト ボックス 11">
             <a:extLst>
               <a:ext uri="{FF2B5EF4-FFF2-40B4-BE49-F238E27FC236}">
-                <a16:creationId xmlns="" xmlns:a16="http://schemas.microsoft.com/office/drawing/2014/main" id="{FF510B5E-E0AA-4B2A-8D36-638BFA602D68}"/>
+                <a16:creationId xmlns:a16="http://schemas.microsoft.com/office/drawing/2014/main" xmlns="" id="{FF510B5E-E0AA-4B2A-8D36-638BFA602D68}"/>
               </a:ext>
             </a:extLst>
           </p:cNvPr>
@@ -21261,7 +21277,7 @@
           <p:cNvPr id="13" name="テキスト ボックス 12">
             <a:extLst>
               <a:ext uri="{FF2B5EF4-FFF2-40B4-BE49-F238E27FC236}">
-                <a16:creationId xmlns="" xmlns:a16="http://schemas.microsoft.com/office/drawing/2014/main" id="{0C28627F-2471-4D5B-9F1C-638D6BDE634D}"/>
+                <a16:creationId xmlns:a16="http://schemas.microsoft.com/office/drawing/2014/main" xmlns="" id="{0C28627F-2471-4D5B-9F1C-638D6BDE634D}"/>
               </a:ext>
             </a:extLst>
           </p:cNvPr>
@@ -21417,7 +21433,7 @@
       </p:sp>
       <p:sp>
         <p:nvSpPr>
-          <p:cNvPr id="14" name="スライド番号プレースホルダー 13"/>
+          <p:cNvPr id="9" name="スライド番号プレースホルダー 8"/>
           <p:cNvSpPr>
             <a:spLocks noGrp="1"/>
           </p:cNvSpPr>
@@ -22292,7 +22308,7 @@
           <p:cNvPr id="14" name="テキスト ボックス 13">
             <a:extLst>
               <a:ext uri="{FF2B5EF4-FFF2-40B4-BE49-F238E27FC236}">
-                <a16:creationId xmlns="" xmlns:a16="http://schemas.microsoft.com/office/drawing/2014/main" id="{1F3C87A8-C9D5-403A-9141-1BF329374B2F}"/>
+                <a16:creationId xmlns:a16="http://schemas.microsoft.com/office/drawing/2014/main" xmlns="" id="{1F3C87A8-C9D5-403A-9141-1BF329374B2F}"/>
               </a:ext>
             </a:extLst>
           </p:cNvPr>
@@ -22374,7 +22390,7 @@
       </p:sp>
       <p:sp>
         <p:nvSpPr>
-          <p:cNvPr id="13" name="スライド番号プレースホルダー 12"/>
+          <p:cNvPr id="11" name="スライド番号プレースホルダー 10"/>
           <p:cNvSpPr>
             <a:spLocks noGrp="1"/>
           </p:cNvSpPr>
@@ -23133,7 +23149,7 @@
           <p:cNvPr id="12" name="テキスト ボックス 11">
             <a:extLst>
               <a:ext uri="{FF2B5EF4-FFF2-40B4-BE49-F238E27FC236}">
-                <a16:creationId xmlns="" xmlns:a16="http://schemas.microsoft.com/office/drawing/2014/main" id="{FF510B5E-E0AA-4B2A-8D36-638BFA602D68}"/>
+                <a16:creationId xmlns:a16="http://schemas.microsoft.com/office/drawing/2014/main" xmlns="" id="{FF510B5E-E0AA-4B2A-8D36-638BFA602D68}"/>
               </a:ext>
             </a:extLst>
           </p:cNvPr>
@@ -23194,7 +23210,7 @@
           <p:cNvPr id="13" name="テキスト ボックス 12">
             <a:extLst>
               <a:ext uri="{FF2B5EF4-FFF2-40B4-BE49-F238E27FC236}">
-                <a16:creationId xmlns="" xmlns:a16="http://schemas.microsoft.com/office/drawing/2014/main" id="{0C28627F-2471-4D5B-9F1C-638D6BDE634D}"/>
+                <a16:creationId xmlns:a16="http://schemas.microsoft.com/office/drawing/2014/main" xmlns="" id="{0C28627F-2471-4D5B-9F1C-638D6BDE634D}"/>
               </a:ext>
             </a:extLst>
           </p:cNvPr>
@@ -23296,7 +23312,7 @@
       </p:sp>
       <p:sp>
         <p:nvSpPr>
-          <p:cNvPr id="11" name="スライド番号プレースホルダー 10"/>
+          <p:cNvPr id="8" name="スライド番号プレースホルダー 7"/>
           <p:cNvSpPr>
             <a:spLocks noGrp="1"/>
           </p:cNvSpPr>
@@ -23560,7 +23576,7 @@
       </p:sp>
       <p:sp>
         <p:nvSpPr>
-          <p:cNvPr id="7" name="スライド番号プレースホルダー 6"/>
+          <p:cNvPr id="5" name="スライド番号プレースホルダー 4"/>
           <p:cNvSpPr>
             <a:spLocks noGrp="1"/>
           </p:cNvSpPr>
@@ -24381,7 +24397,7 @@
           <p:cNvPr id="11" name="テキスト ボックス 10">
             <a:extLst>
               <a:ext uri="{FF2B5EF4-FFF2-40B4-BE49-F238E27FC236}">
-                <a16:creationId xmlns="" xmlns:a16="http://schemas.microsoft.com/office/drawing/2014/main" id="{3224FE39-BAEA-4CD9-B412-F0BA506C14A4}"/>
+                <a16:creationId xmlns:a16="http://schemas.microsoft.com/office/drawing/2014/main" xmlns="" id="{3224FE39-BAEA-4CD9-B412-F0BA506C14A4}"/>
               </a:ext>
             </a:extLst>
           </p:cNvPr>
@@ -24437,7 +24453,7 @@
           <p:cNvPr id="12" name="テキスト ボックス 11">
             <a:extLst>
               <a:ext uri="{FF2B5EF4-FFF2-40B4-BE49-F238E27FC236}">
-                <a16:creationId xmlns="" xmlns:a16="http://schemas.microsoft.com/office/drawing/2014/main" id="{D727DA9C-9E06-4E5E-904B-9FE18FC0F557}"/>
+                <a16:creationId xmlns:a16="http://schemas.microsoft.com/office/drawing/2014/main" xmlns="" id="{D727DA9C-9E06-4E5E-904B-9FE18FC0F557}"/>
               </a:ext>
             </a:extLst>
           </p:cNvPr>
@@ -24490,7 +24506,7 @@
       </p:sp>
       <p:sp>
         <p:nvSpPr>
-          <p:cNvPr id="16" name="スライド番号プレースホルダー 15"/>
+          <p:cNvPr id="13" name="スライド番号プレースホルダー 12"/>
           <p:cNvSpPr>
             <a:spLocks noGrp="1"/>
           </p:cNvSpPr>
@@ -24980,7 +24996,7 @@
           <p:cNvPr id="11" name="テキスト ボックス 10">
             <a:extLst>
               <a:ext uri="{FF2B5EF4-FFF2-40B4-BE49-F238E27FC236}">
-                <a16:creationId xmlns="" xmlns:a16="http://schemas.microsoft.com/office/drawing/2014/main" id="{F6244045-13BF-4DAF-95C0-AD4A5E63C6F5}"/>
+                <a16:creationId xmlns:a16="http://schemas.microsoft.com/office/drawing/2014/main" xmlns="" id="{F6244045-13BF-4DAF-95C0-AD4A5E63C6F5}"/>
               </a:ext>
             </a:extLst>
           </p:cNvPr>
@@ -25060,7 +25076,7 @@
       </p:sp>
       <p:sp>
         <p:nvSpPr>
-          <p:cNvPr id="15" name="スライド番号プレースホルダー 14"/>
+          <p:cNvPr id="12" name="スライド番号プレースホルダー 11"/>
           <p:cNvSpPr>
             <a:spLocks noGrp="1"/>
           </p:cNvSpPr>
@@ -25573,7 +25589,7 @@
           <p:cNvPr id="11" name="テキスト ボックス 10">
             <a:extLst>
               <a:ext uri="{FF2B5EF4-FFF2-40B4-BE49-F238E27FC236}">
-                <a16:creationId xmlns="" xmlns:a16="http://schemas.microsoft.com/office/drawing/2014/main" id="{D7C43168-A981-4C44-B720-84CFB61613FA}"/>
+                <a16:creationId xmlns:a16="http://schemas.microsoft.com/office/drawing/2014/main" xmlns="" id="{D7C43168-A981-4C44-B720-84CFB61613FA}"/>
               </a:ext>
             </a:extLst>
           </p:cNvPr>
@@ -25634,7 +25650,7 @@
       </p:sp>
       <p:sp>
         <p:nvSpPr>
-          <p:cNvPr id="15" name="スライド番号プレースホルダー 14"/>
+          <p:cNvPr id="12" name="スライド番号プレースホルダー 11"/>
           <p:cNvSpPr>
             <a:spLocks noGrp="1"/>
           </p:cNvSpPr>
@@ -26094,7 +26110,7 @@
           <p:cNvPr id="11" name="テキスト ボックス 10">
             <a:extLst>
               <a:ext uri="{FF2B5EF4-FFF2-40B4-BE49-F238E27FC236}">
-                <a16:creationId xmlns="" xmlns:a16="http://schemas.microsoft.com/office/drawing/2014/main" id="{D69AB619-9418-4A18-9DF8-A83427F9DBDD}"/>
+                <a16:creationId xmlns:a16="http://schemas.microsoft.com/office/drawing/2014/main" xmlns="" id="{D69AB619-9418-4A18-9DF8-A83427F9DBDD}"/>
               </a:ext>
             </a:extLst>
           </p:cNvPr>
@@ -26161,7 +26177,7 @@
       </p:sp>
       <p:sp>
         <p:nvSpPr>
-          <p:cNvPr id="15" name="スライド番号プレースホルダー 14"/>
+          <p:cNvPr id="12" name="スライド番号プレースホルダー 11"/>
           <p:cNvSpPr>
             <a:spLocks noGrp="1"/>
           </p:cNvSpPr>
@@ -26703,7 +26719,7 @@
           <p:cNvPr id="11" name="テキスト ボックス 10">
             <a:extLst>
               <a:ext uri="{FF2B5EF4-FFF2-40B4-BE49-F238E27FC236}">
-                <a16:creationId xmlns="" xmlns:a16="http://schemas.microsoft.com/office/drawing/2014/main" id="{F9E38008-4463-4391-838A-71F8CDF36BB5}"/>
+                <a16:creationId xmlns:a16="http://schemas.microsoft.com/office/drawing/2014/main" xmlns="" id="{F9E38008-4463-4391-838A-71F8CDF36BB5}"/>
               </a:ext>
             </a:extLst>
           </p:cNvPr>
@@ -26764,7 +26780,7 @@
       </p:sp>
       <p:sp>
         <p:nvSpPr>
-          <p:cNvPr id="15" name="スライド番号プレースホルダー 14"/>
+          <p:cNvPr id="12" name="スライド番号プレースホルダー 11"/>
           <p:cNvSpPr>
             <a:spLocks noGrp="1"/>
           </p:cNvSpPr>
@@ -27238,7 +27254,7 @@
           <p:cNvPr id="11" name="テキスト ボックス 10">
             <a:extLst>
               <a:ext uri="{FF2B5EF4-FFF2-40B4-BE49-F238E27FC236}">
-                <a16:creationId xmlns="" xmlns:a16="http://schemas.microsoft.com/office/drawing/2014/main" id="{C42B301E-8030-40DA-93BB-AEAF5A9F83A9}"/>
+                <a16:creationId xmlns:a16="http://schemas.microsoft.com/office/drawing/2014/main" xmlns="" id="{C42B301E-8030-40DA-93BB-AEAF5A9F83A9}"/>
               </a:ext>
             </a:extLst>
           </p:cNvPr>
@@ -27291,7 +27307,7 @@
       </p:sp>
       <p:sp>
         <p:nvSpPr>
-          <p:cNvPr id="15" name="スライド番号プレースホルダー 14"/>
+          <p:cNvPr id="12" name="スライド番号プレースホルダー 11"/>
           <p:cNvSpPr>
             <a:spLocks noGrp="1"/>
           </p:cNvSpPr>

--- a/Education_Material/FAQ/Misunderstandings_of_OSS_licenses_CC0.pptx
+++ b/Education_Material/FAQ/Misunderstandings_of_OSS_licenses_CC0.pptx
@@ -293,7 +293,7 @@
           <a:p>
             <a:fld id="{7EE8F3AE-FD72-4533-A5FB-266F0DC61623}" type="datetimeFigureOut">
               <a:rPr kumimoji="1" lang="ja-JP" altLang="en-US" smtClean="0"/>
-              <a:t>2022/1/5</a:t>
+              <a:t>2022/1/6</a:t>
             </a:fld>
             <a:endParaRPr kumimoji="1" lang="ja-JP" altLang="en-US"/>
           </a:p>
@@ -466,7 +466,7 @@
           <a:p>
             <a:fld id="{F0F040E9-6AB7-471E-8A6F-82F6EB81B1F8}" type="datetimeFigureOut">
               <a:rPr kumimoji="1" lang="ja-JP" altLang="en-US" smtClean="0"/>
-              <a:t>2022/1/5</a:t>
+              <a:t>2022/1/6</a:t>
             </a:fld>
             <a:endParaRPr kumimoji="1" lang="ja-JP" altLang="en-US"/>
           </a:p>
@@ -7106,7 +7106,7 @@
           <a:p>
             <a:fld id="{8CA85632-6543-417D-AA37-747D5FCD144A}" type="datetime1">
               <a:rPr kumimoji="1" lang="ja-JP" altLang="en-US" smtClean="0"/>
-              <a:t>2022/1/5</a:t>
+              <a:t>2022/1/6</a:t>
             </a:fld>
             <a:endParaRPr kumimoji="1" lang="ja-JP" altLang="en-US"/>
           </a:p>
@@ -7310,7 +7310,7 @@
           <a:p>
             <a:fld id="{B06565E3-0D02-4356-A8E4-34212A8E714C}" type="datetime1">
               <a:rPr kumimoji="1" lang="ja-JP" altLang="en-US" smtClean="0"/>
-              <a:t>2022/1/5</a:t>
+              <a:t>2022/1/6</a:t>
             </a:fld>
             <a:endParaRPr kumimoji="1" lang="ja-JP" altLang="en-US"/>
           </a:p>
@@ -7663,7 +7663,7 @@
           <a:p>
             <a:fld id="{D1AE0380-F014-4923-9788-A7EEF4DBE4AF}" type="datetime1">
               <a:rPr kumimoji="1" lang="ja-JP" altLang="en-US" smtClean="0"/>
-              <a:t>2022/1/5</a:t>
+              <a:t>2022/1/6</a:t>
             </a:fld>
             <a:endParaRPr kumimoji="1" lang="ja-JP" altLang="en-US"/>
           </a:p>
@@ -7784,7 +7784,7 @@
           <a:p>
             <a:fld id="{E820F06B-049D-4BD4-9820-27A6981014E2}" type="datetime1">
               <a:rPr kumimoji="1" lang="ja-JP" altLang="en-US" smtClean="0"/>
-              <a:t>2022/1/5</a:t>
+              <a:t>2022/1/6</a:t>
             </a:fld>
             <a:endParaRPr kumimoji="1" lang="ja-JP" altLang="en-US"/>
           </a:p>
@@ -7883,7 +7883,7 @@
           <a:p>
             <a:fld id="{63B99404-B2ED-46D2-9FEA-10E2217461D3}" type="datetime1">
               <a:rPr kumimoji="1" lang="ja-JP" altLang="en-US" smtClean="0"/>
-              <a:t>2022/1/5</a:t>
+              <a:t>2022/1/6</a:t>
             </a:fld>
             <a:endParaRPr kumimoji="1" lang="ja-JP" altLang="en-US"/>
           </a:p>
@@ -8130,7 +8130,7 @@
           <a:p>
             <a:fld id="{F8226610-8A1B-469C-9F96-3C27427A06DB}" type="datetime1">
               <a:rPr kumimoji="1" lang="ja-JP" altLang="en-US" smtClean="0"/>
-              <a:t>2022/1/5</a:t>
+              <a:t>2022/1/6</a:t>
             </a:fld>
             <a:endParaRPr kumimoji="1" lang="ja-JP" altLang="en-US"/>
           </a:p>
@@ -8590,23 +8590,7 @@
                 <a:ea typeface="Meiryo UI" panose="020B0604030504040204" pitchFamily="50" charset="-128"/>
                 <a:cs typeface="Meiryo UI" panose="020B0604030504040204" pitchFamily="50" charset="-128"/>
               </a:rPr>
-              <a:t>licenses</a:t>
-            </a:r>
-            <a:r>
-              <a:rPr lang="ja-JP" altLang="en-US" sz="4000" dirty="0">
-                <a:latin typeface="Meiryo UI" panose="020B0604030504040204" pitchFamily="50" charset="-128"/>
-                <a:ea typeface="Meiryo UI" panose="020B0604030504040204" pitchFamily="50" charset="-128"/>
-                <a:cs typeface="Meiryo UI" panose="020B0604030504040204" pitchFamily="50" charset="-128"/>
-              </a:rPr>
-              <a:t>　</a:t>
-            </a:r>
-            <a:r>
-              <a:rPr lang="en-US" altLang="ja-JP" sz="4000" dirty="0">
-                <a:latin typeface="Meiryo UI" panose="020B0604030504040204" pitchFamily="50" charset="-128"/>
-                <a:ea typeface="Meiryo UI" panose="020B0604030504040204" pitchFamily="50" charset="-128"/>
-                <a:cs typeface="Meiryo UI" panose="020B0604030504040204" pitchFamily="50" charset="-128"/>
-              </a:rPr>
-              <a:t>V7</a:t>
+              <a:t>licenses V7</a:t>
             </a:r>
             <a:endParaRPr kumimoji="1" lang="ja-JP" altLang="en-US" sz="4000" dirty="0"/>
           </a:p>
@@ -8779,7 +8763,30 @@
                 <a:ea typeface="Meiryo UI" panose="020B0604030504040204" pitchFamily="50" charset="-128"/>
                 <a:cs typeface="Meiryo UI" panose="020B0604030504040204" pitchFamily="50" charset="-128"/>
               </a:rPr>
-              <a:t>for this document can be used under the CC0-1.0(Public Domain).  </a:t>
+              <a:t>for this document can be used under the </a:t>
+            </a:r>
+            <a:r>
+              <a:rPr lang="en-US" altLang="ja-JP" sz="2400" dirty="0">
+                <a:solidFill>
+                  <a:schemeClr val="tx1"/>
+                </a:solidFill>
+                <a:latin typeface="Meiryo UI" panose="020B0604030504040204" pitchFamily="50" charset="-128"/>
+                <a:ea typeface="Meiryo UI" panose="020B0604030504040204" pitchFamily="50" charset="-128"/>
+                <a:cs typeface="Meiryo UI" panose="020B0604030504040204" pitchFamily="50" charset="-128"/>
+                <a:hlinkClick r:id="rId4"/>
+              </a:rPr>
+              <a:t>Creative Commons CC0 1.0 Universal</a:t>
+            </a:r>
+            <a:r>
+              <a:rPr lang="en-US" altLang="ja-JP" sz="2200" dirty="0">
+                <a:solidFill>
+                  <a:schemeClr val="tx1"/>
+                </a:solidFill>
+                <a:latin typeface="Meiryo UI" panose="020B0604030504040204" pitchFamily="50" charset="-128"/>
+                <a:ea typeface="Meiryo UI" panose="020B0604030504040204" pitchFamily="50" charset="-128"/>
+                <a:cs typeface="Meiryo UI" panose="020B0604030504040204" pitchFamily="50" charset="-128"/>
+              </a:rPr>
+              <a:t>.  </a:t>
             </a:r>
           </a:p>
           <a:p>
@@ -8836,7 +8843,7 @@
                 <a:latin typeface="Meiryo UI" panose="020B0604030504040204" pitchFamily="50" charset="-128"/>
                 <a:ea typeface="Meiryo UI" panose="020B0604030504040204" pitchFamily="50" charset="-128"/>
                 <a:cs typeface="Meiryo UI" panose="020B0604030504040204" pitchFamily="50" charset="-128"/>
-                <a:hlinkClick r:id="rId4"/>
+                <a:hlinkClick r:id="rId5"/>
               </a:rPr>
               <a:t>OpenChain</a:t>
             </a:r>
@@ -8848,7 +8855,7 @@
                 <a:latin typeface="Meiryo UI" panose="020B0604030504040204" pitchFamily="50" charset="-128"/>
                 <a:ea typeface="Meiryo UI" panose="020B0604030504040204" pitchFamily="50" charset="-128"/>
                 <a:cs typeface="Meiryo UI" panose="020B0604030504040204" pitchFamily="50" charset="-128"/>
-                <a:hlinkClick r:id="rId4"/>
+                <a:hlinkClick r:id="rId5"/>
               </a:rPr>
               <a:t> Japan WG</a:t>
             </a:r>
@@ -8911,7 +8918,7 @@
                 <a:latin typeface="Meiryo UI" panose="020B0604030504040204" pitchFamily="50" charset="-128"/>
                 <a:ea typeface="Meiryo UI" panose="020B0604030504040204" pitchFamily="50" charset="-128"/>
                 <a:cs typeface="Meiryo UI" panose="020B0604030504040204" pitchFamily="50" charset="-128"/>
-                <a:hlinkClick r:id="rId5"/>
+                <a:hlinkClick r:id="rId6"/>
               </a:rPr>
               <a:t>OpenSource</a:t>
             </a:r>
@@ -8923,7 +8930,7 @@
                 <a:latin typeface="Meiryo UI" panose="020B0604030504040204" pitchFamily="50" charset="-128"/>
                 <a:ea typeface="Meiryo UI" panose="020B0604030504040204" pitchFamily="50" charset="-128"/>
                 <a:cs typeface="Meiryo UI" panose="020B0604030504040204" pitchFamily="50" charset="-128"/>
-                <a:hlinkClick r:id="rId5"/>
+                <a:hlinkClick r:id="rId6"/>
               </a:rPr>
               <a:t> License Laboratory</a:t>
             </a:r>
@@ -9552,10 +9559,10 @@
       </p:sp>
       <p:sp>
         <p:nvSpPr>
-          <p:cNvPr id="17" name="スライド番号プレースホルダー 16">
+          <p:cNvPr id="7" name="スライド番号プレースホルダー 6">
             <a:extLst>
               <a:ext uri="{FF2B5EF4-FFF2-40B4-BE49-F238E27FC236}">
-                <a16:creationId xmlns:a16="http://schemas.microsoft.com/office/drawing/2014/main" id="{99174534-593F-4C80-8139-CEB47E4AE110}"/>
+                <a16:creationId xmlns:a16="http://schemas.microsoft.com/office/drawing/2014/main" id="{F63848E7-205A-4C95-888A-0E14EAA4B25C}"/>
               </a:ext>
             </a:extLst>
           </p:cNvPr>
@@ -10157,10 +10164,10 @@
       </p:sp>
       <p:sp>
         <p:nvSpPr>
-          <p:cNvPr id="16" name="スライド番号プレースホルダー 15">
+          <p:cNvPr id="12" name="スライド番号プレースホルダー 11">
             <a:extLst>
               <a:ext uri="{FF2B5EF4-FFF2-40B4-BE49-F238E27FC236}">
-                <a16:creationId xmlns:a16="http://schemas.microsoft.com/office/drawing/2014/main" id="{0F5E19DB-D926-405A-8A3D-5DEC9EB60E30}"/>
+                <a16:creationId xmlns:a16="http://schemas.microsoft.com/office/drawing/2014/main" id="{9A8A51DF-97B5-4F6B-9F1F-4AF0DDB035FF}"/>
               </a:ext>
             </a:extLst>
           </p:cNvPr>
@@ -10762,10 +10769,10 @@
       </p:sp>
       <p:sp>
         <p:nvSpPr>
-          <p:cNvPr id="17" name="スライド番号プレースホルダー 16">
+          <p:cNvPr id="7" name="スライド番号プレースホルダー 6">
             <a:extLst>
               <a:ext uri="{FF2B5EF4-FFF2-40B4-BE49-F238E27FC236}">
-                <a16:creationId xmlns:a16="http://schemas.microsoft.com/office/drawing/2014/main" id="{49C0B18F-0230-4F52-B5C3-CCC20EC9E576}"/>
+                <a16:creationId xmlns:a16="http://schemas.microsoft.com/office/drawing/2014/main" id="{396A6D68-6151-4CB7-B1A4-8BED64B4F879}"/>
               </a:ext>
             </a:extLst>
           </p:cNvPr>
@@ -11298,10 +11305,10 @@
       </p:sp>
       <p:sp>
         <p:nvSpPr>
-          <p:cNvPr id="16" name="スライド番号プレースホルダー 15">
+          <p:cNvPr id="12" name="スライド番号プレースホルダー 11">
             <a:extLst>
               <a:ext uri="{FF2B5EF4-FFF2-40B4-BE49-F238E27FC236}">
-                <a16:creationId xmlns:a16="http://schemas.microsoft.com/office/drawing/2014/main" id="{F3450804-E7B9-40DC-BF44-A339433C1340}"/>
+                <a16:creationId xmlns:a16="http://schemas.microsoft.com/office/drawing/2014/main" id="{EA642DAA-145A-40D5-9EEA-A71101103DB5}"/>
               </a:ext>
             </a:extLst>
           </p:cNvPr>
@@ -11832,10 +11839,10 @@
       </p:sp>
       <p:sp>
         <p:nvSpPr>
-          <p:cNvPr id="15" name="スライド番号プレースホルダー 14">
+          <p:cNvPr id="7" name="スライド番号プレースホルダー 6">
             <a:extLst>
               <a:ext uri="{FF2B5EF4-FFF2-40B4-BE49-F238E27FC236}">
-                <a16:creationId xmlns:a16="http://schemas.microsoft.com/office/drawing/2014/main" id="{C225C3A1-A83F-4F83-A1E4-7115C5BB865B}"/>
+                <a16:creationId xmlns:a16="http://schemas.microsoft.com/office/drawing/2014/main" id="{DA94CD78-9790-4BAE-A3D5-3334237904D3}"/>
               </a:ext>
             </a:extLst>
           </p:cNvPr>
@@ -12395,10 +12402,10 @@
       </p:sp>
       <p:sp>
         <p:nvSpPr>
-          <p:cNvPr id="16" name="スライド番号プレースホルダー 15">
+          <p:cNvPr id="7" name="スライド番号プレースホルダー 6">
             <a:extLst>
               <a:ext uri="{FF2B5EF4-FFF2-40B4-BE49-F238E27FC236}">
-                <a16:creationId xmlns:a16="http://schemas.microsoft.com/office/drawing/2014/main" id="{5F0FC656-70B4-435F-A849-673F819C176C}"/>
+                <a16:creationId xmlns:a16="http://schemas.microsoft.com/office/drawing/2014/main" id="{2BD9833B-9E7F-4E9B-ABBC-8A292B98E8F1}"/>
               </a:ext>
             </a:extLst>
           </p:cNvPr>
@@ -12929,10 +12936,10 @@
       </p:sp>
       <p:sp>
         <p:nvSpPr>
-          <p:cNvPr id="16" name="スライド番号プレースホルダー 15">
+          <p:cNvPr id="7" name="スライド番号プレースホルダー 6">
             <a:extLst>
               <a:ext uri="{FF2B5EF4-FFF2-40B4-BE49-F238E27FC236}">
-                <a16:creationId xmlns:a16="http://schemas.microsoft.com/office/drawing/2014/main" id="{B0E6DCD0-84C4-4FBB-9A80-98ED6035F931}"/>
+                <a16:creationId xmlns:a16="http://schemas.microsoft.com/office/drawing/2014/main" id="{C87529DE-11A3-460D-9D1E-89EBE28B1B6F}"/>
               </a:ext>
             </a:extLst>
           </p:cNvPr>
@@ -13503,10 +13510,10 @@
       </p:sp>
       <p:sp>
         <p:nvSpPr>
-          <p:cNvPr id="17" name="スライド番号プレースホルダー 16">
+          <p:cNvPr id="7" name="スライド番号プレースホルダー 6">
             <a:extLst>
               <a:ext uri="{FF2B5EF4-FFF2-40B4-BE49-F238E27FC236}">
-                <a16:creationId xmlns:a16="http://schemas.microsoft.com/office/drawing/2014/main" id="{AFA51AD5-2B21-40FC-9C8E-037C52FF1EF9}"/>
+                <a16:creationId xmlns:a16="http://schemas.microsoft.com/office/drawing/2014/main" id="{16003564-6046-4D26-ADDF-C9FA8CCAF01A}"/>
               </a:ext>
             </a:extLst>
           </p:cNvPr>
@@ -14099,10 +14106,10 @@
       </p:sp>
       <p:sp>
         <p:nvSpPr>
-          <p:cNvPr id="16" name="スライド番号プレースホルダー 15">
+          <p:cNvPr id="12" name="スライド番号プレースホルダー 11">
             <a:extLst>
               <a:ext uri="{FF2B5EF4-FFF2-40B4-BE49-F238E27FC236}">
-                <a16:creationId xmlns:a16="http://schemas.microsoft.com/office/drawing/2014/main" id="{4307BD52-70EB-4E59-962A-92CA047257D8}"/>
+                <a16:creationId xmlns:a16="http://schemas.microsoft.com/office/drawing/2014/main" id="{16AE90CB-E853-4E46-A0A3-0931CD77E5B7}"/>
               </a:ext>
             </a:extLst>
           </p:cNvPr>
@@ -14687,10 +14694,10 @@
       </p:sp>
       <p:sp>
         <p:nvSpPr>
-          <p:cNvPr id="16" name="スライド番号プレースホルダー 15">
+          <p:cNvPr id="12" name="スライド番号プレースホルダー 11">
             <a:extLst>
               <a:ext uri="{FF2B5EF4-FFF2-40B4-BE49-F238E27FC236}">
-                <a16:creationId xmlns:a16="http://schemas.microsoft.com/office/drawing/2014/main" id="{B4833F25-929C-42C5-9102-D016F8E4CDFA}"/>
+                <a16:creationId xmlns:a16="http://schemas.microsoft.com/office/drawing/2014/main" id="{2205561E-7423-4AAE-819B-FDA355A6A28C}"/>
               </a:ext>
             </a:extLst>
           </p:cNvPr>
@@ -15677,10 +15684,10 @@
       </p:sp>
       <p:sp>
         <p:nvSpPr>
-          <p:cNvPr id="10" name="スライド番号プレースホルダー 9">
+          <p:cNvPr id="5" name="スライド番号プレースホルダー 4">
             <a:extLst>
               <a:ext uri="{FF2B5EF4-FFF2-40B4-BE49-F238E27FC236}">
-                <a16:creationId xmlns:a16="http://schemas.microsoft.com/office/drawing/2014/main" id="{50EB3408-ACB5-401A-BC53-1414FBD61F80}"/>
+                <a16:creationId xmlns:a16="http://schemas.microsoft.com/office/drawing/2014/main" id="{8B2E2EBE-BF7A-4C28-9B32-DEE949D6D51A}"/>
               </a:ext>
             </a:extLst>
           </p:cNvPr>
@@ -16231,10 +16238,10 @@
       </p:sp>
       <p:sp>
         <p:nvSpPr>
-          <p:cNvPr id="17" name="スライド番号プレースホルダー 16">
+          <p:cNvPr id="7" name="スライド番号プレースホルダー 6">
             <a:extLst>
               <a:ext uri="{FF2B5EF4-FFF2-40B4-BE49-F238E27FC236}">
-                <a16:creationId xmlns:a16="http://schemas.microsoft.com/office/drawing/2014/main" id="{81FF2ACA-2D22-4AEA-A71A-2811662D429D}"/>
+                <a16:creationId xmlns:a16="http://schemas.microsoft.com/office/drawing/2014/main" id="{719C7321-BA23-499F-B2D1-4E1B110AD5B8}"/>
               </a:ext>
             </a:extLst>
           </p:cNvPr>
@@ -16843,10 +16850,10 @@
       </p:sp>
       <p:sp>
         <p:nvSpPr>
-          <p:cNvPr id="16" name="スライド番号プレースホルダー 15">
+          <p:cNvPr id="7" name="スライド番号プレースホルダー 6">
             <a:extLst>
               <a:ext uri="{FF2B5EF4-FFF2-40B4-BE49-F238E27FC236}">
-                <a16:creationId xmlns:a16="http://schemas.microsoft.com/office/drawing/2014/main" id="{954877E9-BD1D-40DA-898F-1999F1B95EEB}"/>
+                <a16:creationId xmlns:a16="http://schemas.microsoft.com/office/drawing/2014/main" id="{1B93EAF8-78C3-450C-9577-3529C5BCD4A0}"/>
               </a:ext>
             </a:extLst>
           </p:cNvPr>
@@ -17429,10 +17436,10 @@
       </p:sp>
       <p:sp>
         <p:nvSpPr>
-          <p:cNvPr id="16" name="スライド番号プレースホルダー 15">
+          <p:cNvPr id="12" name="スライド番号プレースホルダー 11">
             <a:extLst>
               <a:ext uri="{FF2B5EF4-FFF2-40B4-BE49-F238E27FC236}">
-                <a16:creationId xmlns:a16="http://schemas.microsoft.com/office/drawing/2014/main" id="{681590D5-4A33-410E-A9E3-43163EB00E63}"/>
+                <a16:creationId xmlns:a16="http://schemas.microsoft.com/office/drawing/2014/main" id="{210728E4-C1FE-4961-AFFB-A5E3E541BA49}"/>
               </a:ext>
             </a:extLst>
           </p:cNvPr>
@@ -17973,10 +17980,10 @@
       </p:sp>
       <p:sp>
         <p:nvSpPr>
-          <p:cNvPr id="16" name="スライド番号プレースホルダー 15">
+          <p:cNvPr id="12" name="スライド番号プレースホルダー 11">
             <a:extLst>
               <a:ext uri="{FF2B5EF4-FFF2-40B4-BE49-F238E27FC236}">
-                <a16:creationId xmlns:a16="http://schemas.microsoft.com/office/drawing/2014/main" id="{73202DF6-3030-4402-81A6-AB89E3FD874E}"/>
+                <a16:creationId xmlns:a16="http://schemas.microsoft.com/office/drawing/2014/main" id="{D800B612-0AB4-4FF1-9E66-59158BD76B88}"/>
               </a:ext>
             </a:extLst>
           </p:cNvPr>
@@ -18523,10 +18530,10 @@
       </p:sp>
       <p:sp>
         <p:nvSpPr>
-          <p:cNvPr id="15" name="スライド番号プレースホルダー 14">
+          <p:cNvPr id="9" name="スライド番号プレースホルダー 8">
             <a:extLst>
               <a:ext uri="{FF2B5EF4-FFF2-40B4-BE49-F238E27FC236}">
-                <a16:creationId xmlns:a16="http://schemas.microsoft.com/office/drawing/2014/main" id="{DC53F42E-7566-4A39-BA9C-249CC4D475AE}"/>
+                <a16:creationId xmlns:a16="http://schemas.microsoft.com/office/drawing/2014/main" id="{B05E49C1-8D2E-4633-AA72-3FF39FF0E5D5}"/>
               </a:ext>
             </a:extLst>
           </p:cNvPr>
@@ -19102,10 +19109,10 @@
       </p:sp>
       <p:sp>
         <p:nvSpPr>
-          <p:cNvPr id="17" name="スライド番号プレースホルダー 16">
+          <p:cNvPr id="7" name="スライド番号プレースホルダー 6">
             <a:extLst>
               <a:ext uri="{FF2B5EF4-FFF2-40B4-BE49-F238E27FC236}">
-                <a16:creationId xmlns:a16="http://schemas.microsoft.com/office/drawing/2014/main" id="{13FF279E-1291-40F2-B226-1C5FC69FFF65}"/>
+                <a16:creationId xmlns:a16="http://schemas.microsoft.com/office/drawing/2014/main" id="{398CDAF4-7502-4013-9F72-BA1D07882088}"/>
               </a:ext>
             </a:extLst>
           </p:cNvPr>
@@ -19648,10 +19655,10 @@
       </p:sp>
       <p:sp>
         <p:nvSpPr>
-          <p:cNvPr id="14" name="スライド番号プレースホルダー 13">
+          <p:cNvPr id="8" name="スライド番号プレースホルダー 7">
             <a:extLst>
               <a:ext uri="{FF2B5EF4-FFF2-40B4-BE49-F238E27FC236}">
-                <a16:creationId xmlns:a16="http://schemas.microsoft.com/office/drawing/2014/main" id="{4FFF32DE-B535-4FD5-81C8-4CCBB6F9FB88}"/>
+                <a16:creationId xmlns:a16="http://schemas.microsoft.com/office/drawing/2014/main" id="{F2346687-7D69-4801-B018-5454A0FACA53}"/>
               </a:ext>
             </a:extLst>
           </p:cNvPr>
@@ -20174,10 +20181,10 @@
       </p:sp>
       <p:sp>
         <p:nvSpPr>
-          <p:cNvPr id="16" name="スライド番号プレースホルダー 15">
+          <p:cNvPr id="7" name="スライド番号プレースホルダー 6">
             <a:extLst>
               <a:ext uri="{FF2B5EF4-FFF2-40B4-BE49-F238E27FC236}">
-                <a16:creationId xmlns:a16="http://schemas.microsoft.com/office/drawing/2014/main" id="{42CA737E-AF5A-449A-A2A5-4DE3C5033812}"/>
+                <a16:creationId xmlns:a16="http://schemas.microsoft.com/office/drawing/2014/main" id="{17643B93-A53F-43B3-BE3C-4803A4F18B10}"/>
               </a:ext>
             </a:extLst>
           </p:cNvPr>
@@ -20707,10 +20714,10 @@
       </p:sp>
       <p:sp>
         <p:nvSpPr>
-          <p:cNvPr id="17" name="スライド番号プレースホルダー 16">
+          <p:cNvPr id="7" name="スライド番号プレースホルダー 6">
             <a:extLst>
               <a:ext uri="{FF2B5EF4-FFF2-40B4-BE49-F238E27FC236}">
-                <a16:creationId xmlns:a16="http://schemas.microsoft.com/office/drawing/2014/main" id="{34101893-6479-4BDC-BCB2-39A8AD2C5DAA}"/>
+                <a16:creationId xmlns:a16="http://schemas.microsoft.com/office/drawing/2014/main" id="{43DF1B20-289C-4CDD-9EBE-E9A9D293879D}"/>
               </a:ext>
             </a:extLst>
           </p:cNvPr>
@@ -21266,10 +21273,10 @@
       </p:sp>
       <p:sp>
         <p:nvSpPr>
-          <p:cNvPr id="16" name="スライド番号プレースホルダー 15">
+          <p:cNvPr id="11" name="スライド番号プレースホルダー 10">
             <a:extLst>
               <a:ext uri="{FF2B5EF4-FFF2-40B4-BE49-F238E27FC236}">
-                <a16:creationId xmlns:a16="http://schemas.microsoft.com/office/drawing/2014/main" id="{7F242797-48BF-4FEE-B11B-9AF7B34189AC}"/>
+                <a16:creationId xmlns:a16="http://schemas.microsoft.com/office/drawing/2014/main" id="{A0203AD9-C1B0-44ED-A6B3-37A871D8E87D}"/>
               </a:ext>
             </a:extLst>
           </p:cNvPr>
@@ -21814,10 +21821,10 @@
       </p:sp>
       <p:sp>
         <p:nvSpPr>
-          <p:cNvPr id="10" name="スライド番号プレースホルダー 9">
+          <p:cNvPr id="5" name="スライド番号プレースホルダー 4">
             <a:extLst>
               <a:ext uri="{FF2B5EF4-FFF2-40B4-BE49-F238E27FC236}">
-                <a16:creationId xmlns:a16="http://schemas.microsoft.com/office/drawing/2014/main" id="{8011DC10-DE5F-42F0-87EB-E80E02F26273}"/>
+                <a16:creationId xmlns:a16="http://schemas.microsoft.com/office/drawing/2014/main" id="{C59BC17B-2B3D-4D9D-A890-1755943C57BE}"/>
               </a:ext>
             </a:extLst>
           </p:cNvPr>
@@ -22367,10 +22374,10 @@
       </p:sp>
       <p:sp>
         <p:nvSpPr>
-          <p:cNvPr id="16" name="スライド番号プレースホルダー 15">
+          <p:cNvPr id="10" name="スライド番号プレースホルダー 9">
             <a:extLst>
               <a:ext uri="{FF2B5EF4-FFF2-40B4-BE49-F238E27FC236}">
-                <a16:creationId xmlns:a16="http://schemas.microsoft.com/office/drawing/2014/main" id="{9573DE84-8BD2-4F50-8BB9-08E3853B8D87}"/>
+                <a16:creationId xmlns:a16="http://schemas.microsoft.com/office/drawing/2014/main" id="{0B44D273-0CE7-40AC-8F30-EDC0BB82EC85}"/>
               </a:ext>
             </a:extLst>
           </p:cNvPr>
@@ -22911,10 +22918,10 @@
       </p:sp>
       <p:sp>
         <p:nvSpPr>
-          <p:cNvPr id="15" name="スライド番号プレースホルダー 14">
+          <p:cNvPr id="9" name="スライド番号プレースホルダー 8">
             <a:extLst>
               <a:ext uri="{FF2B5EF4-FFF2-40B4-BE49-F238E27FC236}">
-                <a16:creationId xmlns:a16="http://schemas.microsoft.com/office/drawing/2014/main" id="{A52AE3C0-FE88-4543-81AF-3F257571C6F6}"/>
+                <a16:creationId xmlns:a16="http://schemas.microsoft.com/office/drawing/2014/main" id="{001738E5-7984-41F3-8298-306583D7980A}"/>
               </a:ext>
             </a:extLst>
           </p:cNvPr>
@@ -23472,10 +23479,10 @@
       </p:sp>
       <p:sp>
         <p:nvSpPr>
-          <p:cNvPr id="17" name="スライド番号プレースホルダー 16">
+          <p:cNvPr id="7" name="スライド番号プレースホルダー 6">
             <a:extLst>
               <a:ext uri="{FF2B5EF4-FFF2-40B4-BE49-F238E27FC236}">
-                <a16:creationId xmlns:a16="http://schemas.microsoft.com/office/drawing/2014/main" id="{D9DA7D43-0B37-48FB-AC06-8844BDA8A275}"/>
+                <a16:creationId xmlns:a16="http://schemas.microsoft.com/office/drawing/2014/main" id="{69849C8F-EE03-4B83-9F1D-F7D62B4F1C79}"/>
               </a:ext>
             </a:extLst>
           </p:cNvPr>
@@ -24010,10 +24017,10 @@
       </p:sp>
       <p:sp>
         <p:nvSpPr>
-          <p:cNvPr id="16" name="スライド番号プレースホルダー 15">
+          <p:cNvPr id="11" name="スライド番号プレースホルダー 10">
             <a:extLst>
               <a:ext uri="{FF2B5EF4-FFF2-40B4-BE49-F238E27FC236}">
-                <a16:creationId xmlns:a16="http://schemas.microsoft.com/office/drawing/2014/main" id="{CCEAEC39-3E82-403F-923A-F1B648DE80B4}"/>
+                <a16:creationId xmlns:a16="http://schemas.microsoft.com/office/drawing/2014/main" id="{8083606A-7F04-48C3-83FB-26F9094B3E79}"/>
               </a:ext>
             </a:extLst>
           </p:cNvPr>
@@ -24571,10 +24578,10 @@
       </p:sp>
       <p:sp>
         <p:nvSpPr>
-          <p:cNvPr id="17" name="スライド番号プレースホルダー 16">
+          <p:cNvPr id="7" name="スライド番号プレースホルダー 6">
             <a:extLst>
               <a:ext uri="{FF2B5EF4-FFF2-40B4-BE49-F238E27FC236}">
-                <a16:creationId xmlns:a16="http://schemas.microsoft.com/office/drawing/2014/main" id="{6D167279-30B9-4AC9-8C76-0A9366AE1B07}"/>
+                <a16:creationId xmlns:a16="http://schemas.microsoft.com/office/drawing/2014/main" id="{82EE1A66-E341-42B2-8DD4-5CA04DCC2044}"/>
               </a:ext>
             </a:extLst>
           </p:cNvPr>
@@ -25142,10 +25149,10 @@
       </p:sp>
       <p:sp>
         <p:nvSpPr>
-          <p:cNvPr id="17" name="スライド番号プレースホルダー 16">
+          <p:cNvPr id="7" name="スライド番号プレースホルダー 6">
             <a:extLst>
               <a:ext uri="{FF2B5EF4-FFF2-40B4-BE49-F238E27FC236}">
-                <a16:creationId xmlns:a16="http://schemas.microsoft.com/office/drawing/2014/main" id="{3F0C2BC1-D467-4892-A9AE-5C9354862C7F}"/>
+                <a16:creationId xmlns:a16="http://schemas.microsoft.com/office/drawing/2014/main" id="{A3B669C1-25D3-42DB-ADB5-20736391E270}"/>
               </a:ext>
             </a:extLst>
           </p:cNvPr>
@@ -25698,10 +25705,10 @@
       </p:sp>
       <p:sp>
         <p:nvSpPr>
-          <p:cNvPr id="15" name="スライド番号プレースホルダー 14">
+          <p:cNvPr id="7" name="スライド番号プレースホルダー 6">
             <a:extLst>
               <a:ext uri="{FF2B5EF4-FFF2-40B4-BE49-F238E27FC236}">
-                <a16:creationId xmlns:a16="http://schemas.microsoft.com/office/drawing/2014/main" id="{C2030114-2A59-43F0-820A-0E739AD82363}"/>
+                <a16:creationId xmlns:a16="http://schemas.microsoft.com/office/drawing/2014/main" id="{6D19A1C5-2B79-42ED-90C2-7EC84F703597}"/>
               </a:ext>
             </a:extLst>
           </p:cNvPr>
@@ -26478,10 +26485,10 @@
       </p:sp>
       <p:sp>
         <p:nvSpPr>
-          <p:cNvPr id="16" name="スライド番号プレースホルダー 15">
+          <p:cNvPr id="7" name="スライド番号プレースホルダー 6">
             <a:extLst>
               <a:ext uri="{FF2B5EF4-FFF2-40B4-BE49-F238E27FC236}">
-                <a16:creationId xmlns:a16="http://schemas.microsoft.com/office/drawing/2014/main" id="{6507F1F9-8D85-454D-9851-BE878846B44B}"/>
+                <a16:creationId xmlns:a16="http://schemas.microsoft.com/office/drawing/2014/main" id="{52F511E2-AA80-4567-885C-FA508D132803}"/>
               </a:ext>
             </a:extLst>
           </p:cNvPr>
@@ -27053,10 +27060,10 @@
       </p:sp>
       <p:sp>
         <p:nvSpPr>
-          <p:cNvPr id="16" name="スライド番号プレースホルダー 15">
+          <p:cNvPr id="10" name="スライド番号プレースホルダー 9">
             <a:extLst>
               <a:ext uri="{FF2B5EF4-FFF2-40B4-BE49-F238E27FC236}">
-                <a16:creationId xmlns:a16="http://schemas.microsoft.com/office/drawing/2014/main" id="{C7A03D08-6014-4B97-89E1-9DE723688EC8}"/>
+                <a16:creationId xmlns:a16="http://schemas.microsoft.com/office/drawing/2014/main" id="{23D52D7F-1BE0-4E86-B96F-2D28E4510F65}"/>
               </a:ext>
             </a:extLst>
           </p:cNvPr>
@@ -27616,10 +27623,10 @@
       </p:sp>
       <p:sp>
         <p:nvSpPr>
-          <p:cNvPr id="17" name="スライド番号プレースホルダー 16">
+          <p:cNvPr id="7" name="スライド番号プレースホルダー 6">
             <a:extLst>
               <a:ext uri="{FF2B5EF4-FFF2-40B4-BE49-F238E27FC236}">
-                <a16:creationId xmlns:a16="http://schemas.microsoft.com/office/drawing/2014/main" id="{64E7F7CA-C109-49C4-BBC3-B306DA9BCF0E}"/>
+                <a16:creationId xmlns:a16="http://schemas.microsoft.com/office/drawing/2014/main" id="{2B1F3538-EDE6-4B57-8EE1-6A6C0C893261}"/>
               </a:ext>
             </a:extLst>
           </p:cNvPr>
@@ -28240,10 +28247,10 @@
       </p:sp>
       <p:sp>
         <p:nvSpPr>
-          <p:cNvPr id="17" name="スライド番号プレースホルダー 16">
+          <p:cNvPr id="8" name="スライド番号プレースホルダー 7">
             <a:extLst>
               <a:ext uri="{FF2B5EF4-FFF2-40B4-BE49-F238E27FC236}">
-                <a16:creationId xmlns:a16="http://schemas.microsoft.com/office/drawing/2014/main" id="{A44D0713-BE3C-44D8-A595-8284CBDA8FE7}"/>
+                <a16:creationId xmlns:a16="http://schemas.microsoft.com/office/drawing/2014/main" id="{F327C284-F010-4161-8D8D-73308DD7EBA7}"/>
               </a:ext>
             </a:extLst>
           </p:cNvPr>
@@ -28765,10 +28772,10 @@
       </p:sp>
       <p:sp>
         <p:nvSpPr>
-          <p:cNvPr id="17" name="スライド番号プレースホルダー 16">
+          <p:cNvPr id="7" name="スライド番号プレースホルダー 6">
             <a:extLst>
               <a:ext uri="{FF2B5EF4-FFF2-40B4-BE49-F238E27FC236}">
-                <a16:creationId xmlns:a16="http://schemas.microsoft.com/office/drawing/2014/main" id="{0196633A-12CF-41B9-B3E8-C93CDB8CFAE2}"/>
+                <a16:creationId xmlns:a16="http://schemas.microsoft.com/office/drawing/2014/main" id="{61B9DCBA-C955-48F7-8528-0FCE4658C476}"/>
               </a:ext>
             </a:extLst>
           </p:cNvPr>
@@ -29362,10 +29369,10 @@
       </p:sp>
       <p:sp>
         <p:nvSpPr>
-          <p:cNvPr id="17" name="スライド番号プレースホルダー 16">
+          <p:cNvPr id="7" name="スライド番号プレースホルダー 6">
             <a:extLst>
               <a:ext uri="{FF2B5EF4-FFF2-40B4-BE49-F238E27FC236}">
-                <a16:creationId xmlns:a16="http://schemas.microsoft.com/office/drawing/2014/main" id="{B064E039-6982-4C73-96EB-365B63FCF300}"/>
+                <a16:creationId xmlns:a16="http://schemas.microsoft.com/office/drawing/2014/main" id="{412A2C86-5ED0-40FE-B301-0F595087F851}"/>
               </a:ext>
             </a:extLst>
           </p:cNvPr>
@@ -29901,10 +29908,10 @@
       </p:sp>
       <p:sp>
         <p:nvSpPr>
-          <p:cNvPr id="17" name="スライド番号プレースホルダー 16">
+          <p:cNvPr id="7" name="スライド番号プレースホルダー 6">
             <a:extLst>
               <a:ext uri="{FF2B5EF4-FFF2-40B4-BE49-F238E27FC236}">
-                <a16:creationId xmlns:a16="http://schemas.microsoft.com/office/drawing/2014/main" id="{573BE4C2-1120-4DF0-8101-2CFAA27D7E47}"/>
+                <a16:creationId xmlns:a16="http://schemas.microsoft.com/office/drawing/2014/main" id="{5606D919-EB94-4D9A-8E12-D6AAC7E59865}"/>
               </a:ext>
             </a:extLst>
           </p:cNvPr>
@@ -30410,10 +30417,10 @@
       </p:sp>
       <p:sp>
         <p:nvSpPr>
-          <p:cNvPr id="16" name="スライド番号プレースホルダー 15">
+          <p:cNvPr id="7" name="スライド番号プレースホルダー 6">
             <a:extLst>
               <a:ext uri="{FF2B5EF4-FFF2-40B4-BE49-F238E27FC236}">
-                <a16:creationId xmlns:a16="http://schemas.microsoft.com/office/drawing/2014/main" id="{F23C5DBF-1167-4119-9FF6-358FB61DE79A}"/>
+                <a16:creationId xmlns:a16="http://schemas.microsoft.com/office/drawing/2014/main" id="{D2391002-1ACD-437D-B10B-B94E96E9CA1F}"/>
               </a:ext>
             </a:extLst>
           </p:cNvPr>
@@ -31040,10 +31047,10 @@
       </p:sp>
       <p:sp>
         <p:nvSpPr>
-          <p:cNvPr id="16" name="スライド番号プレースホルダー 15">
+          <p:cNvPr id="7" name="スライド番号プレースホルダー 6">
             <a:extLst>
               <a:ext uri="{FF2B5EF4-FFF2-40B4-BE49-F238E27FC236}">
-                <a16:creationId xmlns:a16="http://schemas.microsoft.com/office/drawing/2014/main" id="{6F371EF0-FEA9-4D3F-84E2-298F77F26C72}"/>
+                <a16:creationId xmlns:a16="http://schemas.microsoft.com/office/drawing/2014/main" id="{A546ED3D-E4A1-4E4A-86B7-49D6E82627B1}"/>
               </a:ext>
             </a:extLst>
           </p:cNvPr>
@@ -31632,10 +31639,10 @@
       </p:sp>
       <p:sp>
         <p:nvSpPr>
-          <p:cNvPr id="16" name="スライド番号プレースホルダー 15">
+          <p:cNvPr id="7" name="スライド番号プレースホルダー 6">
             <a:extLst>
               <a:ext uri="{FF2B5EF4-FFF2-40B4-BE49-F238E27FC236}">
-                <a16:creationId xmlns:a16="http://schemas.microsoft.com/office/drawing/2014/main" id="{CE9E96A5-618F-41E2-B000-503E0AC07A7D}"/>
+                <a16:creationId xmlns:a16="http://schemas.microsoft.com/office/drawing/2014/main" id="{BA0B9E80-76D1-413C-8583-A6A69D847EE2}"/>
               </a:ext>
             </a:extLst>
           </p:cNvPr>
@@ -32243,10 +32250,10 @@
       </p:sp>
       <p:sp>
         <p:nvSpPr>
-          <p:cNvPr id="17" name="スライド番号プレースホルダー 16">
+          <p:cNvPr id="8" name="スライド番号プレースホルダー 7">
             <a:extLst>
               <a:ext uri="{FF2B5EF4-FFF2-40B4-BE49-F238E27FC236}">
-                <a16:creationId xmlns:a16="http://schemas.microsoft.com/office/drawing/2014/main" id="{8CC1D676-7414-4E1E-B574-DA4F242600F5}"/>
+                <a16:creationId xmlns:a16="http://schemas.microsoft.com/office/drawing/2014/main" id="{D9E80A0D-C934-4C95-8A05-EF987CCEF121}"/>
               </a:ext>
             </a:extLst>
           </p:cNvPr>
@@ -32798,10 +32805,10 @@
       </p:sp>
       <p:sp>
         <p:nvSpPr>
-          <p:cNvPr id="17" name="スライド番号プレースホルダー 16">
+          <p:cNvPr id="7" name="スライド番号プレースホルダー 6">
             <a:extLst>
               <a:ext uri="{FF2B5EF4-FFF2-40B4-BE49-F238E27FC236}">
-                <a16:creationId xmlns:a16="http://schemas.microsoft.com/office/drawing/2014/main" id="{72B5F1D0-E07F-4CF1-8A62-1878C536B4CA}"/>
+                <a16:creationId xmlns:a16="http://schemas.microsoft.com/office/drawing/2014/main" id="{C9DA36E3-C334-4C7E-9ED4-FB418E1E1421}"/>
               </a:ext>
             </a:extLst>
           </p:cNvPr>
@@ -33332,10 +33339,10 @@
       </p:sp>
       <p:sp>
         <p:nvSpPr>
-          <p:cNvPr id="17" name="スライド番号プレースホルダー 16">
+          <p:cNvPr id="7" name="スライド番号プレースホルダー 6">
             <a:extLst>
               <a:ext uri="{FF2B5EF4-FFF2-40B4-BE49-F238E27FC236}">
-                <a16:creationId xmlns:a16="http://schemas.microsoft.com/office/drawing/2014/main" id="{579A32F9-A436-4D1B-8FDA-626FF229FCFC}"/>
+                <a16:creationId xmlns:a16="http://schemas.microsoft.com/office/drawing/2014/main" id="{5A1E1FD0-6CB6-40D4-82AB-AE51D72AA008}"/>
               </a:ext>
             </a:extLst>
           </p:cNvPr>
@@ -33877,10 +33884,10 @@
       </p:sp>
       <p:sp>
         <p:nvSpPr>
-          <p:cNvPr id="17" name="スライド番号プレースホルダー 16">
+          <p:cNvPr id="7" name="スライド番号プレースホルダー 6">
             <a:extLst>
               <a:ext uri="{FF2B5EF4-FFF2-40B4-BE49-F238E27FC236}">
-                <a16:creationId xmlns:a16="http://schemas.microsoft.com/office/drawing/2014/main" id="{BCF644C7-20B6-433A-8B4C-CA7FCB717765}"/>
+                <a16:creationId xmlns:a16="http://schemas.microsoft.com/office/drawing/2014/main" id="{24381094-8961-4979-81F1-2A77E949EB61}"/>
               </a:ext>
             </a:extLst>
           </p:cNvPr>
@@ -34565,10 +34572,10 @@
       </p:sp>
       <p:sp>
         <p:nvSpPr>
-          <p:cNvPr id="16" name="スライド番号プレースホルダー 15">
+          <p:cNvPr id="12" name="スライド番号プレースホルダー 11">
             <a:extLst>
               <a:ext uri="{FF2B5EF4-FFF2-40B4-BE49-F238E27FC236}">
-                <a16:creationId xmlns:a16="http://schemas.microsoft.com/office/drawing/2014/main" id="{CD81BB4D-8CAE-4116-AFFF-EB2C5B0F80A9}"/>
+                <a16:creationId xmlns:a16="http://schemas.microsoft.com/office/drawing/2014/main" id="{ECC8AC88-0280-48A4-AA32-04677A7D5739}"/>
               </a:ext>
             </a:extLst>
           </p:cNvPr>
@@ -35177,10 +35184,10 @@
       </p:sp>
       <p:sp>
         <p:nvSpPr>
-          <p:cNvPr id="18" name="スライド番号プレースホルダー 17">
+          <p:cNvPr id="8" name="スライド番号プレースホルダー 7">
             <a:extLst>
               <a:ext uri="{FF2B5EF4-FFF2-40B4-BE49-F238E27FC236}">
-                <a16:creationId xmlns:a16="http://schemas.microsoft.com/office/drawing/2014/main" id="{12964427-51B7-40A0-86ED-477FA2727EC5}"/>
+                <a16:creationId xmlns:a16="http://schemas.microsoft.com/office/drawing/2014/main" id="{C3D96601-6F93-49FA-825E-27314B9F3B90}"/>
               </a:ext>
             </a:extLst>
           </p:cNvPr>
@@ -35812,10 +35819,10 @@
       </p:sp>
       <p:sp>
         <p:nvSpPr>
-          <p:cNvPr id="16" name="スライド番号プレースホルダー 15">
+          <p:cNvPr id="7" name="スライド番号プレースホルダー 6">
             <a:extLst>
               <a:ext uri="{FF2B5EF4-FFF2-40B4-BE49-F238E27FC236}">
-                <a16:creationId xmlns:a16="http://schemas.microsoft.com/office/drawing/2014/main" id="{E5683E17-064A-4823-8BB6-3CBC609F91AF}"/>
+                <a16:creationId xmlns:a16="http://schemas.microsoft.com/office/drawing/2014/main" id="{28BA4381-190D-4BAE-AF60-A2BD088038B8}"/>
               </a:ext>
             </a:extLst>
           </p:cNvPr>
@@ -36393,10 +36400,10 @@
       </p:sp>
       <p:sp>
         <p:nvSpPr>
-          <p:cNvPr id="16" name="スライド番号プレースホルダー 15">
+          <p:cNvPr id="7" name="スライド番号プレースホルダー 6">
             <a:extLst>
               <a:ext uri="{FF2B5EF4-FFF2-40B4-BE49-F238E27FC236}">
-                <a16:creationId xmlns:a16="http://schemas.microsoft.com/office/drawing/2014/main" id="{48514726-CD71-4044-ADA7-01218A2C08D3}"/>
+                <a16:creationId xmlns:a16="http://schemas.microsoft.com/office/drawing/2014/main" id="{D94B3B27-52A9-4FBF-B582-A89693B76CE1}"/>
               </a:ext>
             </a:extLst>
           </p:cNvPr>
@@ -36937,10 +36944,10 @@
       </p:sp>
       <p:sp>
         <p:nvSpPr>
-          <p:cNvPr id="16" name="スライド番号プレースホルダー 15">
+          <p:cNvPr id="7" name="スライド番号プレースホルダー 6">
             <a:extLst>
               <a:ext uri="{FF2B5EF4-FFF2-40B4-BE49-F238E27FC236}">
-                <a16:creationId xmlns:a16="http://schemas.microsoft.com/office/drawing/2014/main" id="{E64B76E4-6468-441B-8165-080585C2B0AE}"/>
+                <a16:creationId xmlns:a16="http://schemas.microsoft.com/office/drawing/2014/main" id="{E2957FFD-83E8-43EB-BB64-5565A4928D6E}"/>
               </a:ext>
             </a:extLst>
           </p:cNvPr>
@@ -37469,10 +37476,10 @@
       </p:sp>
       <p:sp>
         <p:nvSpPr>
-          <p:cNvPr id="17" name="スライド番号プレースホルダー 16">
+          <p:cNvPr id="7" name="スライド番号プレースホルダー 6">
             <a:extLst>
               <a:ext uri="{FF2B5EF4-FFF2-40B4-BE49-F238E27FC236}">
-                <a16:creationId xmlns:a16="http://schemas.microsoft.com/office/drawing/2014/main" id="{135B5B3C-3D85-474F-9695-B44D294E2A05}"/>
+                <a16:creationId xmlns:a16="http://schemas.microsoft.com/office/drawing/2014/main" id="{0B2AF0AC-5260-4FDF-878E-E935F09FAE9A}"/>
               </a:ext>
             </a:extLst>
           </p:cNvPr>
@@ -38066,10 +38073,10 @@
       </p:sp>
       <p:sp>
         <p:nvSpPr>
-          <p:cNvPr id="17" name="スライド番号プレースホルダー 16">
+          <p:cNvPr id="7" name="スライド番号プレースホルダー 6">
             <a:extLst>
               <a:ext uri="{FF2B5EF4-FFF2-40B4-BE49-F238E27FC236}">
-                <a16:creationId xmlns:a16="http://schemas.microsoft.com/office/drawing/2014/main" id="{3586F4AD-727D-4CFD-84B5-743A95D36FD2}"/>
+                <a16:creationId xmlns:a16="http://schemas.microsoft.com/office/drawing/2014/main" id="{FF7B357F-4795-4435-A7A6-77010FA284DA}"/>
               </a:ext>
             </a:extLst>
           </p:cNvPr>
@@ -38370,10 +38377,10 @@
       </p:sp>
       <p:sp>
         <p:nvSpPr>
-          <p:cNvPr id="11" name="スライド番号プレースホルダー 10">
+          <p:cNvPr id="6" name="スライド番号プレースホルダー 5">
             <a:extLst>
               <a:ext uri="{FF2B5EF4-FFF2-40B4-BE49-F238E27FC236}">
-                <a16:creationId xmlns:a16="http://schemas.microsoft.com/office/drawing/2014/main" id="{B051581A-38E9-40DC-BFFF-63FE1EC0D289}"/>
+                <a16:creationId xmlns:a16="http://schemas.microsoft.com/office/drawing/2014/main" id="{9D4B34D2-A5A4-41BF-9838-54B6C64A5E31}"/>
               </a:ext>
             </a:extLst>
           </p:cNvPr>
@@ -39220,10 +39227,10 @@
       </p:sp>
       <p:sp>
         <p:nvSpPr>
-          <p:cNvPr id="17" name="スライド番号プレースホルダー 16">
+          <p:cNvPr id="13" name="スライド番号プレースホルダー 12">
             <a:extLst>
               <a:ext uri="{FF2B5EF4-FFF2-40B4-BE49-F238E27FC236}">
-                <a16:creationId xmlns:a16="http://schemas.microsoft.com/office/drawing/2014/main" id="{2286A75D-D9BA-4355-9449-4A6495F78FF0}"/>
+                <a16:creationId xmlns:a16="http://schemas.microsoft.com/office/drawing/2014/main" id="{EA59AB87-95E6-42A8-9681-12C262506390}"/>
               </a:ext>
             </a:extLst>
           </p:cNvPr>
@@ -39829,10 +39836,10 @@
       </p:sp>
       <p:sp>
         <p:nvSpPr>
-          <p:cNvPr id="17" name="スライド番号プレースホルダー 16">
+          <p:cNvPr id="7" name="スライド番号プレースホルダー 6">
             <a:extLst>
               <a:ext uri="{FF2B5EF4-FFF2-40B4-BE49-F238E27FC236}">
-                <a16:creationId xmlns:a16="http://schemas.microsoft.com/office/drawing/2014/main" id="{6F97D1DE-F41C-4694-8C32-D7A963C9151E}"/>
+                <a16:creationId xmlns:a16="http://schemas.microsoft.com/office/drawing/2014/main" id="{56BA3ECA-5960-4A06-9783-C10F4FA417E3}"/>
               </a:ext>
             </a:extLst>
           </p:cNvPr>
@@ -40399,10 +40406,10 @@
       </p:sp>
       <p:sp>
         <p:nvSpPr>
-          <p:cNvPr id="16" name="スライド番号プレースホルダー 15">
+          <p:cNvPr id="12" name="スライド番号プレースホルダー 11">
             <a:extLst>
               <a:ext uri="{FF2B5EF4-FFF2-40B4-BE49-F238E27FC236}">
-                <a16:creationId xmlns:a16="http://schemas.microsoft.com/office/drawing/2014/main" id="{E258DA61-8D7F-4A06-9B62-22547E5416DE}"/>
+                <a16:creationId xmlns:a16="http://schemas.microsoft.com/office/drawing/2014/main" id="{A4D52D80-B4C0-488F-B586-446475EE3142}"/>
               </a:ext>
             </a:extLst>
           </p:cNvPr>
@@ -40983,10 +40990,10 @@
       </p:sp>
       <p:sp>
         <p:nvSpPr>
-          <p:cNvPr id="17" name="スライド番号プレースホルダー 16">
+          <p:cNvPr id="7" name="スライド番号プレースホルダー 6">
             <a:extLst>
               <a:ext uri="{FF2B5EF4-FFF2-40B4-BE49-F238E27FC236}">
-                <a16:creationId xmlns:a16="http://schemas.microsoft.com/office/drawing/2014/main" id="{37877E4F-CF0E-4DA8-A5C3-BDC2BCC8A69E}"/>
+                <a16:creationId xmlns:a16="http://schemas.microsoft.com/office/drawing/2014/main" id="{50FD1833-0EF8-4408-833F-C4DE759E9D59}"/>
               </a:ext>
             </a:extLst>
           </p:cNvPr>

--- a/Education_Material/FAQ/Misunderstandings_of_OSS_licenses_CC0.pptx
+++ b/Education_Material/FAQ/Misunderstandings_of_OSS_licenses_CC0.pptx
@@ -293,7 +293,7 @@
           <a:p>
             <a:fld id="{7EE8F3AE-FD72-4533-A5FB-266F0DC61623}" type="datetimeFigureOut">
               <a:rPr kumimoji="1" lang="ja-JP" altLang="en-US" smtClean="0"/>
-              <a:t>2022/1/6</a:t>
+              <a:t>2022/1/12</a:t>
             </a:fld>
             <a:endParaRPr kumimoji="1" lang="ja-JP" altLang="en-US"/>
           </a:p>
@@ -466,7 +466,7 @@
           <a:p>
             <a:fld id="{F0F040E9-6AB7-471E-8A6F-82F6EB81B1F8}" type="datetimeFigureOut">
               <a:rPr kumimoji="1" lang="ja-JP" altLang="en-US" smtClean="0"/>
-              <a:t>2022/1/6</a:t>
+              <a:t>2022/1/12</a:t>
             </a:fld>
             <a:endParaRPr kumimoji="1" lang="ja-JP" altLang="en-US"/>
           </a:p>
@@ -7106,7 +7106,7 @@
           <a:p>
             <a:fld id="{8CA85632-6543-417D-AA37-747D5FCD144A}" type="datetime1">
               <a:rPr kumimoji="1" lang="ja-JP" altLang="en-US" smtClean="0"/>
-              <a:t>2022/1/6</a:t>
+              <a:t>2022/1/12</a:t>
             </a:fld>
             <a:endParaRPr kumimoji="1" lang="ja-JP" altLang="en-US"/>
           </a:p>
@@ -7310,7 +7310,7 @@
           <a:p>
             <a:fld id="{B06565E3-0D02-4356-A8E4-34212A8E714C}" type="datetime1">
               <a:rPr kumimoji="1" lang="ja-JP" altLang="en-US" smtClean="0"/>
-              <a:t>2022/1/6</a:t>
+              <a:t>2022/1/12</a:t>
             </a:fld>
             <a:endParaRPr kumimoji="1" lang="ja-JP" altLang="en-US"/>
           </a:p>
@@ -7663,7 +7663,7 @@
           <a:p>
             <a:fld id="{D1AE0380-F014-4923-9788-A7EEF4DBE4AF}" type="datetime1">
               <a:rPr kumimoji="1" lang="ja-JP" altLang="en-US" smtClean="0"/>
-              <a:t>2022/1/6</a:t>
+              <a:t>2022/1/12</a:t>
             </a:fld>
             <a:endParaRPr kumimoji="1" lang="ja-JP" altLang="en-US"/>
           </a:p>
@@ -7784,7 +7784,7 @@
           <a:p>
             <a:fld id="{E820F06B-049D-4BD4-9820-27A6981014E2}" type="datetime1">
               <a:rPr kumimoji="1" lang="ja-JP" altLang="en-US" smtClean="0"/>
-              <a:t>2022/1/6</a:t>
+              <a:t>2022/1/12</a:t>
             </a:fld>
             <a:endParaRPr kumimoji="1" lang="ja-JP" altLang="en-US"/>
           </a:p>
@@ -7883,7 +7883,7 @@
           <a:p>
             <a:fld id="{63B99404-B2ED-46D2-9FEA-10E2217461D3}" type="datetime1">
               <a:rPr kumimoji="1" lang="ja-JP" altLang="en-US" smtClean="0"/>
-              <a:t>2022/1/6</a:t>
+              <a:t>2022/1/12</a:t>
             </a:fld>
             <a:endParaRPr kumimoji="1" lang="ja-JP" altLang="en-US"/>
           </a:p>
@@ -8130,7 +8130,7 @@
           <a:p>
             <a:fld id="{F8226610-8A1B-469C-9F96-3C27427A06DB}" type="datetime1">
               <a:rPr kumimoji="1" lang="ja-JP" altLang="en-US" smtClean="0"/>
-              <a:t>2022/1/6</a:t>
+              <a:t>2022/1/12</a:t>
             </a:fld>
             <a:endParaRPr kumimoji="1" lang="ja-JP" altLang="en-US"/>
           </a:p>
@@ -8585,7 +8585,7 @@
               <a:t> </a:t>
             </a:r>
             <a:r>
-              <a:rPr lang="en-US" altLang="ja-JP" sz="4000" dirty="0">
+              <a:rPr lang="en-US" altLang="ja-JP" sz="4000">
                 <a:latin typeface="Meiryo UI" panose="020B0604030504040204" pitchFamily="50" charset="-128"/>
                 <a:ea typeface="Meiryo UI" panose="020B0604030504040204" pitchFamily="50" charset="-128"/>
                 <a:cs typeface="Meiryo UI" panose="020B0604030504040204" pitchFamily="50" charset="-128"/>
@@ -8611,8 +8611,8 @@
         </p:nvSpPr>
         <p:spPr>
           <a:xfrm>
-            <a:off x="899592" y="3645024"/>
-            <a:ext cx="7344816" cy="2351112"/>
+            <a:off x="899592" y="3114493"/>
+            <a:ext cx="7344816" cy="3241857"/>
           </a:xfrm>
           <a:noFill/>
           <a:ln>
@@ -8763,7 +8763,50 @@
                 <a:ea typeface="Meiryo UI" panose="020B0604030504040204" pitchFamily="50" charset="-128"/>
                 <a:cs typeface="Meiryo UI" panose="020B0604030504040204" pitchFamily="50" charset="-128"/>
               </a:rPr>
-              <a:t>for this document can be used under the </a:t>
+              <a:t>for </a:t>
+            </a:r>
+            <a:r>
+              <a:rPr lang="ja-JP" altLang="en-US" sz="2200" dirty="0">
+                <a:solidFill>
+                  <a:schemeClr val="tx1"/>
+                </a:solidFill>
+                <a:latin typeface="Meiryo UI" panose="020B0604030504040204" pitchFamily="50" charset="-128"/>
+                <a:ea typeface="Meiryo UI" panose="020B0604030504040204" pitchFamily="50" charset="-128"/>
+                <a:cs typeface="Meiryo UI" panose="020B0604030504040204" pitchFamily="50" charset="-128"/>
+              </a:rPr>
+              <a:t>　</a:t>
+            </a:r>
+            <a:br>
+              <a:rPr lang="en-US" altLang="ja-JP" sz="2200" dirty="0">
+                <a:solidFill>
+                  <a:schemeClr val="tx1"/>
+                </a:solidFill>
+                <a:latin typeface="Meiryo UI" panose="020B0604030504040204" pitchFamily="50" charset="-128"/>
+                <a:ea typeface="Meiryo UI" panose="020B0604030504040204" pitchFamily="50" charset="-128"/>
+                <a:cs typeface="Meiryo UI" panose="020B0604030504040204" pitchFamily="50" charset="-128"/>
+              </a:rPr>
+            </a:br>
+            <a:r>
+              <a:rPr lang="ja-JP" altLang="en-US" sz="2200" dirty="0">
+                <a:solidFill>
+                  <a:schemeClr val="tx1"/>
+                </a:solidFill>
+                <a:latin typeface="Meiryo UI" panose="020B0604030504040204" pitchFamily="50" charset="-128"/>
+                <a:ea typeface="Meiryo UI" panose="020B0604030504040204" pitchFamily="50" charset="-128"/>
+                <a:cs typeface="Meiryo UI" panose="020B0604030504040204" pitchFamily="50" charset="-128"/>
+              </a:rPr>
+              <a:t>　 </a:t>
+            </a:r>
+            <a:r>
+              <a:rPr lang="en-US" altLang="ja-JP" sz="2200" dirty="0">
+                <a:solidFill>
+                  <a:schemeClr val="tx1"/>
+                </a:solidFill>
+                <a:latin typeface="Meiryo UI" panose="020B0604030504040204" pitchFamily="50" charset="-128"/>
+                <a:ea typeface="Meiryo UI" panose="020B0604030504040204" pitchFamily="50" charset="-128"/>
+                <a:cs typeface="Meiryo UI" panose="020B0604030504040204" pitchFamily="50" charset="-128"/>
+              </a:rPr>
+              <a:t>this document can be used under the </a:t>
             </a:r>
             <a:r>
               <a:rPr lang="en-US" altLang="ja-JP" sz="2400" dirty="0">
@@ -8796,7 +8839,7 @@
               </a:lnSpc>
             </a:pPr>
             <a:r>
-              <a:rPr lang="ja-JP" altLang="en-US" sz="2200" dirty="0">
+              <a:rPr lang="en-US" altLang="ja-JP" sz="2400" b="1" dirty="0">
                 <a:solidFill>
                   <a:schemeClr val="tx1"/>
                 </a:solidFill>
@@ -8804,10 +8847,10 @@
                 <a:ea typeface="Meiryo UI" panose="020B0604030504040204" pitchFamily="50" charset="-128"/>
                 <a:cs typeface="Meiryo UI" panose="020B0604030504040204" pitchFamily="50" charset="-128"/>
               </a:rPr>
-              <a:t>◆</a:t>
-            </a:r>
-            <a:r>
-              <a:rPr lang="en-US" altLang="ja-JP" sz="2200" dirty="0">
+              <a:t>◆This FAQ is based on Japanese law. Laws vary from country to country, and  </a:t>
+            </a:r>
+            <a:br>
+              <a:rPr lang="en-US" altLang="ja-JP" sz="2400" b="1" dirty="0">
                 <a:solidFill>
                   <a:schemeClr val="tx1"/>
                 </a:solidFill>
@@ -8815,8 +8858,75 @@
                 <a:ea typeface="Meiryo UI" panose="020B0604030504040204" pitchFamily="50" charset="-128"/>
                 <a:cs typeface="Meiryo UI" panose="020B0604030504040204" pitchFamily="50" charset="-128"/>
               </a:rPr>
-              <a:t>Please be advised that in no event shall the author and provider be liable with regard to the contents of this document. </a:t>
-            </a:r>
+            </a:br>
+            <a:r>
+              <a:rPr lang="en-US" altLang="ja-JP" sz="2400" b="1" dirty="0">
+                <a:solidFill>
+                  <a:schemeClr val="tx1"/>
+                </a:solidFill>
+                <a:latin typeface="Meiryo UI" panose="020B0604030504040204" pitchFamily="50" charset="-128"/>
+                <a:ea typeface="Meiryo UI" panose="020B0604030504040204" pitchFamily="50" charset="-128"/>
+                <a:cs typeface="Meiryo UI" panose="020B0604030504040204" pitchFamily="50" charset="-128"/>
+              </a:rPr>
+              <a:t>  measures for each case may vary from company to company. Consult your </a:t>
+            </a:r>
+            <a:br>
+              <a:rPr lang="en-US" altLang="ja-JP" sz="2400" b="1" dirty="0">
+                <a:solidFill>
+                  <a:schemeClr val="tx1"/>
+                </a:solidFill>
+                <a:latin typeface="Meiryo UI" panose="020B0604030504040204" pitchFamily="50" charset="-128"/>
+                <a:ea typeface="Meiryo UI" panose="020B0604030504040204" pitchFamily="50" charset="-128"/>
+                <a:cs typeface="Meiryo UI" panose="020B0604030504040204" pitchFamily="50" charset="-128"/>
+              </a:rPr>
+            </a:br>
+            <a:r>
+              <a:rPr lang="en-US" altLang="ja-JP" sz="2400" b="1" dirty="0">
+                <a:solidFill>
+                  <a:schemeClr val="tx1"/>
+                </a:solidFill>
+                <a:latin typeface="Meiryo UI" panose="020B0604030504040204" pitchFamily="50" charset="-128"/>
+                <a:ea typeface="Meiryo UI" panose="020B0604030504040204" pitchFamily="50" charset="-128"/>
+                <a:cs typeface="Meiryo UI" panose="020B0604030504040204" pitchFamily="50" charset="-128"/>
+              </a:rPr>
+              <a:t>  company or organization's intellectual property counsel for specific issues.</a:t>
+            </a:r>
+          </a:p>
+          <a:p>
+            <a:pPr algn="l">
+              <a:lnSpc>
+                <a:spcPct val="120000"/>
+              </a:lnSpc>
+            </a:pPr>
+            <a:r>
+              <a:rPr lang="en-US" altLang="ja-JP" sz="2400" b="1" dirty="0">
+                <a:solidFill>
+                  <a:schemeClr val="tx1"/>
+                </a:solidFill>
+                <a:latin typeface="Meiryo UI" panose="020B0604030504040204" pitchFamily="50" charset="-128"/>
+                <a:ea typeface="Meiryo UI" panose="020B0604030504040204" pitchFamily="50" charset="-128"/>
+                <a:cs typeface="Meiryo UI" panose="020B0604030504040204" pitchFamily="50" charset="-128"/>
+              </a:rPr>
+              <a:t>◆Authors and providers are not responsible for the contents of this manual.</a:t>
+            </a:r>
+            <a:br>
+              <a:rPr lang="en-US" altLang="ja-JP" sz="2200" b="1" dirty="0">
+                <a:solidFill>
+                  <a:schemeClr val="tx1"/>
+                </a:solidFill>
+                <a:latin typeface="Meiryo UI" panose="020B0604030504040204" pitchFamily="50" charset="-128"/>
+                <a:ea typeface="Meiryo UI" panose="020B0604030504040204" pitchFamily="50" charset="-128"/>
+                <a:cs typeface="Meiryo UI" panose="020B0604030504040204" pitchFamily="50" charset="-128"/>
+              </a:rPr>
+            </a:br>
+            <a:endParaRPr lang="en-US" altLang="ja-JP" sz="2200" b="1" dirty="0">
+              <a:solidFill>
+                <a:schemeClr val="tx1"/>
+              </a:solidFill>
+              <a:latin typeface="Meiryo UI" panose="020B0604030504040204" pitchFamily="50" charset="-128"/>
+              <a:ea typeface="Meiryo UI" panose="020B0604030504040204" pitchFamily="50" charset="-128"/>
+              <a:cs typeface="Meiryo UI" panose="020B0604030504040204" pitchFamily="50" charset="-128"/>
+            </a:endParaRPr>
           </a:p>
           <a:p>
             <a:pPr algn="l">
@@ -9009,7 +9119,7 @@
         <p:spPr>
           <a:xfrm>
             <a:off x="5992306" y="811752"/>
-            <a:ext cx="2584105" cy="369332"/>
+            <a:ext cx="2781274" cy="369332"/>
           </a:xfrm>
           <a:prstGeom prst="rect">
             <a:avLst/>
@@ -9024,7 +9134,7 @@
           <a:p>
             <a:r>
               <a:rPr kumimoji="1" lang="en-US" altLang="ja-JP" dirty="0"/>
-              <a:t>Updated: January 5, 2022</a:t>
+              <a:t>Updated: January 12, 2022</a:t>
             </a:r>
             <a:endParaRPr kumimoji="1" lang="ja-JP" altLang="en-US" dirty="0"/>
           </a:p>
@@ -9559,10 +9669,10 @@
       </p:sp>
       <p:sp>
         <p:nvSpPr>
-          <p:cNvPr id="7" name="スライド番号プレースホルダー 6">
+          <p:cNvPr id="17" name="スライド番号プレースホルダー 16">
             <a:extLst>
               <a:ext uri="{FF2B5EF4-FFF2-40B4-BE49-F238E27FC236}">
-                <a16:creationId xmlns:a16="http://schemas.microsoft.com/office/drawing/2014/main" id="{F63848E7-205A-4C95-888A-0E14EAA4B25C}"/>
+                <a16:creationId xmlns:a16="http://schemas.microsoft.com/office/drawing/2014/main" id="{8FBFE7F3-7E06-4D73-B616-5F8E47E3E556}"/>
               </a:ext>
             </a:extLst>
           </p:cNvPr>
@@ -10164,10 +10274,10 @@
       </p:sp>
       <p:sp>
         <p:nvSpPr>
-          <p:cNvPr id="12" name="スライド番号プレースホルダー 11">
+          <p:cNvPr id="17" name="スライド番号プレースホルダー 16">
             <a:extLst>
               <a:ext uri="{FF2B5EF4-FFF2-40B4-BE49-F238E27FC236}">
-                <a16:creationId xmlns:a16="http://schemas.microsoft.com/office/drawing/2014/main" id="{9A8A51DF-97B5-4F6B-9F1F-4AF0DDB035FF}"/>
+                <a16:creationId xmlns:a16="http://schemas.microsoft.com/office/drawing/2014/main" id="{DD06363C-A27F-4343-AB34-BD96C0202564}"/>
               </a:ext>
             </a:extLst>
           </p:cNvPr>
@@ -10769,10 +10879,10 @@
       </p:sp>
       <p:sp>
         <p:nvSpPr>
-          <p:cNvPr id="7" name="スライド番号プレースホルダー 6">
+          <p:cNvPr id="17" name="スライド番号プレースホルダー 16">
             <a:extLst>
               <a:ext uri="{FF2B5EF4-FFF2-40B4-BE49-F238E27FC236}">
-                <a16:creationId xmlns:a16="http://schemas.microsoft.com/office/drawing/2014/main" id="{396A6D68-6151-4CB7-B1A4-8BED64B4F879}"/>
+                <a16:creationId xmlns:a16="http://schemas.microsoft.com/office/drawing/2014/main" id="{FB347D0A-278D-4FFA-8292-B586496061DE}"/>
               </a:ext>
             </a:extLst>
           </p:cNvPr>
@@ -11305,10 +11415,10 @@
       </p:sp>
       <p:sp>
         <p:nvSpPr>
-          <p:cNvPr id="12" name="スライド番号プレースホルダー 11">
+          <p:cNvPr id="17" name="スライド番号プレースホルダー 16">
             <a:extLst>
               <a:ext uri="{FF2B5EF4-FFF2-40B4-BE49-F238E27FC236}">
-                <a16:creationId xmlns:a16="http://schemas.microsoft.com/office/drawing/2014/main" id="{EA642DAA-145A-40D5-9EEA-A71101103DB5}"/>
+                <a16:creationId xmlns:a16="http://schemas.microsoft.com/office/drawing/2014/main" id="{C5EF8FDA-B682-4491-B784-9DC2CCE2AF11}"/>
               </a:ext>
             </a:extLst>
           </p:cNvPr>
@@ -11839,10 +11949,10 @@
       </p:sp>
       <p:sp>
         <p:nvSpPr>
-          <p:cNvPr id="7" name="スライド番号プレースホルダー 6">
+          <p:cNvPr id="16" name="スライド番号プレースホルダー 15">
             <a:extLst>
               <a:ext uri="{FF2B5EF4-FFF2-40B4-BE49-F238E27FC236}">
-                <a16:creationId xmlns:a16="http://schemas.microsoft.com/office/drawing/2014/main" id="{DA94CD78-9790-4BAE-A3D5-3334237904D3}"/>
+                <a16:creationId xmlns:a16="http://schemas.microsoft.com/office/drawing/2014/main" id="{F2AAA0B5-799B-4E8B-9ACD-12E83B7CB4EE}"/>
               </a:ext>
             </a:extLst>
           </p:cNvPr>
@@ -12402,10 +12512,10 @@
       </p:sp>
       <p:sp>
         <p:nvSpPr>
-          <p:cNvPr id="7" name="スライド番号プレースホルダー 6">
+          <p:cNvPr id="17" name="スライド番号プレースホルダー 16">
             <a:extLst>
               <a:ext uri="{FF2B5EF4-FFF2-40B4-BE49-F238E27FC236}">
-                <a16:creationId xmlns:a16="http://schemas.microsoft.com/office/drawing/2014/main" id="{2BD9833B-9E7F-4E9B-ABBC-8A292B98E8F1}"/>
+                <a16:creationId xmlns:a16="http://schemas.microsoft.com/office/drawing/2014/main" id="{B125BAEE-F208-4D8B-A31C-A6DE45B8982A}"/>
               </a:ext>
             </a:extLst>
           </p:cNvPr>
@@ -12936,10 +13046,10 @@
       </p:sp>
       <p:sp>
         <p:nvSpPr>
-          <p:cNvPr id="7" name="スライド番号プレースホルダー 6">
+          <p:cNvPr id="17" name="スライド番号プレースホルダー 16">
             <a:extLst>
               <a:ext uri="{FF2B5EF4-FFF2-40B4-BE49-F238E27FC236}">
-                <a16:creationId xmlns:a16="http://schemas.microsoft.com/office/drawing/2014/main" id="{C87529DE-11A3-460D-9D1E-89EBE28B1B6F}"/>
+                <a16:creationId xmlns:a16="http://schemas.microsoft.com/office/drawing/2014/main" id="{29534714-F0BA-4F05-9014-110B5E64D5D0}"/>
               </a:ext>
             </a:extLst>
           </p:cNvPr>
@@ -13510,10 +13620,10 @@
       </p:sp>
       <p:sp>
         <p:nvSpPr>
-          <p:cNvPr id="7" name="スライド番号プレースホルダー 6">
+          <p:cNvPr id="17" name="スライド番号プレースホルダー 16">
             <a:extLst>
               <a:ext uri="{FF2B5EF4-FFF2-40B4-BE49-F238E27FC236}">
-                <a16:creationId xmlns:a16="http://schemas.microsoft.com/office/drawing/2014/main" id="{16003564-6046-4D26-ADDF-C9FA8CCAF01A}"/>
+                <a16:creationId xmlns:a16="http://schemas.microsoft.com/office/drawing/2014/main" id="{93CCBE45-60CC-48F4-BE9D-EA56D1E64594}"/>
               </a:ext>
             </a:extLst>
           </p:cNvPr>
@@ -14106,10 +14216,10 @@
       </p:sp>
       <p:sp>
         <p:nvSpPr>
-          <p:cNvPr id="12" name="スライド番号プレースホルダー 11">
+          <p:cNvPr id="17" name="スライド番号プレースホルダー 16">
             <a:extLst>
               <a:ext uri="{FF2B5EF4-FFF2-40B4-BE49-F238E27FC236}">
-                <a16:creationId xmlns:a16="http://schemas.microsoft.com/office/drawing/2014/main" id="{16AE90CB-E853-4E46-A0A3-0931CD77E5B7}"/>
+                <a16:creationId xmlns:a16="http://schemas.microsoft.com/office/drawing/2014/main" id="{48CA852D-EFCF-4A1D-A308-672B554F1DC0}"/>
               </a:ext>
             </a:extLst>
           </p:cNvPr>
@@ -14694,10 +14804,10 @@
       </p:sp>
       <p:sp>
         <p:nvSpPr>
-          <p:cNvPr id="12" name="スライド番号プレースホルダー 11">
+          <p:cNvPr id="17" name="スライド番号プレースホルダー 16">
             <a:extLst>
               <a:ext uri="{FF2B5EF4-FFF2-40B4-BE49-F238E27FC236}">
-                <a16:creationId xmlns:a16="http://schemas.microsoft.com/office/drawing/2014/main" id="{2205561E-7423-4AAE-819B-FDA355A6A28C}"/>
+                <a16:creationId xmlns:a16="http://schemas.microsoft.com/office/drawing/2014/main" id="{F7C4EC7D-4A64-4C22-87B9-D08B94258403}"/>
               </a:ext>
             </a:extLst>
           </p:cNvPr>
@@ -15684,10 +15794,10 @@
       </p:sp>
       <p:sp>
         <p:nvSpPr>
-          <p:cNvPr id="5" name="スライド番号プレースホルダー 4">
+          <p:cNvPr id="11" name="スライド番号プレースホルダー 10">
             <a:extLst>
               <a:ext uri="{FF2B5EF4-FFF2-40B4-BE49-F238E27FC236}">
-                <a16:creationId xmlns:a16="http://schemas.microsoft.com/office/drawing/2014/main" id="{8B2E2EBE-BF7A-4C28-9B32-DEE949D6D51A}"/>
+                <a16:creationId xmlns:a16="http://schemas.microsoft.com/office/drawing/2014/main" id="{16F4E24F-E9AE-453A-8A50-22CFAB2D5ABD}"/>
               </a:ext>
             </a:extLst>
           </p:cNvPr>
@@ -16238,10 +16348,10 @@
       </p:sp>
       <p:sp>
         <p:nvSpPr>
-          <p:cNvPr id="7" name="スライド番号プレースホルダー 6">
+          <p:cNvPr id="17" name="スライド番号プレースホルダー 16">
             <a:extLst>
               <a:ext uri="{FF2B5EF4-FFF2-40B4-BE49-F238E27FC236}">
-                <a16:creationId xmlns:a16="http://schemas.microsoft.com/office/drawing/2014/main" id="{719C7321-BA23-499F-B2D1-4E1B110AD5B8}"/>
+                <a16:creationId xmlns:a16="http://schemas.microsoft.com/office/drawing/2014/main" id="{AFBEFC17-EFD5-4531-9A49-DA08E8998FEB}"/>
               </a:ext>
             </a:extLst>
           </p:cNvPr>
@@ -16850,10 +16960,10 @@
       </p:sp>
       <p:sp>
         <p:nvSpPr>
-          <p:cNvPr id="7" name="スライド番号プレースホルダー 6">
+          <p:cNvPr id="17" name="スライド番号プレースホルダー 16">
             <a:extLst>
               <a:ext uri="{FF2B5EF4-FFF2-40B4-BE49-F238E27FC236}">
-                <a16:creationId xmlns:a16="http://schemas.microsoft.com/office/drawing/2014/main" id="{1B93EAF8-78C3-450C-9577-3529C5BCD4A0}"/>
+                <a16:creationId xmlns:a16="http://schemas.microsoft.com/office/drawing/2014/main" id="{0FA9F7C3-5B94-4F30-B995-8A45426C6E17}"/>
               </a:ext>
             </a:extLst>
           </p:cNvPr>
@@ -17436,10 +17546,10 @@
       </p:sp>
       <p:sp>
         <p:nvSpPr>
-          <p:cNvPr id="12" name="スライド番号プレースホルダー 11">
+          <p:cNvPr id="17" name="スライド番号プレースホルダー 16">
             <a:extLst>
               <a:ext uri="{FF2B5EF4-FFF2-40B4-BE49-F238E27FC236}">
-                <a16:creationId xmlns:a16="http://schemas.microsoft.com/office/drawing/2014/main" id="{210728E4-C1FE-4961-AFFB-A5E3E541BA49}"/>
+                <a16:creationId xmlns:a16="http://schemas.microsoft.com/office/drawing/2014/main" id="{4C79A0D2-1A35-4FCA-A02B-F6F0B4149404}"/>
               </a:ext>
             </a:extLst>
           </p:cNvPr>
@@ -17980,10 +18090,10 @@
       </p:sp>
       <p:sp>
         <p:nvSpPr>
-          <p:cNvPr id="12" name="スライド番号プレースホルダー 11">
+          <p:cNvPr id="17" name="スライド番号プレースホルダー 16">
             <a:extLst>
               <a:ext uri="{FF2B5EF4-FFF2-40B4-BE49-F238E27FC236}">
-                <a16:creationId xmlns:a16="http://schemas.microsoft.com/office/drawing/2014/main" id="{D800B612-0AB4-4FF1-9E66-59158BD76B88}"/>
+                <a16:creationId xmlns:a16="http://schemas.microsoft.com/office/drawing/2014/main" id="{9770A09D-133F-4C9D-B657-5795A6882FFC}"/>
               </a:ext>
             </a:extLst>
           </p:cNvPr>
@@ -18530,10 +18640,10 @@
       </p:sp>
       <p:sp>
         <p:nvSpPr>
-          <p:cNvPr id="9" name="スライド番号プレースホルダー 8">
+          <p:cNvPr id="17" name="スライド番号プレースホルダー 16">
             <a:extLst>
               <a:ext uri="{FF2B5EF4-FFF2-40B4-BE49-F238E27FC236}">
-                <a16:creationId xmlns:a16="http://schemas.microsoft.com/office/drawing/2014/main" id="{B05E49C1-8D2E-4633-AA72-3FF39FF0E5D5}"/>
+                <a16:creationId xmlns:a16="http://schemas.microsoft.com/office/drawing/2014/main" id="{A0FC63ED-957D-4E76-931A-B5D767BD4134}"/>
               </a:ext>
             </a:extLst>
           </p:cNvPr>
@@ -19109,10 +19219,10 @@
       </p:sp>
       <p:sp>
         <p:nvSpPr>
-          <p:cNvPr id="7" name="スライド番号プレースホルダー 6">
+          <p:cNvPr id="17" name="スライド番号プレースホルダー 16">
             <a:extLst>
               <a:ext uri="{FF2B5EF4-FFF2-40B4-BE49-F238E27FC236}">
-                <a16:creationId xmlns:a16="http://schemas.microsoft.com/office/drawing/2014/main" id="{398CDAF4-7502-4013-9F72-BA1D07882088}"/>
+                <a16:creationId xmlns:a16="http://schemas.microsoft.com/office/drawing/2014/main" id="{CC5A0D25-3EDD-448D-A618-D5142B7EBC2C}"/>
               </a:ext>
             </a:extLst>
           </p:cNvPr>
@@ -19655,10 +19765,10 @@
       </p:sp>
       <p:sp>
         <p:nvSpPr>
-          <p:cNvPr id="8" name="スライド番号プレースホルダー 7">
+          <p:cNvPr id="15" name="スライド番号プレースホルダー 14">
             <a:extLst>
               <a:ext uri="{FF2B5EF4-FFF2-40B4-BE49-F238E27FC236}">
-                <a16:creationId xmlns:a16="http://schemas.microsoft.com/office/drawing/2014/main" id="{F2346687-7D69-4801-B018-5454A0FACA53}"/>
+                <a16:creationId xmlns:a16="http://schemas.microsoft.com/office/drawing/2014/main" id="{A2F46542-960E-4D96-A8F9-E1E5B1CEB773}"/>
               </a:ext>
             </a:extLst>
           </p:cNvPr>
@@ -20181,10 +20291,10 @@
       </p:sp>
       <p:sp>
         <p:nvSpPr>
-          <p:cNvPr id="7" name="スライド番号プレースホルダー 6">
+          <p:cNvPr id="17" name="スライド番号プレースホルダー 16">
             <a:extLst>
               <a:ext uri="{FF2B5EF4-FFF2-40B4-BE49-F238E27FC236}">
-                <a16:creationId xmlns:a16="http://schemas.microsoft.com/office/drawing/2014/main" id="{17643B93-A53F-43B3-BE3C-4803A4F18B10}"/>
+                <a16:creationId xmlns:a16="http://schemas.microsoft.com/office/drawing/2014/main" id="{C53DEAA9-D5DD-4104-B2AB-790C83901BA9}"/>
               </a:ext>
             </a:extLst>
           </p:cNvPr>
@@ -20714,10 +20824,10 @@
       </p:sp>
       <p:sp>
         <p:nvSpPr>
-          <p:cNvPr id="7" name="スライド番号プレースホルダー 6">
+          <p:cNvPr id="17" name="スライド番号プレースホルダー 16">
             <a:extLst>
               <a:ext uri="{FF2B5EF4-FFF2-40B4-BE49-F238E27FC236}">
-                <a16:creationId xmlns:a16="http://schemas.microsoft.com/office/drawing/2014/main" id="{43DF1B20-289C-4CDD-9EBE-E9A9D293879D}"/>
+                <a16:creationId xmlns:a16="http://schemas.microsoft.com/office/drawing/2014/main" id="{D44C8F5C-98B5-4AB3-A469-1F627E027BE6}"/>
               </a:ext>
             </a:extLst>
           </p:cNvPr>
@@ -21273,10 +21383,10 @@
       </p:sp>
       <p:sp>
         <p:nvSpPr>
-          <p:cNvPr id="11" name="スライド番号プレースホルダー 10">
+          <p:cNvPr id="17" name="スライド番号プレースホルダー 16">
             <a:extLst>
               <a:ext uri="{FF2B5EF4-FFF2-40B4-BE49-F238E27FC236}">
-                <a16:creationId xmlns:a16="http://schemas.microsoft.com/office/drawing/2014/main" id="{A0203AD9-C1B0-44ED-A6B3-37A871D8E87D}"/>
+                <a16:creationId xmlns:a16="http://schemas.microsoft.com/office/drawing/2014/main" id="{59ED5FD0-AA8D-46DD-BE90-20CADE78B10D}"/>
               </a:ext>
             </a:extLst>
           </p:cNvPr>
@@ -21821,10 +21931,10 @@
       </p:sp>
       <p:sp>
         <p:nvSpPr>
-          <p:cNvPr id="5" name="スライド番号プレースホルダー 4">
+          <p:cNvPr id="11" name="スライド番号プレースホルダー 10">
             <a:extLst>
               <a:ext uri="{FF2B5EF4-FFF2-40B4-BE49-F238E27FC236}">
-                <a16:creationId xmlns:a16="http://schemas.microsoft.com/office/drawing/2014/main" id="{C59BC17B-2B3D-4D9D-A890-1755943C57BE}"/>
+                <a16:creationId xmlns:a16="http://schemas.microsoft.com/office/drawing/2014/main" id="{7C931F81-1057-4062-AB23-24EDF3A5C96D}"/>
               </a:ext>
             </a:extLst>
           </p:cNvPr>
@@ -22374,10 +22484,10 @@
       </p:sp>
       <p:sp>
         <p:nvSpPr>
-          <p:cNvPr id="10" name="スライド番号プレースホルダー 9">
+          <p:cNvPr id="17" name="スライド番号プレースホルダー 16">
             <a:extLst>
               <a:ext uri="{FF2B5EF4-FFF2-40B4-BE49-F238E27FC236}">
-                <a16:creationId xmlns:a16="http://schemas.microsoft.com/office/drawing/2014/main" id="{0B44D273-0CE7-40AC-8F30-EDC0BB82EC85}"/>
+                <a16:creationId xmlns:a16="http://schemas.microsoft.com/office/drawing/2014/main" id="{CFE5F3C2-A5E5-485D-96CE-C512F7F3C536}"/>
               </a:ext>
             </a:extLst>
           </p:cNvPr>
@@ -22918,10 +23028,10 @@
       </p:sp>
       <p:sp>
         <p:nvSpPr>
-          <p:cNvPr id="9" name="スライド番号プレースホルダー 8">
+          <p:cNvPr id="16" name="スライド番号プレースホルダー 15">
             <a:extLst>
               <a:ext uri="{FF2B5EF4-FFF2-40B4-BE49-F238E27FC236}">
-                <a16:creationId xmlns:a16="http://schemas.microsoft.com/office/drawing/2014/main" id="{001738E5-7984-41F3-8298-306583D7980A}"/>
+                <a16:creationId xmlns:a16="http://schemas.microsoft.com/office/drawing/2014/main" id="{DD2D62FE-D44F-484C-AA19-E1E7A8B5D7E6}"/>
               </a:ext>
             </a:extLst>
           </p:cNvPr>
@@ -23479,10 +23589,10 @@
       </p:sp>
       <p:sp>
         <p:nvSpPr>
-          <p:cNvPr id="7" name="スライド番号プレースホルダー 6">
+          <p:cNvPr id="17" name="スライド番号プレースホルダー 16">
             <a:extLst>
               <a:ext uri="{FF2B5EF4-FFF2-40B4-BE49-F238E27FC236}">
-                <a16:creationId xmlns:a16="http://schemas.microsoft.com/office/drawing/2014/main" id="{69849C8F-EE03-4B83-9F1D-F7D62B4F1C79}"/>
+                <a16:creationId xmlns:a16="http://schemas.microsoft.com/office/drawing/2014/main" id="{4B083F54-03B7-4AA9-A873-9E67D6A61EDA}"/>
               </a:ext>
             </a:extLst>
           </p:cNvPr>
@@ -24017,10 +24127,10 @@
       </p:sp>
       <p:sp>
         <p:nvSpPr>
-          <p:cNvPr id="11" name="スライド番号プレースホルダー 10">
+          <p:cNvPr id="17" name="スライド番号プレースホルダー 16">
             <a:extLst>
               <a:ext uri="{FF2B5EF4-FFF2-40B4-BE49-F238E27FC236}">
-                <a16:creationId xmlns:a16="http://schemas.microsoft.com/office/drawing/2014/main" id="{8083606A-7F04-48C3-83FB-26F9094B3E79}"/>
+                <a16:creationId xmlns:a16="http://schemas.microsoft.com/office/drawing/2014/main" id="{CEC4C1F5-DCD1-42B1-9145-55A836AF62F3}"/>
               </a:ext>
             </a:extLst>
           </p:cNvPr>
@@ -24578,10 +24688,10 @@
       </p:sp>
       <p:sp>
         <p:nvSpPr>
-          <p:cNvPr id="7" name="スライド番号プレースホルダー 6">
+          <p:cNvPr id="17" name="スライド番号プレースホルダー 16">
             <a:extLst>
               <a:ext uri="{FF2B5EF4-FFF2-40B4-BE49-F238E27FC236}">
-                <a16:creationId xmlns:a16="http://schemas.microsoft.com/office/drawing/2014/main" id="{82EE1A66-E341-42B2-8DD4-5CA04DCC2044}"/>
+                <a16:creationId xmlns:a16="http://schemas.microsoft.com/office/drawing/2014/main" id="{DACEC1D4-7120-46EB-832B-75A6334D6F9A}"/>
               </a:ext>
             </a:extLst>
           </p:cNvPr>
@@ -25149,10 +25259,10 @@
       </p:sp>
       <p:sp>
         <p:nvSpPr>
-          <p:cNvPr id="7" name="スライド番号プレースホルダー 6">
+          <p:cNvPr id="17" name="スライド番号プレースホルダー 16">
             <a:extLst>
               <a:ext uri="{FF2B5EF4-FFF2-40B4-BE49-F238E27FC236}">
-                <a16:creationId xmlns:a16="http://schemas.microsoft.com/office/drawing/2014/main" id="{A3B669C1-25D3-42DB-ADB5-20736391E270}"/>
+                <a16:creationId xmlns:a16="http://schemas.microsoft.com/office/drawing/2014/main" id="{8531D386-0963-4678-9BE7-60E60A11A60C}"/>
               </a:ext>
             </a:extLst>
           </p:cNvPr>
@@ -25705,10 +25815,10 @@
       </p:sp>
       <p:sp>
         <p:nvSpPr>
-          <p:cNvPr id="7" name="スライド番号プレースホルダー 6">
+          <p:cNvPr id="17" name="スライド番号プレースホルダー 16">
             <a:extLst>
               <a:ext uri="{FF2B5EF4-FFF2-40B4-BE49-F238E27FC236}">
-                <a16:creationId xmlns:a16="http://schemas.microsoft.com/office/drawing/2014/main" id="{6D19A1C5-2B79-42ED-90C2-7EC84F703597}"/>
+                <a16:creationId xmlns:a16="http://schemas.microsoft.com/office/drawing/2014/main" id="{37588AD6-F50B-44E9-B743-FF2A5AD62A0A}"/>
               </a:ext>
             </a:extLst>
           </p:cNvPr>
@@ -26485,10 +26595,10 @@
       </p:sp>
       <p:sp>
         <p:nvSpPr>
-          <p:cNvPr id="7" name="スライド番号プレースホルダー 6">
+          <p:cNvPr id="16" name="スライド番号プレースホルダー 15">
             <a:extLst>
               <a:ext uri="{FF2B5EF4-FFF2-40B4-BE49-F238E27FC236}">
-                <a16:creationId xmlns:a16="http://schemas.microsoft.com/office/drawing/2014/main" id="{52F511E2-AA80-4567-885C-FA508D132803}"/>
+                <a16:creationId xmlns:a16="http://schemas.microsoft.com/office/drawing/2014/main" id="{7E8881E0-1D6B-4F08-B905-1D5B1B7CED0D}"/>
               </a:ext>
             </a:extLst>
           </p:cNvPr>
@@ -27060,10 +27170,10 @@
       </p:sp>
       <p:sp>
         <p:nvSpPr>
-          <p:cNvPr id="10" name="スライド番号プレースホルダー 9">
+          <p:cNvPr id="17" name="スライド番号プレースホルダー 16">
             <a:extLst>
               <a:ext uri="{FF2B5EF4-FFF2-40B4-BE49-F238E27FC236}">
-                <a16:creationId xmlns:a16="http://schemas.microsoft.com/office/drawing/2014/main" id="{23D52D7F-1BE0-4E86-B96F-2D28E4510F65}"/>
+                <a16:creationId xmlns:a16="http://schemas.microsoft.com/office/drawing/2014/main" id="{E1B9E693-8055-4D93-A2FC-B96B9C2D6FD9}"/>
               </a:ext>
             </a:extLst>
           </p:cNvPr>
@@ -27623,10 +27733,10 @@
       </p:sp>
       <p:sp>
         <p:nvSpPr>
-          <p:cNvPr id="7" name="スライド番号プレースホルダー 6">
+          <p:cNvPr id="17" name="スライド番号プレースホルダー 16">
             <a:extLst>
               <a:ext uri="{FF2B5EF4-FFF2-40B4-BE49-F238E27FC236}">
-                <a16:creationId xmlns:a16="http://schemas.microsoft.com/office/drawing/2014/main" id="{2B1F3538-EDE6-4B57-8EE1-6A6C0C893261}"/>
+                <a16:creationId xmlns:a16="http://schemas.microsoft.com/office/drawing/2014/main" id="{BF4DF70A-C522-4C85-9784-DEC9D2E0EB48}"/>
               </a:ext>
             </a:extLst>
           </p:cNvPr>
@@ -28247,10 +28357,10 @@
       </p:sp>
       <p:sp>
         <p:nvSpPr>
-          <p:cNvPr id="8" name="スライド番号プレースホルダー 7">
+          <p:cNvPr id="17" name="スライド番号プレースホルダー 16">
             <a:extLst>
               <a:ext uri="{FF2B5EF4-FFF2-40B4-BE49-F238E27FC236}">
-                <a16:creationId xmlns:a16="http://schemas.microsoft.com/office/drawing/2014/main" id="{F327C284-F010-4161-8D8D-73308DD7EBA7}"/>
+                <a16:creationId xmlns:a16="http://schemas.microsoft.com/office/drawing/2014/main" id="{28E7E765-6B6F-4239-BD27-B814B4F023DD}"/>
               </a:ext>
             </a:extLst>
           </p:cNvPr>
@@ -28772,10 +28882,10 @@
       </p:sp>
       <p:sp>
         <p:nvSpPr>
-          <p:cNvPr id="7" name="スライド番号プレースホルダー 6">
+          <p:cNvPr id="17" name="スライド番号プレースホルダー 16">
             <a:extLst>
               <a:ext uri="{FF2B5EF4-FFF2-40B4-BE49-F238E27FC236}">
-                <a16:creationId xmlns:a16="http://schemas.microsoft.com/office/drawing/2014/main" id="{61B9DCBA-C955-48F7-8528-0FCE4658C476}"/>
+                <a16:creationId xmlns:a16="http://schemas.microsoft.com/office/drawing/2014/main" id="{47676016-C19D-462B-BE4A-66FF1A22357B}"/>
               </a:ext>
             </a:extLst>
           </p:cNvPr>
@@ -29369,10 +29479,10 @@
       </p:sp>
       <p:sp>
         <p:nvSpPr>
-          <p:cNvPr id="7" name="スライド番号プレースホルダー 6">
+          <p:cNvPr id="17" name="スライド番号プレースホルダー 16">
             <a:extLst>
               <a:ext uri="{FF2B5EF4-FFF2-40B4-BE49-F238E27FC236}">
-                <a16:creationId xmlns:a16="http://schemas.microsoft.com/office/drawing/2014/main" id="{412A2C86-5ED0-40FE-B301-0F595087F851}"/>
+                <a16:creationId xmlns:a16="http://schemas.microsoft.com/office/drawing/2014/main" id="{1A454CF6-28B1-4756-9666-02D74D596212}"/>
               </a:ext>
             </a:extLst>
           </p:cNvPr>
@@ -29908,10 +30018,10 @@
       </p:sp>
       <p:sp>
         <p:nvSpPr>
-          <p:cNvPr id="7" name="スライド番号プレースホルダー 6">
+          <p:cNvPr id="17" name="スライド番号プレースホルダー 16">
             <a:extLst>
               <a:ext uri="{FF2B5EF4-FFF2-40B4-BE49-F238E27FC236}">
-                <a16:creationId xmlns:a16="http://schemas.microsoft.com/office/drawing/2014/main" id="{5606D919-EB94-4D9A-8E12-D6AAC7E59865}"/>
+                <a16:creationId xmlns:a16="http://schemas.microsoft.com/office/drawing/2014/main" id="{3FED9959-5D06-4601-AC8B-C2BC3B8DDAFC}"/>
               </a:ext>
             </a:extLst>
           </p:cNvPr>
@@ -30417,10 +30527,10 @@
       </p:sp>
       <p:sp>
         <p:nvSpPr>
-          <p:cNvPr id="7" name="スライド番号プレースホルダー 6">
+          <p:cNvPr id="16" name="スライド番号プレースホルダー 15">
             <a:extLst>
               <a:ext uri="{FF2B5EF4-FFF2-40B4-BE49-F238E27FC236}">
-                <a16:creationId xmlns:a16="http://schemas.microsoft.com/office/drawing/2014/main" id="{D2391002-1ACD-437D-B10B-B94E96E9CA1F}"/>
+                <a16:creationId xmlns:a16="http://schemas.microsoft.com/office/drawing/2014/main" id="{913F57F1-8C0C-4960-9D16-7455E73D5C1A}"/>
               </a:ext>
             </a:extLst>
           </p:cNvPr>
@@ -31047,10 +31157,10 @@
       </p:sp>
       <p:sp>
         <p:nvSpPr>
-          <p:cNvPr id="7" name="スライド番号プレースホルダー 6">
+          <p:cNvPr id="17" name="スライド番号プレースホルダー 16">
             <a:extLst>
               <a:ext uri="{FF2B5EF4-FFF2-40B4-BE49-F238E27FC236}">
-                <a16:creationId xmlns:a16="http://schemas.microsoft.com/office/drawing/2014/main" id="{A546ED3D-E4A1-4E4A-86B7-49D6E82627B1}"/>
+                <a16:creationId xmlns:a16="http://schemas.microsoft.com/office/drawing/2014/main" id="{D7C635F3-F852-431E-9C32-FBFF2C73B3E0}"/>
               </a:ext>
             </a:extLst>
           </p:cNvPr>
@@ -31639,10 +31749,10 @@
       </p:sp>
       <p:sp>
         <p:nvSpPr>
-          <p:cNvPr id="7" name="スライド番号プレースホルダー 6">
+          <p:cNvPr id="17" name="スライド番号プレースホルダー 16">
             <a:extLst>
               <a:ext uri="{FF2B5EF4-FFF2-40B4-BE49-F238E27FC236}">
-                <a16:creationId xmlns:a16="http://schemas.microsoft.com/office/drawing/2014/main" id="{BA0B9E80-76D1-413C-8583-A6A69D847EE2}"/>
+                <a16:creationId xmlns:a16="http://schemas.microsoft.com/office/drawing/2014/main" id="{65C44FBD-A2E1-4B46-8260-5B488CA04260}"/>
               </a:ext>
             </a:extLst>
           </p:cNvPr>
@@ -32250,10 +32360,10 @@
       </p:sp>
       <p:sp>
         <p:nvSpPr>
-          <p:cNvPr id="8" name="スライド番号プレースホルダー 7">
+          <p:cNvPr id="17" name="スライド番号プレースホルダー 16">
             <a:extLst>
               <a:ext uri="{FF2B5EF4-FFF2-40B4-BE49-F238E27FC236}">
-                <a16:creationId xmlns:a16="http://schemas.microsoft.com/office/drawing/2014/main" id="{D9E80A0D-C934-4C95-8A05-EF987CCEF121}"/>
+                <a16:creationId xmlns:a16="http://schemas.microsoft.com/office/drawing/2014/main" id="{917D837D-8076-4B32-B2F9-F2EEA116EC25}"/>
               </a:ext>
             </a:extLst>
           </p:cNvPr>
@@ -32805,10 +32915,10 @@
       </p:sp>
       <p:sp>
         <p:nvSpPr>
-          <p:cNvPr id="7" name="スライド番号プレースホルダー 6">
+          <p:cNvPr id="17" name="スライド番号プレースホルダー 16">
             <a:extLst>
               <a:ext uri="{FF2B5EF4-FFF2-40B4-BE49-F238E27FC236}">
-                <a16:creationId xmlns:a16="http://schemas.microsoft.com/office/drawing/2014/main" id="{C9DA36E3-C334-4C7E-9ED4-FB418E1E1421}"/>
+                <a16:creationId xmlns:a16="http://schemas.microsoft.com/office/drawing/2014/main" id="{E36D7521-9887-422F-AD8F-D26E3FC5697F}"/>
               </a:ext>
             </a:extLst>
           </p:cNvPr>
@@ -33339,10 +33449,10 @@
       </p:sp>
       <p:sp>
         <p:nvSpPr>
-          <p:cNvPr id="7" name="スライド番号プレースホルダー 6">
+          <p:cNvPr id="17" name="スライド番号プレースホルダー 16">
             <a:extLst>
               <a:ext uri="{FF2B5EF4-FFF2-40B4-BE49-F238E27FC236}">
-                <a16:creationId xmlns:a16="http://schemas.microsoft.com/office/drawing/2014/main" id="{5A1E1FD0-6CB6-40D4-82AB-AE51D72AA008}"/>
+                <a16:creationId xmlns:a16="http://schemas.microsoft.com/office/drawing/2014/main" id="{9799E63C-A780-4618-BF37-4467B80DBFA9}"/>
               </a:ext>
             </a:extLst>
           </p:cNvPr>
@@ -33884,10 +33994,10 @@
       </p:sp>
       <p:sp>
         <p:nvSpPr>
-          <p:cNvPr id="7" name="スライド番号プレースホルダー 6">
+          <p:cNvPr id="17" name="スライド番号プレースホルダー 16">
             <a:extLst>
               <a:ext uri="{FF2B5EF4-FFF2-40B4-BE49-F238E27FC236}">
-                <a16:creationId xmlns:a16="http://schemas.microsoft.com/office/drawing/2014/main" id="{24381094-8961-4979-81F1-2A77E949EB61}"/>
+                <a16:creationId xmlns:a16="http://schemas.microsoft.com/office/drawing/2014/main" id="{FDC3EBFD-2A1D-47CC-ADEC-9422870D9F27}"/>
               </a:ext>
             </a:extLst>
           </p:cNvPr>
@@ -34572,10 +34682,10 @@
       </p:sp>
       <p:sp>
         <p:nvSpPr>
-          <p:cNvPr id="12" name="スライド番号プレースホルダー 11">
+          <p:cNvPr id="17" name="スライド番号プレースホルダー 16">
             <a:extLst>
               <a:ext uri="{FF2B5EF4-FFF2-40B4-BE49-F238E27FC236}">
-                <a16:creationId xmlns:a16="http://schemas.microsoft.com/office/drawing/2014/main" id="{ECC8AC88-0280-48A4-AA32-04677A7D5739}"/>
+                <a16:creationId xmlns:a16="http://schemas.microsoft.com/office/drawing/2014/main" id="{C7623001-01EB-46F2-B450-3EBFF147CA85}"/>
               </a:ext>
             </a:extLst>
           </p:cNvPr>
@@ -35184,10 +35294,10 @@
       </p:sp>
       <p:sp>
         <p:nvSpPr>
-          <p:cNvPr id="8" name="スライド番号プレースホルダー 7">
+          <p:cNvPr id="18" name="スライド番号プレースホルダー 17">
             <a:extLst>
               <a:ext uri="{FF2B5EF4-FFF2-40B4-BE49-F238E27FC236}">
-                <a16:creationId xmlns:a16="http://schemas.microsoft.com/office/drawing/2014/main" id="{C3D96601-6F93-49FA-825E-27314B9F3B90}"/>
+                <a16:creationId xmlns:a16="http://schemas.microsoft.com/office/drawing/2014/main" id="{B630DDB7-EA2F-4308-8AB4-2B34CBA28FA3}"/>
               </a:ext>
             </a:extLst>
           </p:cNvPr>
@@ -35819,10 +35929,10 @@
       </p:sp>
       <p:sp>
         <p:nvSpPr>
-          <p:cNvPr id="7" name="スライド番号プレースホルダー 6">
+          <p:cNvPr id="17" name="スライド番号プレースホルダー 16">
             <a:extLst>
               <a:ext uri="{FF2B5EF4-FFF2-40B4-BE49-F238E27FC236}">
-                <a16:creationId xmlns:a16="http://schemas.microsoft.com/office/drawing/2014/main" id="{28BA4381-190D-4BAE-AF60-A2BD088038B8}"/>
+                <a16:creationId xmlns:a16="http://schemas.microsoft.com/office/drawing/2014/main" id="{7B68DFEE-9A02-4F01-89F1-33871EC902AB}"/>
               </a:ext>
             </a:extLst>
           </p:cNvPr>
@@ -36400,10 +36510,10 @@
       </p:sp>
       <p:sp>
         <p:nvSpPr>
-          <p:cNvPr id="7" name="スライド番号プレースホルダー 6">
+          <p:cNvPr id="17" name="スライド番号プレースホルダー 16">
             <a:extLst>
               <a:ext uri="{FF2B5EF4-FFF2-40B4-BE49-F238E27FC236}">
-                <a16:creationId xmlns:a16="http://schemas.microsoft.com/office/drawing/2014/main" id="{D94B3B27-52A9-4FBF-B582-A89693B76CE1}"/>
+                <a16:creationId xmlns:a16="http://schemas.microsoft.com/office/drawing/2014/main" id="{583A7A52-5075-466A-BEB4-21EFED142C3A}"/>
               </a:ext>
             </a:extLst>
           </p:cNvPr>
@@ -36944,10 +37054,10 @@
       </p:sp>
       <p:sp>
         <p:nvSpPr>
-          <p:cNvPr id="7" name="スライド番号プレースホルダー 6">
+          <p:cNvPr id="17" name="スライド番号プレースホルダー 16">
             <a:extLst>
               <a:ext uri="{FF2B5EF4-FFF2-40B4-BE49-F238E27FC236}">
-                <a16:creationId xmlns:a16="http://schemas.microsoft.com/office/drawing/2014/main" id="{E2957FFD-83E8-43EB-BB64-5565A4928D6E}"/>
+                <a16:creationId xmlns:a16="http://schemas.microsoft.com/office/drawing/2014/main" id="{18DDB2D0-3317-4BDE-A97E-CC2D91F0DFC1}"/>
               </a:ext>
             </a:extLst>
           </p:cNvPr>
@@ -37476,10 +37586,10 @@
       </p:sp>
       <p:sp>
         <p:nvSpPr>
-          <p:cNvPr id="7" name="スライド番号プレースホルダー 6">
+          <p:cNvPr id="17" name="スライド番号プレースホルダー 16">
             <a:extLst>
               <a:ext uri="{FF2B5EF4-FFF2-40B4-BE49-F238E27FC236}">
-                <a16:creationId xmlns:a16="http://schemas.microsoft.com/office/drawing/2014/main" id="{0B2AF0AC-5260-4FDF-878E-E935F09FAE9A}"/>
+                <a16:creationId xmlns:a16="http://schemas.microsoft.com/office/drawing/2014/main" id="{E4D9D567-23FA-473A-B9C5-6CDAEFB8D31E}"/>
               </a:ext>
             </a:extLst>
           </p:cNvPr>
@@ -38073,10 +38183,10 @@
       </p:sp>
       <p:sp>
         <p:nvSpPr>
-          <p:cNvPr id="7" name="スライド番号プレースホルダー 6">
+          <p:cNvPr id="17" name="スライド番号プレースホルダー 16">
             <a:extLst>
               <a:ext uri="{FF2B5EF4-FFF2-40B4-BE49-F238E27FC236}">
-                <a16:creationId xmlns:a16="http://schemas.microsoft.com/office/drawing/2014/main" id="{FF7B357F-4795-4435-A7A6-77010FA284DA}"/>
+                <a16:creationId xmlns:a16="http://schemas.microsoft.com/office/drawing/2014/main" id="{48441F26-A194-4D79-8E07-BB0D284CF575}"/>
               </a:ext>
             </a:extLst>
           </p:cNvPr>
@@ -38377,10 +38487,10 @@
       </p:sp>
       <p:sp>
         <p:nvSpPr>
-          <p:cNvPr id="6" name="スライド番号プレースホルダー 5">
+          <p:cNvPr id="11" name="スライド番号プレースホルダー 10">
             <a:extLst>
               <a:ext uri="{FF2B5EF4-FFF2-40B4-BE49-F238E27FC236}">
-                <a16:creationId xmlns:a16="http://schemas.microsoft.com/office/drawing/2014/main" id="{9D4B34D2-A5A4-41BF-9838-54B6C64A5E31}"/>
+                <a16:creationId xmlns:a16="http://schemas.microsoft.com/office/drawing/2014/main" id="{20B40B25-ED90-48AE-A02E-7BFFB8D5D1BA}"/>
               </a:ext>
             </a:extLst>
           </p:cNvPr>
@@ -39227,10 +39337,10 @@
       </p:sp>
       <p:sp>
         <p:nvSpPr>
-          <p:cNvPr id="13" name="スライド番号プレースホルダー 12">
+          <p:cNvPr id="18" name="スライド番号プレースホルダー 17">
             <a:extLst>
               <a:ext uri="{FF2B5EF4-FFF2-40B4-BE49-F238E27FC236}">
-                <a16:creationId xmlns:a16="http://schemas.microsoft.com/office/drawing/2014/main" id="{EA59AB87-95E6-42A8-9681-12C262506390}"/>
+                <a16:creationId xmlns:a16="http://schemas.microsoft.com/office/drawing/2014/main" id="{B30FA8CF-19A5-42B7-B809-832FD493C1F3}"/>
               </a:ext>
             </a:extLst>
           </p:cNvPr>
@@ -39836,10 +39946,10 @@
       </p:sp>
       <p:sp>
         <p:nvSpPr>
-          <p:cNvPr id="7" name="スライド番号プレースホルダー 6">
+          <p:cNvPr id="17" name="スライド番号プレースホルダー 16">
             <a:extLst>
               <a:ext uri="{FF2B5EF4-FFF2-40B4-BE49-F238E27FC236}">
-                <a16:creationId xmlns:a16="http://schemas.microsoft.com/office/drawing/2014/main" id="{56BA3ECA-5960-4A06-9783-C10F4FA417E3}"/>
+                <a16:creationId xmlns:a16="http://schemas.microsoft.com/office/drawing/2014/main" id="{A73B4A02-42CA-46E6-9A89-2D688F53BBFB}"/>
               </a:ext>
             </a:extLst>
           </p:cNvPr>
@@ -40406,10 +40516,10 @@
       </p:sp>
       <p:sp>
         <p:nvSpPr>
-          <p:cNvPr id="12" name="スライド番号プレースホルダー 11">
+          <p:cNvPr id="17" name="スライド番号プレースホルダー 16">
             <a:extLst>
               <a:ext uri="{FF2B5EF4-FFF2-40B4-BE49-F238E27FC236}">
-                <a16:creationId xmlns:a16="http://schemas.microsoft.com/office/drawing/2014/main" id="{A4D52D80-B4C0-488F-B586-446475EE3142}"/>
+                <a16:creationId xmlns:a16="http://schemas.microsoft.com/office/drawing/2014/main" id="{0EF38626-A446-46D6-B746-6AF0A1D014EE}"/>
               </a:ext>
             </a:extLst>
           </p:cNvPr>
@@ -40990,10 +41100,10 @@
       </p:sp>
       <p:sp>
         <p:nvSpPr>
-          <p:cNvPr id="7" name="スライド番号プレースホルダー 6">
+          <p:cNvPr id="17" name="スライド番号プレースホルダー 16">
             <a:extLst>
               <a:ext uri="{FF2B5EF4-FFF2-40B4-BE49-F238E27FC236}">
-                <a16:creationId xmlns:a16="http://schemas.microsoft.com/office/drawing/2014/main" id="{50FD1833-0EF8-4408-833F-C4DE759E9D59}"/>
+                <a16:creationId xmlns:a16="http://schemas.microsoft.com/office/drawing/2014/main" id="{9DCE5E1D-614A-454B-9912-FCC0B5F8953A}"/>
               </a:ext>
             </a:extLst>
           </p:cNvPr>

--- a/Education_Material/FAQ/Misunderstandings_of_OSS_licenses_CC0.pptx
+++ b/Education_Material/FAQ/Misunderstandings_of_OSS_licenses_CC0.pptx
@@ -8847,7 +8847,7 @@
                 <a:ea typeface="Meiryo UI" panose="020B0604030504040204" pitchFamily="50" charset="-128"/>
                 <a:cs typeface="Meiryo UI" panose="020B0604030504040204" pitchFamily="50" charset="-128"/>
               </a:rPr>
-              <a:t>◆This FAQ is based on Japanese law. Laws vary from country to country, and  </a:t>
+              <a:t>◆The answers to the FAQ are based on business practices of Japan WG FAQ </a:t>
             </a:r>
             <a:br>
               <a:rPr lang="en-US" altLang="ja-JP" sz="2400" b="1" dirty="0">
@@ -8860,6 +8860,17 @@
               </a:rPr>
             </a:br>
             <a:r>
+              <a:rPr lang="ja-JP" altLang="en-US" sz="2400" b="1" dirty="0">
+                <a:solidFill>
+                  <a:schemeClr val="tx1"/>
+                </a:solidFill>
+                <a:latin typeface="Meiryo UI" panose="020B0604030504040204" pitchFamily="50" charset="-128"/>
+                <a:ea typeface="Meiryo UI" panose="020B0604030504040204" pitchFamily="50" charset="-128"/>
+                <a:cs typeface="Meiryo UI" panose="020B0604030504040204" pitchFamily="50" charset="-128"/>
+              </a:rPr>
+              <a:t>　</a:t>
+            </a:r>
+            <a:r>
               <a:rPr lang="en-US" altLang="ja-JP" sz="2400" b="1" dirty="0">
                 <a:solidFill>
                   <a:schemeClr val="tx1"/>
@@ -8868,7 +8879,7 @@
                 <a:ea typeface="Meiryo UI" panose="020B0604030504040204" pitchFamily="50" charset="-128"/>
                 <a:cs typeface="Meiryo UI" panose="020B0604030504040204" pitchFamily="50" charset="-128"/>
               </a:rPr>
-              <a:t>  measures for each case may vary from company to company. Consult your </a:t>
+              <a:t>Subgroup members in Japan. The interpretation on OSS license may vary </a:t>
             </a:r>
             <a:br>
               <a:rPr lang="en-US" altLang="ja-JP" sz="2400" b="1" dirty="0">
@@ -8889,7 +8900,28 @@
                 <a:ea typeface="Meiryo UI" panose="020B0604030504040204" pitchFamily="50" charset="-128"/>
                 <a:cs typeface="Meiryo UI" panose="020B0604030504040204" pitchFamily="50" charset="-128"/>
               </a:rPr>
-              <a:t>  company or organization's intellectual property counsel for specific issues.</a:t>
+              <a:t>  depending on the customary practice and/or judicial district. Consult your </a:t>
+            </a:r>
+            <a:br>
+              <a:rPr lang="en-US" altLang="ja-JP" sz="2400" b="1" dirty="0">
+                <a:solidFill>
+                  <a:schemeClr val="tx1"/>
+                </a:solidFill>
+                <a:latin typeface="Meiryo UI" panose="020B0604030504040204" pitchFamily="50" charset="-128"/>
+                <a:ea typeface="Meiryo UI" panose="020B0604030504040204" pitchFamily="50" charset="-128"/>
+                <a:cs typeface="Meiryo UI" panose="020B0604030504040204" pitchFamily="50" charset="-128"/>
+              </a:rPr>
+            </a:br>
+            <a:r>
+              <a:rPr lang="en-US" altLang="ja-JP" sz="2400" b="1" dirty="0">
+                <a:solidFill>
+                  <a:schemeClr val="tx1"/>
+                </a:solidFill>
+                <a:latin typeface="Meiryo UI" panose="020B0604030504040204" pitchFamily="50" charset="-128"/>
+                <a:ea typeface="Meiryo UI" panose="020B0604030504040204" pitchFamily="50" charset="-128"/>
+                <a:cs typeface="Meiryo UI" panose="020B0604030504040204" pitchFamily="50" charset="-128"/>
+              </a:rPr>
+              <a:t>  company or organization's intellectual property counsel for specific issues. </a:t>
             </a:r>
           </a:p>
           <a:p>
@@ -8978,7 +9010,7 @@
                 <a:ea typeface="Meiryo UI" panose="020B0604030504040204" pitchFamily="50" charset="-128"/>
                 <a:cs typeface="Meiryo UI" panose="020B0604030504040204" pitchFamily="50" charset="-128"/>
               </a:rPr>
-              <a:t> (FAQ sub-WG)]</a:t>
+              <a:t> (FAQ Subgroup)]</a:t>
             </a:r>
           </a:p>
           <a:p>
@@ -9669,10 +9701,10 @@
       </p:sp>
       <p:sp>
         <p:nvSpPr>
-          <p:cNvPr id="17" name="スライド番号プレースホルダー 16">
+          <p:cNvPr id="21" name="スライド番号プレースホルダー 20">
             <a:extLst>
               <a:ext uri="{FF2B5EF4-FFF2-40B4-BE49-F238E27FC236}">
-                <a16:creationId xmlns:a16="http://schemas.microsoft.com/office/drawing/2014/main" id="{8FBFE7F3-7E06-4D73-B616-5F8E47E3E556}"/>
+                <a16:creationId xmlns:a16="http://schemas.microsoft.com/office/drawing/2014/main" id="{B2FB965B-B725-40C5-AC3A-BE562DDF5353}"/>
               </a:ext>
             </a:extLst>
           </p:cNvPr>
@@ -10274,10 +10306,10 @@
       </p:sp>
       <p:sp>
         <p:nvSpPr>
-          <p:cNvPr id="17" name="スライド番号プレースホルダー 16">
+          <p:cNvPr id="21" name="スライド番号プレースホルダー 20">
             <a:extLst>
               <a:ext uri="{FF2B5EF4-FFF2-40B4-BE49-F238E27FC236}">
-                <a16:creationId xmlns:a16="http://schemas.microsoft.com/office/drawing/2014/main" id="{DD06363C-A27F-4343-AB34-BD96C0202564}"/>
+                <a16:creationId xmlns:a16="http://schemas.microsoft.com/office/drawing/2014/main" id="{F5993DC9-AB3C-4AF5-B008-C38565BF9884}"/>
               </a:ext>
             </a:extLst>
           </p:cNvPr>
@@ -10879,10 +10911,10 @@
       </p:sp>
       <p:sp>
         <p:nvSpPr>
-          <p:cNvPr id="17" name="スライド番号プレースホルダー 16">
+          <p:cNvPr id="21" name="スライド番号プレースホルダー 20">
             <a:extLst>
               <a:ext uri="{FF2B5EF4-FFF2-40B4-BE49-F238E27FC236}">
-                <a16:creationId xmlns:a16="http://schemas.microsoft.com/office/drawing/2014/main" id="{FB347D0A-278D-4FFA-8292-B586496061DE}"/>
+                <a16:creationId xmlns:a16="http://schemas.microsoft.com/office/drawing/2014/main" id="{C89526B4-311E-4F5C-8E8E-016125C293ED}"/>
               </a:ext>
             </a:extLst>
           </p:cNvPr>
@@ -11415,10 +11447,10 @@
       </p:sp>
       <p:sp>
         <p:nvSpPr>
-          <p:cNvPr id="17" name="スライド番号プレースホルダー 16">
+          <p:cNvPr id="21" name="スライド番号プレースホルダー 20">
             <a:extLst>
               <a:ext uri="{FF2B5EF4-FFF2-40B4-BE49-F238E27FC236}">
-                <a16:creationId xmlns:a16="http://schemas.microsoft.com/office/drawing/2014/main" id="{C5EF8FDA-B682-4491-B784-9DC2CCE2AF11}"/>
+                <a16:creationId xmlns:a16="http://schemas.microsoft.com/office/drawing/2014/main" id="{7D3089D4-9667-4560-A575-27E74CCE9178}"/>
               </a:ext>
             </a:extLst>
           </p:cNvPr>
@@ -11949,10 +11981,10 @@
       </p:sp>
       <p:sp>
         <p:nvSpPr>
-          <p:cNvPr id="16" name="スライド番号プレースホルダー 15">
+          <p:cNvPr id="21" name="スライド番号プレースホルダー 20">
             <a:extLst>
               <a:ext uri="{FF2B5EF4-FFF2-40B4-BE49-F238E27FC236}">
-                <a16:creationId xmlns:a16="http://schemas.microsoft.com/office/drawing/2014/main" id="{F2AAA0B5-799B-4E8B-9ACD-12E83B7CB4EE}"/>
+                <a16:creationId xmlns:a16="http://schemas.microsoft.com/office/drawing/2014/main" id="{ED88BD01-9400-4633-9438-237D483EA298}"/>
               </a:ext>
             </a:extLst>
           </p:cNvPr>
@@ -12512,10 +12544,10 @@
       </p:sp>
       <p:sp>
         <p:nvSpPr>
-          <p:cNvPr id="17" name="スライド番号プレースホルダー 16">
+          <p:cNvPr id="21" name="スライド番号プレースホルダー 20">
             <a:extLst>
               <a:ext uri="{FF2B5EF4-FFF2-40B4-BE49-F238E27FC236}">
-                <a16:creationId xmlns:a16="http://schemas.microsoft.com/office/drawing/2014/main" id="{B125BAEE-F208-4D8B-A31C-A6DE45B8982A}"/>
+                <a16:creationId xmlns:a16="http://schemas.microsoft.com/office/drawing/2014/main" id="{2D106099-6BC2-400C-9A88-1C79346F8A0E}"/>
               </a:ext>
             </a:extLst>
           </p:cNvPr>
@@ -13046,10 +13078,10 @@
       </p:sp>
       <p:sp>
         <p:nvSpPr>
-          <p:cNvPr id="17" name="スライド番号プレースホルダー 16">
+          <p:cNvPr id="21" name="スライド番号プレースホルダー 20">
             <a:extLst>
               <a:ext uri="{FF2B5EF4-FFF2-40B4-BE49-F238E27FC236}">
-                <a16:creationId xmlns:a16="http://schemas.microsoft.com/office/drawing/2014/main" id="{29534714-F0BA-4F05-9014-110B5E64D5D0}"/>
+                <a16:creationId xmlns:a16="http://schemas.microsoft.com/office/drawing/2014/main" id="{844DCFA7-9D42-4E3D-A78A-AC4D11CEA3BB}"/>
               </a:ext>
             </a:extLst>
           </p:cNvPr>
@@ -13620,10 +13652,10 @@
       </p:sp>
       <p:sp>
         <p:nvSpPr>
-          <p:cNvPr id="17" name="スライド番号プレースホルダー 16">
+          <p:cNvPr id="21" name="スライド番号プレースホルダー 20">
             <a:extLst>
               <a:ext uri="{FF2B5EF4-FFF2-40B4-BE49-F238E27FC236}">
-                <a16:creationId xmlns:a16="http://schemas.microsoft.com/office/drawing/2014/main" id="{93CCBE45-60CC-48F4-BE9D-EA56D1E64594}"/>
+                <a16:creationId xmlns:a16="http://schemas.microsoft.com/office/drawing/2014/main" id="{3F1E12A7-D505-4BA4-A14A-AF86F12B22AF}"/>
               </a:ext>
             </a:extLst>
           </p:cNvPr>
@@ -14216,10 +14248,10 @@
       </p:sp>
       <p:sp>
         <p:nvSpPr>
-          <p:cNvPr id="17" name="スライド番号プレースホルダー 16">
+          <p:cNvPr id="21" name="スライド番号プレースホルダー 20">
             <a:extLst>
               <a:ext uri="{FF2B5EF4-FFF2-40B4-BE49-F238E27FC236}">
-                <a16:creationId xmlns:a16="http://schemas.microsoft.com/office/drawing/2014/main" id="{48CA852D-EFCF-4A1D-A308-672B554F1DC0}"/>
+                <a16:creationId xmlns:a16="http://schemas.microsoft.com/office/drawing/2014/main" id="{56ED573B-A821-4F8A-B894-E671C90E0645}"/>
               </a:ext>
             </a:extLst>
           </p:cNvPr>
@@ -14804,10 +14836,10 @@
       </p:sp>
       <p:sp>
         <p:nvSpPr>
-          <p:cNvPr id="17" name="スライド番号プレースホルダー 16">
+          <p:cNvPr id="21" name="スライド番号プレースホルダー 20">
             <a:extLst>
               <a:ext uri="{FF2B5EF4-FFF2-40B4-BE49-F238E27FC236}">
-                <a16:creationId xmlns:a16="http://schemas.microsoft.com/office/drawing/2014/main" id="{F7C4EC7D-4A64-4C22-87B9-D08B94258403}"/>
+                <a16:creationId xmlns:a16="http://schemas.microsoft.com/office/drawing/2014/main" id="{1DFD30CA-33F3-4760-AF34-FB945C3A229E}"/>
               </a:ext>
             </a:extLst>
           </p:cNvPr>
@@ -15794,10 +15826,10 @@
       </p:sp>
       <p:sp>
         <p:nvSpPr>
-          <p:cNvPr id="11" name="スライド番号プレースホルダー 10">
+          <p:cNvPr id="15" name="スライド番号プレースホルダー 14">
             <a:extLst>
               <a:ext uri="{FF2B5EF4-FFF2-40B4-BE49-F238E27FC236}">
-                <a16:creationId xmlns:a16="http://schemas.microsoft.com/office/drawing/2014/main" id="{16F4E24F-E9AE-453A-8A50-22CFAB2D5ABD}"/>
+                <a16:creationId xmlns:a16="http://schemas.microsoft.com/office/drawing/2014/main" id="{E555AA4B-58A2-4BC0-8AF7-0F5BC37735D7}"/>
               </a:ext>
             </a:extLst>
           </p:cNvPr>
@@ -16348,10 +16380,10 @@
       </p:sp>
       <p:sp>
         <p:nvSpPr>
-          <p:cNvPr id="17" name="スライド番号プレースホルダー 16">
+          <p:cNvPr id="21" name="スライド番号プレースホルダー 20">
             <a:extLst>
               <a:ext uri="{FF2B5EF4-FFF2-40B4-BE49-F238E27FC236}">
-                <a16:creationId xmlns:a16="http://schemas.microsoft.com/office/drawing/2014/main" id="{AFBEFC17-EFD5-4531-9A49-DA08E8998FEB}"/>
+                <a16:creationId xmlns:a16="http://schemas.microsoft.com/office/drawing/2014/main" id="{528FF3D8-E6BA-4B59-AB8C-B4F3034E1742}"/>
               </a:ext>
             </a:extLst>
           </p:cNvPr>
@@ -16960,10 +16992,10 @@
       </p:sp>
       <p:sp>
         <p:nvSpPr>
-          <p:cNvPr id="17" name="スライド番号プレースホルダー 16">
+          <p:cNvPr id="21" name="スライド番号プレースホルダー 20">
             <a:extLst>
               <a:ext uri="{FF2B5EF4-FFF2-40B4-BE49-F238E27FC236}">
-                <a16:creationId xmlns:a16="http://schemas.microsoft.com/office/drawing/2014/main" id="{0FA9F7C3-5B94-4F30-B995-8A45426C6E17}"/>
+                <a16:creationId xmlns:a16="http://schemas.microsoft.com/office/drawing/2014/main" id="{ADEE1056-AFEB-4F3F-B3DA-E3552F867FF7}"/>
               </a:ext>
             </a:extLst>
           </p:cNvPr>
@@ -17546,10 +17578,10 @@
       </p:sp>
       <p:sp>
         <p:nvSpPr>
-          <p:cNvPr id="17" name="スライド番号プレースホルダー 16">
+          <p:cNvPr id="21" name="スライド番号プレースホルダー 20">
             <a:extLst>
               <a:ext uri="{FF2B5EF4-FFF2-40B4-BE49-F238E27FC236}">
-                <a16:creationId xmlns:a16="http://schemas.microsoft.com/office/drawing/2014/main" id="{4C79A0D2-1A35-4FCA-A02B-F6F0B4149404}"/>
+                <a16:creationId xmlns:a16="http://schemas.microsoft.com/office/drawing/2014/main" id="{7B2859FD-E392-46C5-BC3A-705B638E1791}"/>
               </a:ext>
             </a:extLst>
           </p:cNvPr>
@@ -18090,10 +18122,10 @@
       </p:sp>
       <p:sp>
         <p:nvSpPr>
-          <p:cNvPr id="17" name="スライド番号プレースホルダー 16">
+          <p:cNvPr id="21" name="スライド番号プレースホルダー 20">
             <a:extLst>
               <a:ext uri="{FF2B5EF4-FFF2-40B4-BE49-F238E27FC236}">
-                <a16:creationId xmlns:a16="http://schemas.microsoft.com/office/drawing/2014/main" id="{9770A09D-133F-4C9D-B657-5795A6882FFC}"/>
+                <a16:creationId xmlns:a16="http://schemas.microsoft.com/office/drawing/2014/main" id="{CA68C4FD-DE05-43D0-A6D5-15F75DC9DD5B}"/>
               </a:ext>
             </a:extLst>
           </p:cNvPr>
@@ -18640,10 +18672,10 @@
       </p:sp>
       <p:sp>
         <p:nvSpPr>
-          <p:cNvPr id="17" name="スライド番号プレースホルダー 16">
+          <p:cNvPr id="21" name="スライド番号プレースホルダー 20">
             <a:extLst>
               <a:ext uri="{FF2B5EF4-FFF2-40B4-BE49-F238E27FC236}">
-                <a16:creationId xmlns:a16="http://schemas.microsoft.com/office/drawing/2014/main" id="{A0FC63ED-957D-4E76-931A-B5D767BD4134}"/>
+                <a16:creationId xmlns:a16="http://schemas.microsoft.com/office/drawing/2014/main" id="{13E02B4F-B387-4D0E-A853-2C8D214EF0C2}"/>
               </a:ext>
             </a:extLst>
           </p:cNvPr>
@@ -19219,10 +19251,10 @@
       </p:sp>
       <p:sp>
         <p:nvSpPr>
-          <p:cNvPr id="17" name="スライド番号プレースホルダー 16">
+          <p:cNvPr id="21" name="スライド番号プレースホルダー 20">
             <a:extLst>
               <a:ext uri="{FF2B5EF4-FFF2-40B4-BE49-F238E27FC236}">
-                <a16:creationId xmlns:a16="http://schemas.microsoft.com/office/drawing/2014/main" id="{CC5A0D25-3EDD-448D-A618-D5142B7EBC2C}"/>
+                <a16:creationId xmlns:a16="http://schemas.microsoft.com/office/drawing/2014/main" id="{21F3E775-2D7D-4BFB-A26B-D99992B35DB3}"/>
               </a:ext>
             </a:extLst>
           </p:cNvPr>
@@ -19765,10 +19797,10 @@
       </p:sp>
       <p:sp>
         <p:nvSpPr>
-          <p:cNvPr id="15" name="スライド番号プレースホルダー 14">
+          <p:cNvPr id="21" name="スライド番号プレースホルダー 20">
             <a:extLst>
               <a:ext uri="{FF2B5EF4-FFF2-40B4-BE49-F238E27FC236}">
-                <a16:creationId xmlns:a16="http://schemas.microsoft.com/office/drawing/2014/main" id="{A2F46542-960E-4D96-A8F9-E1E5B1CEB773}"/>
+                <a16:creationId xmlns:a16="http://schemas.microsoft.com/office/drawing/2014/main" id="{784FFCD7-A911-4C00-B003-99E43EDEAA14}"/>
               </a:ext>
             </a:extLst>
           </p:cNvPr>
@@ -20291,10 +20323,10 @@
       </p:sp>
       <p:sp>
         <p:nvSpPr>
-          <p:cNvPr id="17" name="スライド番号プレースホルダー 16">
+          <p:cNvPr id="21" name="スライド番号プレースホルダー 20">
             <a:extLst>
               <a:ext uri="{FF2B5EF4-FFF2-40B4-BE49-F238E27FC236}">
-                <a16:creationId xmlns:a16="http://schemas.microsoft.com/office/drawing/2014/main" id="{C53DEAA9-D5DD-4104-B2AB-790C83901BA9}"/>
+                <a16:creationId xmlns:a16="http://schemas.microsoft.com/office/drawing/2014/main" id="{544894BB-7B81-411A-AC30-A68CAD40A06D}"/>
               </a:ext>
             </a:extLst>
           </p:cNvPr>
@@ -20824,10 +20856,10 @@
       </p:sp>
       <p:sp>
         <p:nvSpPr>
-          <p:cNvPr id="17" name="スライド番号プレースホルダー 16">
+          <p:cNvPr id="21" name="スライド番号プレースホルダー 20">
             <a:extLst>
               <a:ext uri="{FF2B5EF4-FFF2-40B4-BE49-F238E27FC236}">
-                <a16:creationId xmlns:a16="http://schemas.microsoft.com/office/drawing/2014/main" id="{D44C8F5C-98B5-4AB3-A469-1F627E027BE6}"/>
+                <a16:creationId xmlns:a16="http://schemas.microsoft.com/office/drawing/2014/main" id="{B0E17D81-A59E-4199-A176-50DD12C7FFA4}"/>
               </a:ext>
             </a:extLst>
           </p:cNvPr>
@@ -21383,10 +21415,10 @@
       </p:sp>
       <p:sp>
         <p:nvSpPr>
-          <p:cNvPr id="17" name="スライド番号プレースホルダー 16">
+          <p:cNvPr id="21" name="スライド番号プレースホルダー 20">
             <a:extLst>
               <a:ext uri="{FF2B5EF4-FFF2-40B4-BE49-F238E27FC236}">
-                <a16:creationId xmlns:a16="http://schemas.microsoft.com/office/drawing/2014/main" id="{59ED5FD0-AA8D-46DD-BE90-20CADE78B10D}"/>
+                <a16:creationId xmlns:a16="http://schemas.microsoft.com/office/drawing/2014/main" id="{4B5AA788-641E-4469-9461-229C2B17AC68}"/>
               </a:ext>
             </a:extLst>
           </p:cNvPr>
@@ -21931,10 +21963,10 @@
       </p:sp>
       <p:sp>
         <p:nvSpPr>
-          <p:cNvPr id="11" name="スライド番号プレースホルダー 10">
+          <p:cNvPr id="15" name="スライド番号プレースホルダー 14">
             <a:extLst>
               <a:ext uri="{FF2B5EF4-FFF2-40B4-BE49-F238E27FC236}">
-                <a16:creationId xmlns:a16="http://schemas.microsoft.com/office/drawing/2014/main" id="{7C931F81-1057-4062-AB23-24EDF3A5C96D}"/>
+                <a16:creationId xmlns:a16="http://schemas.microsoft.com/office/drawing/2014/main" id="{060700CA-FA02-4051-9361-1B9CD1B065C4}"/>
               </a:ext>
             </a:extLst>
           </p:cNvPr>
@@ -22484,10 +22516,10 @@
       </p:sp>
       <p:sp>
         <p:nvSpPr>
-          <p:cNvPr id="17" name="スライド番号プレースホルダー 16">
+          <p:cNvPr id="21" name="スライド番号プレースホルダー 20">
             <a:extLst>
               <a:ext uri="{FF2B5EF4-FFF2-40B4-BE49-F238E27FC236}">
-                <a16:creationId xmlns:a16="http://schemas.microsoft.com/office/drawing/2014/main" id="{CFE5F3C2-A5E5-485D-96CE-C512F7F3C536}"/>
+                <a16:creationId xmlns:a16="http://schemas.microsoft.com/office/drawing/2014/main" id="{262AF6F0-110E-48DB-8F55-212BAED77A7A}"/>
               </a:ext>
             </a:extLst>
           </p:cNvPr>
@@ -23028,10 +23060,10 @@
       </p:sp>
       <p:sp>
         <p:nvSpPr>
-          <p:cNvPr id="16" name="スライド番号プレースホルダー 15">
+          <p:cNvPr id="21" name="スライド番号プレースホルダー 20">
             <a:extLst>
               <a:ext uri="{FF2B5EF4-FFF2-40B4-BE49-F238E27FC236}">
-                <a16:creationId xmlns:a16="http://schemas.microsoft.com/office/drawing/2014/main" id="{DD2D62FE-D44F-484C-AA19-E1E7A8B5D7E6}"/>
+                <a16:creationId xmlns:a16="http://schemas.microsoft.com/office/drawing/2014/main" id="{BA3CA8D4-BA15-4438-A797-9ADB9F48CEC1}"/>
               </a:ext>
             </a:extLst>
           </p:cNvPr>
@@ -23589,10 +23621,10 @@
       </p:sp>
       <p:sp>
         <p:nvSpPr>
-          <p:cNvPr id="17" name="スライド番号プレースホルダー 16">
+          <p:cNvPr id="21" name="スライド番号プレースホルダー 20">
             <a:extLst>
               <a:ext uri="{FF2B5EF4-FFF2-40B4-BE49-F238E27FC236}">
-                <a16:creationId xmlns:a16="http://schemas.microsoft.com/office/drawing/2014/main" id="{4B083F54-03B7-4AA9-A873-9E67D6A61EDA}"/>
+                <a16:creationId xmlns:a16="http://schemas.microsoft.com/office/drawing/2014/main" id="{6A472DD4-9AFA-4284-9ADE-7718927913D2}"/>
               </a:ext>
             </a:extLst>
           </p:cNvPr>
@@ -24127,10 +24159,10 @@
       </p:sp>
       <p:sp>
         <p:nvSpPr>
-          <p:cNvPr id="17" name="スライド番号プレースホルダー 16">
+          <p:cNvPr id="21" name="スライド番号プレースホルダー 20">
             <a:extLst>
               <a:ext uri="{FF2B5EF4-FFF2-40B4-BE49-F238E27FC236}">
-                <a16:creationId xmlns:a16="http://schemas.microsoft.com/office/drawing/2014/main" id="{CEC4C1F5-DCD1-42B1-9145-55A836AF62F3}"/>
+                <a16:creationId xmlns:a16="http://schemas.microsoft.com/office/drawing/2014/main" id="{E427D4A9-4F1D-4F1E-993E-A68509CBA367}"/>
               </a:ext>
             </a:extLst>
           </p:cNvPr>
@@ -24688,10 +24720,10 @@
       </p:sp>
       <p:sp>
         <p:nvSpPr>
-          <p:cNvPr id="17" name="スライド番号プレースホルダー 16">
+          <p:cNvPr id="21" name="スライド番号プレースホルダー 20">
             <a:extLst>
               <a:ext uri="{FF2B5EF4-FFF2-40B4-BE49-F238E27FC236}">
-                <a16:creationId xmlns:a16="http://schemas.microsoft.com/office/drawing/2014/main" id="{DACEC1D4-7120-46EB-832B-75A6334D6F9A}"/>
+                <a16:creationId xmlns:a16="http://schemas.microsoft.com/office/drawing/2014/main" id="{F3159CDC-5654-4E32-B36C-1A52FB3EDD21}"/>
               </a:ext>
             </a:extLst>
           </p:cNvPr>
@@ -25259,10 +25291,10 @@
       </p:sp>
       <p:sp>
         <p:nvSpPr>
-          <p:cNvPr id="17" name="スライド番号プレースホルダー 16">
+          <p:cNvPr id="21" name="スライド番号プレースホルダー 20">
             <a:extLst>
               <a:ext uri="{FF2B5EF4-FFF2-40B4-BE49-F238E27FC236}">
-                <a16:creationId xmlns:a16="http://schemas.microsoft.com/office/drawing/2014/main" id="{8531D386-0963-4678-9BE7-60E60A11A60C}"/>
+                <a16:creationId xmlns:a16="http://schemas.microsoft.com/office/drawing/2014/main" id="{AE0686A1-7CC4-4AEB-9DAD-FDBB0EAF7E98}"/>
               </a:ext>
             </a:extLst>
           </p:cNvPr>
@@ -25815,10 +25847,10 @@
       </p:sp>
       <p:sp>
         <p:nvSpPr>
-          <p:cNvPr id="17" name="スライド番号プレースホルダー 16">
+          <p:cNvPr id="21" name="スライド番号プレースホルダー 20">
             <a:extLst>
               <a:ext uri="{FF2B5EF4-FFF2-40B4-BE49-F238E27FC236}">
-                <a16:creationId xmlns:a16="http://schemas.microsoft.com/office/drawing/2014/main" id="{37588AD6-F50B-44E9-B743-FF2A5AD62A0A}"/>
+                <a16:creationId xmlns:a16="http://schemas.microsoft.com/office/drawing/2014/main" id="{0F16B17D-1445-469D-8FC4-4F8E5134BA46}"/>
               </a:ext>
             </a:extLst>
           </p:cNvPr>
@@ -26595,10 +26627,10 @@
       </p:sp>
       <p:sp>
         <p:nvSpPr>
-          <p:cNvPr id="16" name="スライド番号プレースホルダー 15">
+          <p:cNvPr id="20" name="スライド番号プレースホルダー 19">
             <a:extLst>
               <a:ext uri="{FF2B5EF4-FFF2-40B4-BE49-F238E27FC236}">
-                <a16:creationId xmlns:a16="http://schemas.microsoft.com/office/drawing/2014/main" id="{7E8881E0-1D6B-4F08-B905-1D5B1B7CED0D}"/>
+                <a16:creationId xmlns:a16="http://schemas.microsoft.com/office/drawing/2014/main" id="{48DE470D-D279-4C54-9B45-1DB5E048AFBF}"/>
               </a:ext>
             </a:extLst>
           </p:cNvPr>
@@ -27170,10 +27202,10 @@
       </p:sp>
       <p:sp>
         <p:nvSpPr>
-          <p:cNvPr id="17" name="スライド番号プレースホルダー 16">
+          <p:cNvPr id="21" name="スライド番号プレースホルダー 20">
             <a:extLst>
               <a:ext uri="{FF2B5EF4-FFF2-40B4-BE49-F238E27FC236}">
-                <a16:creationId xmlns:a16="http://schemas.microsoft.com/office/drawing/2014/main" id="{E1B9E693-8055-4D93-A2FC-B96B9C2D6FD9}"/>
+                <a16:creationId xmlns:a16="http://schemas.microsoft.com/office/drawing/2014/main" id="{6B57C64E-6BBE-4F25-9F7D-FDB4D5A0388E}"/>
               </a:ext>
             </a:extLst>
           </p:cNvPr>
@@ -27733,10 +27765,10 @@
       </p:sp>
       <p:sp>
         <p:nvSpPr>
-          <p:cNvPr id="17" name="スライド番号プレースホルダー 16">
+          <p:cNvPr id="21" name="スライド番号プレースホルダー 20">
             <a:extLst>
               <a:ext uri="{FF2B5EF4-FFF2-40B4-BE49-F238E27FC236}">
-                <a16:creationId xmlns:a16="http://schemas.microsoft.com/office/drawing/2014/main" id="{BF4DF70A-C522-4C85-9784-DEC9D2E0EB48}"/>
+                <a16:creationId xmlns:a16="http://schemas.microsoft.com/office/drawing/2014/main" id="{D1DE015F-C5F0-4759-B79A-C1563036219A}"/>
               </a:ext>
             </a:extLst>
           </p:cNvPr>
@@ -28357,10 +28389,10 @@
       </p:sp>
       <p:sp>
         <p:nvSpPr>
-          <p:cNvPr id="17" name="スライド番号プレースホルダー 16">
+          <p:cNvPr id="21" name="スライド番号プレースホルダー 20">
             <a:extLst>
               <a:ext uri="{FF2B5EF4-FFF2-40B4-BE49-F238E27FC236}">
-                <a16:creationId xmlns:a16="http://schemas.microsoft.com/office/drawing/2014/main" id="{28E7E765-6B6F-4239-BD27-B814B4F023DD}"/>
+                <a16:creationId xmlns:a16="http://schemas.microsoft.com/office/drawing/2014/main" id="{D9214F9B-45B0-4794-989E-3C76D301D1E8}"/>
               </a:ext>
             </a:extLst>
           </p:cNvPr>
@@ -28882,10 +28914,10 @@
       </p:sp>
       <p:sp>
         <p:nvSpPr>
-          <p:cNvPr id="17" name="スライド番号プレースホルダー 16">
+          <p:cNvPr id="21" name="スライド番号プレースホルダー 20">
             <a:extLst>
               <a:ext uri="{FF2B5EF4-FFF2-40B4-BE49-F238E27FC236}">
-                <a16:creationId xmlns:a16="http://schemas.microsoft.com/office/drawing/2014/main" id="{47676016-C19D-462B-BE4A-66FF1A22357B}"/>
+                <a16:creationId xmlns:a16="http://schemas.microsoft.com/office/drawing/2014/main" id="{714BB5E0-85FD-4ABB-B2A5-3BBB96E6D401}"/>
               </a:ext>
             </a:extLst>
           </p:cNvPr>
@@ -29479,10 +29511,10 @@
       </p:sp>
       <p:sp>
         <p:nvSpPr>
-          <p:cNvPr id="17" name="スライド番号プレースホルダー 16">
+          <p:cNvPr id="21" name="スライド番号プレースホルダー 20">
             <a:extLst>
               <a:ext uri="{FF2B5EF4-FFF2-40B4-BE49-F238E27FC236}">
-                <a16:creationId xmlns:a16="http://schemas.microsoft.com/office/drawing/2014/main" id="{1A454CF6-28B1-4756-9666-02D74D596212}"/>
+                <a16:creationId xmlns:a16="http://schemas.microsoft.com/office/drawing/2014/main" id="{79B43A25-7F8D-415C-BC34-1CFE19759EEC}"/>
               </a:ext>
             </a:extLst>
           </p:cNvPr>
@@ -30018,10 +30050,10 @@
       </p:sp>
       <p:sp>
         <p:nvSpPr>
-          <p:cNvPr id="17" name="スライド番号プレースホルダー 16">
+          <p:cNvPr id="21" name="スライド番号プレースホルダー 20">
             <a:extLst>
               <a:ext uri="{FF2B5EF4-FFF2-40B4-BE49-F238E27FC236}">
-                <a16:creationId xmlns:a16="http://schemas.microsoft.com/office/drawing/2014/main" id="{3FED9959-5D06-4601-AC8B-C2BC3B8DDAFC}"/>
+                <a16:creationId xmlns:a16="http://schemas.microsoft.com/office/drawing/2014/main" id="{88C08C3A-82B5-4CAD-AC98-498F6C1363D0}"/>
               </a:ext>
             </a:extLst>
           </p:cNvPr>
@@ -30527,10 +30559,10 @@
       </p:sp>
       <p:sp>
         <p:nvSpPr>
-          <p:cNvPr id="16" name="スライド番号プレースホルダー 15">
+          <p:cNvPr id="20" name="スライド番号プレースホルダー 19">
             <a:extLst>
               <a:ext uri="{FF2B5EF4-FFF2-40B4-BE49-F238E27FC236}">
-                <a16:creationId xmlns:a16="http://schemas.microsoft.com/office/drawing/2014/main" id="{913F57F1-8C0C-4960-9D16-7455E73D5C1A}"/>
+                <a16:creationId xmlns:a16="http://schemas.microsoft.com/office/drawing/2014/main" id="{944039DD-3EEA-4D9D-B3FC-AAEF6853DF1C}"/>
               </a:ext>
             </a:extLst>
           </p:cNvPr>
@@ -31157,10 +31189,10 @@
       </p:sp>
       <p:sp>
         <p:nvSpPr>
-          <p:cNvPr id="17" name="スライド番号プレースホルダー 16">
+          <p:cNvPr id="21" name="スライド番号プレースホルダー 20">
             <a:extLst>
               <a:ext uri="{FF2B5EF4-FFF2-40B4-BE49-F238E27FC236}">
-                <a16:creationId xmlns:a16="http://schemas.microsoft.com/office/drawing/2014/main" id="{D7C635F3-F852-431E-9C32-FBFF2C73B3E0}"/>
+                <a16:creationId xmlns:a16="http://schemas.microsoft.com/office/drawing/2014/main" id="{657B6D9C-B6C1-44F1-8C12-94AD5C8EC599}"/>
               </a:ext>
             </a:extLst>
           </p:cNvPr>
@@ -31749,10 +31781,10 @@
       </p:sp>
       <p:sp>
         <p:nvSpPr>
-          <p:cNvPr id="17" name="スライド番号プレースホルダー 16">
+          <p:cNvPr id="21" name="スライド番号プレースホルダー 20">
             <a:extLst>
               <a:ext uri="{FF2B5EF4-FFF2-40B4-BE49-F238E27FC236}">
-                <a16:creationId xmlns:a16="http://schemas.microsoft.com/office/drawing/2014/main" id="{65C44FBD-A2E1-4B46-8260-5B488CA04260}"/>
+                <a16:creationId xmlns:a16="http://schemas.microsoft.com/office/drawing/2014/main" id="{ECE2DEE1-EE13-48F8-B897-FDA7050F392B}"/>
               </a:ext>
             </a:extLst>
           </p:cNvPr>
@@ -32360,10 +32392,10 @@
       </p:sp>
       <p:sp>
         <p:nvSpPr>
-          <p:cNvPr id="17" name="スライド番号プレースホルダー 16">
+          <p:cNvPr id="21" name="スライド番号プレースホルダー 20">
             <a:extLst>
               <a:ext uri="{FF2B5EF4-FFF2-40B4-BE49-F238E27FC236}">
-                <a16:creationId xmlns:a16="http://schemas.microsoft.com/office/drawing/2014/main" id="{917D837D-8076-4B32-B2F9-F2EEA116EC25}"/>
+                <a16:creationId xmlns:a16="http://schemas.microsoft.com/office/drawing/2014/main" id="{10DE6605-B03D-4A26-B6BE-BF2D4B1FF79C}"/>
               </a:ext>
             </a:extLst>
           </p:cNvPr>
@@ -32915,10 +32947,10 @@
       </p:sp>
       <p:sp>
         <p:nvSpPr>
-          <p:cNvPr id="17" name="スライド番号プレースホルダー 16">
+          <p:cNvPr id="21" name="スライド番号プレースホルダー 20">
             <a:extLst>
               <a:ext uri="{FF2B5EF4-FFF2-40B4-BE49-F238E27FC236}">
-                <a16:creationId xmlns:a16="http://schemas.microsoft.com/office/drawing/2014/main" id="{E36D7521-9887-422F-AD8F-D26E3FC5697F}"/>
+                <a16:creationId xmlns:a16="http://schemas.microsoft.com/office/drawing/2014/main" id="{C37B754B-4F28-4ECB-A453-E0589F2A2F87}"/>
               </a:ext>
             </a:extLst>
           </p:cNvPr>
@@ -33449,10 +33481,10 @@
       </p:sp>
       <p:sp>
         <p:nvSpPr>
-          <p:cNvPr id="17" name="スライド番号プレースホルダー 16">
+          <p:cNvPr id="21" name="スライド番号プレースホルダー 20">
             <a:extLst>
               <a:ext uri="{FF2B5EF4-FFF2-40B4-BE49-F238E27FC236}">
-                <a16:creationId xmlns:a16="http://schemas.microsoft.com/office/drawing/2014/main" id="{9799E63C-A780-4618-BF37-4467B80DBFA9}"/>
+                <a16:creationId xmlns:a16="http://schemas.microsoft.com/office/drawing/2014/main" id="{816BE19B-5420-4570-B8B7-F5209652DCED}"/>
               </a:ext>
             </a:extLst>
           </p:cNvPr>
@@ -33994,10 +34026,10 @@
       </p:sp>
       <p:sp>
         <p:nvSpPr>
-          <p:cNvPr id="17" name="スライド番号プレースホルダー 16">
+          <p:cNvPr id="21" name="スライド番号プレースホルダー 20">
             <a:extLst>
               <a:ext uri="{FF2B5EF4-FFF2-40B4-BE49-F238E27FC236}">
-                <a16:creationId xmlns:a16="http://schemas.microsoft.com/office/drawing/2014/main" id="{FDC3EBFD-2A1D-47CC-ADEC-9422870D9F27}"/>
+                <a16:creationId xmlns:a16="http://schemas.microsoft.com/office/drawing/2014/main" id="{F44A2D61-0A51-4EFA-AF66-A0AAB7138393}"/>
               </a:ext>
             </a:extLst>
           </p:cNvPr>
@@ -34682,10 +34714,10 @@
       </p:sp>
       <p:sp>
         <p:nvSpPr>
-          <p:cNvPr id="17" name="スライド番号プレースホルダー 16">
+          <p:cNvPr id="21" name="スライド番号プレースホルダー 20">
             <a:extLst>
               <a:ext uri="{FF2B5EF4-FFF2-40B4-BE49-F238E27FC236}">
-                <a16:creationId xmlns:a16="http://schemas.microsoft.com/office/drawing/2014/main" id="{C7623001-01EB-46F2-B450-3EBFF147CA85}"/>
+                <a16:creationId xmlns:a16="http://schemas.microsoft.com/office/drawing/2014/main" id="{CC500F49-4BA7-4DD5-ADB4-2A84AF6413F6}"/>
               </a:ext>
             </a:extLst>
           </p:cNvPr>
@@ -35294,10 +35326,10 @@
       </p:sp>
       <p:sp>
         <p:nvSpPr>
-          <p:cNvPr id="18" name="スライド番号プレースホルダー 17">
+          <p:cNvPr id="22" name="スライド番号プレースホルダー 21">
             <a:extLst>
               <a:ext uri="{FF2B5EF4-FFF2-40B4-BE49-F238E27FC236}">
-                <a16:creationId xmlns:a16="http://schemas.microsoft.com/office/drawing/2014/main" id="{B630DDB7-EA2F-4308-8AB4-2B34CBA28FA3}"/>
+                <a16:creationId xmlns:a16="http://schemas.microsoft.com/office/drawing/2014/main" id="{BAB77182-D05F-4D6E-BFD6-1536112B9C26}"/>
               </a:ext>
             </a:extLst>
           </p:cNvPr>
@@ -35929,10 +35961,10 @@
       </p:sp>
       <p:sp>
         <p:nvSpPr>
-          <p:cNvPr id="17" name="スライド番号プレースホルダー 16">
+          <p:cNvPr id="21" name="スライド番号プレースホルダー 20">
             <a:extLst>
               <a:ext uri="{FF2B5EF4-FFF2-40B4-BE49-F238E27FC236}">
-                <a16:creationId xmlns:a16="http://schemas.microsoft.com/office/drawing/2014/main" id="{7B68DFEE-9A02-4F01-89F1-33871EC902AB}"/>
+                <a16:creationId xmlns:a16="http://schemas.microsoft.com/office/drawing/2014/main" id="{1FF8B5B1-DBCE-4780-AED5-B8009FC4BE02}"/>
               </a:ext>
             </a:extLst>
           </p:cNvPr>
@@ -36510,10 +36542,10 @@
       </p:sp>
       <p:sp>
         <p:nvSpPr>
-          <p:cNvPr id="17" name="スライド番号プレースホルダー 16">
+          <p:cNvPr id="21" name="スライド番号プレースホルダー 20">
             <a:extLst>
               <a:ext uri="{FF2B5EF4-FFF2-40B4-BE49-F238E27FC236}">
-                <a16:creationId xmlns:a16="http://schemas.microsoft.com/office/drawing/2014/main" id="{583A7A52-5075-466A-BEB4-21EFED142C3A}"/>
+                <a16:creationId xmlns:a16="http://schemas.microsoft.com/office/drawing/2014/main" id="{EBEA6CF3-5103-4783-B49E-F221C5F2A55D}"/>
               </a:ext>
             </a:extLst>
           </p:cNvPr>
@@ -37054,10 +37086,10 @@
       </p:sp>
       <p:sp>
         <p:nvSpPr>
-          <p:cNvPr id="17" name="スライド番号プレースホルダー 16">
+          <p:cNvPr id="21" name="スライド番号プレースホルダー 20">
             <a:extLst>
               <a:ext uri="{FF2B5EF4-FFF2-40B4-BE49-F238E27FC236}">
-                <a16:creationId xmlns:a16="http://schemas.microsoft.com/office/drawing/2014/main" id="{18DDB2D0-3317-4BDE-A97E-CC2D91F0DFC1}"/>
+                <a16:creationId xmlns:a16="http://schemas.microsoft.com/office/drawing/2014/main" id="{4147A3F5-1C15-4F5C-82F9-BD041F6B9554}"/>
               </a:ext>
             </a:extLst>
           </p:cNvPr>
@@ -37586,10 +37618,10 @@
       </p:sp>
       <p:sp>
         <p:nvSpPr>
-          <p:cNvPr id="17" name="スライド番号プレースホルダー 16">
+          <p:cNvPr id="21" name="スライド番号プレースホルダー 20">
             <a:extLst>
               <a:ext uri="{FF2B5EF4-FFF2-40B4-BE49-F238E27FC236}">
-                <a16:creationId xmlns:a16="http://schemas.microsoft.com/office/drawing/2014/main" id="{E4D9D567-23FA-473A-B9C5-6CDAEFB8D31E}"/>
+                <a16:creationId xmlns:a16="http://schemas.microsoft.com/office/drawing/2014/main" id="{1018A4E3-A451-4AC6-B825-37595A58619D}"/>
               </a:ext>
             </a:extLst>
           </p:cNvPr>
@@ -38183,10 +38215,10 @@
       </p:sp>
       <p:sp>
         <p:nvSpPr>
-          <p:cNvPr id="17" name="スライド番号プレースホルダー 16">
+          <p:cNvPr id="21" name="スライド番号プレースホルダー 20">
             <a:extLst>
               <a:ext uri="{FF2B5EF4-FFF2-40B4-BE49-F238E27FC236}">
-                <a16:creationId xmlns:a16="http://schemas.microsoft.com/office/drawing/2014/main" id="{48441F26-A194-4D79-8E07-BB0D284CF575}"/>
+                <a16:creationId xmlns:a16="http://schemas.microsoft.com/office/drawing/2014/main" id="{7B6C7C25-2E2C-477E-84A9-4D7B69609325}"/>
               </a:ext>
             </a:extLst>
           </p:cNvPr>
@@ -38487,10 +38519,10 @@
       </p:sp>
       <p:sp>
         <p:nvSpPr>
-          <p:cNvPr id="11" name="スライド番号プレースホルダー 10">
+          <p:cNvPr id="15" name="スライド番号プレースホルダー 14">
             <a:extLst>
               <a:ext uri="{FF2B5EF4-FFF2-40B4-BE49-F238E27FC236}">
-                <a16:creationId xmlns:a16="http://schemas.microsoft.com/office/drawing/2014/main" id="{20B40B25-ED90-48AE-A02E-7BFFB8D5D1BA}"/>
+                <a16:creationId xmlns:a16="http://schemas.microsoft.com/office/drawing/2014/main" id="{BCF43DB9-7EDE-4FBC-B9A6-5E98BC164CF6}"/>
               </a:ext>
             </a:extLst>
           </p:cNvPr>
@@ -39337,10 +39369,10 @@
       </p:sp>
       <p:sp>
         <p:nvSpPr>
-          <p:cNvPr id="18" name="スライド番号プレースホルダー 17">
+          <p:cNvPr id="22" name="スライド番号プレースホルダー 21">
             <a:extLst>
               <a:ext uri="{FF2B5EF4-FFF2-40B4-BE49-F238E27FC236}">
-                <a16:creationId xmlns:a16="http://schemas.microsoft.com/office/drawing/2014/main" id="{B30FA8CF-19A5-42B7-B809-832FD493C1F3}"/>
+                <a16:creationId xmlns:a16="http://schemas.microsoft.com/office/drawing/2014/main" id="{497DE090-F4E5-4F85-99B9-81E7590FA80F}"/>
               </a:ext>
             </a:extLst>
           </p:cNvPr>
@@ -39946,10 +39978,10 @@
       </p:sp>
       <p:sp>
         <p:nvSpPr>
-          <p:cNvPr id="17" name="スライド番号プレースホルダー 16">
+          <p:cNvPr id="21" name="スライド番号プレースホルダー 20">
             <a:extLst>
               <a:ext uri="{FF2B5EF4-FFF2-40B4-BE49-F238E27FC236}">
-                <a16:creationId xmlns:a16="http://schemas.microsoft.com/office/drawing/2014/main" id="{A73B4A02-42CA-46E6-9A89-2D688F53BBFB}"/>
+                <a16:creationId xmlns:a16="http://schemas.microsoft.com/office/drawing/2014/main" id="{ACE1AB47-4E45-4B95-8BA9-6FEC11F3695C}"/>
               </a:ext>
             </a:extLst>
           </p:cNvPr>
@@ -40516,10 +40548,10 @@
       </p:sp>
       <p:sp>
         <p:nvSpPr>
-          <p:cNvPr id="17" name="スライド番号プレースホルダー 16">
+          <p:cNvPr id="21" name="スライド番号プレースホルダー 20">
             <a:extLst>
               <a:ext uri="{FF2B5EF4-FFF2-40B4-BE49-F238E27FC236}">
-                <a16:creationId xmlns:a16="http://schemas.microsoft.com/office/drawing/2014/main" id="{0EF38626-A446-46D6-B746-6AF0A1D014EE}"/>
+                <a16:creationId xmlns:a16="http://schemas.microsoft.com/office/drawing/2014/main" id="{182864BA-F8E4-4122-B176-013B58EBC16A}"/>
               </a:ext>
             </a:extLst>
           </p:cNvPr>
@@ -41100,10 +41132,10 @@
       </p:sp>
       <p:sp>
         <p:nvSpPr>
-          <p:cNvPr id="17" name="スライド番号プレースホルダー 16">
+          <p:cNvPr id="21" name="スライド番号プレースホルダー 20">
             <a:extLst>
               <a:ext uri="{FF2B5EF4-FFF2-40B4-BE49-F238E27FC236}">
-                <a16:creationId xmlns:a16="http://schemas.microsoft.com/office/drawing/2014/main" id="{9DCE5E1D-614A-454B-9912-FCC0B5F8953A}"/>
+                <a16:creationId xmlns:a16="http://schemas.microsoft.com/office/drawing/2014/main" id="{CC78E268-2F47-461E-9913-D88DAE69D49C}"/>
               </a:ext>
             </a:extLst>
           </p:cNvPr>

--- a/Education_Material/FAQ/Misunderstandings_of_OSS_licenses_CC0.pptx
+++ b/Education_Material/FAQ/Misunderstandings_of_OSS_licenses_CC0.pptx
@@ -293,7 +293,7 @@
           <a:p>
             <a:fld id="{7EE8F3AE-FD72-4533-A5FB-266F0DC61623}" type="datetimeFigureOut">
               <a:rPr kumimoji="1" lang="ja-JP" altLang="en-US" smtClean="0"/>
-              <a:t>2022/1/12</a:t>
+              <a:t>2022/2/2</a:t>
             </a:fld>
             <a:endParaRPr kumimoji="1" lang="ja-JP" altLang="en-US"/>
           </a:p>
@@ -466,7 +466,7 @@
           <a:p>
             <a:fld id="{F0F040E9-6AB7-471E-8A6F-82F6EB81B1F8}" type="datetimeFigureOut">
               <a:rPr kumimoji="1" lang="ja-JP" altLang="en-US" smtClean="0"/>
-              <a:t>2022/1/12</a:t>
+              <a:t>2022/2/2</a:t>
             </a:fld>
             <a:endParaRPr kumimoji="1" lang="ja-JP" altLang="en-US"/>
           </a:p>
@@ -7106,7 +7106,7 @@
           <a:p>
             <a:fld id="{8CA85632-6543-417D-AA37-747D5FCD144A}" type="datetime1">
               <a:rPr kumimoji="1" lang="ja-JP" altLang="en-US" smtClean="0"/>
-              <a:t>2022/1/12</a:t>
+              <a:t>2022/2/2</a:t>
             </a:fld>
             <a:endParaRPr kumimoji="1" lang="ja-JP" altLang="en-US"/>
           </a:p>
@@ -7310,7 +7310,7 @@
           <a:p>
             <a:fld id="{B06565E3-0D02-4356-A8E4-34212A8E714C}" type="datetime1">
               <a:rPr kumimoji="1" lang="ja-JP" altLang="en-US" smtClean="0"/>
-              <a:t>2022/1/12</a:t>
+              <a:t>2022/2/2</a:t>
             </a:fld>
             <a:endParaRPr kumimoji="1" lang="ja-JP" altLang="en-US"/>
           </a:p>
@@ -7663,7 +7663,7 @@
           <a:p>
             <a:fld id="{D1AE0380-F014-4923-9788-A7EEF4DBE4AF}" type="datetime1">
               <a:rPr kumimoji="1" lang="ja-JP" altLang="en-US" smtClean="0"/>
-              <a:t>2022/1/12</a:t>
+              <a:t>2022/2/2</a:t>
             </a:fld>
             <a:endParaRPr kumimoji="1" lang="ja-JP" altLang="en-US"/>
           </a:p>
@@ -7784,7 +7784,7 @@
           <a:p>
             <a:fld id="{E820F06B-049D-4BD4-9820-27A6981014E2}" type="datetime1">
               <a:rPr kumimoji="1" lang="ja-JP" altLang="en-US" smtClean="0"/>
-              <a:t>2022/1/12</a:t>
+              <a:t>2022/2/2</a:t>
             </a:fld>
             <a:endParaRPr kumimoji="1" lang="ja-JP" altLang="en-US"/>
           </a:p>
@@ -7883,7 +7883,7 @@
           <a:p>
             <a:fld id="{63B99404-B2ED-46D2-9FEA-10E2217461D3}" type="datetime1">
               <a:rPr kumimoji="1" lang="ja-JP" altLang="en-US" smtClean="0"/>
-              <a:t>2022/1/12</a:t>
+              <a:t>2022/2/2</a:t>
             </a:fld>
             <a:endParaRPr kumimoji="1" lang="ja-JP" altLang="en-US"/>
           </a:p>
@@ -8130,7 +8130,7 @@
           <a:p>
             <a:fld id="{F8226610-8A1B-469C-9F96-3C27427A06DB}" type="datetime1">
               <a:rPr kumimoji="1" lang="ja-JP" altLang="en-US" smtClean="0"/>
-              <a:t>2022/1/12</a:t>
+              <a:t>2022/2/2</a:t>
             </a:fld>
             <a:endParaRPr kumimoji="1" lang="ja-JP" altLang="en-US"/>
           </a:p>
@@ -8561,6 +8561,14 @@
               </a:rPr>
               <a:t> </a:t>
             </a:r>
+            <a:r>
+              <a:rPr lang="en-US" altLang="ja-JP" sz="4000" dirty="0">
+                <a:latin typeface="Meiryo UI" panose="020B0604030504040204" pitchFamily="50" charset="-128"/>
+                <a:ea typeface="Meiryo UI" panose="020B0604030504040204" pitchFamily="50" charset="-128"/>
+                <a:cs typeface="Meiryo UI" panose="020B0604030504040204" pitchFamily="50" charset="-128"/>
+              </a:rPr>
+              <a:t/>
+            </a:r>
             <a:br>
               <a:rPr lang="en-US" altLang="ja-JP" sz="4000" dirty="0">
                 <a:latin typeface="Meiryo UI" panose="020B0604030504040204" pitchFamily="50" charset="-128"/>
@@ -8585,12 +8593,20 @@
               <a:t> </a:t>
             </a:r>
             <a:r>
-              <a:rPr lang="en-US" altLang="ja-JP" sz="4000">
-                <a:latin typeface="Meiryo UI" panose="020B0604030504040204" pitchFamily="50" charset="-128"/>
-                <a:ea typeface="Meiryo UI" panose="020B0604030504040204" pitchFamily="50" charset="-128"/>
-                <a:cs typeface="Meiryo UI" panose="020B0604030504040204" pitchFamily="50" charset="-128"/>
-              </a:rPr>
-              <a:t>licenses V7</a:t>
+              <a:rPr lang="en-US" altLang="ja-JP" sz="4000" dirty="0">
+                <a:latin typeface="Meiryo UI" panose="020B0604030504040204" pitchFamily="50" charset="-128"/>
+                <a:ea typeface="Meiryo UI" panose="020B0604030504040204" pitchFamily="50" charset="-128"/>
+                <a:cs typeface="Meiryo UI" panose="020B0604030504040204" pitchFamily="50" charset="-128"/>
+              </a:rPr>
+              <a:t>licenses </a:t>
+            </a:r>
+            <a:r>
+              <a:rPr lang="en-US" altLang="ja-JP" sz="4000" dirty="0" err="1" smtClean="0">
+                <a:latin typeface="Meiryo UI" panose="020B0604030504040204" pitchFamily="50" charset="-128"/>
+                <a:ea typeface="Meiryo UI" panose="020B0604030504040204" pitchFamily="50" charset="-128"/>
+                <a:cs typeface="Meiryo UI" panose="020B0604030504040204" pitchFamily="50" charset="-128"/>
+              </a:rPr>
+              <a:t>V7.1</a:t>
             </a:r>
             <a:endParaRPr kumimoji="1" lang="ja-JP" altLang="en-US" sz="4000" dirty="0"/>
           </a:p>
@@ -8776,6 +8792,17 @@
               </a:rPr>
               <a:t>　</a:t>
             </a:r>
+            <a:r>
+              <a:rPr lang="en-US" altLang="ja-JP" sz="2200" dirty="0">
+                <a:solidFill>
+                  <a:schemeClr val="tx1"/>
+                </a:solidFill>
+                <a:latin typeface="Meiryo UI" panose="020B0604030504040204" pitchFamily="50" charset="-128"/>
+                <a:ea typeface="Meiryo UI" panose="020B0604030504040204" pitchFamily="50" charset="-128"/>
+                <a:cs typeface="Meiryo UI" panose="020B0604030504040204" pitchFamily="50" charset="-128"/>
+              </a:rPr>
+              <a:t/>
+            </a:r>
             <a:br>
               <a:rPr lang="en-US" altLang="ja-JP" sz="2200" dirty="0">
                 <a:solidFill>
@@ -8940,6 +8967,17 @@
                 <a:cs typeface="Meiryo UI" panose="020B0604030504040204" pitchFamily="50" charset="-128"/>
               </a:rPr>
               <a:t>◆Authors and providers are not responsible for the contents of this manual.</a:t>
+            </a:r>
+            <a:r>
+              <a:rPr lang="en-US" altLang="ja-JP" sz="2200" b="1" dirty="0">
+                <a:solidFill>
+                  <a:schemeClr val="tx1"/>
+                </a:solidFill>
+                <a:latin typeface="Meiryo UI" panose="020B0604030504040204" pitchFamily="50" charset="-128"/>
+                <a:ea typeface="Meiryo UI" panose="020B0604030504040204" pitchFamily="50" charset="-128"/>
+                <a:cs typeface="Meiryo UI" panose="020B0604030504040204" pitchFamily="50" charset="-128"/>
+              </a:rPr>
+              <a:t/>
             </a:r>
             <a:br>
               <a:rPr lang="en-US" altLang="ja-JP" sz="2200" b="1" dirty="0">
@@ -9141,7 +9179,7 @@
           <p:cNvPr id="6" name="テキスト ボックス 5">
             <a:extLst>
               <a:ext uri="{FF2B5EF4-FFF2-40B4-BE49-F238E27FC236}">
-                <a16:creationId xmlns:a16="http://schemas.microsoft.com/office/drawing/2014/main" id="{5FC903BF-501D-4E63-BF1F-01FCC3BE4866}"/>
+                <a16:creationId xmlns="" xmlns:a16="http://schemas.microsoft.com/office/drawing/2014/main" id="{5FC903BF-501D-4E63-BF1F-01FCC3BE4866}"/>
               </a:ext>
             </a:extLst>
           </p:cNvPr>
@@ -9166,7 +9204,15 @@
           <a:p>
             <a:r>
               <a:rPr kumimoji="1" lang="en-US" altLang="ja-JP" dirty="0"/>
-              <a:t>Updated: January 12, 2022</a:t>
+              <a:t>Updated: </a:t>
+            </a:r>
+            <a:r>
+              <a:rPr lang="en-US" altLang="ja-JP" dirty="0"/>
+              <a:t>February 2, </a:t>
+            </a:r>
+            <a:r>
+              <a:rPr kumimoji="1" lang="en-US" altLang="ja-JP" dirty="0"/>
+              <a:t>2022</a:t>
             </a:r>
             <a:endParaRPr kumimoji="1" lang="ja-JP" altLang="en-US" dirty="0"/>
           </a:p>
@@ -9182,6 +9228,13 @@
   <p:clrMapOvr>
     <a:masterClrMapping/>
   </p:clrMapOvr>
+  <p:timing>
+    <p:tnLst>
+      <p:par>
+        <p:cTn id="1" dur="indefinite" restart="never" nodeType="tmRoot"/>
+      </p:par>
+    </p:tnLst>
+  </p:timing>
 </p:sld>
 </file>
 
@@ -9210,8 +9263,8 @@
         </p:nvSpPr>
         <p:spPr>
           <a:xfrm>
-            <a:off x="467544" y="2655446"/>
-            <a:ext cx="8280920" cy="3653874"/>
+            <a:off x="467544" y="2827960"/>
+            <a:ext cx="8280920" cy="3481360"/>
           </a:xfrm>
           <a:prstGeom prst="rect">
             <a:avLst/>
@@ -9266,7 +9319,7 @@
         </p:nvSpPr>
         <p:spPr>
           <a:xfrm>
-            <a:off x="395536" y="159173"/>
+            <a:off x="395536" y="343382"/>
             <a:ext cx="8424936" cy="637346"/>
           </a:xfrm>
           <a:ln>
@@ -9284,14 +9337,14 @@
           <a:lstStyle/>
           <a:p>
             <a:r>
-              <a:rPr lang="en-US" altLang="ja-JP" sz="2800" dirty="0">
+              <a:rPr lang="en-US" altLang="ja-JP" sz="2400" dirty="0">
                 <a:latin typeface="Meiryo UI" panose="020B0604030504040204" pitchFamily="50" charset="-128"/>
                 <a:ea typeface="Meiryo UI" panose="020B0604030504040204" pitchFamily="50" charset="-128"/>
                 <a:cs typeface="Meiryo UI" panose="020B0604030504040204" pitchFamily="50" charset="-128"/>
               </a:rPr>
               <a:t>Can a license violator be a patent infringer?</a:t>
             </a:r>
-            <a:endParaRPr kumimoji="1" lang="ja-JP" altLang="en-US" sz="2800" dirty="0">
+            <a:endParaRPr kumimoji="1" lang="ja-JP" altLang="en-US" sz="2400" dirty="0">
               <a:latin typeface="Meiryo UI" panose="020B0604030504040204" pitchFamily="50" charset="-128"/>
               <a:ea typeface="Meiryo UI" panose="020B0604030504040204" pitchFamily="50" charset="-128"/>
               <a:cs typeface="Meiryo UI" panose="020B0604030504040204" pitchFamily="50" charset="-128"/>
@@ -9311,8 +9364,8 @@
         </p:nvSpPr>
         <p:spPr>
           <a:xfrm>
-            <a:off x="457200" y="3637474"/>
-            <a:ext cx="8291264" cy="2671845"/>
+            <a:off x="457200" y="3883695"/>
+            <a:ext cx="8291264" cy="2425624"/>
           </a:xfrm>
         </p:spPr>
         <p:txBody>
@@ -9370,7 +9423,7 @@
         </p:nvSpPr>
         <p:spPr>
           <a:xfrm>
-            <a:off x="467544" y="1268760"/>
+            <a:off x="467544" y="1454587"/>
             <a:ext cx="8280920" cy="1326341"/>
           </a:xfrm>
           <a:prstGeom prst="roundRect">
@@ -9455,7 +9508,7 @@
         </p:nvSpPr>
         <p:spPr>
           <a:xfrm>
-            <a:off x="3131840" y="2731567"/>
+            <a:off x="3131840" y="2947591"/>
             <a:ext cx="3744416" cy="769441"/>
           </a:xfrm>
           <a:prstGeom prst="rect">
@@ -9519,7 +9572,7 @@
           <p:cNvPr id="11" name="テキスト ボックス 10">
             <a:extLst>
               <a:ext uri="{FF2B5EF4-FFF2-40B4-BE49-F238E27FC236}">
-                <a16:creationId xmlns:a16="http://schemas.microsoft.com/office/drawing/2014/main" id="{1F3C87A8-C9D5-403A-9141-1BF329374B2F}"/>
+                <a16:creationId xmlns="" xmlns:a16="http://schemas.microsoft.com/office/drawing/2014/main" id="{1F3C87A8-C9D5-403A-9141-1BF329374B2F}"/>
               </a:ext>
             </a:extLst>
           </p:cNvPr>
@@ -9582,7 +9635,7 @@
           <p:cNvPr id="12" name="テキスト ボックス 11">
             <a:extLst>
               <a:ext uri="{FF2B5EF4-FFF2-40B4-BE49-F238E27FC236}">
-                <a16:creationId xmlns:a16="http://schemas.microsoft.com/office/drawing/2014/main" id="{24F0EDEF-029D-495E-A67A-C555ABF10C90}"/>
+                <a16:creationId xmlns="" xmlns:a16="http://schemas.microsoft.com/office/drawing/2014/main" id="{24F0EDEF-029D-495E-A67A-C555ABF10C90}"/>
               </a:ext>
             </a:extLst>
           </p:cNvPr>
@@ -9591,7 +9644,7 @@
         </p:nvSpPr>
         <p:spPr>
           <a:xfrm>
-            <a:off x="113828" y="404664"/>
+            <a:off x="113828" y="613137"/>
             <a:ext cx="2808782" cy="1015663"/>
           </a:xfrm>
           <a:prstGeom prst="rect">
@@ -9643,7 +9696,7 @@
           <p:cNvPr id="13" name="テキスト ボックス 12">
             <a:extLst>
               <a:ext uri="{FF2B5EF4-FFF2-40B4-BE49-F238E27FC236}">
-                <a16:creationId xmlns:a16="http://schemas.microsoft.com/office/drawing/2014/main" id="{781F96EC-E865-43D7-B9AA-97413AD2BCE2}"/>
+                <a16:creationId xmlns="" xmlns:a16="http://schemas.microsoft.com/office/drawing/2014/main" id="{781F96EC-E865-43D7-B9AA-97413AD2BCE2}"/>
               </a:ext>
             </a:extLst>
           </p:cNvPr>
@@ -9652,7 +9705,7 @@
         </p:nvSpPr>
         <p:spPr>
           <a:xfrm>
-            <a:off x="403920" y="2348880"/>
+            <a:off x="403920" y="2629361"/>
             <a:ext cx="2401619" cy="1015663"/>
           </a:xfrm>
           <a:prstGeom prst="rect">
@@ -9704,7 +9757,7 @@
           <p:cNvPr id="21" name="スライド番号プレースホルダー 20">
             <a:extLst>
               <a:ext uri="{FF2B5EF4-FFF2-40B4-BE49-F238E27FC236}">
-                <a16:creationId xmlns:a16="http://schemas.microsoft.com/office/drawing/2014/main" id="{B2FB965B-B725-40C5-AC3A-BE562DDF5353}"/>
+                <a16:creationId xmlns="" xmlns:a16="http://schemas.microsoft.com/office/drawing/2014/main" id="{B2FB965B-B725-40C5-AC3A-BE562DDF5353}"/>
               </a:ext>
             </a:extLst>
           </p:cNvPr>
@@ -9725,6 +9778,43 @@
               <a:t>9</a:t>
             </a:fld>
             <a:endParaRPr kumimoji="1" lang="ja-JP" altLang="en-US"/>
+          </a:p>
+        </p:txBody>
+      </p:sp>
+      <p:sp>
+        <p:nvSpPr>
+          <p:cNvPr id="14" name="正方形/長方形 13"/>
+          <p:cNvSpPr/>
+          <p:nvPr/>
+        </p:nvSpPr>
+        <p:spPr>
+          <a:xfrm>
+            <a:off x="189082" y="13496"/>
+            <a:ext cx="958660" cy="369332"/>
+          </a:xfrm>
+          <a:prstGeom prst="rect">
+            <a:avLst/>
+          </a:prstGeom>
+        </p:spPr>
+        <p:txBody>
+          <a:bodyPr wrap="none">
+            <a:spAutoFit/>
+          </a:bodyPr>
+          <a:lstStyle/>
+          <a:p>
+            <a:r>
+              <a:rPr lang="ja-JP" altLang="en-US" dirty="0">
+                <a:hlinkClick r:id="rId3" action="ppaction://hlinksldjump"/>
+              </a:rPr>
+              <a:t>← </a:t>
+            </a:r>
+            <a:r>
+              <a:rPr lang="en-US" altLang="ja-JP" dirty="0" smtClean="0">
+                <a:hlinkClick r:id="rId3" action="ppaction://hlinksldjump"/>
+              </a:rPr>
+              <a:t>Index</a:t>
+            </a:r>
+            <a:endParaRPr lang="ja-JP" altLang="en-US" dirty="0"/>
           </a:p>
         </p:txBody>
       </p:sp>
@@ -9822,7 +9912,7 @@
         </p:nvSpPr>
         <p:spPr>
           <a:xfrm>
-            <a:off x="467544" y="116632"/>
+            <a:off x="467544" y="383922"/>
             <a:ext cx="8219256" cy="740822"/>
           </a:xfrm>
           <a:ln>
@@ -9967,8 +10057,8 @@
         </p:nvSpPr>
         <p:spPr>
           <a:xfrm>
-            <a:off x="467544" y="1412776"/>
-            <a:ext cx="8280920" cy="1224136"/>
+            <a:off x="467544" y="1628800"/>
+            <a:ext cx="8280920" cy="1008111"/>
           </a:xfrm>
           <a:prstGeom prst="roundRect">
             <a:avLst/>
@@ -10071,7 +10161,7 @@
         </p:nvSpPr>
         <p:spPr>
           <a:xfrm>
-            <a:off x="113828" y="476672"/>
+            <a:off x="113828" y="757153"/>
             <a:ext cx="2808782" cy="1015663"/>
           </a:xfrm>
           <a:prstGeom prst="rect">
@@ -10245,7 +10335,7 @@
           <p:cNvPr id="11" name="テキスト ボックス 10">
             <a:extLst>
               <a:ext uri="{FF2B5EF4-FFF2-40B4-BE49-F238E27FC236}">
-                <a16:creationId xmlns:a16="http://schemas.microsoft.com/office/drawing/2014/main" id="{D7C43168-A981-4C44-B720-84CFB61613FA}"/>
+                <a16:creationId xmlns="" xmlns:a16="http://schemas.microsoft.com/office/drawing/2014/main" id="{D7C43168-A981-4C44-B720-84CFB61613FA}"/>
               </a:ext>
             </a:extLst>
           </p:cNvPr>
@@ -10309,7 +10399,7 @@
           <p:cNvPr id="21" name="スライド番号プレースホルダー 20">
             <a:extLst>
               <a:ext uri="{FF2B5EF4-FFF2-40B4-BE49-F238E27FC236}">
-                <a16:creationId xmlns:a16="http://schemas.microsoft.com/office/drawing/2014/main" id="{F5993DC9-AB3C-4AF5-B008-C38565BF9884}"/>
+                <a16:creationId xmlns="" xmlns:a16="http://schemas.microsoft.com/office/drawing/2014/main" id="{F5993DC9-AB3C-4AF5-B008-C38565BF9884}"/>
               </a:ext>
             </a:extLst>
           </p:cNvPr>
@@ -10330,6 +10420,43 @@
               <a:t>10</a:t>
             </a:fld>
             <a:endParaRPr kumimoji="1" lang="ja-JP" altLang="en-US"/>
+          </a:p>
+        </p:txBody>
+      </p:sp>
+      <p:sp>
+        <p:nvSpPr>
+          <p:cNvPr id="12" name="正方形/長方形 11"/>
+          <p:cNvSpPr/>
+          <p:nvPr/>
+        </p:nvSpPr>
+        <p:spPr>
+          <a:xfrm>
+            <a:off x="189082" y="13496"/>
+            <a:ext cx="958660" cy="369332"/>
+          </a:xfrm>
+          <a:prstGeom prst="rect">
+            <a:avLst/>
+          </a:prstGeom>
+        </p:spPr>
+        <p:txBody>
+          <a:bodyPr wrap="none">
+            <a:spAutoFit/>
+          </a:bodyPr>
+          <a:lstStyle/>
+          <a:p>
+            <a:r>
+              <a:rPr lang="ja-JP" altLang="en-US" dirty="0">
+                <a:hlinkClick r:id="rId3" action="ppaction://hlinksldjump"/>
+              </a:rPr>
+              <a:t>← </a:t>
+            </a:r>
+            <a:r>
+              <a:rPr lang="en-US" altLang="ja-JP" dirty="0" smtClean="0">
+                <a:hlinkClick r:id="rId3" action="ppaction://hlinksldjump"/>
+              </a:rPr>
+              <a:t>Index</a:t>
+            </a:r>
+            <a:endParaRPr lang="ja-JP" altLang="en-US" dirty="0"/>
           </a:p>
         </p:txBody>
       </p:sp>
@@ -10427,8 +10554,8 @@
         </p:nvSpPr>
         <p:spPr>
           <a:xfrm>
-            <a:off x="395536" y="199365"/>
-            <a:ext cx="8424936" cy="860921"/>
+            <a:off x="395536" y="335831"/>
+            <a:ext cx="8424936" cy="716905"/>
           </a:xfrm>
           <a:ln>
             <a:solidFill>
@@ -10445,7 +10572,7 @@
           <a:lstStyle/>
           <a:p>
             <a:r>
-              <a:rPr lang="en-US" altLang="ja-JP" sz="2800" dirty="0">
+              <a:rPr lang="en-US" altLang="ja-JP" sz="2400" dirty="0">
                 <a:latin typeface="Meiryo UI" panose="020B0604030504040204" pitchFamily="50" charset="-128"/>
                 <a:ea typeface="Meiryo UI" panose="020B0604030504040204" pitchFamily="50" charset="-128"/>
                 <a:cs typeface="Meiryo UI" panose="020B0604030504040204" pitchFamily="50" charset="-128"/>
@@ -10453,21 +10580,21 @@
               <a:t>Can I only provide a list of OSS names</a:t>
             </a:r>
             <a:br>
-              <a:rPr lang="en-US" altLang="ja-JP" sz="2800" dirty="0">
+              <a:rPr lang="en-US" altLang="ja-JP" sz="2400" dirty="0">
                 <a:latin typeface="Meiryo UI" panose="020B0604030504040204" pitchFamily="50" charset="-128"/>
                 <a:ea typeface="Meiryo UI" panose="020B0604030504040204" pitchFamily="50" charset="-128"/>
                 <a:cs typeface="Meiryo UI" panose="020B0604030504040204" pitchFamily="50" charset="-128"/>
               </a:rPr>
             </a:br>
             <a:r>
-              <a:rPr lang="en-US" altLang="ja-JP" sz="2800" dirty="0">
+              <a:rPr lang="en-US" altLang="ja-JP" sz="2400" dirty="0">
                 <a:latin typeface="Meiryo UI" panose="020B0604030504040204" pitchFamily="50" charset="-128"/>
                 <a:ea typeface="Meiryo UI" panose="020B0604030504040204" pitchFamily="50" charset="-128"/>
                 <a:cs typeface="Meiryo UI" panose="020B0604030504040204" pitchFamily="50" charset="-128"/>
               </a:rPr>
               <a:t> as OSS information?</a:t>
             </a:r>
-            <a:endParaRPr kumimoji="1" lang="ja-JP" altLang="en-US" sz="2800" dirty="0">
+            <a:endParaRPr kumimoji="1" lang="ja-JP" altLang="en-US" sz="2400" dirty="0">
               <a:latin typeface="Meiryo UI" panose="020B0604030504040204" pitchFamily="50" charset="-128"/>
               <a:ea typeface="Meiryo UI" panose="020B0604030504040204" pitchFamily="50" charset="-128"/>
               <a:cs typeface="Meiryo UI" panose="020B0604030504040204" pitchFamily="50" charset="-128"/>
@@ -10566,8 +10693,8 @@
         </p:nvSpPr>
         <p:spPr>
           <a:xfrm>
-            <a:off x="467544" y="1340768"/>
-            <a:ext cx="8280920" cy="1720641"/>
+            <a:off x="467544" y="1527405"/>
+            <a:ext cx="8280920" cy="1534004"/>
           </a:xfrm>
           <a:prstGeom prst="roundRect">
             <a:avLst>
@@ -10736,7 +10863,7 @@
           <p:cNvPr id="11" name="テキスト ボックス 10">
             <a:extLst>
               <a:ext uri="{FF2B5EF4-FFF2-40B4-BE49-F238E27FC236}">
-                <a16:creationId xmlns:a16="http://schemas.microsoft.com/office/drawing/2014/main" id="{1F3C87A8-C9D5-403A-9141-1BF329374B2F}"/>
+                <a16:creationId xmlns="" xmlns:a16="http://schemas.microsoft.com/office/drawing/2014/main" id="{1F3C87A8-C9D5-403A-9141-1BF329374B2F}"/>
               </a:ext>
             </a:extLst>
           </p:cNvPr>
@@ -10792,7 +10919,7 @@
           <p:cNvPr id="12" name="テキスト ボックス 11">
             <a:extLst>
               <a:ext uri="{FF2B5EF4-FFF2-40B4-BE49-F238E27FC236}">
-                <a16:creationId xmlns:a16="http://schemas.microsoft.com/office/drawing/2014/main" id="{24F0EDEF-029D-495E-A67A-C555ABF10C90}"/>
+                <a16:creationId xmlns="" xmlns:a16="http://schemas.microsoft.com/office/drawing/2014/main" id="{24F0EDEF-029D-495E-A67A-C555ABF10C90}"/>
               </a:ext>
             </a:extLst>
           </p:cNvPr>
@@ -10801,7 +10928,7 @@
         </p:nvSpPr>
         <p:spPr>
           <a:xfrm>
-            <a:off x="113828" y="613137"/>
+            <a:off x="113828" y="692696"/>
             <a:ext cx="2808782" cy="1015663"/>
           </a:xfrm>
           <a:prstGeom prst="rect">
@@ -10853,7 +10980,7 @@
           <p:cNvPr id="13" name="テキスト ボックス 12">
             <a:extLst>
               <a:ext uri="{FF2B5EF4-FFF2-40B4-BE49-F238E27FC236}">
-                <a16:creationId xmlns:a16="http://schemas.microsoft.com/office/drawing/2014/main" id="{781F96EC-E865-43D7-B9AA-97413AD2BCE2}"/>
+                <a16:creationId xmlns="" xmlns:a16="http://schemas.microsoft.com/office/drawing/2014/main" id="{781F96EC-E865-43D7-B9AA-97413AD2BCE2}"/>
               </a:ext>
             </a:extLst>
           </p:cNvPr>
@@ -10914,7 +11041,7 @@
           <p:cNvPr id="21" name="スライド番号プレースホルダー 20">
             <a:extLst>
               <a:ext uri="{FF2B5EF4-FFF2-40B4-BE49-F238E27FC236}">
-                <a16:creationId xmlns:a16="http://schemas.microsoft.com/office/drawing/2014/main" id="{C89526B4-311E-4F5C-8E8E-016125C293ED}"/>
+                <a16:creationId xmlns="" xmlns:a16="http://schemas.microsoft.com/office/drawing/2014/main" id="{C89526B4-311E-4F5C-8E8E-016125C293ED}"/>
               </a:ext>
             </a:extLst>
           </p:cNvPr>
@@ -10935,6 +11062,43 @@
               <a:t>11</a:t>
             </a:fld>
             <a:endParaRPr kumimoji="1" lang="ja-JP" altLang="en-US"/>
+          </a:p>
+        </p:txBody>
+      </p:sp>
+      <p:sp>
+        <p:nvSpPr>
+          <p:cNvPr id="14" name="正方形/長方形 13"/>
+          <p:cNvSpPr/>
+          <p:nvPr/>
+        </p:nvSpPr>
+        <p:spPr>
+          <a:xfrm>
+            <a:off x="189082" y="13496"/>
+            <a:ext cx="958660" cy="369332"/>
+          </a:xfrm>
+          <a:prstGeom prst="rect">
+            <a:avLst/>
+          </a:prstGeom>
+        </p:spPr>
+        <p:txBody>
+          <a:bodyPr wrap="none">
+            <a:spAutoFit/>
+          </a:bodyPr>
+          <a:lstStyle/>
+          <a:p>
+            <a:r>
+              <a:rPr lang="ja-JP" altLang="en-US" dirty="0">
+                <a:hlinkClick r:id="rId3" action="ppaction://hlinksldjump"/>
+              </a:rPr>
+              <a:t>← </a:t>
+            </a:r>
+            <a:r>
+              <a:rPr lang="en-US" altLang="ja-JP" dirty="0" smtClean="0">
+                <a:hlinkClick r:id="rId3" action="ppaction://hlinksldjump"/>
+              </a:rPr>
+              <a:t>Index</a:t>
+            </a:r>
+            <a:endParaRPr lang="ja-JP" altLang="en-US" dirty="0"/>
           </a:p>
         </p:txBody>
       </p:sp>
@@ -10976,8 +11140,8 @@
         </p:nvSpPr>
         <p:spPr>
           <a:xfrm>
-            <a:off x="467544" y="2708920"/>
-            <a:ext cx="8280920" cy="3672408"/>
+            <a:off x="467544" y="2772697"/>
+            <a:ext cx="8280920" cy="3608631"/>
           </a:xfrm>
           <a:prstGeom prst="rect">
             <a:avLst/>
@@ -11032,7 +11196,7 @@
         </p:nvSpPr>
         <p:spPr>
           <a:xfrm>
-            <a:off x="457200" y="116632"/>
+            <a:off x="457200" y="332656"/>
             <a:ext cx="8219256" cy="720080"/>
           </a:xfrm>
           <a:ln>
@@ -11124,8 +11288,8 @@
         </p:nvSpPr>
         <p:spPr>
           <a:xfrm>
-            <a:off x="467544" y="1412776"/>
-            <a:ext cx="8280920" cy="1224136"/>
+            <a:off x="467544" y="1556792"/>
+            <a:ext cx="8280920" cy="1110318"/>
           </a:xfrm>
           <a:prstGeom prst="roundRect">
             <a:avLst/>
@@ -11206,7 +11370,7 @@
         </p:nvSpPr>
         <p:spPr>
           <a:xfrm>
-            <a:off x="113828" y="476672"/>
+            <a:off x="113828" y="685145"/>
             <a:ext cx="2808782" cy="1015663"/>
           </a:xfrm>
           <a:prstGeom prst="rect">
@@ -11380,7 +11544,7 @@
           <p:cNvPr id="11" name="テキスト ボックス 10">
             <a:extLst>
               <a:ext uri="{FF2B5EF4-FFF2-40B4-BE49-F238E27FC236}">
-                <a16:creationId xmlns:a16="http://schemas.microsoft.com/office/drawing/2014/main" id="{D69AB619-9418-4A18-9DF8-A83427F9DBDD}"/>
+                <a16:creationId xmlns="" xmlns:a16="http://schemas.microsoft.com/office/drawing/2014/main" id="{D69AB619-9418-4A18-9DF8-A83427F9DBDD}"/>
               </a:ext>
             </a:extLst>
           </p:cNvPr>
@@ -11450,7 +11614,7 @@
           <p:cNvPr id="21" name="スライド番号プレースホルダー 20">
             <a:extLst>
               <a:ext uri="{FF2B5EF4-FFF2-40B4-BE49-F238E27FC236}">
-                <a16:creationId xmlns:a16="http://schemas.microsoft.com/office/drawing/2014/main" id="{7D3089D4-9667-4560-A575-27E74CCE9178}"/>
+                <a16:creationId xmlns="" xmlns:a16="http://schemas.microsoft.com/office/drawing/2014/main" id="{7D3089D4-9667-4560-A575-27E74CCE9178}"/>
               </a:ext>
             </a:extLst>
           </p:cNvPr>
@@ -11471,6 +11635,43 @@
               <a:t>12</a:t>
             </a:fld>
             <a:endParaRPr kumimoji="1" lang="ja-JP" altLang="en-US"/>
+          </a:p>
+        </p:txBody>
+      </p:sp>
+      <p:sp>
+        <p:nvSpPr>
+          <p:cNvPr id="12" name="正方形/長方形 11"/>
+          <p:cNvSpPr/>
+          <p:nvPr/>
+        </p:nvSpPr>
+        <p:spPr>
+          <a:xfrm>
+            <a:off x="189082" y="13496"/>
+            <a:ext cx="958660" cy="369332"/>
+          </a:xfrm>
+          <a:prstGeom prst="rect">
+            <a:avLst/>
+          </a:prstGeom>
+        </p:spPr>
+        <p:txBody>
+          <a:bodyPr wrap="none">
+            <a:spAutoFit/>
+          </a:bodyPr>
+          <a:lstStyle/>
+          <a:p>
+            <a:r>
+              <a:rPr lang="ja-JP" altLang="en-US" dirty="0">
+                <a:hlinkClick r:id="rId3" action="ppaction://hlinksldjump"/>
+              </a:rPr>
+              <a:t>← </a:t>
+            </a:r>
+            <a:r>
+              <a:rPr lang="en-US" altLang="ja-JP" dirty="0" smtClean="0">
+                <a:hlinkClick r:id="rId3" action="ppaction://hlinksldjump"/>
+              </a:rPr>
+              <a:t>Index</a:t>
+            </a:r>
+            <a:endParaRPr lang="ja-JP" altLang="en-US" dirty="0"/>
           </a:p>
         </p:txBody>
       </p:sp>
@@ -11568,7 +11769,7 @@
         </p:nvSpPr>
         <p:spPr>
           <a:xfrm>
-            <a:off x="395536" y="199366"/>
+            <a:off x="395536" y="343382"/>
             <a:ext cx="8424936" cy="637346"/>
           </a:xfrm>
           <a:ln>
@@ -11634,7 +11835,7 @@
               <a:buChar char="u"/>
             </a:pPr>
             <a:r>
-              <a:rPr lang="en-US" altLang="ja-JP" sz="2000" dirty="0">
+              <a:rPr lang="en-US" altLang="ja-JP" sz="1800" dirty="0">
                 <a:latin typeface="Meiryo UI" panose="020B0604030504040204" pitchFamily="50" charset="-128"/>
                 <a:ea typeface="Meiryo UI" panose="020B0604030504040204" pitchFamily="50" charset="-128"/>
                 <a:cs typeface="Meiryo UI" panose="020B0604030504040204" pitchFamily="50" charset="-128"/>
@@ -11654,7 +11855,7 @@
               <a:buChar char="u"/>
             </a:pPr>
             <a:r>
-              <a:rPr lang="en-US" altLang="ja-JP" sz="2000" dirty="0">
+              <a:rPr lang="en-US" altLang="ja-JP" sz="1800" dirty="0">
                 <a:latin typeface="Meiryo UI" panose="020B0604030504040204" pitchFamily="50" charset="-128"/>
                 <a:ea typeface="Meiryo UI" panose="020B0604030504040204" pitchFamily="50" charset="-128"/>
                 <a:cs typeface="Meiryo UI" panose="020B0604030504040204" pitchFamily="50" charset="-128"/>
@@ -11672,8 +11873,8 @@
         </p:nvSpPr>
         <p:spPr>
           <a:xfrm>
-            <a:off x="467544" y="1340768"/>
-            <a:ext cx="8280920" cy="1512168"/>
+            <a:off x="467544" y="1492334"/>
+            <a:ext cx="8280920" cy="1360601"/>
           </a:xfrm>
           <a:prstGeom prst="roundRect">
             <a:avLst/>
@@ -11769,7 +11970,7 @@
           <p:cNvPr id="11" name="テキスト ボックス 10">
             <a:extLst>
               <a:ext uri="{FF2B5EF4-FFF2-40B4-BE49-F238E27FC236}">
-                <a16:creationId xmlns:a16="http://schemas.microsoft.com/office/drawing/2014/main" id="{1F3C87A8-C9D5-403A-9141-1BF329374B2F}"/>
+                <a16:creationId xmlns="" xmlns:a16="http://schemas.microsoft.com/office/drawing/2014/main" id="{1F3C87A8-C9D5-403A-9141-1BF329374B2F}"/>
               </a:ext>
             </a:extLst>
           </p:cNvPr>
@@ -11818,7 +12019,7 @@
           <p:cNvPr id="12" name="テキスト ボックス 11">
             <a:extLst>
               <a:ext uri="{FF2B5EF4-FFF2-40B4-BE49-F238E27FC236}">
-                <a16:creationId xmlns:a16="http://schemas.microsoft.com/office/drawing/2014/main" id="{24F0EDEF-029D-495E-A67A-C555ABF10C90}"/>
+                <a16:creationId xmlns="" xmlns:a16="http://schemas.microsoft.com/office/drawing/2014/main" id="{24F0EDEF-029D-495E-A67A-C555ABF10C90}"/>
               </a:ext>
             </a:extLst>
           </p:cNvPr>
@@ -11827,7 +12028,7 @@
         </p:nvSpPr>
         <p:spPr>
           <a:xfrm>
-            <a:off x="113828" y="476672"/>
+            <a:off x="113828" y="613137"/>
             <a:ext cx="2808782" cy="1015663"/>
           </a:xfrm>
           <a:prstGeom prst="rect">
@@ -11879,7 +12080,7 @@
           <p:cNvPr id="13" name="テキスト ボックス 12">
             <a:extLst>
               <a:ext uri="{FF2B5EF4-FFF2-40B4-BE49-F238E27FC236}">
-                <a16:creationId xmlns:a16="http://schemas.microsoft.com/office/drawing/2014/main" id="{781F96EC-E865-43D7-B9AA-97413AD2BCE2}"/>
+                <a16:creationId xmlns="" xmlns:a16="http://schemas.microsoft.com/office/drawing/2014/main" id="{781F96EC-E865-43D7-B9AA-97413AD2BCE2}"/>
               </a:ext>
             </a:extLst>
           </p:cNvPr>
@@ -11984,7 +12185,7 @@
           <p:cNvPr id="21" name="スライド番号プレースホルダー 20">
             <a:extLst>
               <a:ext uri="{FF2B5EF4-FFF2-40B4-BE49-F238E27FC236}">
-                <a16:creationId xmlns:a16="http://schemas.microsoft.com/office/drawing/2014/main" id="{ED88BD01-9400-4633-9438-237D483EA298}"/>
+                <a16:creationId xmlns="" xmlns:a16="http://schemas.microsoft.com/office/drawing/2014/main" id="{ED88BD01-9400-4633-9438-237D483EA298}"/>
               </a:ext>
             </a:extLst>
           </p:cNvPr>
@@ -12005,6 +12206,43 @@
               <a:t>13</a:t>
             </a:fld>
             <a:endParaRPr kumimoji="1" lang="ja-JP" altLang="en-US"/>
+          </a:p>
+        </p:txBody>
+      </p:sp>
+      <p:sp>
+        <p:nvSpPr>
+          <p:cNvPr id="14" name="正方形/長方形 13"/>
+          <p:cNvSpPr/>
+          <p:nvPr/>
+        </p:nvSpPr>
+        <p:spPr>
+          <a:xfrm>
+            <a:off x="189082" y="13496"/>
+            <a:ext cx="958660" cy="369332"/>
+          </a:xfrm>
+          <a:prstGeom prst="rect">
+            <a:avLst/>
+          </a:prstGeom>
+        </p:spPr>
+        <p:txBody>
+          <a:bodyPr wrap="none">
+            <a:spAutoFit/>
+          </a:bodyPr>
+          <a:lstStyle/>
+          <a:p>
+            <a:r>
+              <a:rPr lang="ja-JP" altLang="en-US" dirty="0">
+                <a:hlinkClick r:id="rId3" action="ppaction://hlinksldjump"/>
+              </a:rPr>
+              <a:t>← </a:t>
+            </a:r>
+            <a:r>
+              <a:rPr lang="en-US" altLang="ja-JP" dirty="0" smtClean="0">
+                <a:hlinkClick r:id="rId3" action="ppaction://hlinksldjump"/>
+              </a:rPr>
+              <a:t>Index</a:t>
+            </a:r>
+            <a:endParaRPr lang="ja-JP" altLang="en-US" dirty="0"/>
           </a:p>
         </p:txBody>
       </p:sp>
@@ -12102,7 +12340,7 @@
         </p:nvSpPr>
         <p:spPr>
           <a:xfrm>
-            <a:off x="395536" y="199366"/>
+            <a:off x="395536" y="335831"/>
             <a:ext cx="8424936" cy="637346"/>
           </a:xfrm>
           <a:ln>
@@ -12242,8 +12480,8 @@
         </p:nvSpPr>
         <p:spPr>
           <a:xfrm>
-            <a:off x="467544" y="1343437"/>
-            <a:ext cx="8280920" cy="1221467"/>
+            <a:off x="467544" y="1484784"/>
+            <a:ext cx="8280920" cy="1080120"/>
           </a:xfrm>
           <a:prstGeom prst="roundRect">
             <a:avLst/>
@@ -12383,7 +12621,7 @@
           <p:cNvPr id="11" name="テキスト ボックス 10">
             <a:extLst>
               <a:ext uri="{FF2B5EF4-FFF2-40B4-BE49-F238E27FC236}">
-                <a16:creationId xmlns:a16="http://schemas.microsoft.com/office/drawing/2014/main" id="{1F3C87A8-C9D5-403A-9141-1BF329374B2F}"/>
+                <a16:creationId xmlns="" xmlns:a16="http://schemas.microsoft.com/office/drawing/2014/main" id="{1F3C87A8-C9D5-403A-9141-1BF329374B2F}"/>
               </a:ext>
             </a:extLst>
           </p:cNvPr>
@@ -12425,7 +12663,7 @@
           <p:cNvPr id="12" name="テキスト ボックス 11">
             <a:extLst>
               <a:ext uri="{FF2B5EF4-FFF2-40B4-BE49-F238E27FC236}">
-                <a16:creationId xmlns:a16="http://schemas.microsoft.com/office/drawing/2014/main" id="{24F0EDEF-029D-495E-A67A-C555ABF10C90}"/>
+                <a16:creationId xmlns="" xmlns:a16="http://schemas.microsoft.com/office/drawing/2014/main" id="{24F0EDEF-029D-495E-A67A-C555ABF10C90}"/>
               </a:ext>
             </a:extLst>
           </p:cNvPr>
@@ -12434,7 +12672,7 @@
         </p:nvSpPr>
         <p:spPr>
           <a:xfrm>
-            <a:off x="113828" y="476672"/>
+            <a:off x="113828" y="613137"/>
             <a:ext cx="2808782" cy="1015663"/>
           </a:xfrm>
           <a:prstGeom prst="rect">
@@ -12486,7 +12724,7 @@
           <p:cNvPr id="13" name="テキスト ボックス 12">
             <a:extLst>
               <a:ext uri="{FF2B5EF4-FFF2-40B4-BE49-F238E27FC236}">
-                <a16:creationId xmlns:a16="http://schemas.microsoft.com/office/drawing/2014/main" id="{781F96EC-E865-43D7-B9AA-97413AD2BCE2}"/>
+                <a16:creationId xmlns="" xmlns:a16="http://schemas.microsoft.com/office/drawing/2014/main" id="{781F96EC-E865-43D7-B9AA-97413AD2BCE2}"/>
               </a:ext>
             </a:extLst>
           </p:cNvPr>
@@ -12547,7 +12785,7 @@
           <p:cNvPr id="21" name="スライド番号プレースホルダー 20">
             <a:extLst>
               <a:ext uri="{FF2B5EF4-FFF2-40B4-BE49-F238E27FC236}">
-                <a16:creationId xmlns:a16="http://schemas.microsoft.com/office/drawing/2014/main" id="{2D106099-6BC2-400C-9A88-1C79346F8A0E}"/>
+                <a16:creationId xmlns="" xmlns:a16="http://schemas.microsoft.com/office/drawing/2014/main" id="{2D106099-6BC2-400C-9A88-1C79346F8A0E}"/>
               </a:ext>
             </a:extLst>
           </p:cNvPr>
@@ -12568,6 +12806,43 @@
               <a:t>14</a:t>
             </a:fld>
             <a:endParaRPr kumimoji="1" lang="ja-JP" altLang="en-US"/>
+          </a:p>
+        </p:txBody>
+      </p:sp>
+      <p:sp>
+        <p:nvSpPr>
+          <p:cNvPr id="14" name="正方形/長方形 13"/>
+          <p:cNvSpPr/>
+          <p:nvPr/>
+        </p:nvSpPr>
+        <p:spPr>
+          <a:xfrm>
+            <a:off x="189082" y="13496"/>
+            <a:ext cx="958660" cy="369332"/>
+          </a:xfrm>
+          <a:prstGeom prst="rect">
+            <a:avLst/>
+          </a:prstGeom>
+        </p:spPr>
+        <p:txBody>
+          <a:bodyPr wrap="none">
+            <a:spAutoFit/>
+          </a:bodyPr>
+          <a:lstStyle/>
+          <a:p>
+            <a:r>
+              <a:rPr lang="ja-JP" altLang="en-US" dirty="0">
+                <a:hlinkClick r:id="rId3" action="ppaction://hlinksldjump"/>
+              </a:rPr>
+              <a:t>← </a:t>
+            </a:r>
+            <a:r>
+              <a:rPr lang="en-US" altLang="ja-JP" dirty="0" smtClean="0">
+                <a:hlinkClick r:id="rId3" action="ppaction://hlinksldjump"/>
+              </a:rPr>
+              <a:t>Index</a:t>
+            </a:r>
+            <a:endParaRPr lang="ja-JP" altLang="en-US" dirty="0"/>
           </a:p>
         </p:txBody>
       </p:sp>
@@ -12609,8 +12884,8 @@
         </p:nvSpPr>
         <p:spPr>
           <a:xfrm>
-            <a:off x="467544" y="2996952"/>
-            <a:ext cx="8280920" cy="3312367"/>
+            <a:off x="467544" y="3068960"/>
+            <a:ext cx="8280920" cy="3240359"/>
           </a:xfrm>
           <a:prstGeom prst="rect">
             <a:avLst/>
@@ -12665,7 +12940,7 @@
         </p:nvSpPr>
         <p:spPr>
           <a:xfrm>
-            <a:off x="395536" y="199366"/>
+            <a:off x="395536" y="335831"/>
             <a:ext cx="8424936" cy="637346"/>
           </a:xfrm>
           <a:ln>
@@ -12763,8 +13038,8 @@
         </p:nvSpPr>
         <p:spPr>
           <a:xfrm>
-            <a:off x="467544" y="1340768"/>
-            <a:ext cx="8280920" cy="1504617"/>
+            <a:off x="467544" y="1492336"/>
+            <a:ext cx="8280920" cy="1457586"/>
           </a:xfrm>
           <a:prstGeom prst="roundRect">
             <a:avLst>
@@ -12903,7 +13178,7 @@
           <p:cNvPr id="11" name="テキスト ボックス 10">
             <a:extLst>
               <a:ext uri="{FF2B5EF4-FFF2-40B4-BE49-F238E27FC236}">
-                <a16:creationId xmlns:a16="http://schemas.microsoft.com/office/drawing/2014/main" id="{1F3C87A8-C9D5-403A-9141-1BF329374B2F}"/>
+                <a16:creationId xmlns="" xmlns:a16="http://schemas.microsoft.com/office/drawing/2014/main" id="{1F3C87A8-C9D5-403A-9141-1BF329374B2F}"/>
               </a:ext>
             </a:extLst>
           </p:cNvPr>
@@ -12959,7 +13234,7 @@
           <p:cNvPr id="12" name="テキスト ボックス 11">
             <a:extLst>
               <a:ext uri="{FF2B5EF4-FFF2-40B4-BE49-F238E27FC236}">
-                <a16:creationId xmlns:a16="http://schemas.microsoft.com/office/drawing/2014/main" id="{24F0EDEF-029D-495E-A67A-C555ABF10C90}"/>
+                <a16:creationId xmlns="" xmlns:a16="http://schemas.microsoft.com/office/drawing/2014/main" id="{24F0EDEF-029D-495E-A67A-C555ABF10C90}"/>
               </a:ext>
             </a:extLst>
           </p:cNvPr>
@@ -12968,7 +13243,7 @@
         </p:nvSpPr>
         <p:spPr>
           <a:xfrm>
-            <a:off x="113828" y="476672"/>
+            <a:off x="113828" y="613137"/>
             <a:ext cx="2808782" cy="1015663"/>
           </a:xfrm>
           <a:prstGeom prst="rect">
@@ -13020,7 +13295,7 @@
           <p:cNvPr id="13" name="テキスト ボックス 12">
             <a:extLst>
               <a:ext uri="{FF2B5EF4-FFF2-40B4-BE49-F238E27FC236}">
-                <a16:creationId xmlns:a16="http://schemas.microsoft.com/office/drawing/2014/main" id="{781F96EC-E865-43D7-B9AA-97413AD2BCE2}"/>
+                <a16:creationId xmlns="" xmlns:a16="http://schemas.microsoft.com/office/drawing/2014/main" id="{781F96EC-E865-43D7-B9AA-97413AD2BCE2}"/>
               </a:ext>
             </a:extLst>
           </p:cNvPr>
@@ -13029,7 +13304,7 @@
         </p:nvSpPr>
         <p:spPr>
           <a:xfrm>
-            <a:off x="395536" y="2708920"/>
+            <a:off x="395536" y="2773377"/>
             <a:ext cx="2401619" cy="1015663"/>
           </a:xfrm>
           <a:prstGeom prst="rect">
@@ -13081,7 +13356,7 @@
           <p:cNvPr id="21" name="スライド番号プレースホルダー 20">
             <a:extLst>
               <a:ext uri="{FF2B5EF4-FFF2-40B4-BE49-F238E27FC236}">
-                <a16:creationId xmlns:a16="http://schemas.microsoft.com/office/drawing/2014/main" id="{844DCFA7-9D42-4E3D-A78A-AC4D11CEA3BB}"/>
+                <a16:creationId xmlns="" xmlns:a16="http://schemas.microsoft.com/office/drawing/2014/main" id="{844DCFA7-9D42-4E3D-A78A-AC4D11CEA3BB}"/>
               </a:ext>
             </a:extLst>
           </p:cNvPr>
@@ -13102,6 +13377,43 @@
               <a:t>15</a:t>
             </a:fld>
             <a:endParaRPr kumimoji="1" lang="ja-JP" altLang="en-US"/>
+          </a:p>
+        </p:txBody>
+      </p:sp>
+      <p:sp>
+        <p:nvSpPr>
+          <p:cNvPr id="14" name="正方形/長方形 13"/>
+          <p:cNvSpPr/>
+          <p:nvPr/>
+        </p:nvSpPr>
+        <p:spPr>
+          <a:xfrm>
+            <a:off x="189082" y="13496"/>
+            <a:ext cx="958660" cy="369332"/>
+          </a:xfrm>
+          <a:prstGeom prst="rect">
+            <a:avLst/>
+          </a:prstGeom>
+        </p:spPr>
+        <p:txBody>
+          <a:bodyPr wrap="none">
+            <a:spAutoFit/>
+          </a:bodyPr>
+          <a:lstStyle/>
+          <a:p>
+            <a:r>
+              <a:rPr lang="ja-JP" altLang="en-US" dirty="0">
+                <a:hlinkClick r:id="rId3" action="ppaction://hlinksldjump"/>
+              </a:rPr>
+              <a:t>← </a:t>
+            </a:r>
+            <a:r>
+              <a:rPr lang="en-US" altLang="ja-JP" dirty="0" smtClean="0">
+                <a:hlinkClick r:id="rId3" action="ppaction://hlinksldjump"/>
+              </a:rPr>
+              <a:t>Index</a:t>
+            </a:r>
+            <a:endParaRPr lang="ja-JP" altLang="en-US" dirty="0"/>
           </a:p>
         </p:txBody>
       </p:sp>
@@ -13199,7 +13511,7 @@
         </p:nvSpPr>
         <p:spPr>
           <a:xfrm>
-            <a:off x="395536" y="199366"/>
+            <a:off x="395536" y="335831"/>
             <a:ext cx="8424936" cy="709354"/>
           </a:xfrm>
           <a:ln>
@@ -13319,8 +13631,8 @@
         </p:nvSpPr>
         <p:spPr>
           <a:xfrm>
-            <a:off x="467544" y="1310640"/>
-            <a:ext cx="8280920" cy="1102697"/>
+            <a:off x="467544" y="1541690"/>
+            <a:ext cx="8280920" cy="884284"/>
           </a:xfrm>
           <a:prstGeom prst="roundRect">
             <a:avLst/>
@@ -13477,7 +13789,7 @@
           <p:cNvPr id="11" name="テキスト ボックス 10">
             <a:extLst>
               <a:ext uri="{FF2B5EF4-FFF2-40B4-BE49-F238E27FC236}">
-                <a16:creationId xmlns:a16="http://schemas.microsoft.com/office/drawing/2014/main" id="{1F3C87A8-C9D5-403A-9141-1BF329374B2F}"/>
+                <a16:creationId xmlns="" xmlns:a16="http://schemas.microsoft.com/office/drawing/2014/main" id="{1F3C87A8-C9D5-403A-9141-1BF329374B2F}"/>
               </a:ext>
             </a:extLst>
           </p:cNvPr>
@@ -13533,7 +13845,7 @@
           <p:cNvPr id="12" name="テキスト ボックス 11">
             <a:extLst>
               <a:ext uri="{FF2B5EF4-FFF2-40B4-BE49-F238E27FC236}">
-                <a16:creationId xmlns:a16="http://schemas.microsoft.com/office/drawing/2014/main" id="{24F0EDEF-029D-495E-A67A-C555ABF10C90}"/>
+                <a16:creationId xmlns="" xmlns:a16="http://schemas.microsoft.com/office/drawing/2014/main" id="{24F0EDEF-029D-495E-A67A-C555ABF10C90}"/>
               </a:ext>
             </a:extLst>
           </p:cNvPr>
@@ -13542,7 +13854,7 @@
         </p:nvSpPr>
         <p:spPr>
           <a:xfrm>
-            <a:off x="113828" y="476672"/>
+            <a:off x="113828" y="685145"/>
             <a:ext cx="2808782" cy="1015663"/>
           </a:xfrm>
           <a:prstGeom prst="rect">
@@ -13594,7 +13906,7 @@
           <p:cNvPr id="13" name="テキスト ボックス 12">
             <a:extLst>
               <a:ext uri="{FF2B5EF4-FFF2-40B4-BE49-F238E27FC236}">
-                <a16:creationId xmlns:a16="http://schemas.microsoft.com/office/drawing/2014/main" id="{781F96EC-E865-43D7-B9AA-97413AD2BCE2}"/>
+                <a16:creationId xmlns="" xmlns:a16="http://schemas.microsoft.com/office/drawing/2014/main" id="{781F96EC-E865-43D7-B9AA-97413AD2BCE2}"/>
               </a:ext>
             </a:extLst>
           </p:cNvPr>
@@ -13603,7 +13915,7 @@
         </p:nvSpPr>
         <p:spPr>
           <a:xfrm>
-            <a:off x="323528" y="2197313"/>
+            <a:off x="323528" y="2269321"/>
             <a:ext cx="2401619" cy="1015663"/>
           </a:xfrm>
           <a:prstGeom prst="rect">
@@ -13655,7 +13967,7 @@
           <p:cNvPr id="21" name="スライド番号プレースホルダー 20">
             <a:extLst>
               <a:ext uri="{FF2B5EF4-FFF2-40B4-BE49-F238E27FC236}">
-                <a16:creationId xmlns:a16="http://schemas.microsoft.com/office/drawing/2014/main" id="{3F1E12A7-D505-4BA4-A14A-AF86F12B22AF}"/>
+                <a16:creationId xmlns="" xmlns:a16="http://schemas.microsoft.com/office/drawing/2014/main" id="{3F1E12A7-D505-4BA4-A14A-AF86F12B22AF}"/>
               </a:ext>
             </a:extLst>
           </p:cNvPr>
@@ -13676,6 +13988,43 @@
               <a:t>16</a:t>
             </a:fld>
             <a:endParaRPr kumimoji="1" lang="ja-JP" altLang="en-US"/>
+          </a:p>
+        </p:txBody>
+      </p:sp>
+      <p:sp>
+        <p:nvSpPr>
+          <p:cNvPr id="14" name="正方形/長方形 13"/>
+          <p:cNvSpPr/>
+          <p:nvPr/>
+        </p:nvSpPr>
+        <p:spPr>
+          <a:xfrm>
+            <a:off x="189082" y="13496"/>
+            <a:ext cx="958660" cy="369332"/>
+          </a:xfrm>
+          <a:prstGeom prst="rect">
+            <a:avLst/>
+          </a:prstGeom>
+        </p:spPr>
+        <p:txBody>
+          <a:bodyPr wrap="none">
+            <a:spAutoFit/>
+          </a:bodyPr>
+          <a:lstStyle/>
+          <a:p>
+            <a:r>
+              <a:rPr lang="ja-JP" altLang="en-US" dirty="0">
+                <a:hlinkClick r:id="rId3" action="ppaction://hlinksldjump"/>
+              </a:rPr>
+              <a:t>← </a:t>
+            </a:r>
+            <a:r>
+              <a:rPr lang="en-US" altLang="ja-JP" dirty="0" smtClean="0">
+                <a:hlinkClick r:id="rId3" action="ppaction://hlinksldjump"/>
+              </a:rPr>
+              <a:t>Index</a:t>
+            </a:r>
+            <a:endParaRPr lang="ja-JP" altLang="en-US" dirty="0"/>
           </a:p>
         </p:txBody>
       </p:sp>
@@ -13773,7 +14122,7 @@
         </p:nvSpPr>
         <p:spPr>
           <a:xfrm>
-            <a:off x="467544" y="116632"/>
+            <a:off x="467544" y="325105"/>
             <a:ext cx="8352928" cy="720079"/>
           </a:xfrm>
           <a:ln>
@@ -13942,8 +14291,8 @@
         </p:nvSpPr>
         <p:spPr>
           <a:xfrm>
-            <a:off x="467544" y="1412776"/>
-            <a:ext cx="8280920" cy="1224136"/>
+            <a:off x="467544" y="1556792"/>
+            <a:ext cx="8280920" cy="1080120"/>
           </a:xfrm>
           <a:prstGeom prst="roundRect">
             <a:avLst/>
@@ -14013,7 +14362,7 @@
         </p:nvSpPr>
         <p:spPr>
           <a:xfrm>
-            <a:off x="113828" y="476672"/>
+            <a:off x="113828" y="685145"/>
             <a:ext cx="2808782" cy="1015663"/>
           </a:xfrm>
           <a:prstGeom prst="rect">
@@ -14187,7 +14536,7 @@
           <p:cNvPr id="11" name="テキスト ボックス 10">
             <a:extLst>
               <a:ext uri="{FF2B5EF4-FFF2-40B4-BE49-F238E27FC236}">
-                <a16:creationId xmlns:a16="http://schemas.microsoft.com/office/drawing/2014/main" id="{F9E38008-4463-4391-838A-71F8CDF36BB5}"/>
+                <a16:creationId xmlns="" xmlns:a16="http://schemas.microsoft.com/office/drawing/2014/main" id="{F9E38008-4463-4391-838A-71F8CDF36BB5}"/>
               </a:ext>
             </a:extLst>
           </p:cNvPr>
@@ -14251,7 +14600,7 @@
           <p:cNvPr id="21" name="スライド番号プレースホルダー 20">
             <a:extLst>
               <a:ext uri="{FF2B5EF4-FFF2-40B4-BE49-F238E27FC236}">
-                <a16:creationId xmlns:a16="http://schemas.microsoft.com/office/drawing/2014/main" id="{56ED573B-A821-4F8A-B894-E671C90E0645}"/>
+                <a16:creationId xmlns="" xmlns:a16="http://schemas.microsoft.com/office/drawing/2014/main" id="{56ED573B-A821-4F8A-B894-E671C90E0645}"/>
               </a:ext>
             </a:extLst>
           </p:cNvPr>
@@ -14272,6 +14621,43 @@
               <a:t>17</a:t>
             </a:fld>
             <a:endParaRPr kumimoji="1" lang="ja-JP" altLang="en-US"/>
+          </a:p>
+        </p:txBody>
+      </p:sp>
+      <p:sp>
+        <p:nvSpPr>
+          <p:cNvPr id="12" name="正方形/長方形 11"/>
+          <p:cNvSpPr/>
+          <p:nvPr/>
+        </p:nvSpPr>
+        <p:spPr>
+          <a:xfrm>
+            <a:off x="189082" y="13496"/>
+            <a:ext cx="958660" cy="369332"/>
+          </a:xfrm>
+          <a:prstGeom prst="rect">
+            <a:avLst/>
+          </a:prstGeom>
+        </p:spPr>
+        <p:txBody>
+          <a:bodyPr wrap="none">
+            <a:spAutoFit/>
+          </a:bodyPr>
+          <a:lstStyle/>
+          <a:p>
+            <a:r>
+              <a:rPr lang="ja-JP" altLang="en-US" dirty="0">
+                <a:hlinkClick r:id="rId3" action="ppaction://hlinksldjump"/>
+              </a:rPr>
+              <a:t>← </a:t>
+            </a:r>
+            <a:r>
+              <a:rPr lang="en-US" altLang="ja-JP" dirty="0" smtClean="0">
+                <a:hlinkClick r:id="rId3" action="ppaction://hlinksldjump"/>
+              </a:rPr>
+              <a:t>Index</a:t>
+            </a:r>
+            <a:endParaRPr lang="ja-JP" altLang="en-US" dirty="0"/>
           </a:p>
         </p:txBody>
       </p:sp>
@@ -14369,7 +14755,7 @@
         </p:nvSpPr>
         <p:spPr>
           <a:xfrm>
-            <a:off x="611560" y="116633"/>
+            <a:off x="611560" y="332656"/>
             <a:ext cx="8208912" cy="576064"/>
           </a:xfrm>
           <a:ln>
@@ -14466,55 +14852,32 @@
                 <a:ea typeface="Meiryo UI" panose="020B0604030504040204" pitchFamily="50" charset="-128"/>
                 <a:cs typeface="Meiryo UI" panose="020B0604030504040204" pitchFamily="50" charset="-128"/>
               </a:rPr>
-              <a:t>Unless you are the copyright owner of the OSS</a:t>
-            </a:r>
-            <a:r>
-              <a:rPr lang="ja-JP" altLang="en-US" sz="1800" dirty="0">
-                <a:latin typeface="Meiryo UI" panose="020B0604030504040204" pitchFamily="50" charset="-128"/>
-                <a:ea typeface="Meiryo UI" panose="020B0604030504040204" pitchFamily="50" charset="-128"/>
-                <a:cs typeface="Meiryo UI" panose="020B0604030504040204" pitchFamily="50" charset="-128"/>
-              </a:rPr>
-              <a:t> </a:t>
-            </a:r>
+              <a:t>Only the copyright holder of an OSS can determine and modify the license terms of that OSS.</a:t>
+            </a:r>
+          </a:p>
+          <a:p>
+            <a:pPr eaLnBrk="0" fontAlgn="base" hangingPunct="0">
+              <a:buFont typeface="Wingdings" panose="05000000000000000000" pitchFamily="2" charset="2"/>
+              <a:buChar char="u"/>
+            </a:pPr>
+            <a:endParaRPr lang="en-US" altLang="ja-JP" sz="1800" dirty="0">
+              <a:latin typeface="Meiryo UI" panose="020B0604030504040204" pitchFamily="50" charset="-128"/>
+              <a:ea typeface="Meiryo UI" panose="020B0604030504040204" pitchFamily="50" charset="-128"/>
+              <a:cs typeface="Meiryo UI" panose="020B0604030504040204" pitchFamily="50" charset="-128"/>
+            </a:endParaRPr>
+          </a:p>
+          <a:p>
+            <a:pPr eaLnBrk="0" fontAlgn="base" hangingPunct="0">
+              <a:buFont typeface="Wingdings" panose="05000000000000000000" pitchFamily="2" charset="2"/>
+              <a:buChar char="u"/>
+            </a:pPr>
             <a:r>
               <a:rPr lang="en-US" altLang="ja-JP" sz="1800" dirty="0">
                 <a:latin typeface="Meiryo UI" panose="020B0604030504040204" pitchFamily="50" charset="-128"/>
                 <a:ea typeface="Meiryo UI" panose="020B0604030504040204" pitchFamily="50" charset="-128"/>
                 <a:cs typeface="Meiryo UI" panose="020B0604030504040204" pitchFamily="50" charset="-128"/>
               </a:rPr>
-              <a:t>(or</a:t>
-            </a:r>
-            <a:r>
-              <a:rPr lang="ja-JP" altLang="en-US" sz="1800" dirty="0">
-                <a:latin typeface="Meiryo UI" panose="020B0604030504040204" pitchFamily="50" charset="-128"/>
-                <a:ea typeface="Meiryo UI" panose="020B0604030504040204" pitchFamily="50" charset="-128"/>
-                <a:cs typeface="Meiryo UI" panose="020B0604030504040204" pitchFamily="50" charset="-128"/>
-              </a:rPr>
-              <a:t> </a:t>
-            </a:r>
-            <a:r>
-              <a:rPr lang="en-US" altLang="ja-JP" sz="1800" dirty="0">
-                <a:latin typeface="Meiryo UI" panose="020B0604030504040204" pitchFamily="50" charset="-128"/>
-                <a:ea typeface="Meiryo UI" panose="020B0604030504040204" pitchFamily="50" charset="-128"/>
-                <a:cs typeface="Meiryo UI" panose="020B0604030504040204" pitchFamily="50" charset="-128"/>
-              </a:rPr>
-              <a:t>you</a:t>
-            </a:r>
-            <a:r>
-              <a:rPr lang="ja-JP" altLang="en-US" sz="1800" dirty="0">
-                <a:latin typeface="Meiryo UI" panose="020B0604030504040204" pitchFamily="50" charset="-128"/>
-                <a:ea typeface="Meiryo UI" panose="020B0604030504040204" pitchFamily="50" charset="-128"/>
-                <a:cs typeface="Meiryo UI" panose="020B0604030504040204" pitchFamily="50" charset="-128"/>
-              </a:rPr>
-              <a:t> </a:t>
-            </a:r>
-            <a:r>
-              <a:rPr lang="en-US" altLang="ja-JP" sz="1800" dirty="0">
-                <a:latin typeface="Meiryo UI" panose="020B0604030504040204" pitchFamily="50" charset="-128"/>
-                <a:ea typeface="Meiryo UI" panose="020B0604030504040204" pitchFamily="50" charset="-128"/>
-                <a:cs typeface="Meiryo UI" panose="020B0604030504040204" pitchFamily="50" charset="-128"/>
-              </a:rPr>
-              <a:t>have a permission from them), you do not have the right to modify the license conditions.</a:t>
+              <a:t>Redistributors of OSS may not modify the license terms without the permission of the copyright holder.</a:t>
             </a:r>
           </a:p>
         </p:txBody>
@@ -14609,7 +14972,7 @@
         </p:nvSpPr>
         <p:spPr>
           <a:xfrm>
-            <a:off x="113828" y="476672"/>
+            <a:off x="113828" y="541129"/>
             <a:ext cx="2808782" cy="1015663"/>
           </a:xfrm>
           <a:prstGeom prst="rect">
@@ -14783,7 +15146,7 @@
           <p:cNvPr id="11" name="テキスト ボックス 10">
             <a:extLst>
               <a:ext uri="{FF2B5EF4-FFF2-40B4-BE49-F238E27FC236}">
-                <a16:creationId xmlns:a16="http://schemas.microsoft.com/office/drawing/2014/main" id="{C42B301E-8030-40DA-93BB-AEAF5A9F83A9}"/>
+                <a16:creationId xmlns="" xmlns:a16="http://schemas.microsoft.com/office/drawing/2014/main" id="{C42B301E-8030-40DA-93BB-AEAF5A9F83A9}"/>
               </a:ext>
             </a:extLst>
           </p:cNvPr>
@@ -14839,7 +15202,7 @@
           <p:cNvPr id="21" name="スライド番号プレースホルダー 20">
             <a:extLst>
               <a:ext uri="{FF2B5EF4-FFF2-40B4-BE49-F238E27FC236}">
-                <a16:creationId xmlns:a16="http://schemas.microsoft.com/office/drawing/2014/main" id="{1DFD30CA-33F3-4760-AF34-FB945C3A229E}"/>
+                <a16:creationId xmlns="" xmlns:a16="http://schemas.microsoft.com/office/drawing/2014/main" id="{1DFD30CA-33F3-4760-AF34-FB945C3A229E}"/>
               </a:ext>
             </a:extLst>
           </p:cNvPr>
@@ -14860,6 +15223,43 @@
               <a:t>18</a:t>
             </a:fld>
             <a:endParaRPr kumimoji="1" lang="ja-JP" altLang="en-US"/>
+          </a:p>
+        </p:txBody>
+      </p:sp>
+      <p:sp>
+        <p:nvSpPr>
+          <p:cNvPr id="12" name="正方形/長方形 11"/>
+          <p:cNvSpPr/>
+          <p:nvPr/>
+        </p:nvSpPr>
+        <p:spPr>
+          <a:xfrm>
+            <a:off x="189082" y="13496"/>
+            <a:ext cx="958660" cy="369332"/>
+          </a:xfrm>
+          <a:prstGeom prst="rect">
+            <a:avLst/>
+          </a:prstGeom>
+        </p:spPr>
+        <p:txBody>
+          <a:bodyPr wrap="none">
+            <a:spAutoFit/>
+          </a:bodyPr>
+          <a:lstStyle/>
+          <a:p>
+            <a:r>
+              <a:rPr lang="ja-JP" altLang="en-US" dirty="0">
+                <a:hlinkClick r:id="rId3" action="ppaction://hlinksldjump"/>
+              </a:rPr>
+              <a:t>← </a:t>
+            </a:r>
+            <a:r>
+              <a:rPr lang="en-US" altLang="ja-JP" dirty="0" smtClean="0">
+                <a:hlinkClick r:id="rId3" action="ppaction://hlinksldjump"/>
+              </a:rPr>
+              <a:t>Index</a:t>
+            </a:r>
+            <a:endParaRPr lang="ja-JP" altLang="en-US" dirty="0"/>
           </a:p>
         </p:txBody>
       </p:sp>
@@ -14953,8 +15353,17 @@
                 <a:latin typeface="Meiryo UI" panose="020B0604030504040204" pitchFamily="50" charset="-128"/>
                 <a:ea typeface="Meiryo UI" panose="020B0604030504040204" pitchFamily="50" charset="-128"/>
                 <a:cs typeface="Meiryo UI" panose="020B0604030504040204" pitchFamily="50" charset="-128"/>
-              </a:rPr>
-              <a:t>Can I use OSS for commercial purposes? </a:t>
+                <a:hlinkClick r:id="rId3" action="ppaction://hlinksldjump"/>
+              </a:rPr>
+              <a:t>Can I use OSS for commercial purposes?</a:t>
+            </a:r>
+            <a:r>
+              <a:rPr lang="en-US" altLang="ja-JP" sz="900" dirty="0">
+                <a:latin typeface="Meiryo UI" panose="020B0604030504040204" pitchFamily="50" charset="-128"/>
+                <a:ea typeface="Meiryo UI" panose="020B0604030504040204" pitchFamily="50" charset="-128"/>
+                <a:cs typeface="Meiryo UI" panose="020B0604030504040204" pitchFamily="50" charset="-128"/>
+              </a:rPr>
+              <a:t> </a:t>
             </a:r>
             <a:endParaRPr lang="en-US" altLang="ja-JP" sz="900" b="1" i="1" dirty="0">
               <a:solidFill>
@@ -14975,6 +15384,7 @@
                 <a:latin typeface="Meiryo UI" panose="020B0604030504040204" pitchFamily="50" charset="-128"/>
                 <a:ea typeface="Meiryo UI" panose="020B0604030504040204" pitchFamily="50" charset="-128"/>
                 <a:cs typeface="Meiryo UI" panose="020B0604030504040204" pitchFamily="50" charset="-128"/>
+                <a:hlinkClick r:id="rId4" action="ppaction://hlinksldjump"/>
               </a:rPr>
               <a:t>In</a:t>
             </a:r>
@@ -14983,6 +15393,7 @@
                 <a:latin typeface="Meiryo UI" panose="020B0604030504040204" pitchFamily="50" charset="-128"/>
                 <a:ea typeface="Meiryo UI" panose="020B0604030504040204" pitchFamily="50" charset="-128"/>
                 <a:cs typeface="Meiryo UI" panose="020B0604030504040204" pitchFamily="50" charset="-128"/>
+                <a:hlinkClick r:id="rId4" action="ppaction://hlinksldjump"/>
               </a:rPr>
               <a:t> </a:t>
             </a:r>
@@ -14991,6 +15402,7 @@
                 <a:latin typeface="Meiryo UI" panose="020B0604030504040204" pitchFamily="50" charset="-128"/>
                 <a:ea typeface="Meiryo UI" panose="020B0604030504040204" pitchFamily="50" charset="-128"/>
                 <a:cs typeface="Meiryo UI" panose="020B0604030504040204" pitchFamily="50" charset="-128"/>
+                <a:hlinkClick r:id="rId4" action="ppaction://hlinksldjump"/>
               </a:rPr>
               <a:t>the</a:t>
             </a:r>
@@ -14999,6 +15411,7 @@
                 <a:latin typeface="Meiryo UI" panose="020B0604030504040204" pitchFamily="50" charset="-128"/>
                 <a:ea typeface="Meiryo UI" panose="020B0604030504040204" pitchFamily="50" charset="-128"/>
                 <a:cs typeface="Meiryo UI" panose="020B0604030504040204" pitchFamily="50" charset="-128"/>
+                <a:hlinkClick r:id="rId4" action="ppaction://hlinksldjump"/>
               </a:rPr>
               <a:t> </a:t>
             </a:r>
@@ -15007,6 +15420,7 @@
                 <a:latin typeface="Meiryo UI" panose="020B0604030504040204" pitchFamily="50" charset="-128"/>
                 <a:ea typeface="Meiryo UI" panose="020B0604030504040204" pitchFamily="50" charset="-128"/>
                 <a:cs typeface="Meiryo UI" panose="020B0604030504040204" pitchFamily="50" charset="-128"/>
+                <a:hlinkClick r:id="rId4" action="ppaction://hlinksldjump"/>
               </a:rPr>
               <a:t>absence</a:t>
             </a:r>
@@ -15015,6 +15429,7 @@
                 <a:latin typeface="Meiryo UI" panose="020B0604030504040204" pitchFamily="50" charset="-128"/>
                 <a:ea typeface="Meiryo UI" panose="020B0604030504040204" pitchFamily="50" charset="-128"/>
                 <a:cs typeface="Meiryo UI" panose="020B0604030504040204" pitchFamily="50" charset="-128"/>
+                <a:hlinkClick r:id="rId4" action="ppaction://hlinksldjump"/>
               </a:rPr>
               <a:t> </a:t>
             </a:r>
@@ -15023,6 +15438,7 @@
                 <a:latin typeface="Meiryo UI" panose="020B0604030504040204" pitchFamily="50" charset="-128"/>
                 <a:ea typeface="Meiryo UI" panose="020B0604030504040204" pitchFamily="50" charset="-128"/>
                 <a:cs typeface="Meiryo UI" panose="020B0604030504040204" pitchFamily="50" charset="-128"/>
+                <a:hlinkClick r:id="rId4" action="ppaction://hlinksldjump"/>
               </a:rPr>
               <a:t>of</a:t>
             </a:r>
@@ -15031,6 +15447,7 @@
                 <a:latin typeface="Meiryo UI" panose="020B0604030504040204" pitchFamily="50" charset="-128"/>
                 <a:ea typeface="Meiryo UI" panose="020B0604030504040204" pitchFamily="50" charset="-128"/>
                 <a:cs typeface="Meiryo UI" panose="020B0604030504040204" pitchFamily="50" charset="-128"/>
+                <a:hlinkClick r:id="rId4" action="ppaction://hlinksldjump"/>
               </a:rPr>
               <a:t> </a:t>
             </a:r>
@@ -15039,6 +15456,7 @@
                 <a:latin typeface="Meiryo UI" panose="020B0604030504040204" pitchFamily="50" charset="-128"/>
                 <a:ea typeface="Meiryo UI" panose="020B0604030504040204" pitchFamily="50" charset="-128"/>
                 <a:cs typeface="Meiryo UI" panose="020B0604030504040204" pitchFamily="50" charset="-128"/>
+                <a:hlinkClick r:id="rId4" action="ppaction://hlinksldjump"/>
               </a:rPr>
               <a:t>any conditions, can I use</a:t>
             </a:r>
@@ -15047,6 +15465,7 @@
                 <a:latin typeface="Meiryo UI" panose="020B0604030504040204" pitchFamily="50" charset="-128"/>
                 <a:ea typeface="Meiryo UI" panose="020B0604030504040204" pitchFamily="50" charset="-128"/>
                 <a:cs typeface="Meiryo UI" panose="020B0604030504040204" pitchFamily="50" charset="-128"/>
+                <a:hlinkClick r:id="rId4" action="ppaction://hlinksldjump"/>
               </a:rPr>
               <a:t> </a:t>
             </a:r>
@@ -15055,6 +15474,7 @@
                 <a:latin typeface="Meiryo UI" panose="020B0604030504040204" pitchFamily="50" charset="-128"/>
                 <a:ea typeface="Meiryo UI" panose="020B0604030504040204" pitchFamily="50" charset="-128"/>
                 <a:cs typeface="Meiryo UI" panose="020B0604030504040204" pitchFamily="50" charset="-128"/>
+                <a:hlinkClick r:id="rId4" action="ppaction://hlinksldjump"/>
               </a:rPr>
               <a:t>a</a:t>
             </a:r>
@@ -15063,6 +15483,7 @@
                 <a:latin typeface="Meiryo UI" panose="020B0604030504040204" pitchFamily="50" charset="-128"/>
                 <a:ea typeface="Meiryo UI" panose="020B0604030504040204" pitchFamily="50" charset="-128"/>
                 <a:cs typeface="Meiryo UI" panose="020B0604030504040204" pitchFamily="50" charset="-128"/>
+                <a:hlinkClick r:id="rId4" action="ppaction://hlinksldjump"/>
               </a:rPr>
               <a:t> </a:t>
             </a:r>
@@ -15071,6 +15492,7 @@
                 <a:latin typeface="Meiryo UI" panose="020B0604030504040204" pitchFamily="50" charset="-128"/>
                 <a:ea typeface="Meiryo UI" panose="020B0604030504040204" pitchFamily="50" charset="-128"/>
                 <a:cs typeface="Meiryo UI" panose="020B0604030504040204" pitchFamily="50" charset="-128"/>
+                <a:hlinkClick r:id="rId4" action="ppaction://hlinksldjump"/>
               </a:rPr>
               <a:t>free program</a:t>
             </a:r>
@@ -15079,6 +15501,7 @@
                 <a:latin typeface="Meiryo UI" panose="020B0604030504040204" pitchFamily="50" charset="-128"/>
                 <a:ea typeface="Meiryo UI" panose="020B0604030504040204" pitchFamily="50" charset="-128"/>
                 <a:cs typeface="Meiryo UI" panose="020B0604030504040204" pitchFamily="50" charset="-128"/>
+                <a:hlinkClick r:id="rId4" action="ppaction://hlinksldjump"/>
               </a:rPr>
               <a:t> </a:t>
             </a:r>
@@ -15087,6 +15510,7 @@
                 <a:latin typeface="Meiryo UI" panose="020B0604030504040204" pitchFamily="50" charset="-128"/>
                 <a:ea typeface="Meiryo UI" panose="020B0604030504040204" pitchFamily="50" charset="-128"/>
                 <a:cs typeface="Meiryo UI" panose="020B0604030504040204" pitchFamily="50" charset="-128"/>
+                <a:hlinkClick r:id="rId4" action="ppaction://hlinksldjump"/>
               </a:rPr>
               <a:t>without restriction?</a:t>
             </a:r>
@@ -15105,9 +15529,15 @@
                 <a:latin typeface="Meiryo UI" panose="020B0604030504040204" pitchFamily="50" charset="-128"/>
                 <a:ea typeface="Meiryo UI" panose="020B0604030504040204" pitchFamily="50" charset="-128"/>
                 <a:cs typeface="Meiryo UI" panose="020B0604030504040204" pitchFamily="50" charset="-128"/>
+                <a:hlinkClick r:id="rId5" action="ppaction://hlinksldjump"/>
               </a:rPr>
               <a:t>Can I use the same OSS my colleagues have already used without problem?</a:t>
             </a:r>
+            <a:endParaRPr lang="en-US" altLang="ja-JP" sz="900" dirty="0">
+              <a:latin typeface="Meiryo UI" panose="020B0604030504040204" pitchFamily="50" charset="-128"/>
+              <a:ea typeface="Meiryo UI" panose="020B0604030504040204" pitchFamily="50" charset="-128"/>
+              <a:cs typeface="Meiryo UI" panose="020B0604030504040204" pitchFamily="50" charset="-128"/>
+            </a:endParaRPr>
           </a:p>
           <a:p>
             <a:pPr fontAlgn="t">
@@ -15119,6 +15549,7 @@
                 <a:latin typeface="Meiryo UI" panose="020B0604030504040204" pitchFamily="50" charset="-128"/>
                 <a:ea typeface="Meiryo UI" panose="020B0604030504040204" pitchFamily="50" charset="-128"/>
                 <a:cs typeface="Meiryo UI" panose="020B0604030504040204" pitchFamily="50" charset="-128"/>
+                <a:hlinkClick r:id="rId6" action="ppaction://hlinksldjump"/>
               </a:rPr>
               <a:t>Can OSS names be used in sales promotion media? </a:t>
             </a:r>
@@ -15141,6 +15572,7 @@
                 <a:latin typeface="Meiryo UI" panose="020B0604030504040204" pitchFamily="50" charset="-128"/>
                 <a:ea typeface="Meiryo UI" panose="020B0604030504040204" pitchFamily="50" charset="-128"/>
                 <a:cs typeface="Meiryo UI" panose="020B0604030504040204" pitchFamily="50" charset="-128"/>
+                <a:hlinkClick r:id="rId7" action="ppaction://hlinksldjump"/>
               </a:rPr>
               <a:t>Can</a:t>
             </a:r>
@@ -15149,6 +15581,7 @@
                 <a:latin typeface="Meiryo UI" panose="020B0604030504040204" pitchFamily="50" charset="-128"/>
                 <a:ea typeface="Meiryo UI" panose="020B0604030504040204" pitchFamily="50" charset="-128"/>
                 <a:cs typeface="Meiryo UI" panose="020B0604030504040204" pitchFamily="50" charset="-128"/>
+                <a:hlinkClick r:id="rId7" action="ppaction://hlinksldjump"/>
               </a:rPr>
               <a:t> </a:t>
             </a:r>
@@ -15157,9 +15590,15 @@
                 <a:latin typeface="Meiryo UI" panose="020B0604030504040204" pitchFamily="50" charset="-128"/>
                 <a:ea typeface="Meiryo UI" panose="020B0604030504040204" pitchFamily="50" charset="-128"/>
                 <a:cs typeface="Meiryo UI" panose="020B0604030504040204" pitchFamily="50" charset="-128"/>
+                <a:hlinkClick r:id="rId7" action="ppaction://hlinksldjump"/>
               </a:rPr>
               <a:t>I assume OSS doesn’t involve patent infringement risks?</a:t>
             </a:r>
+            <a:endParaRPr lang="en-US" altLang="ja-JP" sz="900" dirty="0">
+              <a:latin typeface="Meiryo UI" panose="020B0604030504040204" pitchFamily="50" charset="-128"/>
+              <a:ea typeface="Meiryo UI" panose="020B0604030504040204" pitchFamily="50" charset="-128"/>
+              <a:cs typeface="Meiryo UI" panose="020B0604030504040204" pitchFamily="50" charset="-128"/>
+            </a:endParaRPr>
           </a:p>
           <a:p>
             <a:pPr fontAlgn="t">
@@ -15171,9 +15610,15 @@
                 <a:latin typeface="Meiryo UI" panose="020B0604030504040204" pitchFamily="50" charset="-128"/>
                 <a:ea typeface="Meiryo UI" panose="020B0604030504040204" pitchFamily="50" charset="-128"/>
                 <a:cs typeface="Meiryo UI" panose="020B0604030504040204" pitchFamily="50" charset="-128"/>
+                <a:hlinkClick r:id="rId8" action="ppaction://hlinksldjump"/>
               </a:rPr>
               <a:t>When I post a program to the OSS community, does that OSS become a patent infringement?</a:t>
             </a:r>
+            <a:endParaRPr lang="en-US" altLang="ja-JP" sz="900" dirty="0">
+              <a:latin typeface="Meiryo UI" panose="020B0604030504040204" pitchFamily="50" charset="-128"/>
+              <a:ea typeface="Meiryo UI" panose="020B0604030504040204" pitchFamily="50" charset="-128"/>
+              <a:cs typeface="Meiryo UI" panose="020B0604030504040204" pitchFamily="50" charset="-128"/>
+            </a:endParaRPr>
           </a:p>
           <a:p>
             <a:pPr fontAlgn="t">
@@ -15185,6 +15630,7 @@
                 <a:latin typeface="Meiryo UI" panose="020B0604030504040204" pitchFamily="50" charset="-128"/>
                 <a:ea typeface="Meiryo UI" panose="020B0604030504040204" pitchFamily="50" charset="-128"/>
                 <a:cs typeface="Meiryo UI" panose="020B0604030504040204" pitchFamily="50" charset="-128"/>
+                <a:hlinkClick r:id="rId9" action="ppaction://hlinksldjump"/>
               </a:rPr>
               <a:t>Can a license violator be a patent infringer? </a:t>
             </a:r>
@@ -15206,6 +15652,7 @@
                 <a:latin typeface="Meiryo UI" panose="020B0604030504040204" pitchFamily="50" charset="-128"/>
                 <a:ea typeface="Meiryo UI" panose="020B0604030504040204" pitchFamily="50" charset="-128"/>
                 <a:cs typeface="Meiryo UI" panose="020B0604030504040204" pitchFamily="50" charset="-128"/>
+                <a:hlinkClick r:id="rId10" action="ppaction://hlinksldjump"/>
               </a:rPr>
               <a:t>If I contribute to an OSS community, do I need to abandon my patent?</a:t>
             </a:r>
@@ -15224,6 +15671,7 @@
                 <a:latin typeface="Meiryo UI" panose="020B0604030504040204" pitchFamily="50" charset="-128"/>
                 <a:ea typeface="Meiryo UI" panose="020B0604030504040204" pitchFamily="50" charset="-128"/>
                 <a:cs typeface="Meiryo UI" panose="020B0604030504040204" pitchFamily="50" charset="-128"/>
+                <a:hlinkClick r:id="rId11" action="ppaction://hlinksldjump"/>
               </a:rPr>
               <a:t>Can I only provide a list of OSS names as OSS information?</a:t>
             </a:r>
@@ -15232,6 +15680,7 @@
                 <a:latin typeface="Meiryo UI" panose="020B0604030504040204" pitchFamily="50" charset="-128"/>
                 <a:ea typeface="Meiryo UI" panose="020B0604030504040204" pitchFamily="50" charset="-128"/>
                 <a:cs typeface="Meiryo UI" panose="020B0604030504040204" pitchFamily="50" charset="-128"/>
+                <a:hlinkClick r:id="rId11" action="ppaction://hlinksldjump"/>
               </a:rPr>
               <a:t> </a:t>
             </a:r>
@@ -15251,9 +15700,15 @@
                 <a:latin typeface="Meiryo UI" panose="020B0604030504040204" pitchFamily="50" charset="-128"/>
                 <a:ea typeface="Meiryo UI" panose="020B0604030504040204" pitchFamily="50" charset="-128"/>
                 <a:cs typeface="Meiryo UI" panose="020B0604030504040204" pitchFamily="50" charset="-128"/>
+                <a:hlinkClick r:id="rId12" action="ppaction://hlinksldjump"/>
               </a:rPr>
               <a:t>Is it preferable to provide translated license document?</a:t>
             </a:r>
+            <a:endParaRPr lang="en-US" altLang="ja-JP" sz="900" dirty="0">
+              <a:latin typeface="Meiryo UI" panose="020B0604030504040204" pitchFamily="50" charset="-128"/>
+              <a:ea typeface="Meiryo UI" panose="020B0604030504040204" pitchFamily="50" charset="-128"/>
+              <a:cs typeface="Meiryo UI" panose="020B0604030504040204" pitchFamily="50" charset="-128"/>
+            </a:endParaRPr>
           </a:p>
           <a:p>
             <a:pPr fontAlgn="t">
@@ -15264,9 +15719,14 @@
               <a:rPr lang="en-US" altLang="ja-JP" sz="900" dirty="0">
                 <a:latin typeface="Meiryo UI" panose="020B0604030504040204" pitchFamily="50" charset="-128"/>
                 <a:ea typeface="Meiryo UI" panose="020B0604030504040204" pitchFamily="50" charset="-128"/>
+                <a:hlinkClick r:id="rId13" action="ppaction://hlinksldjump"/>
               </a:rPr>
               <a:t>Do I only need to provide the name and URL of the license document?</a:t>
             </a:r>
+            <a:endParaRPr lang="en-US" altLang="ja-JP" sz="900" dirty="0">
+              <a:latin typeface="Meiryo UI" panose="020B0604030504040204" pitchFamily="50" charset="-128"/>
+              <a:ea typeface="Meiryo UI" panose="020B0604030504040204" pitchFamily="50" charset="-128"/>
+            </a:endParaRPr>
           </a:p>
           <a:p>
             <a:pPr fontAlgn="t">
@@ -15277,9 +15737,14 @@
               <a:rPr lang="en-US" altLang="ja-JP" sz="900" dirty="0">
                 <a:latin typeface="Meiryo UI" panose="020B0604030504040204" pitchFamily="50" charset="-128"/>
                 <a:ea typeface="Meiryo UI" panose="020B0604030504040204" pitchFamily="50" charset="-128"/>
+                <a:hlinkClick r:id="rId14" action="ppaction://hlinksldjump"/>
               </a:rPr>
               <a:t>Do I need to print license documents on paper to provide them?</a:t>
             </a:r>
+            <a:endParaRPr lang="en-US" altLang="ja-JP" sz="900" dirty="0">
+              <a:latin typeface="Meiryo UI" panose="020B0604030504040204" pitchFamily="50" charset="-128"/>
+              <a:ea typeface="Meiryo UI" panose="020B0604030504040204" pitchFamily="50" charset="-128"/>
+            </a:endParaRPr>
           </a:p>
           <a:p>
             <a:pPr fontAlgn="t">
@@ -15290,9 +15755,14 @@
               <a:rPr lang="en-US" altLang="ja-JP" sz="900" dirty="0">
                 <a:latin typeface="Meiryo UI" panose="020B0604030504040204" pitchFamily="50" charset="-128"/>
                 <a:ea typeface="Meiryo UI" panose="020B0604030504040204" pitchFamily="50" charset="-128"/>
+                <a:hlinkClick r:id="rId15" action="ppaction://hlinksldjump"/>
               </a:rPr>
               <a:t>Does attaching a license document become a modification of the OSS?</a:t>
             </a:r>
+            <a:endParaRPr lang="en-US" altLang="ja-JP" sz="900" dirty="0">
+              <a:latin typeface="Meiryo UI" panose="020B0604030504040204" pitchFamily="50" charset="-128"/>
+              <a:ea typeface="Meiryo UI" panose="020B0604030504040204" pitchFamily="50" charset="-128"/>
+            </a:endParaRPr>
           </a:p>
           <a:p>
             <a:pPr fontAlgn="t">
@@ -15304,6 +15774,7 @@
                 <a:latin typeface="Meiryo UI" panose="020B0604030504040204" pitchFamily="50" charset="-128"/>
                 <a:ea typeface="Meiryo UI" panose="020B0604030504040204" pitchFamily="50" charset="-128"/>
                 <a:cs typeface="Meiryo UI" panose="020B0604030504040204" pitchFamily="50" charset="-128"/>
+                <a:hlinkClick r:id="rId16" action="ppaction://hlinksldjump"/>
               </a:rPr>
               <a:t>If it's the same license document, does it need to be listed in duplicate?</a:t>
             </a:r>
@@ -15339,9 +15810,15 @@
                 <a:latin typeface="Meiryo UI" panose="020B0604030504040204" pitchFamily="50" charset="-128"/>
                 <a:ea typeface="Meiryo UI" panose="020B0604030504040204" pitchFamily="50" charset="-128"/>
                 <a:cs typeface="Meiryo UI" panose="020B0604030504040204" pitchFamily="50" charset="-128"/>
+                <a:hlinkClick r:id="rId17" action="ppaction://hlinksldjump"/>
               </a:rPr>
               <a:t>Should I abide by the licensing conditions when I install the OSS on a PC that will be my customer’s?</a:t>
             </a:r>
+            <a:endParaRPr lang="en-US" altLang="ja-JP" sz="900" dirty="0">
+              <a:latin typeface="Meiryo UI" panose="020B0604030504040204" pitchFamily="50" charset="-128"/>
+              <a:ea typeface="Meiryo UI" panose="020B0604030504040204" pitchFamily="50" charset="-128"/>
+              <a:cs typeface="Meiryo UI" panose="020B0604030504040204" pitchFamily="50" charset="-128"/>
+            </a:endParaRPr>
           </a:p>
           <a:p>
             <a:pPr fontAlgn="t">
@@ -15353,6 +15830,7 @@
                 <a:latin typeface="Meiryo UI" panose="020B0604030504040204" pitchFamily="50" charset="-128"/>
                 <a:ea typeface="Meiryo UI" panose="020B0604030504040204" pitchFamily="50" charset="-128"/>
                 <a:cs typeface="Meiryo UI" panose="020B0604030504040204" pitchFamily="50" charset="-128"/>
+                <a:hlinkClick r:id="rId18" action="ppaction://hlinksldjump"/>
               </a:rPr>
               <a:t>Can I modify the license</a:t>
             </a:r>
@@ -15361,6 +15839,7 @@
                 <a:latin typeface="Meiryo UI" panose="020B0604030504040204" pitchFamily="50" charset="-128"/>
                 <a:ea typeface="Meiryo UI" panose="020B0604030504040204" pitchFamily="50" charset="-128"/>
                 <a:cs typeface="Meiryo UI" panose="020B0604030504040204" pitchFamily="50" charset="-128"/>
+                <a:hlinkClick r:id="rId18" action="ppaction://hlinksldjump"/>
               </a:rPr>
               <a:t> </a:t>
             </a:r>
@@ -15369,6 +15848,7 @@
                 <a:latin typeface="Meiryo UI" panose="020B0604030504040204" pitchFamily="50" charset="-128"/>
                 <a:ea typeface="Meiryo UI" panose="020B0604030504040204" pitchFamily="50" charset="-128"/>
                 <a:cs typeface="Meiryo UI" panose="020B0604030504040204" pitchFamily="50" charset="-128"/>
+                <a:hlinkClick r:id="rId18" action="ppaction://hlinksldjump"/>
               </a:rPr>
               <a:t>of</a:t>
             </a:r>
@@ -15377,6 +15857,7 @@
                 <a:latin typeface="Meiryo UI" panose="020B0604030504040204" pitchFamily="50" charset="-128"/>
                 <a:ea typeface="Meiryo UI" panose="020B0604030504040204" pitchFamily="50" charset="-128"/>
                 <a:cs typeface="Meiryo UI" panose="020B0604030504040204" pitchFamily="50" charset="-128"/>
+                <a:hlinkClick r:id="rId18" action="ppaction://hlinksldjump"/>
               </a:rPr>
               <a:t> </a:t>
             </a:r>
@@ -15385,9 +15866,15 @@
                 <a:latin typeface="Meiryo UI" panose="020B0604030504040204" pitchFamily="50" charset="-128"/>
                 <a:ea typeface="Meiryo UI" panose="020B0604030504040204" pitchFamily="50" charset="-128"/>
                 <a:cs typeface="Meiryo UI" panose="020B0604030504040204" pitchFamily="50" charset="-128"/>
+                <a:hlinkClick r:id="rId18" action="ppaction://hlinksldjump"/>
               </a:rPr>
               <a:t>the OSS I downloaded?</a:t>
             </a:r>
+            <a:endParaRPr lang="en-US" altLang="ja-JP" sz="900" dirty="0">
+              <a:latin typeface="Meiryo UI" panose="020B0604030504040204" pitchFamily="50" charset="-128"/>
+              <a:ea typeface="Meiryo UI" panose="020B0604030504040204" pitchFamily="50" charset="-128"/>
+              <a:cs typeface="Meiryo UI" panose="020B0604030504040204" pitchFamily="50" charset="-128"/>
+            </a:endParaRPr>
           </a:p>
           <a:p>
             <a:pPr fontAlgn="t">
@@ -15399,6 +15886,7 @@
                 <a:latin typeface="Meiryo UI" panose="020B0604030504040204" pitchFamily="50" charset="-128"/>
                 <a:ea typeface="Meiryo UI" panose="020B0604030504040204" pitchFamily="50" charset="-128"/>
                 <a:cs typeface="Meiryo UI" panose="020B0604030504040204" pitchFamily="50" charset="-128"/>
+                <a:hlinkClick r:id="rId19" action="ppaction://hlinksldjump"/>
               </a:rPr>
               <a:t>Can the conditions of use of the product be freely set? </a:t>
             </a:r>
@@ -15420,6 +15908,7 @@
                 <a:latin typeface="Meiryo UI" panose="020B0604030504040204" pitchFamily="50" charset="-128"/>
                 <a:ea typeface="Meiryo UI" panose="020B0604030504040204" pitchFamily="50" charset="-128"/>
                 <a:cs typeface="Meiryo UI" panose="020B0604030504040204" pitchFamily="50" charset="-128"/>
+                <a:hlinkClick r:id="rId20" action="ppaction://hlinksldjump"/>
               </a:rPr>
               <a:t>Can I change the license</a:t>
             </a:r>
@@ -15428,6 +15917,7 @@
                 <a:latin typeface="Meiryo UI" panose="020B0604030504040204" pitchFamily="50" charset="-128"/>
                 <a:ea typeface="Meiryo UI" panose="020B0604030504040204" pitchFamily="50" charset="-128"/>
                 <a:cs typeface="Meiryo UI" panose="020B0604030504040204" pitchFamily="50" charset="-128"/>
+                <a:hlinkClick r:id="rId20" action="ppaction://hlinksldjump"/>
               </a:rPr>
               <a:t> </a:t>
             </a:r>
@@ -15436,6 +15926,7 @@
                 <a:latin typeface="Meiryo UI" panose="020B0604030504040204" pitchFamily="50" charset="-128"/>
                 <a:ea typeface="Meiryo UI" panose="020B0604030504040204" pitchFamily="50" charset="-128"/>
                 <a:cs typeface="Meiryo UI" panose="020B0604030504040204" pitchFamily="50" charset="-128"/>
+                <a:hlinkClick r:id="rId20" action="ppaction://hlinksldjump"/>
               </a:rPr>
               <a:t>of</a:t>
             </a:r>
@@ -15444,6 +15935,7 @@
                 <a:latin typeface="Meiryo UI" panose="020B0604030504040204" pitchFamily="50" charset="-128"/>
                 <a:ea typeface="Meiryo UI" panose="020B0604030504040204" pitchFamily="50" charset="-128"/>
                 <a:cs typeface="Meiryo UI" panose="020B0604030504040204" pitchFamily="50" charset="-128"/>
+                <a:hlinkClick r:id="rId20" action="ppaction://hlinksldjump"/>
               </a:rPr>
               <a:t> </a:t>
             </a:r>
@@ -15452,9 +15944,15 @@
                 <a:latin typeface="Meiryo UI" panose="020B0604030504040204" pitchFamily="50" charset="-128"/>
                 <a:ea typeface="Meiryo UI" panose="020B0604030504040204" pitchFamily="50" charset="-128"/>
                 <a:cs typeface="Meiryo UI" panose="020B0604030504040204" pitchFamily="50" charset="-128"/>
+                <a:hlinkClick r:id="rId20" action="ppaction://hlinksldjump"/>
               </a:rPr>
               <a:t>the OSS I created?</a:t>
             </a:r>
+            <a:endParaRPr lang="en-US" altLang="ja-JP" sz="900" dirty="0">
+              <a:latin typeface="Meiryo UI" panose="020B0604030504040204" pitchFamily="50" charset="-128"/>
+              <a:ea typeface="Meiryo UI" panose="020B0604030504040204" pitchFamily="50" charset="-128"/>
+              <a:cs typeface="Meiryo UI" panose="020B0604030504040204" pitchFamily="50" charset="-128"/>
+            </a:endParaRPr>
           </a:p>
           <a:p>
             <a:pPr fontAlgn="t">
@@ -15465,9 +15963,14 @@
               <a:rPr lang="en-US" altLang="ja-JP" sz="900" dirty="0">
                 <a:latin typeface="Meiryo UI" panose="020B0604030504040204" pitchFamily="50" charset="-128"/>
                 <a:ea typeface="Meiryo UI" panose="020B0604030504040204" pitchFamily="50" charset="-128"/>
+                <a:hlinkClick r:id="rId21" action="ppaction://hlinksldjump"/>
               </a:rPr>
               <a:t>Should I make the source code available to the community?</a:t>
             </a:r>
+            <a:endParaRPr lang="en-US" altLang="ja-JP" sz="900" dirty="0">
+              <a:latin typeface="Meiryo UI" panose="020B0604030504040204" pitchFamily="50" charset="-128"/>
+              <a:ea typeface="Meiryo UI" panose="020B0604030504040204" pitchFamily="50" charset="-128"/>
+            </a:endParaRPr>
           </a:p>
           <a:p>
             <a:pPr fontAlgn="t">
@@ -15479,6 +15982,7 @@
                 <a:latin typeface="Meiryo UI" panose="020B0604030504040204" pitchFamily="50" charset="-128"/>
                 <a:ea typeface="Meiryo UI" panose="020B0604030504040204" pitchFamily="50" charset="-128"/>
                 <a:cs typeface="Meiryo UI" panose="020B0604030504040204" pitchFamily="50" charset="-128"/>
+                <a:hlinkClick r:id="rId22" action="ppaction://hlinksldjump"/>
               </a:rPr>
               <a:t>Can I provide source code via the developer’s web site?</a:t>
             </a:r>
@@ -15497,6 +16001,7 @@
                 <a:latin typeface="Meiryo UI" panose="020B0604030504040204" pitchFamily="50" charset="-128"/>
                 <a:ea typeface="Meiryo UI" panose="020B0604030504040204" pitchFamily="50" charset="-128"/>
                 <a:cs typeface="Meiryo UI" panose="020B0604030504040204" pitchFamily="50" charset="-128"/>
+                <a:hlinkClick r:id="rId23" action="ppaction://hlinksldjump"/>
               </a:rPr>
               <a:t>Whom should I make the source code available to?</a:t>
             </a:r>
@@ -15515,9 +16020,15 @@
                 <a:latin typeface="Meiryo UI" panose="020B0604030504040204" pitchFamily="50" charset="-128"/>
                 <a:ea typeface="Meiryo UI" panose="020B0604030504040204" pitchFamily="50" charset="-128"/>
                 <a:cs typeface="Meiryo UI" panose="020B0604030504040204" pitchFamily="50" charset="-128"/>
+                <a:hlinkClick r:id="rId24" action="ppaction://hlinksldjump"/>
               </a:rPr>
               <a:t>Can we just post the source code on the web when we ship a product containing OSS?</a:t>
             </a:r>
+            <a:endParaRPr lang="en-US" altLang="ja-JP" sz="900" dirty="0">
+              <a:latin typeface="Meiryo UI" panose="020B0604030504040204" pitchFamily="50" charset="-128"/>
+              <a:ea typeface="Meiryo UI" panose="020B0604030504040204" pitchFamily="50" charset="-128"/>
+              <a:cs typeface="Meiryo UI" panose="020B0604030504040204" pitchFamily="50" charset="-128"/>
+            </a:endParaRPr>
           </a:p>
           <a:p>
             <a:pPr fontAlgn="t">
@@ -15529,9 +16040,15 @@
                 <a:latin typeface="Meiryo UI" panose="020B0604030504040204" pitchFamily="50" charset="-128"/>
                 <a:ea typeface="Meiryo UI" panose="020B0604030504040204" pitchFamily="50" charset="-128"/>
                 <a:cs typeface="Meiryo UI" panose="020B0604030504040204" pitchFamily="50" charset="-128"/>
+                <a:hlinkClick r:id="rId25" action="ppaction://hlinksldjump"/>
               </a:rPr>
               <a:t>Do I need to apply each license when an OSS module consists of multiple components?</a:t>
             </a:r>
+            <a:endParaRPr lang="en-US" altLang="ja-JP" sz="900" dirty="0">
+              <a:latin typeface="Meiryo UI" panose="020B0604030504040204" pitchFamily="50" charset="-128"/>
+              <a:ea typeface="Meiryo UI" panose="020B0604030504040204" pitchFamily="50" charset="-128"/>
+              <a:cs typeface="Meiryo UI" panose="020B0604030504040204" pitchFamily="50" charset="-128"/>
+            </a:endParaRPr>
           </a:p>
           <a:p>
             <a:pPr fontAlgn="t">
@@ -15543,19 +16060,9 @@
                 <a:latin typeface="Meiryo UI" panose="020B0604030504040204" pitchFamily="50" charset="-128"/>
                 <a:ea typeface="Meiryo UI" panose="020B0604030504040204" pitchFamily="50" charset="-128"/>
                 <a:cs typeface="Meiryo UI" panose="020B0604030504040204" pitchFamily="50" charset="-128"/>
+                <a:hlinkClick r:id="rId26" action="ppaction://hlinksldjump"/>
               </a:rPr>
               <a:t>Can I ignore the licenses of the OSS components that are incorporated without my intention? </a:t>
-            </a:r>
-            <a:r>
-              <a:rPr lang="en-US" altLang="ja-JP" sz="900" b="1" i="1" dirty="0">
-                <a:solidFill>
-                  <a:srgbClr val="FF0000"/>
-                </a:solidFill>
-                <a:latin typeface="Meiryo UI" panose="020B0604030504040204" pitchFamily="50" charset="-128"/>
-                <a:ea typeface="Meiryo UI" panose="020B0604030504040204" pitchFamily="50" charset="-128"/>
-                <a:cs typeface="Meiryo UI" panose="020B0604030504040204" pitchFamily="50" charset="-128"/>
-              </a:rPr>
-              <a:t>UPDATE</a:t>
             </a:r>
             <a:endParaRPr lang="en-US" altLang="ja-JP" sz="900" dirty="0">
               <a:latin typeface="Meiryo UI" panose="020B0604030504040204" pitchFamily="50" charset="-128"/>
@@ -15572,6 +16079,7 @@
                 <a:latin typeface="Meiryo UI" panose="020B0604030504040204" pitchFamily="50" charset="-128"/>
                 <a:ea typeface="Meiryo UI" panose="020B0604030504040204" pitchFamily="50" charset="-128"/>
                 <a:cs typeface="Meiryo UI" panose="020B0604030504040204" pitchFamily="50" charset="-128"/>
+                <a:hlinkClick r:id="rId27" action="ppaction://hlinksldjump"/>
               </a:rPr>
               <a:t>Is providing functionality from a server the same as distributing it? </a:t>
             </a:r>
@@ -15593,9 +16101,15 @@
                 <a:latin typeface="Meiryo UI" panose="020B0604030504040204" pitchFamily="50" charset="-128"/>
                 <a:ea typeface="Meiryo UI" panose="020B0604030504040204" pitchFamily="50" charset="-128"/>
                 <a:cs typeface="Meiryo UI" panose="020B0604030504040204" pitchFamily="50" charset="-128"/>
+                <a:hlinkClick r:id="rId28" action="ppaction://hlinksldjump"/>
               </a:rPr>
               <a:t>Can I use an OSS module consisting of two components with incompatible licenses?</a:t>
             </a:r>
+            <a:endParaRPr lang="en-US" altLang="ja-JP" sz="900" dirty="0">
+              <a:latin typeface="Meiryo UI" panose="020B0604030504040204" pitchFamily="50" charset="-128"/>
+              <a:ea typeface="Meiryo UI" panose="020B0604030504040204" pitchFamily="50" charset="-128"/>
+              <a:cs typeface="Meiryo UI" panose="020B0604030504040204" pitchFamily="50" charset="-128"/>
+            </a:endParaRPr>
           </a:p>
           <a:p>
             <a:pPr fontAlgn="t">
@@ -15607,6 +16121,7 @@
                 <a:latin typeface="Meiryo UI" panose="020B0604030504040204" pitchFamily="50" charset="-128"/>
                 <a:ea typeface="Meiryo UI" panose="020B0604030504040204" pitchFamily="50" charset="-128"/>
                 <a:cs typeface="Meiryo UI" panose="020B0604030504040204" pitchFamily="50" charset="-128"/>
+                <a:hlinkClick r:id="rId29" action="ppaction://hlinksldjump"/>
               </a:rPr>
               <a:t>Am I exempt from the license of nonfunctional OSS embedded in the product?</a:t>
             </a:r>
@@ -15624,9 +16139,14 @@
               <a:rPr lang="en-US" altLang="ja-JP" sz="900" dirty="0">
                 <a:latin typeface="Meiryo UI" panose="020B0604030504040204" pitchFamily="50" charset="-128"/>
                 <a:ea typeface="Meiryo UI" panose="020B0604030504040204" pitchFamily="50" charset="-128"/>
+                <a:hlinkClick r:id="rId30" action="ppaction://hlinksldjump"/>
               </a:rPr>
               <a:t>Does my program become OSS when it matches certain OSS by unintentionally?</a:t>
             </a:r>
+            <a:endParaRPr lang="en-US" altLang="ja-JP" sz="900" dirty="0">
+              <a:latin typeface="Meiryo UI" panose="020B0604030504040204" pitchFamily="50" charset="-128"/>
+              <a:ea typeface="Meiryo UI" panose="020B0604030504040204" pitchFamily="50" charset="-128"/>
+            </a:endParaRPr>
           </a:p>
           <a:p>
             <a:pPr fontAlgn="t">
@@ -15638,6 +16158,7 @@
                 <a:latin typeface="Meiryo UI" panose="020B0604030504040204" pitchFamily="50" charset="-128"/>
                 <a:ea typeface="Meiryo UI" panose="020B0604030504040204" pitchFamily="50" charset="-128"/>
                 <a:cs typeface="Meiryo UI" panose="020B0604030504040204" pitchFamily="50" charset="-128"/>
+                <a:hlinkClick r:id="rId31" action="ppaction://hlinksldjump"/>
               </a:rPr>
               <a:t>Will the artifacts of OSS development tools be OSS? </a:t>
             </a:r>
@@ -15659,8 +16180,26 @@
                 <a:latin typeface="Meiryo UI" panose="020B0604030504040204" pitchFamily="50" charset="-128"/>
                 <a:ea typeface="Meiryo UI" panose="020B0604030504040204" pitchFamily="50" charset="-128"/>
                 <a:cs typeface="Meiryo UI" panose="020B0604030504040204" pitchFamily="50" charset="-128"/>
-              </a:rPr>
-              <a:t>Should I comply with both licenses simultaneously in dual licenses?</a:t>
+                <a:hlinkClick r:id="rId32" action="ppaction://hlinksldjump"/>
+              </a:rPr>
+              <a:t>Will I be bound by both licenses under a dual licensing model</a:t>
+            </a:r>
+            <a:r>
+              <a:rPr lang="en-US" altLang="ja-JP" sz="900" dirty="0" smtClean="0">
+                <a:latin typeface="Meiryo UI" panose="020B0604030504040204" pitchFamily="50" charset="-128"/>
+                <a:ea typeface="Meiryo UI" panose="020B0604030504040204" pitchFamily="50" charset="-128"/>
+                <a:cs typeface="Meiryo UI" panose="020B0604030504040204" pitchFamily="50" charset="-128"/>
+                <a:hlinkClick r:id="rId32" action="ppaction://hlinksldjump"/>
+              </a:rPr>
+              <a:t>?</a:t>
+            </a:r>
+            <a:r>
+              <a:rPr lang="en-US" altLang="ja-JP" sz="900" dirty="0" smtClean="0">
+                <a:latin typeface="Meiryo UI" panose="020B0604030504040204" pitchFamily="50" charset="-128"/>
+                <a:ea typeface="Meiryo UI" panose="020B0604030504040204" pitchFamily="50" charset="-128"/>
+                <a:cs typeface="Meiryo UI" panose="020B0604030504040204" pitchFamily="50" charset="-128"/>
+              </a:rPr>
+              <a:t> </a:t>
             </a:r>
             <a:endParaRPr lang="en-US" altLang="ja-JP" sz="900" dirty="0">
               <a:latin typeface="Meiryo UI" panose="020B0604030504040204" pitchFamily="50" charset="-128"/>
@@ -15677,9 +16216,15 @@
                 <a:latin typeface="Meiryo UI" panose="020B0604030504040204" pitchFamily="50" charset="-128"/>
                 <a:ea typeface="Meiryo UI" panose="020B0604030504040204" pitchFamily="50" charset="-128"/>
                 <a:cs typeface="Meiryo UI" panose="020B0604030504040204" pitchFamily="50" charset="-128"/>
+                <a:hlinkClick r:id="rId33" action="ppaction://hlinksldjump"/>
               </a:rPr>
               <a:t>If I use dual licensed OSS, can I attach only the selected one?</a:t>
             </a:r>
+            <a:endParaRPr lang="en-US" altLang="ja-JP" sz="900" dirty="0">
+              <a:latin typeface="Meiryo UI" panose="020B0604030504040204" pitchFamily="50" charset="-128"/>
+              <a:ea typeface="Meiryo UI" panose="020B0604030504040204" pitchFamily="50" charset="-128"/>
+              <a:cs typeface="Meiryo UI" panose="020B0604030504040204" pitchFamily="50" charset="-128"/>
+            </a:endParaRPr>
           </a:p>
           <a:p>
             <a:pPr fontAlgn="t">
@@ -15691,19 +16236,9 @@
                 <a:latin typeface="Meiryo UI" panose="020B0604030504040204" pitchFamily="50" charset="-128"/>
                 <a:ea typeface="Meiryo UI" panose="020B0604030504040204" pitchFamily="50" charset="-128"/>
                 <a:cs typeface="Meiryo UI" panose="020B0604030504040204" pitchFamily="50" charset="-128"/>
+                <a:hlinkClick r:id="rId34" action="ppaction://hlinksldjump"/>
               </a:rPr>
               <a:t>Is it possible to distribute dual-license OSS as dual-license?  </a:t>
-            </a:r>
-            <a:r>
-              <a:rPr lang="en-US" altLang="ja-JP" sz="900" b="1" i="1" dirty="0">
-                <a:solidFill>
-                  <a:srgbClr val="FF0000"/>
-                </a:solidFill>
-                <a:latin typeface="Meiryo UI" panose="020B0604030504040204" pitchFamily="50" charset="-128"/>
-                <a:ea typeface="Meiryo UI" panose="020B0604030504040204" pitchFamily="50" charset="-128"/>
-                <a:cs typeface="Meiryo UI" panose="020B0604030504040204" pitchFamily="50" charset="-128"/>
-              </a:rPr>
-              <a:t>NEW</a:t>
             </a:r>
             <a:endParaRPr lang="en-US" altLang="ja-JP" sz="900" b="1" i="1" dirty="0">
               <a:solidFill>
@@ -15722,9 +16257,14 @@
               <a:rPr lang="en-US" altLang="ja-JP" sz="900" dirty="0">
                 <a:latin typeface="Meiryo UI" panose="020B0604030504040204" pitchFamily="50" charset="-128"/>
                 <a:ea typeface="Meiryo UI" panose="020B0604030504040204" pitchFamily="50" charset="-128"/>
+                <a:hlinkClick r:id="rId35" action="ppaction://hlinksldjump"/>
               </a:rPr>
               <a:t>Should a contribution to a dual license be a dual license?</a:t>
             </a:r>
+            <a:endParaRPr lang="en-US" altLang="ja-JP" sz="900" dirty="0">
+              <a:latin typeface="Meiryo UI" panose="020B0604030504040204" pitchFamily="50" charset="-128"/>
+              <a:ea typeface="Meiryo UI" panose="020B0604030504040204" pitchFamily="50" charset="-128"/>
+            </a:endParaRPr>
           </a:p>
           <a:p>
             <a:pPr fontAlgn="t">
@@ -15736,19 +16276,9 @@
                 <a:latin typeface="Meiryo UI" panose="020B0604030504040204" pitchFamily="50" charset="-128"/>
                 <a:ea typeface="Meiryo UI" panose="020B0604030504040204" pitchFamily="50" charset="-128"/>
                 <a:cs typeface="Meiryo UI" panose="020B0604030504040204" pitchFamily="50" charset="-128"/>
+                <a:hlinkClick r:id="rId36" action="ppaction://hlinksldjump"/>
               </a:rPr>
               <a:t>Does the license listed in the source code take precedence over the website? </a:t>
-            </a:r>
-            <a:r>
-              <a:rPr lang="en-US" altLang="ja-JP" sz="900" b="1" i="1" dirty="0">
-                <a:solidFill>
-                  <a:srgbClr val="FF0000"/>
-                </a:solidFill>
-                <a:latin typeface="Meiryo UI" panose="020B0604030504040204" pitchFamily="50" charset="-128"/>
-                <a:ea typeface="Meiryo UI" panose="020B0604030504040204" pitchFamily="50" charset="-128"/>
-                <a:cs typeface="Meiryo UI" panose="020B0604030504040204" pitchFamily="50" charset="-128"/>
-              </a:rPr>
-              <a:t>UPDATE</a:t>
             </a:r>
             <a:endParaRPr lang="en-US" altLang="ja-JP" sz="900" b="1" i="1" dirty="0">
               <a:solidFill>
@@ -15829,7 +16359,7 @@
           <p:cNvPr id="15" name="スライド番号プレースホルダー 14">
             <a:extLst>
               <a:ext uri="{FF2B5EF4-FFF2-40B4-BE49-F238E27FC236}">
-                <a16:creationId xmlns:a16="http://schemas.microsoft.com/office/drawing/2014/main" id="{E555AA4B-58A2-4BC0-8AF7-0F5BC37735D7}"/>
+                <a16:creationId xmlns="" xmlns:a16="http://schemas.microsoft.com/office/drawing/2014/main" id="{E555AA4B-58A2-4BC0-8AF7-0F5BC37735D7}"/>
               </a:ext>
             </a:extLst>
           </p:cNvPr>
@@ -15863,6 +16393,13 @@
   <p:clrMapOvr>
     <a:masterClrMapping/>
   </p:clrMapOvr>
+  <p:timing>
+    <p:tnLst>
+      <p:par>
+        <p:cTn id="1" dur="indefinite" restart="never" nodeType="tmRoot"/>
+      </p:par>
+    </p:tnLst>
+  </p:timing>
 </p:sld>
 </file>
 
@@ -15947,7 +16484,7 @@
         </p:nvSpPr>
         <p:spPr>
           <a:xfrm>
-            <a:off x="395536" y="199366"/>
+            <a:off x="395536" y="335831"/>
             <a:ext cx="8424936" cy="637346"/>
           </a:xfrm>
           <a:ln>
@@ -16049,8 +16586,8 @@
         </p:nvSpPr>
         <p:spPr>
           <a:xfrm>
-            <a:off x="467544" y="1340768"/>
-            <a:ext cx="8280920" cy="1110521"/>
+            <a:off x="467544" y="1484784"/>
+            <a:ext cx="8280920" cy="966505"/>
           </a:xfrm>
           <a:prstGeom prst="roundRect">
             <a:avLst/>
@@ -16094,7 +16631,7 @@
               </a:spcAft>
             </a:pPr>
             <a:r>
-              <a:rPr lang="ja-JP" altLang="en-US" sz="2000" dirty="0">
+              <a:rPr lang="ja-JP" altLang="en-US" dirty="0">
                 <a:solidFill>
                   <a:schemeClr val="tx1"/>
                 </a:solidFill>
@@ -16105,7 +16642,7 @@
               <a:t>　</a:t>
             </a:r>
             <a:r>
-              <a:rPr lang="en-US" altLang="ja-JP" sz="2000" dirty="0">
+              <a:rPr lang="en-US" altLang="ja-JP" dirty="0">
                 <a:solidFill>
                   <a:schemeClr val="tx1"/>
                 </a:solidFill>
@@ -16115,7 +16652,7 @@
               </a:rPr>
               <a:t> We use OSS in our products. Can we decide the terms of use for our products without considering the license terms of OSS?</a:t>
             </a:r>
-            <a:endParaRPr lang="ja-JP" altLang="en-US" sz="2000" dirty="0">
+            <a:endParaRPr lang="ja-JP" altLang="en-US" dirty="0">
               <a:solidFill>
                 <a:schemeClr val="tx1"/>
               </a:solidFill>
@@ -16154,7 +16691,7 @@
           <p:cNvPr id="11" name="テキスト ボックス 10">
             <a:extLst>
               <a:ext uri="{FF2B5EF4-FFF2-40B4-BE49-F238E27FC236}">
-                <a16:creationId xmlns:a16="http://schemas.microsoft.com/office/drawing/2014/main" id="{1F3C87A8-C9D5-403A-9141-1BF329374B2F}"/>
+                <a16:creationId xmlns="" xmlns:a16="http://schemas.microsoft.com/office/drawing/2014/main" id="{1F3C87A8-C9D5-403A-9141-1BF329374B2F}"/>
               </a:ext>
             </a:extLst>
           </p:cNvPr>
@@ -16217,7 +16754,7 @@
           <p:cNvPr id="12" name="テキスト ボックス 11">
             <a:extLst>
               <a:ext uri="{FF2B5EF4-FFF2-40B4-BE49-F238E27FC236}">
-                <a16:creationId xmlns:a16="http://schemas.microsoft.com/office/drawing/2014/main" id="{24F0EDEF-029D-495E-A67A-C555ABF10C90}"/>
+                <a16:creationId xmlns="" xmlns:a16="http://schemas.microsoft.com/office/drawing/2014/main" id="{24F0EDEF-029D-495E-A67A-C555ABF10C90}"/>
               </a:ext>
             </a:extLst>
           </p:cNvPr>
@@ -16226,7 +16763,7 @@
         </p:nvSpPr>
         <p:spPr>
           <a:xfrm>
-            <a:off x="113828" y="476672"/>
+            <a:off x="113828" y="613137"/>
             <a:ext cx="2808782" cy="1015663"/>
           </a:xfrm>
           <a:prstGeom prst="rect">
@@ -16278,7 +16815,7 @@
           <p:cNvPr id="13" name="テキスト ボックス 12">
             <a:extLst>
               <a:ext uri="{FF2B5EF4-FFF2-40B4-BE49-F238E27FC236}">
-                <a16:creationId xmlns:a16="http://schemas.microsoft.com/office/drawing/2014/main" id="{781F96EC-E865-43D7-B9AA-97413AD2BCE2}"/>
+                <a16:creationId xmlns="" xmlns:a16="http://schemas.microsoft.com/office/drawing/2014/main" id="{781F96EC-E865-43D7-B9AA-97413AD2BCE2}"/>
               </a:ext>
             </a:extLst>
           </p:cNvPr>
@@ -16383,7 +16920,7 @@
           <p:cNvPr id="21" name="スライド番号プレースホルダー 20">
             <a:extLst>
               <a:ext uri="{FF2B5EF4-FFF2-40B4-BE49-F238E27FC236}">
-                <a16:creationId xmlns:a16="http://schemas.microsoft.com/office/drawing/2014/main" id="{528FF3D8-E6BA-4B59-AB8C-B4F3034E1742}"/>
+                <a16:creationId xmlns="" xmlns:a16="http://schemas.microsoft.com/office/drawing/2014/main" id="{528FF3D8-E6BA-4B59-AB8C-B4F3034E1742}"/>
               </a:ext>
             </a:extLst>
           </p:cNvPr>
@@ -16404,6 +16941,43 @@
               <a:t>19</a:t>
             </a:fld>
             <a:endParaRPr kumimoji="1" lang="ja-JP" altLang="en-US"/>
+          </a:p>
+        </p:txBody>
+      </p:sp>
+      <p:sp>
+        <p:nvSpPr>
+          <p:cNvPr id="14" name="正方形/長方形 13"/>
+          <p:cNvSpPr/>
+          <p:nvPr/>
+        </p:nvSpPr>
+        <p:spPr>
+          <a:xfrm>
+            <a:off x="189082" y="13496"/>
+            <a:ext cx="958660" cy="369332"/>
+          </a:xfrm>
+          <a:prstGeom prst="rect">
+            <a:avLst/>
+          </a:prstGeom>
+        </p:spPr>
+        <p:txBody>
+          <a:bodyPr wrap="none">
+            <a:spAutoFit/>
+          </a:bodyPr>
+          <a:lstStyle/>
+          <a:p>
+            <a:r>
+              <a:rPr lang="ja-JP" altLang="en-US" dirty="0">
+                <a:hlinkClick r:id="rId3" action="ppaction://hlinksldjump"/>
+              </a:rPr>
+              <a:t>← </a:t>
+            </a:r>
+            <a:r>
+              <a:rPr lang="en-US" altLang="ja-JP" dirty="0" smtClean="0">
+                <a:hlinkClick r:id="rId3" action="ppaction://hlinksldjump"/>
+              </a:rPr>
+              <a:t>Index</a:t>
+            </a:r>
+            <a:endParaRPr lang="ja-JP" altLang="en-US" dirty="0"/>
           </a:p>
         </p:txBody>
       </p:sp>
@@ -16501,7 +17075,7 @@
         </p:nvSpPr>
         <p:spPr>
           <a:xfrm>
-            <a:off x="395536" y="199366"/>
+            <a:off x="395536" y="343382"/>
             <a:ext cx="8424936" cy="637346"/>
           </a:xfrm>
           <a:ln>
@@ -16519,7 +17093,7 @@
           <a:lstStyle/>
           <a:p>
             <a:r>
-              <a:rPr lang="en-US" altLang="ja-JP" sz="2800" dirty="0">
+              <a:rPr lang="en-US" altLang="ja-JP" sz="2400" dirty="0">
                 <a:latin typeface="Meiryo UI" panose="020B0604030504040204" pitchFamily="50" charset="-128"/>
                 <a:ea typeface="Meiryo UI" panose="020B0604030504040204" pitchFamily="50" charset="-128"/>
                 <a:cs typeface="Meiryo UI" panose="020B0604030504040204" pitchFamily="50" charset="-128"/>
@@ -16527,7 +17101,7 @@
               <a:t>Can I change the license</a:t>
             </a:r>
             <a:r>
-              <a:rPr lang="ja-JP" altLang="en-US" sz="2800" dirty="0">
+              <a:rPr lang="ja-JP" altLang="en-US" sz="2400" dirty="0">
                 <a:latin typeface="Meiryo UI" panose="020B0604030504040204" pitchFamily="50" charset="-128"/>
                 <a:ea typeface="Meiryo UI" panose="020B0604030504040204" pitchFamily="50" charset="-128"/>
                 <a:cs typeface="Meiryo UI" panose="020B0604030504040204" pitchFamily="50" charset="-128"/>
@@ -16535,7 +17109,7 @@
               <a:t> </a:t>
             </a:r>
             <a:r>
-              <a:rPr lang="en-US" altLang="ja-JP" sz="2800" dirty="0">
+              <a:rPr lang="en-US" altLang="ja-JP" sz="2400" dirty="0">
                 <a:latin typeface="Meiryo UI" panose="020B0604030504040204" pitchFamily="50" charset="-128"/>
                 <a:ea typeface="Meiryo UI" panose="020B0604030504040204" pitchFamily="50" charset="-128"/>
                 <a:cs typeface="Meiryo UI" panose="020B0604030504040204" pitchFamily="50" charset="-128"/>
@@ -16543,7 +17117,7 @@
               <a:t>of</a:t>
             </a:r>
             <a:r>
-              <a:rPr lang="ja-JP" altLang="en-US" sz="2800" dirty="0">
+              <a:rPr lang="ja-JP" altLang="en-US" sz="2400" dirty="0">
                 <a:latin typeface="Meiryo UI" panose="020B0604030504040204" pitchFamily="50" charset="-128"/>
                 <a:ea typeface="Meiryo UI" panose="020B0604030504040204" pitchFamily="50" charset="-128"/>
                 <a:cs typeface="Meiryo UI" panose="020B0604030504040204" pitchFamily="50" charset="-128"/>
@@ -16551,22 +17125,14 @@
               <a:t> </a:t>
             </a:r>
             <a:r>
-              <a:rPr lang="en-US" altLang="ja-JP" sz="2800" dirty="0">
-                <a:latin typeface="Meiryo UI" panose="020B0604030504040204" pitchFamily="50" charset="-128"/>
-                <a:ea typeface="Meiryo UI" panose="020B0604030504040204" pitchFamily="50" charset="-128"/>
-                <a:cs typeface="Meiryo UI" panose="020B0604030504040204" pitchFamily="50" charset="-128"/>
-              </a:rPr>
-              <a:t>the OSS I created</a:t>
-            </a:r>
-            <a:r>
-              <a:rPr lang="en-US" altLang="ja-JP" sz="2700" dirty="0">
-                <a:latin typeface="Meiryo UI" panose="020B0604030504040204" pitchFamily="50" charset="-128"/>
-                <a:ea typeface="Meiryo UI" panose="020B0604030504040204" pitchFamily="50" charset="-128"/>
-                <a:cs typeface="Meiryo UI" panose="020B0604030504040204" pitchFamily="50" charset="-128"/>
-              </a:rPr>
-              <a:t>?</a:t>
-            </a:r>
-            <a:endParaRPr kumimoji="1" lang="ja-JP" altLang="en-US" sz="2700" dirty="0">
+              <a:rPr lang="en-US" altLang="ja-JP" sz="2400" dirty="0">
+                <a:latin typeface="Meiryo UI" panose="020B0604030504040204" pitchFamily="50" charset="-128"/>
+                <a:ea typeface="Meiryo UI" panose="020B0604030504040204" pitchFamily="50" charset="-128"/>
+                <a:cs typeface="Meiryo UI" panose="020B0604030504040204" pitchFamily="50" charset="-128"/>
+              </a:rPr>
+              <a:t>the OSS I created?</a:t>
+            </a:r>
+            <a:endParaRPr kumimoji="1" lang="ja-JP" altLang="en-US" sz="2400" dirty="0">
               <a:latin typeface="Meiryo UI" panose="020B0604030504040204" pitchFamily="50" charset="-128"/>
               <a:ea typeface="Meiryo UI" panose="020B0604030504040204" pitchFamily="50" charset="-128"/>
               <a:cs typeface="Meiryo UI" panose="020B0604030504040204" pitchFamily="50" charset="-128"/>
@@ -16661,8 +17227,8 @@
         </p:nvSpPr>
         <p:spPr>
           <a:xfrm>
-            <a:off x="467544" y="1340768"/>
-            <a:ext cx="8280920" cy="1181054"/>
+            <a:off x="467544" y="1412776"/>
+            <a:ext cx="8280920" cy="1109046"/>
           </a:xfrm>
           <a:prstGeom prst="roundRect">
             <a:avLst/>
@@ -16706,7 +17272,7 @@
               </a:spcAft>
             </a:pPr>
             <a:r>
-              <a:rPr lang="en-US" altLang="ja-JP" sz="2000" dirty="0">
+              <a:rPr lang="en-US" altLang="ja-JP" dirty="0">
                 <a:solidFill>
                   <a:schemeClr val="tx1"/>
                 </a:solidFill>
@@ -16730,7 +17296,7 @@
               </a:spcAft>
             </a:pPr>
             <a:r>
-              <a:rPr lang="en-US" altLang="ja-JP" sz="2000" dirty="0">
+              <a:rPr lang="en-US" altLang="ja-JP" dirty="0">
                 <a:solidFill>
                   <a:schemeClr val="tx1"/>
                 </a:solidFill>
@@ -16740,7 +17306,7 @@
               </a:rPr>
               <a:t>Can I change the license type and distribute the OSS again?</a:t>
             </a:r>
-            <a:endParaRPr lang="ja-JP" altLang="en-US" sz="2000" dirty="0">
+            <a:endParaRPr lang="ja-JP" altLang="en-US" dirty="0">
               <a:solidFill>
                 <a:schemeClr val="tx1"/>
               </a:solidFill>
@@ -16823,7 +17389,7 @@
           <p:cNvPr id="11" name="テキスト ボックス 10">
             <a:extLst>
               <a:ext uri="{FF2B5EF4-FFF2-40B4-BE49-F238E27FC236}">
-                <a16:creationId xmlns:a16="http://schemas.microsoft.com/office/drawing/2014/main" id="{1F3C87A8-C9D5-403A-9141-1BF329374B2F}"/>
+                <a16:creationId xmlns="" xmlns:a16="http://schemas.microsoft.com/office/drawing/2014/main" id="{1F3C87A8-C9D5-403A-9141-1BF329374B2F}"/>
               </a:ext>
             </a:extLst>
           </p:cNvPr>
@@ -16873,7 +17439,7 @@
           <p:cNvPr id="12" name="テキスト ボックス 11">
             <a:extLst>
               <a:ext uri="{FF2B5EF4-FFF2-40B4-BE49-F238E27FC236}">
-                <a16:creationId xmlns:a16="http://schemas.microsoft.com/office/drawing/2014/main" id="{24F0EDEF-029D-495E-A67A-C555ABF10C90}"/>
+                <a16:creationId xmlns="" xmlns:a16="http://schemas.microsoft.com/office/drawing/2014/main" id="{24F0EDEF-029D-495E-A67A-C555ABF10C90}"/>
               </a:ext>
             </a:extLst>
           </p:cNvPr>
@@ -16882,7 +17448,7 @@
         </p:nvSpPr>
         <p:spPr>
           <a:xfrm>
-            <a:off x="113828" y="561454"/>
+            <a:off x="113828" y="633462"/>
             <a:ext cx="2545890" cy="923330"/>
           </a:xfrm>
           <a:prstGeom prst="rect">
@@ -16934,7 +17500,7 @@
           <p:cNvPr id="13" name="テキスト ボックス 12">
             <a:extLst>
               <a:ext uri="{FF2B5EF4-FFF2-40B4-BE49-F238E27FC236}">
-                <a16:creationId xmlns:a16="http://schemas.microsoft.com/office/drawing/2014/main" id="{781F96EC-E865-43D7-B9AA-97413AD2BCE2}"/>
+                <a16:creationId xmlns="" xmlns:a16="http://schemas.microsoft.com/office/drawing/2014/main" id="{781F96EC-E865-43D7-B9AA-97413AD2BCE2}"/>
               </a:ext>
             </a:extLst>
           </p:cNvPr>
@@ -16995,7 +17561,7 @@
           <p:cNvPr id="21" name="スライド番号プレースホルダー 20">
             <a:extLst>
               <a:ext uri="{FF2B5EF4-FFF2-40B4-BE49-F238E27FC236}">
-                <a16:creationId xmlns:a16="http://schemas.microsoft.com/office/drawing/2014/main" id="{ADEE1056-AFEB-4F3F-B3DA-E3552F867FF7}"/>
+                <a16:creationId xmlns="" xmlns:a16="http://schemas.microsoft.com/office/drawing/2014/main" id="{ADEE1056-AFEB-4F3F-B3DA-E3552F867FF7}"/>
               </a:ext>
             </a:extLst>
           </p:cNvPr>
@@ -17016,6 +17582,43 @@
               <a:t>20</a:t>
             </a:fld>
             <a:endParaRPr kumimoji="1" lang="ja-JP" altLang="en-US"/>
+          </a:p>
+        </p:txBody>
+      </p:sp>
+      <p:sp>
+        <p:nvSpPr>
+          <p:cNvPr id="14" name="正方形/長方形 13"/>
+          <p:cNvSpPr/>
+          <p:nvPr/>
+        </p:nvSpPr>
+        <p:spPr>
+          <a:xfrm>
+            <a:off x="189082" y="13496"/>
+            <a:ext cx="958660" cy="369332"/>
+          </a:xfrm>
+          <a:prstGeom prst="rect">
+            <a:avLst/>
+          </a:prstGeom>
+        </p:spPr>
+        <p:txBody>
+          <a:bodyPr wrap="none">
+            <a:spAutoFit/>
+          </a:bodyPr>
+          <a:lstStyle/>
+          <a:p>
+            <a:r>
+              <a:rPr lang="ja-JP" altLang="en-US" dirty="0">
+                <a:hlinkClick r:id="rId3" action="ppaction://hlinksldjump"/>
+              </a:rPr>
+              <a:t>← </a:t>
+            </a:r>
+            <a:r>
+              <a:rPr lang="en-US" altLang="ja-JP" dirty="0" smtClean="0">
+                <a:hlinkClick r:id="rId3" action="ppaction://hlinksldjump"/>
+              </a:rPr>
+              <a:t>Index</a:t>
+            </a:r>
+            <a:endParaRPr lang="ja-JP" altLang="en-US" dirty="0"/>
           </a:p>
         </p:txBody>
       </p:sp>
@@ -17116,7 +17719,7 @@
         </p:nvSpPr>
         <p:spPr>
           <a:xfrm>
-            <a:off x="611560" y="116632"/>
+            <a:off x="611560" y="332656"/>
             <a:ext cx="8280920" cy="648072"/>
           </a:xfrm>
           <a:ln>
@@ -17224,8 +17827,8 @@
         </p:nvSpPr>
         <p:spPr>
           <a:xfrm>
-            <a:off x="467544" y="1412776"/>
-            <a:ext cx="8280920" cy="1224136"/>
+            <a:off x="467544" y="1462948"/>
+            <a:ext cx="8280920" cy="1173964"/>
           </a:xfrm>
           <a:prstGeom prst="roundRect">
             <a:avLst/>
@@ -17266,7 +17869,7 @@
               </a:spcAft>
             </a:pPr>
             <a:r>
-              <a:rPr lang="ja-JP" altLang="en-US" sz="2000" dirty="0">
+              <a:rPr lang="ja-JP" altLang="en-US" dirty="0">
                 <a:solidFill>
                   <a:schemeClr val="tx1"/>
                 </a:solidFill>
@@ -17277,7 +17880,7 @@
               <a:t>　</a:t>
             </a:r>
             <a:r>
-              <a:rPr lang="en-US" altLang="ja-JP" sz="2000" dirty="0">
+              <a:rPr lang="en-US" altLang="ja-JP" dirty="0">
                 <a:solidFill>
                   <a:schemeClr val="tx1"/>
                 </a:solidFill>
@@ -17288,7 +17891,7 @@
               <a:t>If I modify an OSS</a:t>
             </a:r>
             <a:r>
-              <a:rPr lang="ja-JP" altLang="en-US" sz="2000" dirty="0">
+              <a:rPr lang="ja-JP" altLang="en-US" dirty="0">
                 <a:solidFill>
                   <a:schemeClr val="tx1"/>
                 </a:solidFill>
@@ -17299,7 +17902,7 @@
               <a:t> </a:t>
             </a:r>
             <a:r>
-              <a:rPr lang="en-US" altLang="ja-JP" sz="2000" dirty="0">
+              <a:rPr lang="en-US" altLang="ja-JP" dirty="0">
                 <a:solidFill>
                   <a:schemeClr val="tx1"/>
                 </a:solidFill>
@@ -17309,7 +17912,7 @@
               </a:rPr>
               <a:t>module, do I need to provide the modified source code to the OSS community?</a:t>
             </a:r>
-            <a:endParaRPr lang="ja-JP" altLang="en-US" sz="2000" dirty="0">
+            <a:endParaRPr lang="ja-JP" altLang="en-US" dirty="0">
               <a:solidFill>
                 <a:schemeClr val="tx1"/>
               </a:solidFill>
@@ -17328,7 +17931,7 @@
         </p:nvSpPr>
         <p:spPr>
           <a:xfrm>
-            <a:off x="113828" y="476672"/>
+            <a:off x="113828" y="613137"/>
             <a:ext cx="2808782" cy="1015663"/>
           </a:xfrm>
           <a:prstGeom prst="rect">
@@ -17502,7 +18105,7 @@
           <p:cNvPr id="11" name="テキスト ボックス 10">
             <a:extLst>
               <a:ext uri="{FF2B5EF4-FFF2-40B4-BE49-F238E27FC236}">
-                <a16:creationId xmlns:a16="http://schemas.microsoft.com/office/drawing/2014/main" id="{FDD3924C-59C7-4962-A40C-917F2D58E905}"/>
+                <a16:creationId xmlns="" xmlns:a16="http://schemas.microsoft.com/office/drawing/2014/main" id="{FDD3924C-59C7-4962-A40C-917F2D58E905}"/>
               </a:ext>
             </a:extLst>
           </p:cNvPr>
@@ -17581,7 +18184,7 @@
           <p:cNvPr id="21" name="スライド番号プレースホルダー 20">
             <a:extLst>
               <a:ext uri="{FF2B5EF4-FFF2-40B4-BE49-F238E27FC236}">
-                <a16:creationId xmlns:a16="http://schemas.microsoft.com/office/drawing/2014/main" id="{7B2859FD-E392-46C5-BC3A-705B638E1791}"/>
+                <a16:creationId xmlns="" xmlns:a16="http://schemas.microsoft.com/office/drawing/2014/main" id="{7B2859FD-E392-46C5-BC3A-705B638E1791}"/>
               </a:ext>
             </a:extLst>
           </p:cNvPr>
@@ -17602,6 +18205,43 @@
               <a:t>21</a:t>
             </a:fld>
             <a:endParaRPr kumimoji="1" lang="ja-JP" altLang="en-US"/>
+          </a:p>
+        </p:txBody>
+      </p:sp>
+      <p:sp>
+        <p:nvSpPr>
+          <p:cNvPr id="12" name="正方形/長方形 11"/>
+          <p:cNvSpPr/>
+          <p:nvPr/>
+        </p:nvSpPr>
+        <p:spPr>
+          <a:xfrm>
+            <a:off x="189082" y="13496"/>
+            <a:ext cx="958660" cy="369332"/>
+          </a:xfrm>
+          <a:prstGeom prst="rect">
+            <a:avLst/>
+          </a:prstGeom>
+        </p:spPr>
+        <p:txBody>
+          <a:bodyPr wrap="none">
+            <a:spAutoFit/>
+          </a:bodyPr>
+          <a:lstStyle/>
+          <a:p>
+            <a:r>
+              <a:rPr lang="ja-JP" altLang="en-US" dirty="0">
+                <a:hlinkClick r:id="rId3" action="ppaction://hlinksldjump"/>
+              </a:rPr>
+              <a:t>← </a:t>
+            </a:r>
+            <a:r>
+              <a:rPr lang="en-US" altLang="ja-JP" dirty="0" smtClean="0">
+                <a:hlinkClick r:id="rId3" action="ppaction://hlinksldjump"/>
+              </a:rPr>
+              <a:t>Index</a:t>
+            </a:r>
+            <a:endParaRPr lang="ja-JP" altLang="en-US" dirty="0"/>
           </a:p>
         </p:txBody>
       </p:sp>
@@ -17698,10 +18338,6 @@
           </p:nvPr>
         </p:nvSpPr>
         <p:spPr>
-          <a:xfrm>
-            <a:off x="467544" y="116632"/>
-            <a:ext cx="8280920" cy="733745"/>
-          </a:xfrm>
           <a:ln>
             <a:solidFill>
               <a:schemeClr val="bg1">
@@ -17717,14 +18353,14 @@
           <a:lstStyle/>
           <a:p>
             <a:r>
-              <a:rPr lang="en-US" altLang="ja-JP" sz="2000" dirty="0">
+              <a:rPr lang="en-US" altLang="ja-JP" sz="2400" dirty="0">
                 <a:latin typeface="Meiryo UI" panose="020B0604030504040204" pitchFamily="50" charset="-128"/>
                 <a:ea typeface="Meiryo UI" panose="020B0604030504040204" pitchFamily="50" charset="-128"/>
                 <a:cs typeface="Meiryo UI" panose="020B0604030504040204" pitchFamily="50" charset="-128"/>
               </a:rPr>
               <a:t>Can I provide source code via the developer’s web site?</a:t>
             </a:r>
-            <a:endParaRPr kumimoji="1" lang="ja-JP" altLang="en-US" sz="1800" dirty="0">
+            <a:endParaRPr kumimoji="1" lang="ja-JP" altLang="en-US" sz="2000" dirty="0">
               <a:latin typeface="Meiryo UI" panose="020B0604030504040204" pitchFamily="50" charset="-128"/>
               <a:ea typeface="Meiryo UI" panose="020B0604030504040204" pitchFamily="50" charset="-128"/>
               <a:cs typeface="Meiryo UI" panose="020B0604030504040204" pitchFamily="50" charset="-128"/>
@@ -17734,7 +18370,7 @@
       </p:sp>
       <p:sp>
         <p:nvSpPr>
-          <p:cNvPr id="10" name="コンテンツ プレースホルダー 9"/>
+          <p:cNvPr id="5" name="コンテンツ プレースホルダー 4"/>
           <p:cNvSpPr>
             <a:spLocks noGrp="1"/>
           </p:cNvSpPr>
@@ -17744,13 +18380,13 @@
         </p:nvSpPr>
         <p:spPr>
           <a:xfrm>
-            <a:off x="467544" y="3786371"/>
-            <a:ext cx="8291264" cy="2594957"/>
+            <a:off x="457200" y="3724220"/>
+            <a:ext cx="8229600" cy="2657107"/>
           </a:xfrm>
         </p:spPr>
         <p:txBody>
           <a:bodyPr>
-            <a:normAutofit fontScale="85000" lnSpcReduction="10000"/>
+            <a:normAutofit/>
           </a:bodyPr>
           <a:lstStyle/>
           <a:p>
@@ -17786,6 +18422,58 @@
               </a:rPr>
               <a:t>The OSS developers, on the other hand, does not have to maintain the link to the exact source code you used based on your product life, in case they upgrade the versions, etc. </a:t>
             </a:r>
+          </a:p>
+        </p:txBody>
+      </p:sp>
+      <p:sp>
+        <p:nvSpPr>
+          <p:cNvPr id="3" name="フッター プレースホルダー 2"/>
+          <p:cNvSpPr>
+            <a:spLocks noGrp="1"/>
+          </p:cNvSpPr>
+          <p:nvPr>
+            <p:ph type="ftr" sz="quarter" idx="11"/>
+          </p:nvPr>
+        </p:nvSpPr>
+        <p:spPr/>
+        <p:txBody>
+          <a:bodyPr/>
+          <a:lstStyle/>
+          <a:p>
+            <a:r>
+              <a:rPr kumimoji="1" lang="en-US" altLang="ja-JP" dirty="0"/>
+              <a:t>CC0-1.0</a:t>
+            </a:r>
+            <a:endParaRPr kumimoji="1" lang="ja-JP" altLang="en-US" dirty="0"/>
+          </a:p>
+        </p:txBody>
+      </p:sp>
+      <p:sp>
+        <p:nvSpPr>
+          <p:cNvPr id="21" name="スライド番号プレースホルダー 20">
+            <a:extLst>
+              <a:ext uri="{FF2B5EF4-FFF2-40B4-BE49-F238E27FC236}">
+                <a16:creationId xmlns="" xmlns:a16="http://schemas.microsoft.com/office/drawing/2014/main" id="{CA68C4FD-DE05-43D0-A6D5-15F75DC9DD5B}"/>
+              </a:ext>
+            </a:extLst>
+          </p:cNvPr>
+          <p:cNvSpPr>
+            <a:spLocks noGrp="1"/>
+          </p:cNvSpPr>
+          <p:nvPr>
+            <p:ph type="sldNum" sz="quarter" idx="12"/>
+          </p:nvPr>
+        </p:nvSpPr>
+        <p:spPr/>
+        <p:txBody>
+          <a:bodyPr/>
+          <a:lstStyle/>
+          <a:p>
+            <a:fld id="{CA73D1A0-EDAA-48A0-B59C-E1DC4E30C901}" type="slidenum">
+              <a:rPr kumimoji="1" lang="ja-JP" altLang="en-US" smtClean="0"/>
+              <a:t>22</a:t>
+            </a:fld>
+            <a:endParaRPr kumimoji="1" lang="ja-JP" altLang="en-US"/>
           </a:p>
         </p:txBody>
       </p:sp>
@@ -17831,6 +18519,9 @@
           <a:lstStyle/>
           <a:p>
             <a:pPr fontAlgn="ctr">
+              <a:lnSpc>
+                <a:spcPts val="3000"/>
+              </a:lnSpc>
               <a:spcBef>
                 <a:spcPct val="0"/>
               </a:spcBef>
@@ -17879,7 +18570,7 @@
         </p:nvSpPr>
         <p:spPr>
           <a:xfrm>
-            <a:off x="113828" y="476672"/>
+            <a:off x="113828" y="541129"/>
             <a:ext cx="2808782" cy="1015663"/>
           </a:xfrm>
           <a:prstGeom prst="rect">
@@ -18027,33 +18718,10 @@
       </p:sp>
       <p:sp>
         <p:nvSpPr>
-          <p:cNvPr id="3" name="フッター プレースホルダー 2"/>
-          <p:cNvSpPr>
-            <a:spLocks noGrp="1"/>
-          </p:cNvSpPr>
-          <p:nvPr>
-            <p:ph type="ftr" sz="quarter" idx="11"/>
-          </p:nvPr>
-        </p:nvSpPr>
-        <p:spPr/>
-        <p:txBody>
-          <a:bodyPr/>
-          <a:lstStyle/>
-          <a:p>
-            <a:r>
-              <a:rPr kumimoji="1" lang="en-US" altLang="ja-JP" dirty="0"/>
-              <a:t>CC0-1.0</a:t>
-            </a:r>
-            <a:endParaRPr kumimoji="1" lang="ja-JP" altLang="en-US" dirty="0"/>
-          </a:p>
-        </p:txBody>
-      </p:sp>
-      <p:sp>
-        <p:nvSpPr>
           <p:cNvPr id="11" name="テキスト ボックス 10">
             <a:extLst>
               <a:ext uri="{FF2B5EF4-FFF2-40B4-BE49-F238E27FC236}">
-                <a16:creationId xmlns:a16="http://schemas.microsoft.com/office/drawing/2014/main" id="{F253B77F-70F1-4C76-8703-D708C315F6E7}"/>
+                <a16:creationId xmlns="" xmlns:a16="http://schemas.microsoft.com/office/drawing/2014/main" id="{F253B77F-70F1-4C76-8703-D708C315F6E7}"/>
               </a:ext>
             </a:extLst>
           </p:cNvPr>
@@ -18122,30 +18790,38 @@
       </p:sp>
       <p:sp>
         <p:nvSpPr>
-          <p:cNvPr id="21" name="スライド番号プレースホルダー 20">
-            <a:extLst>
-              <a:ext uri="{FF2B5EF4-FFF2-40B4-BE49-F238E27FC236}">
-                <a16:creationId xmlns:a16="http://schemas.microsoft.com/office/drawing/2014/main" id="{CA68C4FD-DE05-43D0-A6D5-15F75DC9DD5B}"/>
-              </a:ext>
-            </a:extLst>
-          </p:cNvPr>
-          <p:cNvSpPr>
-            <a:spLocks noGrp="1"/>
-          </p:cNvSpPr>
-          <p:nvPr>
-            <p:ph type="sldNum" sz="quarter" idx="12"/>
-          </p:nvPr>
-        </p:nvSpPr>
-        <p:spPr/>
-        <p:txBody>
-          <a:bodyPr/>
-          <a:lstStyle/>
-          <a:p>
-            <a:fld id="{CA73D1A0-EDAA-48A0-B59C-E1DC4E30C901}" type="slidenum">
-              <a:rPr kumimoji="1" lang="ja-JP" altLang="en-US" smtClean="0"/>
-              <a:t>22</a:t>
-            </a:fld>
-            <a:endParaRPr kumimoji="1" lang="ja-JP" altLang="en-US"/>
+          <p:cNvPr id="12" name="正方形/長方形 11"/>
+          <p:cNvSpPr/>
+          <p:nvPr/>
+        </p:nvSpPr>
+        <p:spPr>
+          <a:xfrm>
+            <a:off x="189082" y="13496"/>
+            <a:ext cx="958660" cy="369332"/>
+          </a:xfrm>
+          <a:prstGeom prst="rect">
+            <a:avLst/>
+          </a:prstGeom>
+        </p:spPr>
+        <p:txBody>
+          <a:bodyPr wrap="none">
+            <a:spAutoFit/>
+          </a:bodyPr>
+          <a:lstStyle/>
+          <a:p>
+            <a:r>
+              <a:rPr lang="ja-JP" altLang="en-US" dirty="0">
+                <a:hlinkClick r:id="rId3" action="ppaction://hlinksldjump"/>
+              </a:rPr>
+              <a:t>← </a:t>
+            </a:r>
+            <a:r>
+              <a:rPr lang="en-US" altLang="ja-JP" dirty="0" smtClean="0">
+                <a:hlinkClick r:id="rId3" action="ppaction://hlinksldjump"/>
+              </a:rPr>
+              <a:t>Index</a:t>
+            </a:r>
+            <a:endParaRPr lang="ja-JP" altLang="en-US" dirty="0"/>
           </a:p>
         </p:txBody>
       </p:sp>
@@ -18243,7 +18919,7 @@
         </p:nvSpPr>
         <p:spPr>
           <a:xfrm>
-            <a:off x="457200" y="274638"/>
+            <a:off x="457200" y="367670"/>
             <a:ext cx="8229600" cy="628996"/>
           </a:xfrm>
           <a:ln>
@@ -18261,14 +18937,14 @@
           <a:lstStyle/>
           <a:p>
             <a:r>
-              <a:rPr lang="en-US" altLang="ja-JP" sz="2200" dirty="0">
-                <a:latin typeface="Meiryo UI" panose="020B0604030504040204" pitchFamily="50" charset="-128"/>
-                <a:ea typeface="Meiryo UI" panose="020B0604030504040204" pitchFamily="50" charset="-128"/>
-                <a:cs typeface="Meiryo UI" panose="020B0604030504040204" pitchFamily="50" charset="-128"/>
-              </a:rPr>
-              <a:t>Should I make the source code available to the public?</a:t>
-            </a:r>
-            <a:endParaRPr kumimoji="1" lang="ja-JP" altLang="en-US" sz="2200" dirty="0">
+              <a:rPr lang="en-US" altLang="ja-JP" sz="2400" dirty="0">
+                <a:latin typeface="Meiryo UI" panose="020B0604030504040204" pitchFamily="50" charset="-128"/>
+                <a:ea typeface="Meiryo UI" panose="020B0604030504040204" pitchFamily="50" charset="-128"/>
+                <a:cs typeface="Meiryo UI" panose="020B0604030504040204" pitchFamily="50" charset="-128"/>
+              </a:rPr>
+              <a:t>Whom should I make the source code available to?</a:t>
+            </a:r>
+            <a:endParaRPr kumimoji="1" lang="ja-JP" altLang="en-US" sz="2400" dirty="0">
               <a:latin typeface="Meiryo UI" panose="020B0604030504040204" pitchFamily="50" charset="-128"/>
               <a:ea typeface="Meiryo UI" panose="020B0604030504040204" pitchFamily="50" charset="-128"/>
               <a:cs typeface="Meiryo UI" panose="020B0604030504040204" pitchFamily="50" charset="-128"/>
@@ -18281,7 +18957,7 @@
           <p:cNvPr id="7" name="コンテンツ プレースホルダー 6">
             <a:extLst>
               <a:ext uri="{FF2B5EF4-FFF2-40B4-BE49-F238E27FC236}">
-                <a16:creationId xmlns:a16="http://schemas.microsoft.com/office/drawing/2014/main" id="{D92C157B-B5E9-40EF-A2D6-A8B49D353884}"/>
+                <a16:creationId xmlns="" xmlns:a16="http://schemas.microsoft.com/office/drawing/2014/main" id="{D92C157B-B5E9-40EF-A2D6-A8B49D353884}"/>
               </a:ext>
             </a:extLst>
           </p:cNvPr>
@@ -18509,7 +19185,7 @@
           <p:cNvPr id="12" name="テキスト ボックス 11">
             <a:extLst>
               <a:ext uri="{FF2B5EF4-FFF2-40B4-BE49-F238E27FC236}">
-                <a16:creationId xmlns:a16="http://schemas.microsoft.com/office/drawing/2014/main" id="{FF510B5E-E0AA-4B2A-8D36-638BFA602D68}"/>
+                <a16:creationId xmlns="" xmlns:a16="http://schemas.microsoft.com/office/drawing/2014/main" id="{FF510B5E-E0AA-4B2A-8D36-638BFA602D68}"/>
               </a:ext>
             </a:extLst>
           </p:cNvPr>
@@ -18518,7 +19194,7 @@
         </p:nvSpPr>
         <p:spPr>
           <a:xfrm>
-            <a:off x="113828" y="520105"/>
+            <a:off x="113828" y="613137"/>
             <a:ext cx="2808782" cy="1015663"/>
           </a:xfrm>
           <a:prstGeom prst="rect">
@@ -18570,7 +19246,7 @@
           <p:cNvPr id="13" name="テキスト ボックス 12">
             <a:extLst>
               <a:ext uri="{FF2B5EF4-FFF2-40B4-BE49-F238E27FC236}">
-                <a16:creationId xmlns:a16="http://schemas.microsoft.com/office/drawing/2014/main" id="{0C28627F-2471-4D5B-9F1C-638D6BDE634D}"/>
+                <a16:creationId xmlns="" xmlns:a16="http://schemas.microsoft.com/office/drawing/2014/main" id="{0C28627F-2471-4D5B-9F1C-638D6BDE634D}"/>
               </a:ext>
             </a:extLst>
           </p:cNvPr>
@@ -18675,7 +19351,7 @@
           <p:cNvPr id="21" name="スライド番号プレースホルダー 20">
             <a:extLst>
               <a:ext uri="{FF2B5EF4-FFF2-40B4-BE49-F238E27FC236}">
-                <a16:creationId xmlns:a16="http://schemas.microsoft.com/office/drawing/2014/main" id="{13E02B4F-B387-4D0E-A853-2C8D214EF0C2}"/>
+                <a16:creationId xmlns="" xmlns:a16="http://schemas.microsoft.com/office/drawing/2014/main" id="{13E02B4F-B387-4D0E-A853-2C8D214EF0C2}"/>
               </a:ext>
             </a:extLst>
           </p:cNvPr>
@@ -18696,6 +19372,43 @@
               <a:t>23</a:t>
             </a:fld>
             <a:endParaRPr kumimoji="1" lang="ja-JP" altLang="en-US"/>
+          </a:p>
+        </p:txBody>
+      </p:sp>
+      <p:sp>
+        <p:nvSpPr>
+          <p:cNvPr id="14" name="正方形/長方形 13"/>
+          <p:cNvSpPr/>
+          <p:nvPr/>
+        </p:nvSpPr>
+        <p:spPr>
+          <a:xfrm>
+            <a:off x="189082" y="13496"/>
+            <a:ext cx="958660" cy="369332"/>
+          </a:xfrm>
+          <a:prstGeom prst="rect">
+            <a:avLst/>
+          </a:prstGeom>
+        </p:spPr>
+        <p:txBody>
+          <a:bodyPr wrap="none">
+            <a:spAutoFit/>
+          </a:bodyPr>
+          <a:lstStyle/>
+          <a:p>
+            <a:r>
+              <a:rPr lang="ja-JP" altLang="en-US" dirty="0">
+                <a:hlinkClick r:id="rId3" action="ppaction://hlinksldjump"/>
+              </a:rPr>
+              <a:t>← </a:t>
+            </a:r>
+            <a:r>
+              <a:rPr lang="en-US" altLang="ja-JP" dirty="0" smtClean="0">
+                <a:hlinkClick r:id="rId3" action="ppaction://hlinksldjump"/>
+              </a:rPr>
+              <a:t>Index</a:t>
+            </a:r>
+            <a:endParaRPr lang="ja-JP" altLang="en-US" dirty="0"/>
           </a:p>
         </p:txBody>
       </p:sp>
@@ -18737,8 +19450,8 @@
         </p:nvSpPr>
         <p:spPr>
           <a:xfrm>
-            <a:off x="467544" y="2947591"/>
-            <a:ext cx="8280920" cy="3361729"/>
+            <a:off x="467544" y="3068960"/>
+            <a:ext cx="8280920" cy="3240360"/>
           </a:xfrm>
           <a:prstGeom prst="rect">
             <a:avLst/>
@@ -18793,8 +19506,8 @@
         </p:nvSpPr>
         <p:spPr>
           <a:xfrm>
-            <a:off x="395536" y="199366"/>
-            <a:ext cx="8424936" cy="739592"/>
+            <a:off x="395536" y="345770"/>
+            <a:ext cx="8424936" cy="670371"/>
           </a:xfrm>
           <a:ln>
             <a:solidFill>
@@ -18838,8 +19551,8 @@
         </p:nvSpPr>
         <p:spPr>
           <a:xfrm>
-            <a:off x="467544" y="3580904"/>
-            <a:ext cx="8291264" cy="2728416"/>
+            <a:off x="467544" y="3761988"/>
+            <a:ext cx="8291264" cy="2547331"/>
           </a:xfrm>
         </p:spPr>
         <p:txBody>
@@ -18930,8 +19643,8 @@
         </p:nvSpPr>
         <p:spPr>
           <a:xfrm>
-            <a:off x="467544" y="1215957"/>
-            <a:ext cx="8280920" cy="1614669"/>
+            <a:off x="467544" y="1484784"/>
+            <a:ext cx="8280920" cy="1537146"/>
           </a:xfrm>
           <a:prstGeom prst="roundRect">
             <a:avLst/>
@@ -19012,8 +19725,8 @@
         </p:nvSpPr>
         <p:spPr>
           <a:xfrm>
-            <a:off x="3131840" y="2947591"/>
-            <a:ext cx="3744416" cy="769441"/>
+            <a:off x="3131840" y="3091607"/>
+            <a:ext cx="1728192" cy="769441"/>
           </a:xfrm>
           <a:prstGeom prst="rect">
             <a:avLst/>
@@ -19076,7 +19789,7 @@
           <p:cNvPr id="11" name="テキスト ボックス 10">
             <a:extLst>
               <a:ext uri="{FF2B5EF4-FFF2-40B4-BE49-F238E27FC236}">
-                <a16:creationId xmlns:a16="http://schemas.microsoft.com/office/drawing/2014/main" id="{1F3C87A8-C9D5-403A-9141-1BF329374B2F}"/>
+                <a16:creationId xmlns="" xmlns:a16="http://schemas.microsoft.com/office/drawing/2014/main" id="{1F3C87A8-C9D5-403A-9141-1BF329374B2F}"/>
               </a:ext>
             </a:extLst>
           </p:cNvPr>
@@ -19132,7 +19845,7 @@
           <p:cNvPr id="12" name="テキスト ボックス 11">
             <a:extLst>
               <a:ext uri="{FF2B5EF4-FFF2-40B4-BE49-F238E27FC236}">
-                <a16:creationId xmlns:a16="http://schemas.microsoft.com/office/drawing/2014/main" id="{24F0EDEF-029D-495E-A67A-C555ABF10C90}"/>
+                <a16:creationId xmlns="" xmlns:a16="http://schemas.microsoft.com/office/drawing/2014/main" id="{24F0EDEF-029D-495E-A67A-C555ABF10C90}"/>
               </a:ext>
             </a:extLst>
           </p:cNvPr>
@@ -19141,7 +19854,7 @@
         </p:nvSpPr>
         <p:spPr>
           <a:xfrm>
-            <a:off x="35496" y="466733"/>
+            <a:off x="35496" y="613137"/>
             <a:ext cx="2808782" cy="1015663"/>
           </a:xfrm>
           <a:prstGeom prst="rect">
@@ -19193,7 +19906,7 @@
           <p:cNvPr id="13" name="テキスト ボックス 12">
             <a:extLst>
               <a:ext uri="{FF2B5EF4-FFF2-40B4-BE49-F238E27FC236}">
-                <a16:creationId xmlns:a16="http://schemas.microsoft.com/office/drawing/2014/main" id="{781F96EC-E865-43D7-B9AA-97413AD2BCE2}"/>
+                <a16:creationId xmlns="" xmlns:a16="http://schemas.microsoft.com/office/drawing/2014/main" id="{781F96EC-E865-43D7-B9AA-97413AD2BCE2}"/>
               </a:ext>
             </a:extLst>
           </p:cNvPr>
@@ -19202,7 +19915,7 @@
         </p:nvSpPr>
         <p:spPr>
           <a:xfrm>
-            <a:off x="403920" y="2629361"/>
+            <a:off x="403920" y="2845385"/>
             <a:ext cx="2401619" cy="1015663"/>
           </a:xfrm>
           <a:prstGeom prst="rect">
@@ -19254,7 +19967,7 @@
           <p:cNvPr id="21" name="スライド番号プレースホルダー 20">
             <a:extLst>
               <a:ext uri="{FF2B5EF4-FFF2-40B4-BE49-F238E27FC236}">
-                <a16:creationId xmlns:a16="http://schemas.microsoft.com/office/drawing/2014/main" id="{21F3E775-2D7D-4BFB-A26B-D99992B35DB3}"/>
+                <a16:creationId xmlns="" xmlns:a16="http://schemas.microsoft.com/office/drawing/2014/main" id="{21F3E775-2D7D-4BFB-A26B-D99992B35DB3}"/>
               </a:ext>
             </a:extLst>
           </p:cNvPr>
@@ -19275,6 +19988,43 @@
               <a:t>24</a:t>
             </a:fld>
             <a:endParaRPr kumimoji="1" lang="ja-JP" altLang="en-US"/>
+          </a:p>
+        </p:txBody>
+      </p:sp>
+      <p:sp>
+        <p:nvSpPr>
+          <p:cNvPr id="14" name="正方形/長方形 13"/>
+          <p:cNvSpPr/>
+          <p:nvPr/>
+        </p:nvSpPr>
+        <p:spPr>
+          <a:xfrm>
+            <a:off x="189082" y="13496"/>
+            <a:ext cx="958660" cy="369332"/>
+          </a:xfrm>
+          <a:prstGeom prst="rect">
+            <a:avLst/>
+          </a:prstGeom>
+        </p:spPr>
+        <p:txBody>
+          <a:bodyPr wrap="none">
+            <a:spAutoFit/>
+          </a:bodyPr>
+          <a:lstStyle/>
+          <a:p>
+            <a:r>
+              <a:rPr lang="ja-JP" altLang="en-US" dirty="0">
+                <a:hlinkClick r:id="rId3" action="ppaction://hlinksldjump"/>
+              </a:rPr>
+              <a:t>← </a:t>
+            </a:r>
+            <a:r>
+              <a:rPr lang="en-US" altLang="ja-JP" dirty="0" smtClean="0">
+                <a:hlinkClick r:id="rId3" action="ppaction://hlinksldjump"/>
+              </a:rPr>
+              <a:t>Index</a:t>
+            </a:r>
+            <a:endParaRPr lang="ja-JP" altLang="en-US" dirty="0"/>
           </a:p>
         </p:txBody>
       </p:sp>
@@ -19372,8 +20122,8 @@
         </p:nvSpPr>
         <p:spPr>
           <a:xfrm>
-            <a:off x="457200" y="188640"/>
-            <a:ext cx="8229600" cy="807282"/>
+            <a:off x="457200" y="325105"/>
+            <a:ext cx="8229600" cy="753040"/>
           </a:xfrm>
           <a:ln>
             <a:solidFill>
@@ -19436,8 +20186,8 @@
         </p:nvSpPr>
         <p:spPr>
           <a:xfrm>
-            <a:off x="467544" y="1412776"/>
-            <a:ext cx="8280920" cy="1132965"/>
+            <a:off x="467544" y="1534956"/>
+            <a:ext cx="8280920" cy="1010785"/>
           </a:xfrm>
           <a:prstGeom prst="roundRect">
             <a:avLst/>
@@ -19581,7 +20331,7 @@
           <p:cNvPr id="12" name="テキスト ボックス 11">
             <a:extLst>
               <a:ext uri="{FF2B5EF4-FFF2-40B4-BE49-F238E27FC236}">
-                <a16:creationId xmlns:a16="http://schemas.microsoft.com/office/drawing/2014/main" id="{FF510B5E-E0AA-4B2A-8D36-638BFA602D68}"/>
+                <a16:creationId xmlns="" xmlns:a16="http://schemas.microsoft.com/office/drawing/2014/main" id="{FF510B5E-E0AA-4B2A-8D36-638BFA602D68}"/>
               </a:ext>
             </a:extLst>
           </p:cNvPr>
@@ -19590,7 +20340,7 @@
         </p:nvSpPr>
         <p:spPr>
           <a:xfrm>
-            <a:off x="113828" y="548680"/>
+            <a:off x="113828" y="685145"/>
             <a:ext cx="2808782" cy="1015663"/>
           </a:xfrm>
           <a:prstGeom prst="rect">
@@ -19642,7 +20392,7 @@
           <p:cNvPr id="13" name="テキスト ボックス 12">
             <a:extLst>
               <a:ext uri="{FF2B5EF4-FFF2-40B4-BE49-F238E27FC236}">
-                <a16:creationId xmlns:a16="http://schemas.microsoft.com/office/drawing/2014/main" id="{0C28627F-2471-4D5B-9F1C-638D6BDE634D}"/>
+                <a16:creationId xmlns="" xmlns:a16="http://schemas.microsoft.com/office/drawing/2014/main" id="{0C28627F-2471-4D5B-9F1C-638D6BDE634D}"/>
               </a:ext>
             </a:extLst>
           </p:cNvPr>
@@ -19728,7 +20478,7 @@
               <a:buChar char="u"/>
             </a:pPr>
             <a:r>
-              <a:rPr lang="en-US" altLang="ja-JP" sz="1800" dirty="0">
+              <a:rPr lang="en-US" altLang="ja-JP" sz="1900" dirty="0">
                 <a:latin typeface="Meiryo UI" panose="020B0604030504040204" pitchFamily="50" charset="-128"/>
                 <a:ea typeface="Meiryo UI" panose="020B0604030504040204" pitchFamily="50" charset="-128"/>
                 <a:cs typeface="Meiryo UI" panose="020B0604030504040204" pitchFamily="50" charset="-128"/>
@@ -19800,7 +20550,7 @@
           <p:cNvPr id="21" name="スライド番号プレースホルダー 20">
             <a:extLst>
               <a:ext uri="{FF2B5EF4-FFF2-40B4-BE49-F238E27FC236}">
-                <a16:creationId xmlns:a16="http://schemas.microsoft.com/office/drawing/2014/main" id="{784FFCD7-A911-4C00-B003-99E43EDEAA14}"/>
+                <a16:creationId xmlns="" xmlns:a16="http://schemas.microsoft.com/office/drawing/2014/main" id="{784FFCD7-A911-4C00-B003-99E43EDEAA14}"/>
               </a:ext>
             </a:extLst>
           </p:cNvPr>
@@ -19821,6 +20571,43 @@
               <a:t>25</a:t>
             </a:fld>
             <a:endParaRPr kumimoji="1" lang="ja-JP" altLang="en-US"/>
+          </a:p>
+        </p:txBody>
+      </p:sp>
+      <p:sp>
+        <p:nvSpPr>
+          <p:cNvPr id="14" name="正方形/長方形 13"/>
+          <p:cNvSpPr/>
+          <p:nvPr/>
+        </p:nvSpPr>
+        <p:spPr>
+          <a:xfrm>
+            <a:off x="189082" y="13496"/>
+            <a:ext cx="958660" cy="369332"/>
+          </a:xfrm>
+          <a:prstGeom prst="rect">
+            <a:avLst/>
+          </a:prstGeom>
+        </p:spPr>
+        <p:txBody>
+          <a:bodyPr wrap="none">
+            <a:spAutoFit/>
+          </a:bodyPr>
+          <a:lstStyle/>
+          <a:p>
+            <a:r>
+              <a:rPr lang="ja-JP" altLang="en-US" dirty="0">
+                <a:hlinkClick r:id="rId3" action="ppaction://hlinksldjump"/>
+              </a:rPr>
+              <a:t>← </a:t>
+            </a:r>
+            <a:r>
+              <a:rPr lang="en-US" altLang="ja-JP" dirty="0" smtClean="0">
+                <a:hlinkClick r:id="rId3" action="ppaction://hlinksldjump"/>
+              </a:rPr>
+              <a:t>Index</a:t>
+            </a:r>
+            <a:endParaRPr lang="ja-JP" altLang="en-US" dirty="0"/>
           </a:p>
         </p:txBody>
       </p:sp>
@@ -19862,8 +20649,8 @@
         </p:nvSpPr>
         <p:spPr>
           <a:xfrm>
-            <a:off x="467544" y="3078642"/>
-            <a:ext cx="8280920" cy="3230678"/>
+            <a:off x="467544" y="2893125"/>
+            <a:ext cx="8280920" cy="3416195"/>
           </a:xfrm>
           <a:prstGeom prst="rect">
             <a:avLst/>
@@ -19918,7 +20705,7 @@
         </p:nvSpPr>
         <p:spPr>
           <a:xfrm>
-            <a:off x="395536" y="199366"/>
+            <a:off x="395536" y="343382"/>
             <a:ext cx="8424936" cy="637346"/>
           </a:xfrm>
           <a:ln>
@@ -19936,14 +20723,14 @@
           <a:lstStyle/>
           <a:p>
             <a:r>
-              <a:rPr lang="en-US" altLang="ja-JP" sz="2000" dirty="0">
+              <a:rPr lang="en-US" altLang="ja-JP" sz="2400" dirty="0">
                 <a:latin typeface="Meiryo UI" panose="020B0604030504040204" pitchFamily="50" charset="-128"/>
                 <a:ea typeface="Meiryo UI" panose="020B0604030504040204" pitchFamily="50" charset="-128"/>
                 <a:cs typeface="Meiryo UI" panose="020B0604030504040204" pitchFamily="50" charset="-128"/>
               </a:rPr>
               <a:t>Can I ignore the licenses of the OSS components that are incorporated without my intention?</a:t>
             </a:r>
-            <a:endParaRPr kumimoji="1" lang="ja-JP" altLang="en-US" sz="2000" dirty="0">
+            <a:endParaRPr kumimoji="1" lang="ja-JP" altLang="en-US" sz="2400" dirty="0">
               <a:latin typeface="Meiryo UI" panose="020B0604030504040204" pitchFamily="50" charset="-128"/>
               <a:ea typeface="Meiryo UI" panose="020B0604030504040204" pitchFamily="50" charset="-128"/>
               <a:cs typeface="Meiryo UI" panose="020B0604030504040204" pitchFamily="50" charset="-128"/>
@@ -19974,9 +20761,6 @@
           <a:lstStyle/>
           <a:p>
             <a:pPr eaLnBrk="0" fontAlgn="base" hangingPunct="0">
-              <a:lnSpc>
-                <a:spcPts val="3000"/>
-              </a:lnSpc>
               <a:spcBef>
                 <a:spcPts val="0"/>
               </a:spcBef>
@@ -19984,7 +20768,7 @@
               <a:buChar char="u"/>
             </a:pPr>
             <a:r>
-              <a:rPr lang="en-US" altLang="ja-JP" sz="2000" dirty="0">
+              <a:rPr lang="en-US" altLang="ja-JP" sz="1800" dirty="0">
                 <a:latin typeface="Meiryo UI" panose="020B0604030504040204" pitchFamily="50" charset="-128"/>
                 <a:ea typeface="Meiryo UI" panose="020B0604030504040204" pitchFamily="50" charset="-128"/>
                 <a:cs typeface="Meiryo UI" panose="020B0604030504040204" pitchFamily="50" charset="-128"/>
@@ -20002,8 +20786,8 @@
         </p:nvSpPr>
         <p:spPr>
           <a:xfrm>
-            <a:off x="467544" y="1340767"/>
-            <a:ext cx="8280920" cy="1690845"/>
+            <a:off x="467544" y="1412776"/>
+            <a:ext cx="8280920" cy="1345193"/>
           </a:xfrm>
           <a:prstGeom prst="roundRect">
             <a:avLst/>
@@ -20044,7 +20828,7 @@
               </a:spcAft>
             </a:pPr>
             <a:r>
-              <a:rPr lang="ja-JP" altLang="en-US" sz="2000" dirty="0">
+              <a:rPr lang="ja-JP" altLang="en-US" dirty="0">
                 <a:solidFill>
                   <a:schemeClr val="tx1"/>
                 </a:solidFill>
@@ -20055,7 +20839,7 @@
               <a:t>　</a:t>
             </a:r>
             <a:r>
-              <a:rPr lang="en-US" altLang="ja-JP" sz="2000" dirty="0">
+              <a:rPr lang="en-US" altLang="ja-JP" dirty="0">
                 <a:solidFill>
                   <a:schemeClr val="tx1"/>
                 </a:solidFill>
@@ -20076,7 +20860,7 @@
         </p:nvSpPr>
         <p:spPr>
           <a:xfrm>
-            <a:off x="3131840" y="3235623"/>
+            <a:off x="3131840" y="3051418"/>
             <a:ext cx="1584176" cy="769441"/>
           </a:xfrm>
           <a:prstGeom prst="rect">
@@ -20132,7 +20916,7 @@
           <p:cNvPr id="11" name="テキスト ボックス 10">
             <a:extLst>
               <a:ext uri="{FF2B5EF4-FFF2-40B4-BE49-F238E27FC236}">
-                <a16:creationId xmlns:a16="http://schemas.microsoft.com/office/drawing/2014/main" id="{1F3C87A8-C9D5-403A-9141-1BF329374B2F}"/>
+                <a16:creationId xmlns="" xmlns:a16="http://schemas.microsoft.com/office/drawing/2014/main" id="{1F3C87A8-C9D5-403A-9141-1BF329374B2F}"/>
               </a:ext>
             </a:extLst>
           </p:cNvPr>
@@ -20204,7 +20988,7 @@
           <p:cNvPr id="12" name="テキスト ボックス 11">
             <a:extLst>
               <a:ext uri="{FF2B5EF4-FFF2-40B4-BE49-F238E27FC236}">
-                <a16:creationId xmlns:a16="http://schemas.microsoft.com/office/drawing/2014/main" id="{24F0EDEF-029D-495E-A67A-C555ABF10C90}"/>
+                <a16:creationId xmlns="" xmlns:a16="http://schemas.microsoft.com/office/drawing/2014/main" id="{24F0EDEF-029D-495E-A67A-C555ABF10C90}"/>
               </a:ext>
             </a:extLst>
           </p:cNvPr>
@@ -20213,7 +20997,7 @@
         </p:nvSpPr>
         <p:spPr>
           <a:xfrm>
-            <a:off x="113828" y="561454"/>
+            <a:off x="113828" y="633462"/>
             <a:ext cx="2545890" cy="923330"/>
           </a:xfrm>
           <a:prstGeom prst="rect">
@@ -20265,7 +21049,7 @@
           <p:cNvPr id="13" name="テキスト ボックス 12">
             <a:extLst>
               <a:ext uri="{FF2B5EF4-FFF2-40B4-BE49-F238E27FC236}">
-                <a16:creationId xmlns:a16="http://schemas.microsoft.com/office/drawing/2014/main" id="{781F96EC-E865-43D7-B9AA-97413AD2BCE2}"/>
+                <a16:creationId xmlns="" xmlns:a16="http://schemas.microsoft.com/office/drawing/2014/main" id="{781F96EC-E865-43D7-B9AA-97413AD2BCE2}"/>
               </a:ext>
             </a:extLst>
           </p:cNvPr>
@@ -20274,7 +21058,7 @@
         </p:nvSpPr>
         <p:spPr>
           <a:xfrm>
-            <a:off x="403920" y="2893125"/>
+            <a:off x="403920" y="2708920"/>
             <a:ext cx="2182008" cy="923330"/>
           </a:xfrm>
           <a:prstGeom prst="rect">
@@ -20326,7 +21110,7 @@
           <p:cNvPr id="21" name="スライド番号プレースホルダー 20">
             <a:extLst>
               <a:ext uri="{FF2B5EF4-FFF2-40B4-BE49-F238E27FC236}">
-                <a16:creationId xmlns:a16="http://schemas.microsoft.com/office/drawing/2014/main" id="{544894BB-7B81-411A-AC30-A68CAD40A06D}"/>
+                <a16:creationId xmlns="" xmlns:a16="http://schemas.microsoft.com/office/drawing/2014/main" id="{544894BB-7B81-411A-AC30-A68CAD40A06D}"/>
               </a:ext>
             </a:extLst>
           </p:cNvPr>
@@ -20347,6 +21131,43 @@
               <a:t>26</a:t>
             </a:fld>
             <a:endParaRPr kumimoji="1" lang="ja-JP" altLang="en-US"/>
+          </a:p>
+        </p:txBody>
+      </p:sp>
+      <p:sp>
+        <p:nvSpPr>
+          <p:cNvPr id="14" name="正方形/長方形 13"/>
+          <p:cNvSpPr/>
+          <p:nvPr/>
+        </p:nvSpPr>
+        <p:spPr>
+          <a:xfrm>
+            <a:off x="189082" y="13496"/>
+            <a:ext cx="958660" cy="369332"/>
+          </a:xfrm>
+          <a:prstGeom prst="rect">
+            <a:avLst/>
+          </a:prstGeom>
+        </p:spPr>
+        <p:txBody>
+          <a:bodyPr wrap="none">
+            <a:spAutoFit/>
+          </a:bodyPr>
+          <a:lstStyle/>
+          <a:p>
+            <a:r>
+              <a:rPr lang="ja-JP" altLang="en-US" dirty="0">
+                <a:hlinkClick r:id="rId3" action="ppaction://hlinksldjump"/>
+              </a:rPr>
+              <a:t>← </a:t>
+            </a:r>
+            <a:r>
+              <a:rPr lang="en-US" altLang="ja-JP" dirty="0" smtClean="0">
+                <a:hlinkClick r:id="rId3" action="ppaction://hlinksldjump"/>
+              </a:rPr>
+              <a:t>Index</a:t>
+            </a:r>
+            <a:endParaRPr lang="ja-JP" altLang="en-US" dirty="0"/>
           </a:p>
         </p:txBody>
       </p:sp>
@@ -20444,7 +21265,7 @@
         </p:nvSpPr>
         <p:spPr>
           <a:xfrm>
-            <a:off x="395536" y="199366"/>
+            <a:off x="395536" y="343382"/>
             <a:ext cx="8424936" cy="781362"/>
           </a:xfrm>
           <a:ln>
@@ -20510,7 +21331,7 @@
               <a:buChar char="u"/>
             </a:pPr>
             <a:r>
-              <a:rPr lang="en-US" altLang="ja-JP" sz="2000" dirty="0">
+              <a:rPr lang="en-US" altLang="ja-JP" sz="1800" dirty="0">
                 <a:latin typeface="Meiryo UI" panose="020B0604030504040204" pitchFamily="50" charset="-128"/>
                 <a:ea typeface="Meiryo UI" panose="020B0604030504040204" pitchFamily="50" charset="-128"/>
               </a:rPr>
@@ -20529,7 +21350,7 @@
               <a:buChar char="u"/>
             </a:pPr>
             <a:r>
-              <a:rPr lang="en-US" altLang="ja-JP" sz="2000" dirty="0">
+              <a:rPr lang="en-US" altLang="ja-JP" sz="1800" dirty="0">
                 <a:latin typeface="Meiryo UI" panose="020B0604030504040204" pitchFamily="50" charset="-128"/>
                 <a:ea typeface="Meiryo UI" panose="020B0604030504040204" pitchFamily="50" charset="-128"/>
               </a:rPr>
@@ -20546,8 +21367,8 @@
         </p:nvSpPr>
         <p:spPr>
           <a:xfrm>
-            <a:off x="467544" y="1462475"/>
-            <a:ext cx="8280920" cy="1174437"/>
+            <a:off x="467544" y="1628800"/>
+            <a:ext cx="8280920" cy="1020544"/>
           </a:xfrm>
           <a:prstGeom prst="roundRect">
             <a:avLst/>
@@ -20580,9 +21401,6 @@
           <a:lstStyle/>
           <a:p>
             <a:pPr fontAlgn="ctr">
-              <a:lnSpc>
-                <a:spcPts val="3000"/>
-              </a:lnSpc>
               <a:spcBef>
                 <a:spcPct val="0"/>
               </a:spcBef>
@@ -20591,7 +21409,7 @@
               </a:spcAft>
             </a:pPr>
             <a:r>
-              <a:rPr lang="ja-JP" altLang="en-US" sz="2000" dirty="0">
+              <a:rPr lang="ja-JP" altLang="en-US" dirty="0">
                 <a:solidFill>
                   <a:schemeClr val="tx1"/>
                 </a:solidFill>
@@ -20602,7 +21420,7 @@
               <a:t>　</a:t>
             </a:r>
             <a:r>
-              <a:rPr lang="en-US" altLang="ja-JP" sz="2000" dirty="0">
+              <a:rPr lang="en-US" altLang="ja-JP" dirty="0">
                 <a:solidFill>
                   <a:schemeClr val="tx1"/>
                 </a:solidFill>
@@ -20612,7 +21430,7 @@
               </a:rPr>
               <a:t> If I use OSS in a Web service and only receive the result of using OSS functions on the server at the customer's terminal, does that mean I have distributed OSS?</a:t>
             </a:r>
-            <a:endParaRPr lang="ja-JP" altLang="en-US" sz="2000" dirty="0">
+            <a:endParaRPr lang="ja-JP" altLang="en-US" dirty="0">
               <a:solidFill>
                 <a:schemeClr val="tx1"/>
               </a:solidFill>
@@ -20695,7 +21513,7 @@
           <p:cNvPr id="11" name="テキスト ボックス 10">
             <a:extLst>
               <a:ext uri="{FF2B5EF4-FFF2-40B4-BE49-F238E27FC236}">
-                <a16:creationId xmlns:a16="http://schemas.microsoft.com/office/drawing/2014/main" id="{1F3C87A8-C9D5-403A-9141-1BF329374B2F}"/>
+                <a16:creationId xmlns="" xmlns:a16="http://schemas.microsoft.com/office/drawing/2014/main" id="{1F3C87A8-C9D5-403A-9141-1BF329374B2F}"/>
               </a:ext>
             </a:extLst>
           </p:cNvPr>
@@ -20737,7 +21555,7 @@
           <p:cNvPr id="12" name="テキスト ボックス 11">
             <a:extLst>
               <a:ext uri="{FF2B5EF4-FFF2-40B4-BE49-F238E27FC236}">
-                <a16:creationId xmlns:a16="http://schemas.microsoft.com/office/drawing/2014/main" id="{24F0EDEF-029D-495E-A67A-C555ABF10C90}"/>
+                <a16:creationId xmlns="" xmlns:a16="http://schemas.microsoft.com/office/drawing/2014/main" id="{24F0EDEF-029D-495E-A67A-C555ABF10C90}"/>
               </a:ext>
             </a:extLst>
           </p:cNvPr>
@@ -20746,7 +21564,7 @@
         </p:nvSpPr>
         <p:spPr>
           <a:xfrm>
-            <a:off x="113828" y="613137"/>
+            <a:off x="113828" y="757153"/>
             <a:ext cx="2808782" cy="1015663"/>
           </a:xfrm>
           <a:prstGeom prst="rect">
@@ -20798,7 +21616,7 @@
           <p:cNvPr id="13" name="テキスト ボックス 12">
             <a:extLst>
               <a:ext uri="{FF2B5EF4-FFF2-40B4-BE49-F238E27FC236}">
-                <a16:creationId xmlns:a16="http://schemas.microsoft.com/office/drawing/2014/main" id="{781F96EC-E865-43D7-B9AA-97413AD2BCE2}"/>
+                <a16:creationId xmlns="" xmlns:a16="http://schemas.microsoft.com/office/drawing/2014/main" id="{781F96EC-E865-43D7-B9AA-97413AD2BCE2}"/>
               </a:ext>
             </a:extLst>
           </p:cNvPr>
@@ -20859,7 +21677,7 @@
           <p:cNvPr id="21" name="スライド番号プレースホルダー 20">
             <a:extLst>
               <a:ext uri="{FF2B5EF4-FFF2-40B4-BE49-F238E27FC236}">
-                <a16:creationId xmlns:a16="http://schemas.microsoft.com/office/drawing/2014/main" id="{B0E17D81-A59E-4199-A176-50DD12C7FFA4}"/>
+                <a16:creationId xmlns="" xmlns:a16="http://schemas.microsoft.com/office/drawing/2014/main" id="{B0E17D81-A59E-4199-A176-50DD12C7FFA4}"/>
               </a:ext>
             </a:extLst>
           </p:cNvPr>
@@ -20880,6 +21698,43 @@
               <a:t>27</a:t>
             </a:fld>
             <a:endParaRPr kumimoji="1" lang="ja-JP" altLang="en-US"/>
+          </a:p>
+        </p:txBody>
+      </p:sp>
+      <p:sp>
+        <p:nvSpPr>
+          <p:cNvPr id="14" name="正方形/長方形 13"/>
+          <p:cNvSpPr/>
+          <p:nvPr/>
+        </p:nvSpPr>
+        <p:spPr>
+          <a:xfrm>
+            <a:off x="189082" y="13496"/>
+            <a:ext cx="958660" cy="369332"/>
+          </a:xfrm>
+          <a:prstGeom prst="rect">
+            <a:avLst/>
+          </a:prstGeom>
+        </p:spPr>
+        <p:txBody>
+          <a:bodyPr wrap="none">
+            <a:spAutoFit/>
+          </a:bodyPr>
+          <a:lstStyle/>
+          <a:p>
+            <a:r>
+              <a:rPr lang="ja-JP" altLang="en-US" dirty="0">
+                <a:hlinkClick r:id="rId3" action="ppaction://hlinksldjump"/>
+              </a:rPr>
+              <a:t>← </a:t>
+            </a:r>
+            <a:r>
+              <a:rPr lang="en-US" altLang="ja-JP" dirty="0" smtClean="0">
+                <a:hlinkClick r:id="rId3" action="ppaction://hlinksldjump"/>
+              </a:rPr>
+              <a:t>Index</a:t>
+            </a:r>
+            <a:endParaRPr lang="ja-JP" altLang="en-US" dirty="0"/>
           </a:p>
         </p:txBody>
       </p:sp>
@@ -20977,7 +21832,7 @@
         </p:nvSpPr>
         <p:spPr>
           <a:xfrm>
-            <a:off x="467544" y="194868"/>
+            <a:off x="467544" y="338884"/>
             <a:ext cx="8280920" cy="713852"/>
           </a:xfrm>
           <a:ln>
@@ -21056,7 +21911,7 @@
               <a:buChar char="u"/>
             </a:pPr>
             <a:r>
-              <a:rPr lang="en-US" altLang="ja-JP" sz="2000" dirty="0">
+              <a:rPr lang="en-US" altLang="ja-JP" sz="1800" dirty="0">
                 <a:latin typeface="Meiryo UI" panose="020B0604030504040204" pitchFamily="50" charset="-128"/>
                 <a:ea typeface="Meiryo UI" panose="020B0604030504040204" pitchFamily="50" charset="-128"/>
                 <a:cs typeface="Meiryo UI" panose="020B0604030504040204" pitchFamily="50" charset="-128"/>
@@ -21073,7 +21928,7 @@
               <a:buChar char="u"/>
             </a:pPr>
             <a:r>
-              <a:rPr lang="en-US" altLang="ja-JP" sz="2000" dirty="0">
+              <a:rPr lang="en-US" altLang="ja-JP" sz="1800" dirty="0">
                 <a:latin typeface="Meiryo UI" panose="020B0604030504040204" pitchFamily="50" charset="-128"/>
                 <a:ea typeface="Meiryo UI" panose="020B0604030504040204" pitchFamily="50" charset="-128"/>
                 <a:cs typeface="Meiryo UI" panose="020B0604030504040204" pitchFamily="50" charset="-128"/>
@@ -21081,7 +21936,7 @@
               <a:t>Even though</a:t>
             </a:r>
             <a:r>
-              <a:rPr lang="ja-JP" altLang="en-US" sz="2000" dirty="0">
+              <a:rPr lang="ja-JP" altLang="en-US" sz="1800" dirty="0">
                 <a:latin typeface="Meiryo UI" panose="020B0604030504040204" pitchFamily="50" charset="-128"/>
                 <a:ea typeface="Meiryo UI" panose="020B0604030504040204" pitchFamily="50" charset="-128"/>
                 <a:cs typeface="Meiryo UI" panose="020B0604030504040204" pitchFamily="50" charset="-128"/>
@@ -21089,7 +21944,7 @@
               <a:t> </a:t>
             </a:r>
             <a:r>
-              <a:rPr lang="en-US" altLang="ja-JP" sz="2000" dirty="0">
+              <a:rPr lang="en-US" altLang="ja-JP" sz="1800" dirty="0">
                 <a:latin typeface="Meiryo UI" panose="020B0604030504040204" pitchFamily="50" charset="-128"/>
                 <a:ea typeface="Meiryo UI" panose="020B0604030504040204" pitchFamily="50" charset="-128"/>
                 <a:cs typeface="Meiryo UI" panose="020B0604030504040204" pitchFamily="50" charset="-128"/>
@@ -21104,7 +21959,7 @@
               </a:lnSpc>
               <a:buNone/>
             </a:pPr>
-            <a:endParaRPr lang="en-US" altLang="ja-JP" sz="2000" dirty="0">
+            <a:endParaRPr lang="en-US" altLang="ja-JP" sz="1800" dirty="0">
               <a:latin typeface="Meiryo UI" panose="020B0604030504040204" pitchFamily="50" charset="-128"/>
               <a:ea typeface="Meiryo UI" panose="020B0604030504040204" pitchFamily="50" charset="-128"/>
               <a:cs typeface="Meiryo UI" panose="020B0604030504040204" pitchFamily="50" charset="-128"/>
@@ -21120,8 +21975,8 @@
         </p:nvSpPr>
         <p:spPr>
           <a:xfrm>
-            <a:off x="467544" y="1412776"/>
-            <a:ext cx="8280920" cy="1224136"/>
+            <a:off x="467544" y="1556792"/>
+            <a:ext cx="8280920" cy="1080120"/>
           </a:xfrm>
           <a:prstGeom prst="roundRect">
             <a:avLst/>
@@ -21165,7 +22020,7 @@
               </a:spcAft>
             </a:pPr>
             <a:r>
-              <a:rPr lang="en-US" altLang="ja-JP" sz="2000" dirty="0">
+              <a:rPr lang="en-US" altLang="ja-JP" dirty="0">
                 <a:solidFill>
                   <a:schemeClr val="tx1"/>
                 </a:solidFill>
@@ -21175,7 +22030,7 @@
               </a:rPr>
               <a:t> The OSS module I intend to embed in the product consists of a few components, the license terms of which are incompatible.  Can I still use the OSS in our product? </a:t>
             </a:r>
-            <a:endParaRPr lang="ja-JP" altLang="en-US" sz="2000" dirty="0">
+            <a:endParaRPr lang="ja-JP" altLang="en-US" dirty="0">
               <a:solidFill>
                 <a:schemeClr val="tx1"/>
               </a:solidFill>
@@ -21194,7 +22049,7 @@
         </p:nvSpPr>
         <p:spPr>
           <a:xfrm>
-            <a:off x="113828" y="541129"/>
+            <a:off x="113828" y="685145"/>
             <a:ext cx="2808782" cy="1015663"/>
           </a:xfrm>
           <a:prstGeom prst="rect">
@@ -21418,7 +22273,7 @@
           <p:cNvPr id="21" name="スライド番号プレースホルダー 20">
             <a:extLst>
               <a:ext uri="{FF2B5EF4-FFF2-40B4-BE49-F238E27FC236}">
-                <a16:creationId xmlns:a16="http://schemas.microsoft.com/office/drawing/2014/main" id="{4B5AA788-641E-4469-9461-229C2B17AC68}"/>
+                <a16:creationId xmlns="" xmlns:a16="http://schemas.microsoft.com/office/drawing/2014/main" id="{4B5AA788-641E-4469-9461-229C2B17AC68}"/>
               </a:ext>
             </a:extLst>
           </p:cNvPr>
@@ -21439,6 +22294,43 @@
               <a:t>28</a:t>
             </a:fld>
             <a:endParaRPr kumimoji="1" lang="ja-JP" altLang="en-US"/>
+          </a:p>
+        </p:txBody>
+      </p:sp>
+      <p:sp>
+        <p:nvSpPr>
+          <p:cNvPr id="12" name="正方形/長方形 11"/>
+          <p:cNvSpPr/>
+          <p:nvPr/>
+        </p:nvSpPr>
+        <p:spPr>
+          <a:xfrm>
+            <a:off x="189082" y="13496"/>
+            <a:ext cx="958660" cy="369332"/>
+          </a:xfrm>
+          <a:prstGeom prst="rect">
+            <a:avLst/>
+          </a:prstGeom>
+        </p:spPr>
+        <p:txBody>
+          <a:bodyPr wrap="none">
+            <a:spAutoFit/>
+          </a:bodyPr>
+          <a:lstStyle/>
+          <a:p>
+            <a:r>
+              <a:rPr lang="ja-JP" altLang="en-US" dirty="0">
+                <a:hlinkClick r:id="rId3" action="ppaction://hlinksldjump"/>
+              </a:rPr>
+              <a:t>← </a:t>
+            </a:r>
+            <a:r>
+              <a:rPr lang="en-US" altLang="ja-JP" dirty="0" smtClean="0">
+                <a:hlinkClick r:id="rId3" action="ppaction://hlinksldjump"/>
+              </a:rPr>
+              <a:t>Index</a:t>
+            </a:r>
+            <a:endParaRPr lang="ja-JP" altLang="en-US" dirty="0"/>
           </a:p>
         </p:txBody>
       </p:sp>
@@ -21497,7 +22389,7 @@
           </a:bodyPr>
           <a:lstStyle/>
           <a:p>
-            <a:pPr fontAlgn="t">
+            <a:pPr marL="265113" indent="-265113" fontAlgn="t">
               <a:buFont typeface="+mj-lt"/>
               <a:buAutoNum type="arabicPeriod" startAt="37"/>
             </a:pPr>
@@ -21506,121 +22398,9 @@
                 <a:latin typeface="Meiryo UI" panose="020B0604030504040204" pitchFamily="50" charset="-128"/>
                 <a:ea typeface="Meiryo UI" panose="020B0604030504040204" pitchFamily="50" charset="-128"/>
                 <a:cs typeface="Meiryo UI" panose="020B0604030504040204" pitchFamily="50" charset="-128"/>
+                <a:hlinkClick r:id="rId3" action="ppaction://hlinksldjump"/>
               </a:rPr>
               <a:t>Can we avoid conforming to the license when the OSS is embedded?</a:t>
-            </a:r>
-          </a:p>
-          <a:p>
-            <a:pPr fontAlgn="t">
-              <a:buFont typeface="+mj-lt"/>
-              <a:buAutoNum type="arabicPeriod" startAt="37"/>
-            </a:pPr>
-            <a:r>
-              <a:rPr lang="en-US" altLang="ja-JP" sz="900" dirty="0">
-                <a:latin typeface="Meiryo UI" panose="020B0604030504040204" pitchFamily="50" charset="-128"/>
-                <a:ea typeface="Meiryo UI" panose="020B0604030504040204" pitchFamily="50" charset="-128"/>
-              </a:rPr>
-              <a:t>Is it unnecessary to provide OSS-related information attached to OEM products?</a:t>
-            </a:r>
-          </a:p>
-          <a:p>
-            <a:pPr fontAlgn="t">
-              <a:buFont typeface="+mj-lt"/>
-              <a:buAutoNum type="arabicPeriod" startAt="37"/>
-            </a:pPr>
-            <a:r>
-              <a:rPr lang="en-US" altLang="ja-JP" sz="900" dirty="0">
-                <a:latin typeface="Meiryo UI" panose="020B0604030504040204" pitchFamily="50" charset="-128"/>
-                <a:ea typeface="Meiryo UI" panose="020B0604030504040204" pitchFamily="50" charset="-128"/>
-              </a:rPr>
-              <a:t>Is lending equipment with embedded OSS considered distribution? </a:t>
-            </a:r>
-            <a:r>
-              <a:rPr lang="en-US" altLang="ja-JP" sz="900" b="1" i="1" dirty="0">
-                <a:solidFill>
-                  <a:srgbClr val="FF0000"/>
-                </a:solidFill>
-                <a:latin typeface="Meiryo UI" panose="020B0604030504040204" pitchFamily="50" charset="-128"/>
-                <a:ea typeface="Meiryo UI" panose="020B0604030504040204" pitchFamily="50" charset="-128"/>
-              </a:rPr>
-              <a:t>NEW</a:t>
-            </a:r>
-          </a:p>
-          <a:p>
-            <a:pPr fontAlgn="t">
-              <a:buFont typeface="+mj-lt"/>
-              <a:buAutoNum type="arabicPeriod" startAt="37"/>
-            </a:pPr>
-            <a:r>
-              <a:rPr lang="en-US" altLang="ja-JP" sz="900" dirty="0">
-                <a:latin typeface="Meiryo UI" panose="020B0604030504040204" pitchFamily="50" charset="-128"/>
-                <a:ea typeface="Meiryo UI" panose="020B0604030504040204" pitchFamily="50" charset="-128"/>
-              </a:rPr>
-              <a:t>If OSS can be extracted from </a:t>
-            </a:r>
-            <a:r>
-              <a:rPr lang="en-US" altLang="ja-JP" sz="900" dirty="0" err="1">
-                <a:latin typeface="Meiryo UI" panose="020B0604030504040204" pitchFamily="50" charset="-128"/>
-                <a:ea typeface="Meiryo UI" panose="020B0604030504040204" pitchFamily="50" charset="-128"/>
-              </a:rPr>
-              <a:t>DaaS</a:t>
-            </a:r>
-            <a:r>
-              <a:rPr lang="en-US" altLang="ja-JP" sz="900" dirty="0">
-                <a:latin typeface="Meiryo UI" panose="020B0604030504040204" pitchFamily="50" charset="-128"/>
-                <a:ea typeface="Meiryo UI" panose="020B0604030504040204" pitchFamily="50" charset="-128"/>
-              </a:rPr>
-              <a:t>, is it considered distribution? </a:t>
-            </a:r>
-            <a:r>
-              <a:rPr lang="en-US" altLang="ja-JP" sz="900" b="1" i="1" dirty="0">
-                <a:solidFill>
-                  <a:srgbClr val="FF0000"/>
-                </a:solidFill>
-                <a:latin typeface="Meiryo UI" panose="020B0604030504040204" pitchFamily="50" charset="-128"/>
-                <a:ea typeface="Meiryo UI" panose="020B0604030504040204" pitchFamily="50" charset="-128"/>
-              </a:rPr>
-              <a:t>NEW</a:t>
-            </a:r>
-          </a:p>
-          <a:p>
-            <a:pPr fontAlgn="t">
-              <a:buFont typeface="+mj-lt"/>
-              <a:buAutoNum type="arabicPeriod" startAt="37"/>
-            </a:pPr>
-            <a:r>
-              <a:rPr lang="en-US" altLang="ja-JP" sz="900" dirty="0">
-                <a:latin typeface="Meiryo UI" panose="020B0604030504040204" pitchFamily="50" charset="-128"/>
-                <a:ea typeface="Meiryo UI" panose="020B0604030504040204" pitchFamily="50" charset="-128"/>
-              </a:rPr>
-              <a:t>Will the installation of OSS embedded devices in the demonstration experiment be distributed? </a:t>
-            </a:r>
-            <a:r>
-              <a:rPr lang="en-US" altLang="ja-JP" sz="900" b="1" i="1" dirty="0">
-                <a:solidFill>
-                  <a:srgbClr val="FF0000"/>
-                </a:solidFill>
-                <a:latin typeface="Meiryo UI" panose="020B0604030504040204" pitchFamily="50" charset="-128"/>
-                <a:ea typeface="Meiryo UI" panose="020B0604030504040204" pitchFamily="50" charset="-128"/>
-              </a:rPr>
-              <a:t>NEW</a:t>
-            </a:r>
-            <a:endParaRPr lang="en-US" altLang="ja-JP" sz="900" dirty="0">
-              <a:latin typeface="Meiryo UI" panose="020B0604030504040204" pitchFamily="50" charset="-128"/>
-              <a:ea typeface="Meiryo UI" panose="020B0604030504040204" pitchFamily="50" charset="-128"/>
-            </a:endParaRPr>
-          </a:p>
-          <a:p>
-            <a:pPr fontAlgn="t">
-              <a:buFont typeface="+mj-lt"/>
-              <a:buAutoNum type="arabicPeriod" startAt="37"/>
-            </a:pPr>
-            <a:r>
-              <a:rPr lang="en-US" altLang="ja-JP" sz="900" dirty="0">
-                <a:latin typeface="Meiryo UI" panose="020B0604030504040204" pitchFamily="50" charset="-128"/>
-                <a:ea typeface="Meiryo UI" panose="020B0604030504040204" pitchFamily="50" charset="-128"/>
-              </a:rPr>
-              <a:t>Is it necessary to comply with the OSS license included in other software?</a:t>
             </a:r>
             <a:endParaRPr lang="en-US" altLang="ja-JP" sz="900" dirty="0">
               <a:latin typeface="Meiryo UI" panose="020B0604030504040204" pitchFamily="50" charset="-128"/>
@@ -21629,7 +22409,7 @@
             </a:endParaRPr>
           </a:p>
           <a:p>
-            <a:pPr fontAlgn="t">
+            <a:pPr marL="265113" indent="-265113" fontAlgn="t">
               <a:buFont typeface="+mj-lt"/>
               <a:buAutoNum type="arabicPeriod" startAt="37"/>
             </a:pPr>
@@ -21637,9 +22417,9 @@
               <a:rPr lang="en-US" altLang="ja-JP" sz="900" dirty="0">
                 <a:latin typeface="Meiryo UI" panose="020B0604030504040204" pitchFamily="50" charset="-128"/>
                 <a:ea typeface="Meiryo UI" panose="020B0604030504040204" pitchFamily="50" charset="-128"/>
-                <a:cs typeface="Meiryo UI" panose="020B0604030504040204" pitchFamily="50" charset="-128"/>
-              </a:rPr>
-              <a:t>Is a copyright notice equivalent to a copyright owner’s name?</a:t>
+                <a:hlinkClick r:id="rId4" action="ppaction://hlinksldjump"/>
+              </a:rPr>
+              <a:t>Is it unnecessary to provide OSS-related information attached to OEM products?</a:t>
             </a:r>
             <a:endParaRPr lang="en-US" altLang="ja-JP" sz="900" dirty="0">
               <a:latin typeface="Meiryo UI" panose="020B0604030504040204" pitchFamily="50" charset="-128"/>
@@ -21647,7 +22427,7 @@
             </a:endParaRPr>
           </a:p>
           <a:p>
-            <a:pPr fontAlgn="t">
+            <a:pPr marL="265113" indent="-265113" fontAlgn="t">
               <a:buFont typeface="+mj-lt"/>
               <a:buAutoNum type="arabicPeriod" startAt="37"/>
             </a:pPr>
@@ -21655,47 +22435,9 @@
               <a:rPr lang="en-US" altLang="ja-JP" sz="900" dirty="0">
                 <a:latin typeface="Meiryo UI" panose="020B0604030504040204" pitchFamily="50" charset="-128"/>
                 <a:ea typeface="Meiryo UI" panose="020B0604030504040204" pitchFamily="50" charset="-128"/>
-              </a:rPr>
-              <a:t>Is it necessary to check only the top of the source code for the copyright notice of OSS?</a:t>
-            </a:r>
-          </a:p>
-          <a:p>
-            <a:pPr fontAlgn="t">
-              <a:buFont typeface="+mj-lt"/>
-              <a:buAutoNum type="arabicPeriod" startAt="37"/>
-            </a:pPr>
-            <a:r>
-              <a:rPr lang="en-US" altLang="ja-JP" sz="900" dirty="0">
-                <a:latin typeface="Meiryo UI" panose="020B0604030504040204" pitchFamily="50" charset="-128"/>
-                <a:ea typeface="Meiryo UI" panose="020B0604030504040204" pitchFamily="50" charset="-128"/>
-                <a:cs typeface="Meiryo UI" panose="020B0604030504040204" pitchFamily="50" charset="-128"/>
-              </a:rPr>
-              <a:t>Can I use it without a copyright notice?</a:t>
-            </a:r>
-            <a:r>
-              <a:rPr lang="ja-JP" altLang="en-US" sz="900" dirty="0">
-                <a:latin typeface="Meiryo UI" panose="020B0604030504040204" pitchFamily="50" charset="-128"/>
-                <a:ea typeface="Meiryo UI" panose="020B0604030504040204" pitchFamily="50" charset="-128"/>
-              </a:rPr>
-              <a:t>　</a:t>
-            </a:r>
-            <a:endParaRPr lang="en-US" altLang="ja-JP" sz="900" dirty="0">
-              <a:latin typeface="Meiryo UI" panose="020B0604030504040204" pitchFamily="50" charset="-128"/>
-              <a:ea typeface="Meiryo UI" panose="020B0604030504040204" pitchFamily="50" charset="-128"/>
-            </a:endParaRPr>
-          </a:p>
-          <a:p>
-            <a:pPr fontAlgn="t">
-              <a:buFont typeface="+mj-lt"/>
-              <a:buAutoNum type="arabicPeriod" startAt="37"/>
-            </a:pPr>
-            <a:r>
-              <a:rPr lang="en-US" altLang="ja-JP" sz="900" dirty="0">
-                <a:latin typeface="Meiryo UI" panose="020B0604030504040204" pitchFamily="50" charset="-128"/>
-                <a:ea typeface="Meiryo UI" panose="020B0604030504040204" pitchFamily="50" charset="-128"/>
-                <a:cs typeface="Meiryo UI" panose="020B0604030504040204" pitchFamily="50" charset="-128"/>
-              </a:rPr>
-              <a:t>Can I freely use software without a license? </a:t>
+                <a:hlinkClick r:id="rId5" action="ppaction://hlinksldjump"/>
+              </a:rPr>
+              <a:t>Is lending equipment with embedded OSS considered distribution? </a:t>
             </a:r>
             <a:endParaRPr lang="en-US" altLang="ja-JP" sz="900" b="1" i="1" dirty="0">
               <a:solidFill>
@@ -21706,7 +22448,7 @@
             </a:endParaRPr>
           </a:p>
           <a:p>
-            <a:pPr fontAlgn="t">
+            <a:pPr marL="265113" indent="-265113" fontAlgn="t">
               <a:buFont typeface="+mj-lt"/>
               <a:buAutoNum type="arabicPeriod" startAt="37"/>
             </a:pPr>
@@ -21714,7 +22456,174 @@
               <a:rPr lang="en-US" altLang="ja-JP" sz="900" dirty="0">
                 <a:latin typeface="Meiryo UI" panose="020B0604030504040204" pitchFamily="50" charset="-128"/>
                 <a:ea typeface="Meiryo UI" panose="020B0604030504040204" pitchFamily="50" charset="-128"/>
-                <a:cs typeface="Meiryo UI" panose="020B0604030504040204" pitchFamily="50" charset="-128"/>
+                <a:hlinkClick r:id="rId6" action="ppaction://hlinksldjump"/>
+              </a:rPr>
+              <a:t>If OSS can be extracted from </a:t>
+            </a:r>
+            <a:r>
+              <a:rPr lang="en-US" altLang="ja-JP" sz="900" dirty="0" err="1">
+                <a:latin typeface="Meiryo UI" panose="020B0604030504040204" pitchFamily="50" charset="-128"/>
+                <a:ea typeface="Meiryo UI" panose="020B0604030504040204" pitchFamily="50" charset="-128"/>
+                <a:hlinkClick r:id="rId6" action="ppaction://hlinksldjump"/>
+              </a:rPr>
+              <a:t>DaaS</a:t>
+            </a:r>
+            <a:r>
+              <a:rPr lang="en-US" altLang="ja-JP" sz="900" dirty="0">
+                <a:latin typeface="Meiryo UI" panose="020B0604030504040204" pitchFamily="50" charset="-128"/>
+                <a:ea typeface="Meiryo UI" panose="020B0604030504040204" pitchFamily="50" charset="-128"/>
+                <a:hlinkClick r:id="rId6" action="ppaction://hlinksldjump"/>
+              </a:rPr>
+              <a:t>, is it considered distribution?</a:t>
+            </a:r>
+            <a:r>
+              <a:rPr lang="en-US" altLang="ja-JP" sz="900" dirty="0">
+                <a:latin typeface="Meiryo UI" panose="020B0604030504040204" pitchFamily="50" charset="-128"/>
+                <a:ea typeface="Meiryo UI" panose="020B0604030504040204" pitchFamily="50" charset="-128"/>
+              </a:rPr>
+              <a:t> </a:t>
+            </a:r>
+            <a:endParaRPr lang="en-US" altLang="ja-JP" sz="900" b="1" i="1" dirty="0">
+              <a:solidFill>
+                <a:srgbClr val="FF0000"/>
+              </a:solidFill>
+              <a:latin typeface="Meiryo UI" panose="020B0604030504040204" pitchFamily="50" charset="-128"/>
+              <a:ea typeface="Meiryo UI" panose="020B0604030504040204" pitchFamily="50" charset="-128"/>
+            </a:endParaRPr>
+          </a:p>
+          <a:p>
+            <a:pPr marL="265113" indent="-265113" fontAlgn="t">
+              <a:buFont typeface="+mj-lt"/>
+              <a:buAutoNum type="arabicPeriod" startAt="37"/>
+            </a:pPr>
+            <a:r>
+              <a:rPr lang="en-US" altLang="ja-JP" sz="900" dirty="0">
+                <a:latin typeface="Meiryo UI" panose="020B0604030504040204" pitchFamily="50" charset="-128"/>
+                <a:ea typeface="Meiryo UI" panose="020B0604030504040204" pitchFamily="50" charset="-128"/>
+                <a:hlinkClick r:id="rId7" action="ppaction://hlinksldjump"/>
+              </a:rPr>
+              <a:t>Will the installation of OSS embedded devices in the demonstration experiment be distributed? </a:t>
+            </a:r>
+            <a:endParaRPr lang="en-US" altLang="ja-JP" sz="900" dirty="0">
+              <a:latin typeface="Meiryo UI" panose="020B0604030504040204" pitchFamily="50" charset="-128"/>
+              <a:ea typeface="Meiryo UI" panose="020B0604030504040204" pitchFamily="50" charset="-128"/>
+            </a:endParaRPr>
+          </a:p>
+          <a:p>
+            <a:pPr marL="265113" indent="-265113" fontAlgn="t">
+              <a:buFont typeface="+mj-lt"/>
+              <a:buAutoNum type="arabicPeriod" startAt="37"/>
+            </a:pPr>
+            <a:r>
+              <a:rPr lang="en-US" altLang="ja-JP" sz="900" dirty="0">
+                <a:latin typeface="Meiryo UI" panose="020B0604030504040204" pitchFamily="50" charset="-128"/>
+                <a:ea typeface="Meiryo UI" panose="020B0604030504040204" pitchFamily="50" charset="-128"/>
+                <a:hlinkClick r:id="rId8" action="ppaction://hlinksldjump"/>
+              </a:rPr>
+              <a:t>Is it necessary to comply with the OSS license included in other software?</a:t>
+            </a:r>
+            <a:endParaRPr lang="en-US" altLang="ja-JP" sz="900" dirty="0">
+              <a:latin typeface="Meiryo UI" panose="020B0604030504040204" pitchFamily="50" charset="-128"/>
+              <a:ea typeface="Meiryo UI" panose="020B0604030504040204" pitchFamily="50" charset="-128"/>
+              <a:cs typeface="Meiryo UI" panose="020B0604030504040204" pitchFamily="50" charset="-128"/>
+            </a:endParaRPr>
+          </a:p>
+          <a:p>
+            <a:pPr marL="265113" indent="-265113" fontAlgn="t">
+              <a:buFont typeface="+mj-lt"/>
+              <a:buAutoNum type="arabicPeriod" startAt="37"/>
+            </a:pPr>
+            <a:r>
+              <a:rPr lang="en-US" altLang="ja-JP" sz="900" dirty="0">
+                <a:latin typeface="Meiryo UI" panose="020B0604030504040204" pitchFamily="50" charset="-128"/>
+                <a:ea typeface="Meiryo UI" panose="020B0604030504040204" pitchFamily="50" charset="-128"/>
+                <a:cs typeface="Meiryo UI" panose="020B0604030504040204" pitchFamily="50" charset="-128"/>
+                <a:hlinkClick r:id="rId9" action="ppaction://hlinksldjump"/>
+              </a:rPr>
+              <a:t>Is a copyright notice equivalent to a copyright owner’s name?</a:t>
+            </a:r>
+            <a:endParaRPr lang="en-US" altLang="ja-JP" sz="900" dirty="0">
+              <a:latin typeface="Meiryo UI" panose="020B0604030504040204" pitchFamily="50" charset="-128"/>
+              <a:ea typeface="Meiryo UI" panose="020B0604030504040204" pitchFamily="50" charset="-128"/>
+            </a:endParaRPr>
+          </a:p>
+          <a:p>
+            <a:pPr marL="265113" indent="-265113" fontAlgn="t">
+              <a:buFont typeface="+mj-lt"/>
+              <a:buAutoNum type="arabicPeriod" startAt="37"/>
+            </a:pPr>
+            <a:r>
+              <a:rPr lang="en-US" altLang="ja-JP" sz="900" dirty="0">
+                <a:latin typeface="Meiryo UI" panose="020B0604030504040204" pitchFamily="50" charset="-128"/>
+                <a:ea typeface="Meiryo UI" panose="020B0604030504040204" pitchFamily="50" charset="-128"/>
+                <a:hlinkClick r:id="rId10" action="ppaction://hlinksldjump"/>
+              </a:rPr>
+              <a:t>Is it necessary to check only the top of the source code for the copyright notice of OSS?</a:t>
+            </a:r>
+            <a:endParaRPr lang="en-US" altLang="ja-JP" sz="900" dirty="0">
+              <a:latin typeface="Meiryo UI" panose="020B0604030504040204" pitchFamily="50" charset="-128"/>
+              <a:ea typeface="Meiryo UI" panose="020B0604030504040204" pitchFamily="50" charset="-128"/>
+            </a:endParaRPr>
+          </a:p>
+          <a:p>
+            <a:pPr marL="265113" indent="-265113" fontAlgn="t">
+              <a:buFont typeface="+mj-lt"/>
+              <a:buAutoNum type="arabicPeriod" startAt="37"/>
+            </a:pPr>
+            <a:r>
+              <a:rPr lang="en-US" altLang="ja-JP" sz="900" dirty="0">
+                <a:latin typeface="Meiryo UI" panose="020B0604030504040204" pitchFamily="50" charset="-128"/>
+                <a:ea typeface="Meiryo UI" panose="020B0604030504040204" pitchFamily="50" charset="-128"/>
+                <a:cs typeface="Meiryo UI" panose="020B0604030504040204" pitchFamily="50" charset="-128"/>
+                <a:hlinkClick r:id="rId11" action="ppaction://hlinksldjump"/>
+              </a:rPr>
+              <a:t>Can I use it without a copyright notice?</a:t>
+            </a:r>
+            <a:r>
+              <a:rPr lang="ja-JP" altLang="en-US" sz="900" dirty="0">
+                <a:latin typeface="Meiryo UI" panose="020B0604030504040204" pitchFamily="50" charset="-128"/>
+                <a:ea typeface="Meiryo UI" panose="020B0604030504040204" pitchFamily="50" charset="-128"/>
+              </a:rPr>
+              <a:t>　</a:t>
+            </a:r>
+            <a:endParaRPr lang="en-US" altLang="ja-JP" sz="900" dirty="0">
+              <a:latin typeface="Meiryo UI" panose="020B0604030504040204" pitchFamily="50" charset="-128"/>
+              <a:ea typeface="Meiryo UI" panose="020B0604030504040204" pitchFamily="50" charset="-128"/>
+            </a:endParaRPr>
+          </a:p>
+          <a:p>
+            <a:pPr marL="265113" indent="-265113" fontAlgn="t">
+              <a:buFont typeface="+mj-lt"/>
+              <a:buAutoNum type="arabicPeriod" startAt="37"/>
+            </a:pPr>
+            <a:r>
+              <a:rPr lang="en-US" altLang="ja-JP" sz="900" dirty="0">
+                <a:latin typeface="Meiryo UI" panose="020B0604030504040204" pitchFamily="50" charset="-128"/>
+                <a:ea typeface="Meiryo UI" panose="020B0604030504040204" pitchFamily="50" charset="-128"/>
+                <a:cs typeface="Meiryo UI" panose="020B0604030504040204" pitchFamily="50" charset="-128"/>
+                <a:hlinkClick r:id="rId12" action="ppaction://hlinksldjump"/>
+              </a:rPr>
+              <a:t>Can I freely use software without a license? </a:t>
+            </a:r>
+            <a:endParaRPr lang="en-US" altLang="ja-JP" sz="900" b="1" i="1" dirty="0">
+              <a:solidFill>
+                <a:srgbClr val="FF0000"/>
+              </a:solidFill>
+              <a:latin typeface="Meiryo UI" panose="020B0604030504040204" pitchFamily="50" charset="-128"/>
+              <a:ea typeface="Meiryo UI" panose="020B0604030504040204" pitchFamily="50" charset="-128"/>
+            </a:endParaRPr>
+          </a:p>
+          <a:p>
+            <a:pPr marL="265113" indent="-265113" fontAlgn="t">
+              <a:buFont typeface="+mj-lt"/>
+              <a:buAutoNum type="arabicPeriod" startAt="37"/>
+            </a:pPr>
+            <a:r>
+              <a:rPr lang="en-US" altLang="ja-JP" sz="900" dirty="0">
+                <a:latin typeface="Meiryo UI" panose="020B0604030504040204" pitchFamily="50" charset="-128"/>
+                <a:ea typeface="Meiryo UI" panose="020B0604030504040204" pitchFamily="50" charset="-128"/>
+                <a:cs typeface="Meiryo UI" panose="020B0604030504040204" pitchFamily="50" charset="-128"/>
+                <a:hlinkClick r:id="rId13" action="ppaction://hlinksldjump"/>
               </a:rPr>
               <a:t>Is there a requirement for public domain? </a:t>
             </a:r>
@@ -21728,7 +22637,7 @@
             </a:endParaRPr>
           </a:p>
           <a:p>
-            <a:pPr fontAlgn="t">
+            <a:pPr marL="265113" indent="-265113" fontAlgn="t">
               <a:buFont typeface="+mj-lt"/>
               <a:buAutoNum type="arabicPeriod" startAt="37"/>
             </a:pPr>
@@ -21737,6 +22646,7 @@
                 <a:latin typeface="Meiryo UI" panose="020B0604030504040204" pitchFamily="50" charset="-128"/>
                 <a:ea typeface="Meiryo UI" panose="020B0604030504040204" pitchFamily="50" charset="-128"/>
                 <a:cs typeface="Meiryo UI" panose="020B0604030504040204" pitchFamily="50" charset="-128"/>
+                <a:hlinkClick r:id="rId14" action="ppaction://hlinksldjump"/>
               </a:rPr>
               <a:t>Are there any conditions for public domain with disclaimer? </a:t>
             </a:r>
@@ -21750,7 +22660,7 @@
             </a:endParaRPr>
           </a:p>
           <a:p>
-            <a:pPr fontAlgn="t">
+            <a:pPr marL="265113" indent="-265113" fontAlgn="t">
               <a:buFont typeface="+mj-lt"/>
               <a:buAutoNum type="arabicPeriod" startAt="37"/>
             </a:pPr>
@@ -21759,6 +22669,7 @@
                 <a:latin typeface="Meiryo UI" panose="020B0604030504040204" pitchFamily="50" charset="-128"/>
                 <a:ea typeface="Meiryo UI" panose="020B0604030504040204" pitchFamily="50" charset="-128"/>
                 <a:cs typeface="Meiryo UI" panose="020B0604030504040204" pitchFamily="50" charset="-128"/>
+                <a:hlinkClick r:id="rId15" action="ppaction://hlinksldjump"/>
               </a:rPr>
               <a:t>Can I use it within my company, even if commercial use is prohibited? </a:t>
             </a:r>
@@ -21772,7 +22683,7 @@
             </a:endParaRPr>
           </a:p>
           <a:p>
-            <a:pPr fontAlgn="t">
+            <a:pPr marL="265113" indent="-265113" fontAlgn="t">
               <a:buFont typeface="+mj-lt"/>
               <a:buAutoNum type="arabicPeriod" startAt="37"/>
             </a:pPr>
@@ -21781,6 +22692,7 @@
                 <a:latin typeface="Meiryo UI" panose="020B0604030504040204" pitchFamily="50" charset="-128"/>
                 <a:ea typeface="Meiryo UI" panose="020B0604030504040204" pitchFamily="50" charset="-128"/>
                 <a:cs typeface="Meiryo UI" panose="020B0604030504040204" pitchFamily="50" charset="-128"/>
+                <a:hlinkClick r:id="rId16" action="ppaction://hlinksldjump"/>
               </a:rPr>
               <a:t>Can I use documents or diagrams on OSS for my product under the OSS license?</a:t>
             </a:r>
@@ -21790,7 +22702,7 @@
             </a:endParaRPr>
           </a:p>
           <a:p>
-            <a:pPr fontAlgn="t">
+            <a:pPr marL="265113" indent="-265113" fontAlgn="t">
               <a:buFont typeface="+mj-lt"/>
               <a:buAutoNum type="arabicPeriod" startAt="37"/>
             </a:pPr>
@@ -21798,42 +22710,9 @@
               <a:rPr lang="en-US" altLang="ja-JP" sz="900" dirty="0">
                 <a:latin typeface="Meiryo UI" panose="020B0604030504040204" pitchFamily="50" charset="-128"/>
                 <a:ea typeface="Meiryo UI" panose="020B0604030504040204" pitchFamily="50" charset="-128"/>
+                <a:hlinkClick r:id="rId17" action="ppaction://hlinksldjump"/>
               </a:rPr>
               <a:t>Is it possible to use the sample code published in OSS books?</a:t>
-            </a:r>
-          </a:p>
-          <a:p>
-            <a:pPr fontAlgn="t">
-              <a:buFont typeface="+mj-lt"/>
-              <a:buAutoNum type="arabicPeriod" startAt="37"/>
-            </a:pPr>
-            <a:r>
-              <a:rPr lang="en-US" altLang="ja-JP" sz="900" dirty="0">
-                <a:latin typeface="Meiryo UI" panose="020B0604030504040204" pitchFamily="50" charset="-128"/>
-                <a:ea typeface="Meiryo UI" panose="020B0604030504040204" pitchFamily="50" charset="-128"/>
-              </a:rPr>
-              <a:t>Does the OSS disclaimer remain valid even if OSS is incorporated into the product?</a:t>
-            </a:r>
-          </a:p>
-          <a:p>
-            <a:pPr fontAlgn="t">
-              <a:buFont typeface="+mj-lt"/>
-              <a:buAutoNum type="arabicPeriod" startAt="37"/>
-            </a:pPr>
-            <a:r>
-              <a:rPr lang="en-US" altLang="ja-JP" sz="900" dirty="0">
-                <a:latin typeface="Meiryo UI" panose="020B0604030504040204" pitchFamily="50" charset="-128"/>
-                <a:ea typeface="Meiryo UI" panose="020B0604030504040204" pitchFamily="50" charset="-128"/>
-                <a:cs typeface="Meiryo UI" panose="020B0604030504040204" pitchFamily="50" charset="-128"/>
-              </a:rPr>
-              <a:t>Are the license terms of a product unrelated to the license terms of OSS?</a:t>
-            </a:r>
-            <a:r>
-              <a:rPr lang="ja-JP" altLang="en-US" sz="900" dirty="0">
-                <a:latin typeface="Meiryo UI" panose="020B0604030504040204" pitchFamily="50" charset="-128"/>
-                <a:ea typeface="Meiryo UI" panose="020B0604030504040204" pitchFamily="50" charset="-128"/>
-              </a:rPr>
-              <a:t>　</a:t>
             </a:r>
             <a:endParaRPr lang="en-US" altLang="ja-JP" sz="900" dirty="0">
               <a:latin typeface="Meiryo UI" panose="020B0604030504040204" pitchFamily="50" charset="-128"/>
@@ -21841,7 +22720,7 @@
             </a:endParaRPr>
           </a:p>
           <a:p>
-            <a:pPr fontAlgn="t">
+            <a:pPr marL="265113" indent="-265113" fontAlgn="t">
               <a:buFont typeface="+mj-lt"/>
               <a:buAutoNum type="arabicPeriod" startAt="37"/>
             </a:pPr>
@@ -21849,7 +22728,52 @@
               <a:rPr lang="en-US" altLang="ja-JP" sz="900" dirty="0">
                 <a:latin typeface="Meiryo UI" panose="020B0604030504040204" pitchFamily="50" charset="-128"/>
                 <a:ea typeface="Meiryo UI" panose="020B0604030504040204" pitchFamily="50" charset="-128"/>
-                <a:cs typeface="Meiryo UI" panose="020B0604030504040204" pitchFamily="50" charset="-128"/>
+                <a:hlinkClick r:id="rId18" action="ppaction://hlinksldjump"/>
+              </a:rPr>
+              <a:t>Does the OSS disclaimer remain valid even if OSS is incorporated into the product?</a:t>
+            </a:r>
+            <a:endParaRPr lang="en-US" altLang="ja-JP" sz="900" dirty="0">
+              <a:latin typeface="Meiryo UI" panose="020B0604030504040204" pitchFamily="50" charset="-128"/>
+              <a:ea typeface="Meiryo UI" panose="020B0604030504040204" pitchFamily="50" charset="-128"/>
+            </a:endParaRPr>
+          </a:p>
+          <a:p>
+            <a:pPr marL="265113" indent="-265113" fontAlgn="t">
+              <a:buFont typeface="+mj-lt"/>
+              <a:buAutoNum type="arabicPeriod" startAt="37"/>
+            </a:pPr>
+            <a:r>
+              <a:rPr lang="en-US" altLang="ja-JP" sz="900" dirty="0">
+                <a:latin typeface="Meiryo UI" panose="020B0604030504040204" pitchFamily="50" charset="-128"/>
+                <a:ea typeface="Meiryo UI" panose="020B0604030504040204" pitchFamily="50" charset="-128"/>
+                <a:cs typeface="Meiryo UI" panose="020B0604030504040204" pitchFamily="50" charset="-128"/>
+                <a:hlinkClick r:id="rId19" action="ppaction://hlinksldjump"/>
+              </a:rPr>
+              <a:t>Are the license terms of a product unrelated to the license terms of OSS?</a:t>
+            </a:r>
+            <a:r>
+              <a:rPr lang="ja-JP" altLang="en-US" sz="900" dirty="0">
+                <a:latin typeface="Meiryo UI" panose="020B0604030504040204" pitchFamily="50" charset="-128"/>
+                <a:ea typeface="Meiryo UI" panose="020B0604030504040204" pitchFamily="50" charset="-128"/>
+              </a:rPr>
+              <a:t>　</a:t>
+            </a:r>
+            <a:endParaRPr lang="en-US" altLang="ja-JP" sz="900" dirty="0">
+              <a:latin typeface="Meiryo UI" panose="020B0604030504040204" pitchFamily="50" charset="-128"/>
+              <a:ea typeface="Meiryo UI" panose="020B0604030504040204" pitchFamily="50" charset="-128"/>
+            </a:endParaRPr>
+          </a:p>
+          <a:p>
+            <a:pPr marL="265113" indent="-265113" fontAlgn="t">
+              <a:buFont typeface="+mj-lt"/>
+              <a:buAutoNum type="arabicPeriod" startAt="37"/>
+            </a:pPr>
+            <a:r>
+              <a:rPr lang="en-US" altLang="ja-JP" sz="900" dirty="0">
+                <a:latin typeface="Meiryo UI" panose="020B0604030504040204" pitchFamily="50" charset="-128"/>
+                <a:ea typeface="Meiryo UI" panose="020B0604030504040204" pitchFamily="50" charset="-128"/>
+                <a:cs typeface="Meiryo UI" panose="020B0604030504040204" pitchFamily="50" charset="-128"/>
+                <a:hlinkClick r:id="rId20" action="ppaction://hlinksldjump"/>
               </a:rPr>
               <a:t>Is it necessary to apply for an OSI-approved license to publish OSS?</a:t>
             </a:r>
@@ -21857,18 +22781,9 @@
               <a:rPr lang="en-US" altLang="ja-JP" sz="900" dirty="0">
                 <a:latin typeface="Meiryo UI" panose="020B0604030504040204" pitchFamily="50" charset="-128"/>
                 <a:ea typeface="Meiryo UI" panose="020B0604030504040204" pitchFamily="50" charset="-128"/>
+                <a:hlinkClick r:id="rId20" action="ppaction://hlinksldjump"/>
               </a:rPr>
               <a:t> </a:t>
-            </a:r>
-            <a:r>
-              <a:rPr lang="en-US" altLang="ja-JP" sz="900" b="1" i="1" dirty="0">
-                <a:solidFill>
-                  <a:srgbClr val="FF0000"/>
-                </a:solidFill>
-                <a:latin typeface="Meiryo UI" panose="020B0604030504040204" pitchFamily="50" charset="-128"/>
-                <a:ea typeface="Meiryo UI" panose="020B0604030504040204" pitchFamily="50" charset="-128"/>
-              </a:rPr>
-              <a:t>NEW</a:t>
             </a:r>
             <a:endParaRPr lang="ja-JP" altLang="en-US" sz="900" dirty="0">
               <a:solidFill>
@@ -21879,7 +22794,7 @@
             </a:endParaRPr>
           </a:p>
           <a:p>
-            <a:pPr fontAlgn="t">
+            <a:pPr marL="265113" indent="-265113" fontAlgn="t">
               <a:buFont typeface="+mj-lt"/>
               <a:buAutoNum type="arabicPeriod" startAt="37"/>
             </a:pPr>
@@ -21887,6 +22802,7 @@
               <a:rPr lang="en-US" altLang="ja-JP" sz="900" dirty="0">
                 <a:latin typeface="Meiryo UI" panose="020B0604030504040204" pitchFamily="50" charset="-128"/>
                 <a:ea typeface="Meiryo UI" panose="020B0604030504040204" pitchFamily="50" charset="-128"/>
+                <a:hlinkClick r:id="rId21" action="ppaction://hlinksldjump"/>
               </a:rPr>
               <a:t>Glossary</a:t>
             </a:r>
@@ -21966,7 +22882,7 @@
           <p:cNvPr id="15" name="スライド番号プレースホルダー 14">
             <a:extLst>
               <a:ext uri="{FF2B5EF4-FFF2-40B4-BE49-F238E27FC236}">
-                <a16:creationId xmlns:a16="http://schemas.microsoft.com/office/drawing/2014/main" id="{060700CA-FA02-4051-9361-1B9CD1B065C4}"/>
+                <a16:creationId xmlns="" xmlns:a16="http://schemas.microsoft.com/office/drawing/2014/main" id="{060700CA-FA02-4051-9361-1B9CD1B065C4}"/>
               </a:ext>
             </a:extLst>
           </p:cNvPr>
@@ -22000,6 +22916,13 @@
   <p:clrMapOvr>
     <a:masterClrMapping/>
   </p:clrMapOvr>
+  <p:timing>
+    <p:tnLst>
+      <p:par>
+        <p:cTn id="1" dur="indefinite" restart="never" nodeType="tmRoot"/>
+      </p:par>
+    </p:tnLst>
+  </p:timing>
 </p:sld>
 </file>
 
@@ -22084,7 +23007,7 @@
         </p:nvSpPr>
         <p:spPr>
           <a:xfrm>
-            <a:off x="457200" y="274638"/>
+            <a:off x="457200" y="346646"/>
             <a:ext cx="8229600" cy="706090"/>
           </a:xfrm>
           <a:ln>
@@ -22147,7 +23070,7 @@
               <a:buChar char="u"/>
             </a:pPr>
             <a:r>
-              <a:rPr lang="en-US" altLang="ja-JP" sz="2000" dirty="0">
+              <a:rPr lang="en-US" altLang="ja-JP" sz="1800" dirty="0">
                 <a:latin typeface="Meiryo UI" panose="020B0604030504040204" pitchFamily="50" charset="-128"/>
                 <a:ea typeface="Meiryo UI" panose="020B0604030504040204" pitchFamily="50" charset="-128"/>
                 <a:cs typeface="Meiryo UI" panose="020B0604030504040204" pitchFamily="50" charset="-128"/>
@@ -22164,7 +23087,7 @@
               <a:buChar char="u"/>
             </a:pPr>
             <a:r>
-              <a:rPr lang="en-US" altLang="ja-JP" sz="2000" dirty="0">
+              <a:rPr lang="en-US" altLang="ja-JP" sz="1800" dirty="0">
                 <a:latin typeface="Meiryo UI" panose="020B0604030504040204" pitchFamily="50" charset="-128"/>
                 <a:ea typeface="Meiryo UI" panose="020B0604030504040204" pitchFamily="50" charset="-128"/>
                 <a:cs typeface="Meiryo UI" panose="020B0604030504040204" pitchFamily="50" charset="-128"/>
@@ -22173,7 +23096,7 @@
             </a:r>
           </a:p>
           <a:p>
-            <a:endParaRPr kumimoji="1" lang="ja-JP" altLang="en-US" sz="2000" dirty="0"/>
+            <a:endParaRPr kumimoji="1" lang="ja-JP" altLang="en-US" sz="1800" dirty="0"/>
           </a:p>
         </p:txBody>
       </p:sp>
@@ -22208,8 +23131,8 @@
         </p:nvSpPr>
         <p:spPr>
           <a:xfrm>
-            <a:off x="467544" y="1412776"/>
-            <a:ext cx="8280920" cy="1132965"/>
+            <a:off x="467544" y="1484784"/>
+            <a:ext cx="8280920" cy="1060957"/>
           </a:xfrm>
           <a:prstGeom prst="roundRect">
             <a:avLst/>
@@ -22250,7 +23173,7 @@
               </a:spcAft>
             </a:pPr>
             <a:r>
-              <a:rPr lang="ja-JP" altLang="en-US" sz="2400" dirty="0">
+              <a:rPr lang="ja-JP" altLang="en-US" dirty="0">
                 <a:solidFill>
                   <a:schemeClr val="tx1"/>
                 </a:solidFill>
@@ -22261,7 +23184,7 @@
               <a:t>　</a:t>
             </a:r>
             <a:r>
-              <a:rPr lang="en-US" altLang="ja-JP" sz="2000" dirty="0">
+              <a:rPr lang="en-US" altLang="ja-JP" dirty="0">
                 <a:solidFill>
                   <a:schemeClr val="tx1"/>
                 </a:solidFill>
@@ -22271,7 +23194,7 @@
               </a:rPr>
               <a:t>I embedded an OSS module that never functions in a commercial product. Am I exempt from conforming to the licensing conditions of such OSS in this case?</a:t>
             </a:r>
-            <a:endParaRPr lang="ja-JP" altLang="en-US" sz="2000" dirty="0">
+            <a:endParaRPr lang="ja-JP" altLang="en-US" dirty="0">
               <a:solidFill>
                 <a:schemeClr val="tx1"/>
               </a:solidFill>
@@ -22397,7 +23320,7 @@
           <p:cNvPr id="12" name="テキスト ボックス 11">
             <a:extLst>
               <a:ext uri="{FF2B5EF4-FFF2-40B4-BE49-F238E27FC236}">
-                <a16:creationId xmlns:a16="http://schemas.microsoft.com/office/drawing/2014/main" id="{FF510B5E-E0AA-4B2A-8D36-638BFA602D68}"/>
+                <a16:creationId xmlns="" xmlns:a16="http://schemas.microsoft.com/office/drawing/2014/main" id="{FF510B5E-E0AA-4B2A-8D36-638BFA602D68}"/>
               </a:ext>
             </a:extLst>
           </p:cNvPr>
@@ -22458,7 +23381,7 @@
           <p:cNvPr id="13" name="テキスト ボックス 12">
             <a:extLst>
               <a:ext uri="{FF2B5EF4-FFF2-40B4-BE49-F238E27FC236}">
-                <a16:creationId xmlns:a16="http://schemas.microsoft.com/office/drawing/2014/main" id="{0C28627F-2471-4D5B-9F1C-638D6BDE634D}"/>
+                <a16:creationId xmlns="" xmlns:a16="http://schemas.microsoft.com/office/drawing/2014/main" id="{0C28627F-2471-4D5B-9F1C-638D6BDE634D}"/>
               </a:ext>
             </a:extLst>
           </p:cNvPr>
@@ -22519,7 +23442,7 @@
           <p:cNvPr id="21" name="スライド番号プレースホルダー 20">
             <a:extLst>
               <a:ext uri="{FF2B5EF4-FFF2-40B4-BE49-F238E27FC236}">
-                <a16:creationId xmlns:a16="http://schemas.microsoft.com/office/drawing/2014/main" id="{262AF6F0-110E-48DB-8F55-212BAED77A7A}"/>
+                <a16:creationId xmlns="" xmlns:a16="http://schemas.microsoft.com/office/drawing/2014/main" id="{262AF6F0-110E-48DB-8F55-212BAED77A7A}"/>
               </a:ext>
             </a:extLst>
           </p:cNvPr>
@@ -22540,6 +23463,43 @@
               <a:t>29</a:t>
             </a:fld>
             <a:endParaRPr kumimoji="1" lang="ja-JP" altLang="en-US"/>
+          </a:p>
+        </p:txBody>
+      </p:sp>
+      <p:sp>
+        <p:nvSpPr>
+          <p:cNvPr id="14" name="正方形/長方形 13"/>
+          <p:cNvSpPr/>
+          <p:nvPr/>
+        </p:nvSpPr>
+        <p:spPr>
+          <a:xfrm>
+            <a:off x="189082" y="13496"/>
+            <a:ext cx="958660" cy="369332"/>
+          </a:xfrm>
+          <a:prstGeom prst="rect">
+            <a:avLst/>
+          </a:prstGeom>
+        </p:spPr>
+        <p:txBody>
+          <a:bodyPr wrap="none">
+            <a:spAutoFit/>
+          </a:bodyPr>
+          <a:lstStyle/>
+          <a:p>
+            <a:r>
+              <a:rPr lang="ja-JP" altLang="en-US" dirty="0">
+                <a:hlinkClick r:id="rId3" action="ppaction://hlinksldjump"/>
+              </a:rPr>
+              <a:t>← </a:t>
+            </a:r>
+            <a:r>
+              <a:rPr lang="en-US" altLang="ja-JP" dirty="0" smtClean="0">
+                <a:hlinkClick r:id="rId3" action="ppaction://hlinksldjump"/>
+              </a:rPr>
+              <a:t>Index</a:t>
+            </a:r>
+            <a:endParaRPr lang="ja-JP" altLang="en-US" dirty="0"/>
           </a:p>
         </p:txBody>
       </p:sp>
@@ -22581,8 +23541,8 @@
         </p:nvSpPr>
         <p:spPr>
           <a:xfrm>
-            <a:off x="486419" y="2924944"/>
-            <a:ext cx="8280920" cy="3461900"/>
+            <a:off x="486419" y="3013434"/>
+            <a:ext cx="8280920" cy="3373410"/>
           </a:xfrm>
           <a:prstGeom prst="rect">
             <a:avLst/>
@@ -22637,8 +23597,8 @@
         </p:nvSpPr>
         <p:spPr>
           <a:xfrm>
-            <a:off x="457200" y="270863"/>
-            <a:ext cx="8229600" cy="680248"/>
+            <a:off x="457200" y="343991"/>
+            <a:ext cx="8229600" cy="817497"/>
           </a:xfrm>
           <a:ln>
             <a:solidFill>
@@ -22655,13 +23615,13 @@
           <a:lstStyle/>
           <a:p>
             <a:r>
-              <a:rPr lang="en-US" altLang="ja-JP" sz="2200" dirty="0">
+              <a:rPr lang="en-US" altLang="ja-JP" sz="2400" dirty="0">
                 <a:latin typeface="Meiryo UI" panose="020B0604030504040204" pitchFamily="50" charset="-128"/>
                 <a:ea typeface="Meiryo UI" panose="020B0604030504040204" pitchFamily="50" charset="-128"/>
               </a:rPr>
               <a:t>Does my program become OSS when it matches certain OSS by unintentionally?</a:t>
             </a:r>
-            <a:endParaRPr kumimoji="1" lang="ja-JP" altLang="en-US" sz="2200" dirty="0">
+            <a:endParaRPr kumimoji="1" lang="ja-JP" altLang="en-US" sz="2400" dirty="0">
               <a:latin typeface="Meiryo UI" panose="020B0604030504040204" pitchFamily="50" charset="-128"/>
               <a:ea typeface="Meiryo UI" panose="020B0604030504040204" pitchFamily="50" charset="-128"/>
               <a:cs typeface="Meiryo UI" panose="020B0604030504040204" pitchFamily="50" charset="-128"/>
@@ -22700,8 +23660,8 @@
         </p:nvSpPr>
         <p:spPr>
           <a:xfrm>
-            <a:off x="467544" y="1412776"/>
-            <a:ext cx="8280920" cy="1329530"/>
+            <a:off x="467544" y="1640136"/>
+            <a:ext cx="8280920" cy="1284808"/>
           </a:xfrm>
           <a:prstGeom prst="roundRect">
             <a:avLst/>
@@ -22844,7 +23804,7 @@
           <p:cNvPr id="12" name="テキスト ボックス 11">
             <a:extLst>
               <a:ext uri="{FF2B5EF4-FFF2-40B4-BE49-F238E27FC236}">
-                <a16:creationId xmlns:a16="http://schemas.microsoft.com/office/drawing/2014/main" id="{FF510B5E-E0AA-4B2A-8D36-638BFA602D68}"/>
+                <a16:creationId xmlns="" xmlns:a16="http://schemas.microsoft.com/office/drawing/2014/main" id="{FF510B5E-E0AA-4B2A-8D36-638BFA602D68}"/>
               </a:ext>
             </a:extLst>
           </p:cNvPr>
@@ -22853,7 +23813,7 @@
         </p:nvSpPr>
         <p:spPr>
           <a:xfrm>
-            <a:off x="113828" y="692696"/>
+            <a:off x="113828" y="849486"/>
             <a:ext cx="2545890" cy="923330"/>
           </a:xfrm>
           <a:prstGeom prst="rect">
@@ -22905,7 +23865,7 @@
           <p:cNvPr id="13" name="テキスト ボックス 12">
             <a:extLst>
               <a:ext uri="{FF2B5EF4-FFF2-40B4-BE49-F238E27FC236}">
-                <a16:creationId xmlns:a16="http://schemas.microsoft.com/office/drawing/2014/main" id="{0C28627F-2471-4D5B-9F1C-638D6BDE634D}"/>
+                <a16:creationId xmlns="" xmlns:a16="http://schemas.microsoft.com/office/drawing/2014/main" id="{0C28627F-2471-4D5B-9F1C-638D6BDE634D}"/>
               </a:ext>
             </a:extLst>
           </p:cNvPr>
@@ -22914,7 +23874,7 @@
         </p:nvSpPr>
         <p:spPr>
           <a:xfrm>
-            <a:off x="403920" y="2636912"/>
+            <a:off x="403920" y="2838425"/>
             <a:ext cx="2182008" cy="923330"/>
           </a:xfrm>
           <a:prstGeom prst="rect">
@@ -22969,7 +23929,7 @@
         </p:nvSpPr>
         <p:spPr>
           <a:xfrm>
-            <a:off x="3275856" y="2962102"/>
+            <a:off x="3275856" y="3163615"/>
             <a:ext cx="1944216" cy="769441"/>
           </a:xfrm>
           <a:prstGeom prst="rect">
@@ -23063,7 +24023,7 @@
           <p:cNvPr id="21" name="スライド番号プレースホルダー 20">
             <a:extLst>
               <a:ext uri="{FF2B5EF4-FFF2-40B4-BE49-F238E27FC236}">
-                <a16:creationId xmlns:a16="http://schemas.microsoft.com/office/drawing/2014/main" id="{BA3CA8D4-BA15-4438-A797-9ADB9F48CEC1}"/>
+                <a16:creationId xmlns="" xmlns:a16="http://schemas.microsoft.com/office/drawing/2014/main" id="{BA3CA8D4-BA15-4438-A797-9ADB9F48CEC1}"/>
               </a:ext>
             </a:extLst>
           </p:cNvPr>
@@ -23084,6 +24044,43 @@
               <a:t>30</a:t>
             </a:fld>
             <a:endParaRPr kumimoji="1" lang="ja-JP" altLang="en-US"/>
+          </a:p>
+        </p:txBody>
+      </p:sp>
+      <p:sp>
+        <p:nvSpPr>
+          <p:cNvPr id="14" name="正方形/長方形 13"/>
+          <p:cNvSpPr/>
+          <p:nvPr/>
+        </p:nvSpPr>
+        <p:spPr>
+          <a:xfrm>
+            <a:off x="189082" y="13496"/>
+            <a:ext cx="958660" cy="369332"/>
+          </a:xfrm>
+          <a:prstGeom prst="rect">
+            <a:avLst/>
+          </a:prstGeom>
+        </p:spPr>
+        <p:txBody>
+          <a:bodyPr wrap="none">
+            <a:spAutoFit/>
+          </a:bodyPr>
+          <a:lstStyle/>
+          <a:p>
+            <a:r>
+              <a:rPr lang="ja-JP" altLang="en-US" dirty="0">
+                <a:hlinkClick r:id="rId3" action="ppaction://hlinksldjump"/>
+              </a:rPr>
+              <a:t>← </a:t>
+            </a:r>
+            <a:r>
+              <a:rPr lang="en-US" altLang="ja-JP" dirty="0" smtClean="0">
+                <a:hlinkClick r:id="rId3" action="ppaction://hlinksldjump"/>
+              </a:rPr>
+              <a:t>Index</a:t>
+            </a:r>
+            <a:endParaRPr lang="ja-JP" altLang="en-US" dirty="0"/>
           </a:p>
         </p:txBody>
       </p:sp>
@@ -23181,7 +24178,7 @@
         </p:nvSpPr>
         <p:spPr>
           <a:xfrm>
-            <a:off x="395536" y="199366"/>
+            <a:off x="395536" y="335831"/>
             <a:ext cx="8424936" cy="637346"/>
           </a:xfrm>
           <a:ln>
@@ -23302,8 +24299,8 @@
         </p:nvSpPr>
         <p:spPr>
           <a:xfrm>
-            <a:off x="467544" y="1340768"/>
-            <a:ext cx="8280920" cy="915669"/>
+            <a:off x="467544" y="1477233"/>
+            <a:ext cx="8280920" cy="779204"/>
           </a:xfrm>
           <a:prstGeom prst="roundRect">
             <a:avLst/>
@@ -23347,7 +24344,7 @@
               </a:spcAft>
             </a:pPr>
             <a:r>
-              <a:rPr lang="ja-JP" altLang="en-US" sz="2000" dirty="0">
+              <a:rPr lang="ja-JP" altLang="en-US" dirty="0">
                 <a:solidFill>
                   <a:schemeClr val="tx1"/>
                 </a:solidFill>
@@ -23358,7 +24355,7 @@
               <a:t>　</a:t>
             </a:r>
             <a:r>
-              <a:rPr lang="en-US" altLang="ja-JP" sz="2000" dirty="0">
+              <a:rPr lang="en-US" altLang="ja-JP" dirty="0">
                 <a:solidFill>
                   <a:schemeClr val="tx1"/>
                 </a:solidFill>
@@ -23368,7 +24365,7 @@
               </a:rPr>
               <a:t> Does the license of the OSS apply to the deliverables created with OSS development tools?</a:t>
             </a:r>
-            <a:endParaRPr lang="ja-JP" altLang="en-US" sz="2000" dirty="0">
+            <a:endParaRPr lang="ja-JP" altLang="en-US" dirty="0">
               <a:solidFill>
                 <a:schemeClr val="tx1"/>
               </a:solidFill>
@@ -23407,7 +24404,7 @@
           <p:cNvPr id="11" name="テキスト ボックス 10">
             <a:extLst>
               <a:ext uri="{FF2B5EF4-FFF2-40B4-BE49-F238E27FC236}">
-                <a16:creationId xmlns:a16="http://schemas.microsoft.com/office/drawing/2014/main" id="{1F3C87A8-C9D5-403A-9141-1BF329374B2F}"/>
+                <a16:creationId xmlns="" xmlns:a16="http://schemas.microsoft.com/office/drawing/2014/main" id="{1F3C87A8-C9D5-403A-9141-1BF329374B2F}"/>
               </a:ext>
             </a:extLst>
           </p:cNvPr>
@@ -23458,7 +24455,7 @@
           <p:cNvPr id="12" name="テキスト ボックス 11">
             <a:extLst>
               <a:ext uri="{FF2B5EF4-FFF2-40B4-BE49-F238E27FC236}">
-                <a16:creationId xmlns:a16="http://schemas.microsoft.com/office/drawing/2014/main" id="{24F0EDEF-029D-495E-A67A-C555ABF10C90}"/>
+                <a16:creationId xmlns="" xmlns:a16="http://schemas.microsoft.com/office/drawing/2014/main" id="{24F0EDEF-029D-495E-A67A-C555ABF10C90}"/>
               </a:ext>
             </a:extLst>
           </p:cNvPr>
@@ -23467,7 +24464,7 @@
         </p:nvSpPr>
         <p:spPr>
           <a:xfrm>
-            <a:off x="113828" y="476672"/>
+            <a:off x="113828" y="613137"/>
             <a:ext cx="2808782" cy="1015663"/>
           </a:xfrm>
           <a:prstGeom prst="rect">
@@ -23519,7 +24516,7 @@
           <p:cNvPr id="13" name="テキスト ボックス 12">
             <a:extLst>
               <a:ext uri="{FF2B5EF4-FFF2-40B4-BE49-F238E27FC236}">
-                <a16:creationId xmlns:a16="http://schemas.microsoft.com/office/drawing/2014/main" id="{781F96EC-E865-43D7-B9AA-97413AD2BCE2}"/>
+                <a16:creationId xmlns="" xmlns:a16="http://schemas.microsoft.com/office/drawing/2014/main" id="{781F96EC-E865-43D7-B9AA-97413AD2BCE2}"/>
               </a:ext>
             </a:extLst>
           </p:cNvPr>
@@ -23624,7 +24621,7 @@
           <p:cNvPr id="21" name="スライド番号プレースホルダー 20">
             <a:extLst>
               <a:ext uri="{FF2B5EF4-FFF2-40B4-BE49-F238E27FC236}">
-                <a16:creationId xmlns:a16="http://schemas.microsoft.com/office/drawing/2014/main" id="{6A472DD4-9AFA-4284-9ADE-7718927913D2}"/>
+                <a16:creationId xmlns="" xmlns:a16="http://schemas.microsoft.com/office/drawing/2014/main" id="{6A472DD4-9AFA-4284-9ADE-7718927913D2}"/>
               </a:ext>
             </a:extLst>
           </p:cNvPr>
@@ -23645,6 +24642,43 @@
               <a:t>31</a:t>
             </a:fld>
             <a:endParaRPr kumimoji="1" lang="ja-JP" altLang="en-US"/>
+          </a:p>
+        </p:txBody>
+      </p:sp>
+      <p:sp>
+        <p:nvSpPr>
+          <p:cNvPr id="14" name="正方形/長方形 13"/>
+          <p:cNvSpPr/>
+          <p:nvPr/>
+        </p:nvSpPr>
+        <p:spPr>
+          <a:xfrm>
+            <a:off x="189082" y="13496"/>
+            <a:ext cx="958660" cy="369332"/>
+          </a:xfrm>
+          <a:prstGeom prst="rect">
+            <a:avLst/>
+          </a:prstGeom>
+        </p:spPr>
+        <p:txBody>
+          <a:bodyPr wrap="none">
+            <a:spAutoFit/>
+          </a:bodyPr>
+          <a:lstStyle/>
+          <a:p>
+            <a:r>
+              <a:rPr lang="ja-JP" altLang="en-US" dirty="0">
+                <a:hlinkClick r:id="rId3" action="ppaction://hlinksldjump"/>
+              </a:rPr>
+              <a:t>← </a:t>
+            </a:r>
+            <a:r>
+              <a:rPr lang="en-US" altLang="ja-JP" dirty="0" smtClean="0">
+                <a:hlinkClick r:id="rId3" action="ppaction://hlinksldjump"/>
+              </a:rPr>
+              <a:t>Index</a:t>
+            </a:r>
+            <a:endParaRPr lang="ja-JP" altLang="en-US" dirty="0"/>
           </a:p>
         </p:txBody>
       </p:sp>
@@ -23742,7 +24776,7 @@
         </p:nvSpPr>
         <p:spPr>
           <a:xfrm>
-            <a:off x="480936" y="131423"/>
+            <a:off x="480936" y="347447"/>
             <a:ext cx="8267528" cy="705289"/>
           </a:xfrm>
           <a:ln>
@@ -23856,8 +24890,8 @@
         </p:nvSpPr>
         <p:spPr>
           <a:xfrm>
-            <a:off x="467544" y="1412776"/>
-            <a:ext cx="8280920" cy="1224136"/>
+            <a:off x="467544" y="1556792"/>
+            <a:ext cx="8280920" cy="1080120"/>
           </a:xfrm>
           <a:prstGeom prst="roundRect">
             <a:avLst/>
@@ -23938,7 +24972,7 @@
         </p:nvSpPr>
         <p:spPr>
           <a:xfrm>
-            <a:off x="315418" y="476672"/>
+            <a:off x="315418" y="685145"/>
             <a:ext cx="2808782" cy="1015663"/>
           </a:xfrm>
           <a:prstGeom prst="rect">
@@ -23993,7 +25027,7 @@
         </p:nvSpPr>
         <p:spPr>
           <a:xfrm>
-            <a:off x="403920" y="2587551"/>
+            <a:off x="403920" y="2492896"/>
             <a:ext cx="2401619" cy="1015663"/>
           </a:xfrm>
           <a:prstGeom prst="rect">
@@ -24162,7 +25196,7 @@
           <p:cNvPr id="21" name="スライド番号プレースホルダー 20">
             <a:extLst>
               <a:ext uri="{FF2B5EF4-FFF2-40B4-BE49-F238E27FC236}">
-                <a16:creationId xmlns:a16="http://schemas.microsoft.com/office/drawing/2014/main" id="{E427D4A9-4F1D-4F1E-993E-A68509CBA367}"/>
+                <a16:creationId xmlns="" xmlns:a16="http://schemas.microsoft.com/office/drawing/2014/main" id="{E427D4A9-4F1D-4F1E-993E-A68509CBA367}"/>
               </a:ext>
             </a:extLst>
           </p:cNvPr>
@@ -24183,6 +25217,43 @@
               <a:t>32</a:t>
             </a:fld>
             <a:endParaRPr kumimoji="1" lang="ja-JP" altLang="en-US"/>
+          </a:p>
+        </p:txBody>
+      </p:sp>
+      <p:sp>
+        <p:nvSpPr>
+          <p:cNvPr id="12" name="正方形/長方形 11"/>
+          <p:cNvSpPr/>
+          <p:nvPr/>
+        </p:nvSpPr>
+        <p:spPr>
+          <a:xfrm>
+            <a:off x="189082" y="13496"/>
+            <a:ext cx="958660" cy="369332"/>
+          </a:xfrm>
+          <a:prstGeom prst="rect">
+            <a:avLst/>
+          </a:prstGeom>
+        </p:spPr>
+        <p:txBody>
+          <a:bodyPr wrap="none">
+            <a:spAutoFit/>
+          </a:bodyPr>
+          <a:lstStyle/>
+          <a:p>
+            <a:r>
+              <a:rPr lang="ja-JP" altLang="en-US" dirty="0">
+                <a:hlinkClick r:id="rId3" action="ppaction://hlinksldjump"/>
+              </a:rPr>
+              <a:t>← </a:t>
+            </a:r>
+            <a:r>
+              <a:rPr lang="en-US" altLang="ja-JP" dirty="0" smtClean="0">
+                <a:hlinkClick r:id="rId3" action="ppaction://hlinksldjump"/>
+              </a:rPr>
+              <a:t>Index</a:t>
+            </a:r>
+            <a:endParaRPr lang="ja-JP" altLang="en-US" dirty="0"/>
           </a:p>
         </p:txBody>
       </p:sp>
@@ -24280,7 +25351,7 @@
         </p:nvSpPr>
         <p:spPr>
           <a:xfrm>
-            <a:off x="395536" y="199366"/>
+            <a:off x="395536" y="335831"/>
             <a:ext cx="8424936" cy="781362"/>
           </a:xfrm>
           <a:ln>
@@ -24298,14 +25369,14 @@
           <a:lstStyle/>
           <a:p>
             <a:r>
-              <a:rPr lang="en-US" altLang="ja-JP" sz="2800" dirty="0">
+              <a:rPr lang="en-US" altLang="ja-JP" sz="2400" dirty="0">
                 <a:latin typeface="Meiryo UI" panose="020B0604030504040204" pitchFamily="50" charset="-128"/>
                 <a:ea typeface="Meiryo UI" panose="020B0604030504040204" pitchFamily="50" charset="-128"/>
                 <a:cs typeface="Meiryo UI" panose="020B0604030504040204" pitchFamily="50" charset="-128"/>
               </a:rPr>
               <a:t>If I use dual licensed OSS, can I attach only the selected one?</a:t>
             </a:r>
-            <a:endParaRPr kumimoji="1" lang="ja-JP" altLang="en-US" sz="2800" dirty="0">
+            <a:endParaRPr kumimoji="1" lang="ja-JP" altLang="en-US" sz="2400" dirty="0">
               <a:latin typeface="Meiryo UI" panose="020B0604030504040204" pitchFamily="50" charset="-128"/>
               <a:ea typeface="Meiryo UI" panose="020B0604030504040204" pitchFamily="50" charset="-128"/>
               <a:cs typeface="Meiryo UI" panose="020B0604030504040204" pitchFamily="50" charset="-128"/>
@@ -24378,8 +25449,8 @@
         </p:nvSpPr>
         <p:spPr>
           <a:xfrm>
-            <a:off x="467544" y="1482235"/>
-            <a:ext cx="8280920" cy="1082669"/>
+            <a:off x="467544" y="1641987"/>
+            <a:ext cx="8280920" cy="922917"/>
           </a:xfrm>
           <a:prstGeom prst="roundRect">
             <a:avLst/>
@@ -24538,7 +25609,7 @@
           <p:cNvPr id="11" name="テキスト ボックス 10">
             <a:extLst>
               <a:ext uri="{FF2B5EF4-FFF2-40B4-BE49-F238E27FC236}">
-                <a16:creationId xmlns:a16="http://schemas.microsoft.com/office/drawing/2014/main" id="{1F3C87A8-C9D5-403A-9141-1BF329374B2F}"/>
+                <a16:creationId xmlns="" xmlns:a16="http://schemas.microsoft.com/office/drawing/2014/main" id="{1F3C87A8-C9D5-403A-9141-1BF329374B2F}"/>
               </a:ext>
             </a:extLst>
           </p:cNvPr>
@@ -24601,7 +25672,7 @@
           <p:cNvPr id="12" name="テキスト ボックス 11">
             <a:extLst>
               <a:ext uri="{FF2B5EF4-FFF2-40B4-BE49-F238E27FC236}">
-                <a16:creationId xmlns:a16="http://schemas.microsoft.com/office/drawing/2014/main" id="{24F0EDEF-029D-495E-A67A-C555ABF10C90}"/>
+                <a16:creationId xmlns="" xmlns:a16="http://schemas.microsoft.com/office/drawing/2014/main" id="{24F0EDEF-029D-495E-A67A-C555ABF10C90}"/>
               </a:ext>
             </a:extLst>
           </p:cNvPr>
@@ -24610,7 +25681,7 @@
         </p:nvSpPr>
         <p:spPr>
           <a:xfrm>
-            <a:off x="113828" y="620688"/>
+            <a:off x="113828" y="757153"/>
             <a:ext cx="2808782" cy="1015663"/>
           </a:xfrm>
           <a:prstGeom prst="rect">
@@ -24662,7 +25733,7 @@
           <p:cNvPr id="13" name="テキスト ボックス 12">
             <a:extLst>
               <a:ext uri="{FF2B5EF4-FFF2-40B4-BE49-F238E27FC236}">
-                <a16:creationId xmlns:a16="http://schemas.microsoft.com/office/drawing/2014/main" id="{781F96EC-E865-43D7-B9AA-97413AD2BCE2}"/>
+                <a16:creationId xmlns="" xmlns:a16="http://schemas.microsoft.com/office/drawing/2014/main" id="{781F96EC-E865-43D7-B9AA-97413AD2BCE2}"/>
               </a:ext>
             </a:extLst>
           </p:cNvPr>
@@ -24671,7 +25742,7 @@
         </p:nvSpPr>
         <p:spPr>
           <a:xfrm>
-            <a:off x="403920" y="2348880"/>
+            <a:off x="403920" y="2485345"/>
             <a:ext cx="2401619" cy="1015663"/>
           </a:xfrm>
           <a:prstGeom prst="rect">
@@ -24723,7 +25794,7 @@
           <p:cNvPr id="21" name="スライド番号プレースホルダー 20">
             <a:extLst>
               <a:ext uri="{FF2B5EF4-FFF2-40B4-BE49-F238E27FC236}">
-                <a16:creationId xmlns:a16="http://schemas.microsoft.com/office/drawing/2014/main" id="{F3159CDC-5654-4E32-B36C-1A52FB3EDD21}"/>
+                <a16:creationId xmlns="" xmlns:a16="http://schemas.microsoft.com/office/drawing/2014/main" id="{F3159CDC-5654-4E32-B36C-1A52FB3EDD21}"/>
               </a:ext>
             </a:extLst>
           </p:cNvPr>
@@ -24744,6 +25815,43 @@
               <a:t>33</a:t>
             </a:fld>
             <a:endParaRPr kumimoji="1" lang="ja-JP" altLang="en-US"/>
+          </a:p>
+        </p:txBody>
+      </p:sp>
+      <p:sp>
+        <p:nvSpPr>
+          <p:cNvPr id="14" name="正方形/長方形 13"/>
+          <p:cNvSpPr/>
+          <p:nvPr/>
+        </p:nvSpPr>
+        <p:spPr>
+          <a:xfrm>
+            <a:off x="189082" y="13496"/>
+            <a:ext cx="958660" cy="369332"/>
+          </a:xfrm>
+          <a:prstGeom prst="rect">
+            <a:avLst/>
+          </a:prstGeom>
+        </p:spPr>
+        <p:txBody>
+          <a:bodyPr wrap="none">
+            <a:spAutoFit/>
+          </a:bodyPr>
+          <a:lstStyle/>
+          <a:p>
+            <a:r>
+              <a:rPr lang="ja-JP" altLang="en-US" dirty="0">
+                <a:hlinkClick r:id="rId3" action="ppaction://hlinksldjump"/>
+              </a:rPr>
+              <a:t>← </a:t>
+            </a:r>
+            <a:r>
+              <a:rPr lang="en-US" altLang="ja-JP" dirty="0" smtClean="0">
+                <a:hlinkClick r:id="rId3" action="ppaction://hlinksldjump"/>
+              </a:rPr>
+              <a:t>Index</a:t>
+            </a:r>
+            <a:endParaRPr lang="ja-JP" altLang="en-US" dirty="0"/>
           </a:p>
         </p:txBody>
       </p:sp>
@@ -24757,6 +25865,13 @@
   <p:clrMapOvr>
     <a:masterClrMapping/>
   </p:clrMapOvr>
+  <p:timing>
+    <p:tnLst>
+      <p:par>
+        <p:cTn id="1" dur="indefinite" restart="never" nodeType="tmRoot"/>
+      </p:par>
+    </p:tnLst>
+  </p:timing>
 </p:sld>
 </file>
 
@@ -24785,8 +25900,8 @@
         </p:nvSpPr>
         <p:spPr>
           <a:xfrm>
-            <a:off x="467544" y="2276873"/>
-            <a:ext cx="8280920" cy="4032448"/>
+            <a:off x="467544" y="2420888"/>
+            <a:ext cx="8280920" cy="3888432"/>
           </a:xfrm>
           <a:prstGeom prst="rect">
             <a:avLst/>
@@ -24841,7 +25956,7 @@
         </p:nvSpPr>
         <p:spPr>
           <a:xfrm>
-            <a:off x="395536" y="199366"/>
+            <a:off x="395536" y="343382"/>
             <a:ext cx="8424936" cy="637346"/>
           </a:xfrm>
           <a:ln>
@@ -24983,8 +26098,8 @@
         </p:nvSpPr>
         <p:spPr>
           <a:xfrm>
-            <a:off x="467544" y="1340769"/>
-            <a:ext cx="8280920" cy="800452"/>
+            <a:off x="467544" y="1476420"/>
+            <a:ext cx="8280920" cy="791341"/>
           </a:xfrm>
           <a:prstGeom prst="roundRect">
             <a:avLst/>
@@ -25066,7 +26181,7 @@
         </p:nvSpPr>
         <p:spPr>
           <a:xfrm>
-            <a:off x="3124200" y="2457528"/>
+            <a:off x="3124200" y="2587551"/>
             <a:ext cx="3744416" cy="769441"/>
           </a:xfrm>
           <a:prstGeom prst="rect">
@@ -25130,7 +26245,7 @@
           <p:cNvPr id="11" name="テキスト ボックス 10">
             <a:extLst>
               <a:ext uri="{FF2B5EF4-FFF2-40B4-BE49-F238E27FC236}">
-                <a16:creationId xmlns:a16="http://schemas.microsoft.com/office/drawing/2014/main" id="{1F3C87A8-C9D5-403A-9141-1BF329374B2F}"/>
+                <a16:creationId xmlns="" xmlns:a16="http://schemas.microsoft.com/office/drawing/2014/main" id="{1F3C87A8-C9D5-403A-9141-1BF329374B2F}"/>
               </a:ext>
             </a:extLst>
           </p:cNvPr>
@@ -25172,7 +26287,7 @@
           <p:cNvPr id="12" name="テキスト ボックス 11">
             <a:extLst>
               <a:ext uri="{FF2B5EF4-FFF2-40B4-BE49-F238E27FC236}">
-                <a16:creationId xmlns:a16="http://schemas.microsoft.com/office/drawing/2014/main" id="{24F0EDEF-029D-495E-A67A-C555ABF10C90}"/>
+                <a16:creationId xmlns="" xmlns:a16="http://schemas.microsoft.com/office/drawing/2014/main" id="{24F0EDEF-029D-495E-A67A-C555ABF10C90}"/>
               </a:ext>
             </a:extLst>
           </p:cNvPr>
@@ -25181,7 +26296,7 @@
         </p:nvSpPr>
         <p:spPr>
           <a:xfrm>
-            <a:off x="113828" y="476672"/>
+            <a:off x="113828" y="612323"/>
             <a:ext cx="2808782" cy="1015663"/>
           </a:xfrm>
           <a:prstGeom prst="rect">
@@ -25233,7 +26348,7 @@
           <p:cNvPr id="13" name="テキスト ボックス 12">
             <a:extLst>
               <a:ext uri="{FF2B5EF4-FFF2-40B4-BE49-F238E27FC236}">
-                <a16:creationId xmlns:a16="http://schemas.microsoft.com/office/drawing/2014/main" id="{781F96EC-E865-43D7-B9AA-97413AD2BCE2}"/>
+                <a16:creationId xmlns="" xmlns:a16="http://schemas.microsoft.com/office/drawing/2014/main" id="{781F96EC-E865-43D7-B9AA-97413AD2BCE2}"/>
               </a:ext>
             </a:extLst>
           </p:cNvPr>
@@ -25242,7 +26357,7 @@
         </p:nvSpPr>
         <p:spPr>
           <a:xfrm>
-            <a:off x="403920" y="1942148"/>
+            <a:off x="403920" y="2125305"/>
             <a:ext cx="2401619" cy="1015663"/>
           </a:xfrm>
           <a:prstGeom prst="rect">
@@ -25294,7 +26409,7 @@
           <p:cNvPr id="21" name="スライド番号プレースホルダー 20">
             <a:extLst>
               <a:ext uri="{FF2B5EF4-FFF2-40B4-BE49-F238E27FC236}">
-                <a16:creationId xmlns:a16="http://schemas.microsoft.com/office/drawing/2014/main" id="{AE0686A1-7CC4-4AEB-9DAD-FDBB0EAF7E98}"/>
+                <a16:creationId xmlns="" xmlns:a16="http://schemas.microsoft.com/office/drawing/2014/main" id="{AE0686A1-7CC4-4AEB-9DAD-FDBB0EAF7E98}"/>
               </a:ext>
             </a:extLst>
           </p:cNvPr>
@@ -25315,6 +26430,43 @@
               <a:t>34</a:t>
             </a:fld>
             <a:endParaRPr kumimoji="1" lang="ja-JP" altLang="en-US"/>
+          </a:p>
+        </p:txBody>
+      </p:sp>
+      <p:sp>
+        <p:nvSpPr>
+          <p:cNvPr id="14" name="正方形/長方形 13"/>
+          <p:cNvSpPr/>
+          <p:nvPr/>
+        </p:nvSpPr>
+        <p:spPr>
+          <a:xfrm>
+            <a:off x="189082" y="13496"/>
+            <a:ext cx="958660" cy="369332"/>
+          </a:xfrm>
+          <a:prstGeom prst="rect">
+            <a:avLst/>
+          </a:prstGeom>
+        </p:spPr>
+        <p:txBody>
+          <a:bodyPr wrap="none">
+            <a:spAutoFit/>
+          </a:bodyPr>
+          <a:lstStyle/>
+          <a:p>
+            <a:r>
+              <a:rPr lang="ja-JP" altLang="en-US" dirty="0">
+                <a:hlinkClick r:id="rId3" action="ppaction://hlinksldjump"/>
+              </a:rPr>
+              <a:t>← </a:t>
+            </a:r>
+            <a:r>
+              <a:rPr lang="en-US" altLang="ja-JP" dirty="0" smtClean="0">
+                <a:hlinkClick r:id="rId3" action="ppaction://hlinksldjump"/>
+              </a:rPr>
+              <a:t>Index</a:t>
+            </a:r>
+            <a:endParaRPr lang="ja-JP" altLang="en-US" dirty="0"/>
           </a:p>
         </p:txBody>
       </p:sp>
@@ -25328,6 +26480,13 @@
   <p:clrMapOvr>
     <a:masterClrMapping/>
   </p:clrMapOvr>
+  <p:timing>
+    <p:tnLst>
+      <p:par>
+        <p:cTn id="1" dur="indefinite" restart="never" nodeType="tmRoot"/>
+      </p:par>
+    </p:tnLst>
+  </p:timing>
 </p:sld>
 </file>
 
@@ -25412,7 +26571,7 @@
         </p:nvSpPr>
         <p:spPr>
           <a:xfrm>
-            <a:off x="395536" y="199366"/>
+            <a:off x="395536" y="335831"/>
             <a:ext cx="8424936" cy="637346"/>
           </a:xfrm>
           <a:ln>
@@ -25478,7 +26637,7 @@
               <a:buChar char="u"/>
             </a:pPr>
             <a:r>
-              <a:rPr lang="en-US" altLang="ja-JP" sz="2000" dirty="0">
+              <a:rPr lang="en-US" altLang="ja-JP" sz="1800" dirty="0">
                 <a:latin typeface="Meiryo UI" panose="020B0604030504040204" pitchFamily="50" charset="-128"/>
                 <a:ea typeface="Meiryo UI" panose="020B0604030504040204" pitchFamily="50" charset="-128"/>
                 <a:cs typeface="Meiryo UI" panose="020B0604030504040204" pitchFamily="50" charset="-128"/>
@@ -25498,7 +26657,7 @@
               <a:buChar char="u"/>
             </a:pPr>
             <a:r>
-              <a:rPr lang="en-US" altLang="ja-JP" sz="2000" dirty="0">
+              <a:rPr lang="en-US" altLang="ja-JP" sz="1800" dirty="0">
                 <a:latin typeface="Meiryo UI" panose="020B0604030504040204" pitchFamily="50" charset="-128"/>
                 <a:ea typeface="Meiryo UI" panose="020B0604030504040204" pitchFamily="50" charset="-128"/>
                 <a:cs typeface="Meiryo UI" panose="020B0604030504040204" pitchFamily="50" charset="-128"/>
@@ -25516,8 +26675,8 @@
         </p:nvSpPr>
         <p:spPr>
           <a:xfrm>
-            <a:off x="467544" y="1340768"/>
-            <a:ext cx="8280920" cy="1221467"/>
+            <a:off x="467544" y="1462948"/>
+            <a:ext cx="8280920" cy="1099287"/>
           </a:xfrm>
           <a:prstGeom prst="roundRect">
             <a:avLst/>
@@ -25551,7 +26710,7 @@
           <a:p>
             <a:pPr fontAlgn="ctr">
               <a:lnSpc>
-                <a:spcPts val="3000"/>
+                <a:spcPts val="2700"/>
               </a:lnSpc>
               <a:spcBef>
                 <a:spcPct val="0"/>
@@ -25561,7 +26720,7 @@
               </a:spcAft>
             </a:pPr>
             <a:r>
-              <a:rPr lang="ja-JP" altLang="en-US" sz="2000" dirty="0">
+              <a:rPr lang="ja-JP" altLang="en-US" dirty="0">
                 <a:solidFill>
                   <a:schemeClr val="tx1"/>
                 </a:solidFill>
@@ -25572,7 +26731,7 @@
               <a:t>　</a:t>
             </a:r>
             <a:r>
-              <a:rPr lang="en-US" altLang="ja-JP" sz="2000" dirty="0">
+              <a:rPr lang="en-US" altLang="ja-JP" dirty="0">
                 <a:solidFill>
                   <a:schemeClr val="tx1"/>
                 </a:solidFill>
@@ -25582,7 +26741,7 @@
               </a:rPr>
               <a:t>The dual-license OSS was distributed by selecting one license and modifying it. If I post this modification to the original OSS community, do I have to post it under the original dual license?</a:t>
             </a:r>
-            <a:endParaRPr lang="ja-JP" altLang="en-US" sz="2000" dirty="0">
+            <a:endParaRPr lang="ja-JP" altLang="en-US" dirty="0">
               <a:solidFill>
                 <a:schemeClr val="tx1"/>
               </a:solidFill>
@@ -25621,7 +26780,7 @@
           <p:cNvPr id="11" name="テキスト ボックス 10">
             <a:extLst>
               <a:ext uri="{FF2B5EF4-FFF2-40B4-BE49-F238E27FC236}">
-                <a16:creationId xmlns:a16="http://schemas.microsoft.com/office/drawing/2014/main" id="{1F3C87A8-C9D5-403A-9141-1BF329374B2F}"/>
+                <a16:creationId xmlns="" xmlns:a16="http://schemas.microsoft.com/office/drawing/2014/main" id="{1F3C87A8-C9D5-403A-9141-1BF329374B2F}"/>
               </a:ext>
             </a:extLst>
           </p:cNvPr>
@@ -25684,7 +26843,7 @@
           <p:cNvPr id="12" name="テキスト ボックス 11">
             <a:extLst>
               <a:ext uri="{FF2B5EF4-FFF2-40B4-BE49-F238E27FC236}">
-                <a16:creationId xmlns:a16="http://schemas.microsoft.com/office/drawing/2014/main" id="{24F0EDEF-029D-495E-A67A-C555ABF10C90}"/>
+                <a16:creationId xmlns="" xmlns:a16="http://schemas.microsoft.com/office/drawing/2014/main" id="{24F0EDEF-029D-495E-A67A-C555ABF10C90}"/>
               </a:ext>
             </a:extLst>
           </p:cNvPr>
@@ -25693,7 +26852,7 @@
         </p:nvSpPr>
         <p:spPr>
           <a:xfrm>
-            <a:off x="113828" y="541129"/>
+            <a:off x="113828" y="613137"/>
             <a:ext cx="2808782" cy="1015663"/>
           </a:xfrm>
           <a:prstGeom prst="rect">
@@ -25745,7 +26904,7 @@
           <p:cNvPr id="13" name="テキスト ボックス 12">
             <a:extLst>
               <a:ext uri="{FF2B5EF4-FFF2-40B4-BE49-F238E27FC236}">
-                <a16:creationId xmlns:a16="http://schemas.microsoft.com/office/drawing/2014/main" id="{781F96EC-E865-43D7-B9AA-97413AD2BCE2}"/>
+                <a16:creationId xmlns="" xmlns:a16="http://schemas.microsoft.com/office/drawing/2014/main" id="{781F96EC-E865-43D7-B9AA-97413AD2BCE2}"/>
               </a:ext>
             </a:extLst>
           </p:cNvPr>
@@ -25850,7 +27009,7 @@
           <p:cNvPr id="21" name="スライド番号プレースホルダー 20">
             <a:extLst>
               <a:ext uri="{FF2B5EF4-FFF2-40B4-BE49-F238E27FC236}">
-                <a16:creationId xmlns:a16="http://schemas.microsoft.com/office/drawing/2014/main" id="{0F16B17D-1445-469D-8FC4-4F8E5134BA46}"/>
+                <a16:creationId xmlns="" xmlns:a16="http://schemas.microsoft.com/office/drawing/2014/main" id="{0F16B17D-1445-469D-8FC4-4F8E5134BA46}"/>
               </a:ext>
             </a:extLst>
           </p:cNvPr>
@@ -25871,6 +27030,43 @@
               <a:t>35</a:t>
             </a:fld>
             <a:endParaRPr kumimoji="1" lang="ja-JP" altLang="en-US"/>
+          </a:p>
+        </p:txBody>
+      </p:sp>
+      <p:sp>
+        <p:nvSpPr>
+          <p:cNvPr id="14" name="正方形/長方形 13"/>
+          <p:cNvSpPr/>
+          <p:nvPr/>
+        </p:nvSpPr>
+        <p:spPr>
+          <a:xfrm>
+            <a:off x="189082" y="13496"/>
+            <a:ext cx="958660" cy="369332"/>
+          </a:xfrm>
+          <a:prstGeom prst="rect">
+            <a:avLst/>
+          </a:prstGeom>
+        </p:spPr>
+        <p:txBody>
+          <a:bodyPr wrap="none">
+            <a:spAutoFit/>
+          </a:bodyPr>
+          <a:lstStyle/>
+          <a:p>
+            <a:r>
+              <a:rPr lang="ja-JP" altLang="en-US" dirty="0">
+                <a:hlinkClick r:id="rId3" action="ppaction://hlinksldjump"/>
+              </a:rPr>
+              <a:t>← </a:t>
+            </a:r>
+            <a:r>
+              <a:rPr lang="en-US" altLang="ja-JP" dirty="0" smtClean="0">
+                <a:hlinkClick r:id="rId3" action="ppaction://hlinksldjump"/>
+              </a:rPr>
+              <a:t>Index</a:t>
+            </a:r>
+            <a:endParaRPr lang="ja-JP" altLang="en-US" dirty="0"/>
           </a:p>
         </p:txBody>
       </p:sp>
@@ -25884,6 +27080,13 @@
   <p:clrMapOvr>
     <a:masterClrMapping/>
   </p:clrMapOvr>
+  <p:timing>
+    <p:tnLst>
+      <p:par>
+        <p:cTn id="1" dur="indefinite" restart="never" nodeType="tmRoot"/>
+      </p:par>
+    </p:tnLst>
+  </p:timing>
 </p:sld>
 </file>
 
@@ -25968,7 +27171,7 @@
         </p:nvSpPr>
         <p:spPr>
           <a:xfrm>
-            <a:off x="457200" y="274638"/>
+            <a:off x="457200" y="346646"/>
             <a:ext cx="8229600" cy="634082"/>
           </a:xfrm>
           <a:ln>
@@ -26006,7 +27209,7 @@
           <p:cNvPr id="21" name="コンテンツ プレースホルダー 20">
             <a:extLst>
               <a:ext uri="{FF2B5EF4-FFF2-40B4-BE49-F238E27FC236}">
-                <a16:creationId xmlns:a16="http://schemas.microsoft.com/office/drawing/2014/main" id="{7C7EA47F-2F04-42A4-84B4-07F9BBFD1EFB}"/>
+                <a16:creationId xmlns="" xmlns:a16="http://schemas.microsoft.com/office/drawing/2014/main" id="{7C7EA47F-2F04-42A4-84B4-07F9BBFD1EFB}"/>
               </a:ext>
             </a:extLst>
           </p:cNvPr>
@@ -26031,7 +27234,7 @@
           <a:p>
             <a:pPr>
               <a:lnSpc>
-                <a:spcPts val="2500"/>
+                <a:spcPts val="2200"/>
               </a:lnSpc>
               <a:spcBef>
                 <a:spcPts val="0"/>
@@ -26040,35 +27243,35 @@
               <a:buChar char="u"/>
             </a:pPr>
             <a:r>
-              <a:rPr lang="en-US" altLang="ja-JP" sz="1600" dirty="0">
+              <a:rPr lang="en-US" altLang="ja-JP" sz="1800" dirty="0">
                 <a:latin typeface="Meiryo UI" panose="020B0604030504040204" pitchFamily="50" charset="-128"/>
                 <a:ea typeface="Meiryo UI" panose="020B0604030504040204" pitchFamily="50" charset="-128"/>
               </a:rPr>
               <a:t>The site may only list the main license, so basically you need to comply with both </a:t>
             </a:r>
             <a:r>
-              <a:rPr lang="en-US" altLang="ja-JP" sz="1600" dirty="0" err="1">
+              <a:rPr lang="en-US" altLang="ja-JP" sz="1800" dirty="0" err="1">
                 <a:latin typeface="Meiryo UI" panose="020B0604030504040204" pitchFamily="50" charset="-128"/>
                 <a:ea typeface="Meiryo UI" panose="020B0604030504040204" pitchFamily="50" charset="-128"/>
               </a:rPr>
               <a:t>license_A</a:t>
             </a:r>
             <a:r>
-              <a:rPr lang="en-US" altLang="ja-JP" sz="1600" dirty="0">
+              <a:rPr lang="en-US" altLang="ja-JP" sz="1800" dirty="0">
                 <a:latin typeface="Meiryo UI" panose="020B0604030504040204" pitchFamily="50" charset="-128"/>
                 <a:ea typeface="Meiryo UI" panose="020B0604030504040204" pitchFamily="50" charset="-128"/>
               </a:rPr>
               <a:t> and </a:t>
             </a:r>
             <a:r>
-              <a:rPr lang="en-US" altLang="ja-JP" sz="1600" dirty="0" err="1">
+              <a:rPr lang="en-US" altLang="ja-JP" sz="1800" dirty="0" err="1">
                 <a:latin typeface="Meiryo UI" panose="020B0604030504040204" pitchFamily="50" charset="-128"/>
                 <a:ea typeface="Meiryo UI" panose="020B0604030504040204" pitchFamily="50" charset="-128"/>
               </a:rPr>
               <a:t>license_B</a:t>
             </a:r>
             <a:r>
-              <a:rPr lang="en-US" altLang="ja-JP" sz="1600" dirty="0">
+              <a:rPr lang="en-US" altLang="ja-JP" sz="1800" dirty="0">
                 <a:latin typeface="Meiryo UI" panose="020B0604030504040204" pitchFamily="50" charset="-128"/>
                 <a:ea typeface="Meiryo UI" panose="020B0604030504040204" pitchFamily="50" charset="-128"/>
               </a:rPr>
@@ -26078,7 +27281,7 @@
           <a:p>
             <a:pPr>
               <a:lnSpc>
-                <a:spcPts val="2500"/>
+                <a:spcPts val="2200"/>
               </a:lnSpc>
               <a:spcBef>
                 <a:spcPts val="0"/>
@@ -26087,49 +27290,49 @@
               <a:buChar char="u"/>
             </a:pPr>
             <a:r>
-              <a:rPr lang="en-US" altLang="ja-JP" sz="1600" dirty="0">
+              <a:rPr lang="en-US" altLang="ja-JP" sz="1800" dirty="0">
                 <a:latin typeface="Meiryo UI" panose="020B0604030504040204" pitchFamily="50" charset="-128"/>
                 <a:ea typeface="Meiryo UI" panose="020B0604030504040204" pitchFamily="50" charset="-128"/>
               </a:rPr>
               <a:t>However, there are cases where, for example, compliance with both </a:t>
             </a:r>
             <a:r>
-              <a:rPr lang="en-US" altLang="ja-JP" sz="1600" dirty="0" err="1">
+              <a:rPr lang="en-US" altLang="ja-JP" sz="1800" dirty="0" err="1">
                 <a:latin typeface="Meiryo UI" panose="020B0604030504040204" pitchFamily="50" charset="-128"/>
                 <a:ea typeface="Meiryo UI" panose="020B0604030504040204" pitchFamily="50" charset="-128"/>
               </a:rPr>
               <a:t>License_A</a:t>
             </a:r>
             <a:r>
-              <a:rPr lang="en-US" altLang="ja-JP" sz="1600" dirty="0">
+              <a:rPr lang="en-US" altLang="ja-JP" sz="1800" dirty="0">
                 <a:latin typeface="Meiryo UI" panose="020B0604030504040204" pitchFamily="50" charset="-128"/>
                 <a:ea typeface="Meiryo UI" panose="020B0604030504040204" pitchFamily="50" charset="-128"/>
               </a:rPr>
               <a:t> and </a:t>
             </a:r>
             <a:r>
-              <a:rPr lang="en-US" altLang="ja-JP" sz="1600" dirty="0" err="1">
+              <a:rPr lang="en-US" altLang="ja-JP" sz="1800" dirty="0" err="1">
                 <a:latin typeface="Meiryo UI" panose="020B0604030504040204" pitchFamily="50" charset="-128"/>
                 <a:ea typeface="Meiryo UI" panose="020B0604030504040204" pitchFamily="50" charset="-128"/>
               </a:rPr>
               <a:t>License_B</a:t>
             </a:r>
             <a:r>
-              <a:rPr lang="en-US" altLang="ja-JP" sz="1600" dirty="0">
+              <a:rPr lang="en-US" altLang="ja-JP" sz="1800" dirty="0">
                 <a:latin typeface="Meiryo UI" panose="020B0604030504040204" pitchFamily="50" charset="-128"/>
                 <a:ea typeface="Meiryo UI" panose="020B0604030504040204" pitchFamily="50" charset="-128"/>
               </a:rPr>
               <a:t> is required, cases of dual licenses, or cases where </a:t>
             </a:r>
             <a:r>
-              <a:rPr lang="en-US" altLang="ja-JP" sz="1600" dirty="0" err="1">
+              <a:rPr lang="en-US" altLang="ja-JP" sz="1800" dirty="0" err="1">
                 <a:latin typeface="Meiryo UI" panose="020B0604030504040204" pitchFamily="50" charset="-128"/>
                 <a:ea typeface="Meiryo UI" panose="020B0604030504040204" pitchFamily="50" charset="-128"/>
               </a:rPr>
               <a:t>License_B</a:t>
             </a:r>
             <a:r>
-              <a:rPr lang="en-US" altLang="ja-JP" sz="1600" dirty="0">
+              <a:rPr lang="en-US" altLang="ja-JP" sz="1800" dirty="0">
                 <a:latin typeface="Meiryo UI" panose="020B0604030504040204" pitchFamily="50" charset="-128"/>
                 <a:ea typeface="Meiryo UI" panose="020B0604030504040204" pitchFamily="50" charset="-128"/>
               </a:rPr>
@@ -26139,7 +27342,7 @@
           <a:p>
             <a:pPr>
               <a:lnSpc>
-                <a:spcPts val="2500"/>
+                <a:spcPts val="2200"/>
               </a:lnSpc>
               <a:spcBef>
                 <a:spcPts val="0"/>
@@ -26148,49 +27351,49 @@
               <a:buChar char="u"/>
             </a:pPr>
             <a:r>
-              <a:rPr lang="en-US" altLang="ja-JP" sz="1600" dirty="0">
+              <a:rPr lang="en-US" altLang="ja-JP" sz="1800" dirty="0">
                 <a:latin typeface="Meiryo UI" panose="020B0604030504040204" pitchFamily="50" charset="-128"/>
                 <a:ea typeface="Meiryo UI" panose="020B0604030504040204" pitchFamily="50" charset="-128"/>
               </a:rPr>
               <a:t>This time, you mentioned that </a:t>
             </a:r>
             <a:r>
-              <a:rPr lang="en-US" altLang="ja-JP" sz="1600" dirty="0" err="1">
+              <a:rPr lang="en-US" altLang="ja-JP" sz="1800" dirty="0" err="1">
                 <a:latin typeface="Meiryo UI" panose="020B0604030504040204" pitchFamily="50" charset="-128"/>
                 <a:ea typeface="Meiryo UI" panose="020B0604030504040204" pitchFamily="50" charset="-128"/>
               </a:rPr>
               <a:t>License_B</a:t>
             </a:r>
             <a:r>
-              <a:rPr lang="en-US" altLang="ja-JP" sz="1600" dirty="0">
+              <a:rPr lang="en-US" altLang="ja-JP" sz="1800" dirty="0">
                 <a:latin typeface="Meiryo UI" panose="020B0604030504040204" pitchFamily="50" charset="-128"/>
                 <a:ea typeface="Meiryo UI" panose="020B0604030504040204" pitchFamily="50" charset="-128"/>
               </a:rPr>
               <a:t> is listed in addition to </a:t>
             </a:r>
             <a:r>
-              <a:rPr lang="en-US" altLang="ja-JP" sz="1600" dirty="0" err="1">
+              <a:rPr lang="en-US" altLang="ja-JP" sz="1800" dirty="0" err="1">
                 <a:latin typeface="Meiryo UI" panose="020B0604030504040204" pitchFamily="50" charset="-128"/>
                 <a:ea typeface="Meiryo UI" panose="020B0604030504040204" pitchFamily="50" charset="-128"/>
               </a:rPr>
               <a:t>License_A</a:t>
             </a:r>
             <a:r>
-              <a:rPr lang="en-US" altLang="ja-JP" sz="1600" dirty="0">
+              <a:rPr lang="en-US" altLang="ja-JP" sz="1800" dirty="0">
                 <a:latin typeface="Meiryo UI" panose="020B0604030504040204" pitchFamily="50" charset="-128"/>
                 <a:ea typeface="Meiryo UI" panose="020B0604030504040204" pitchFamily="50" charset="-128"/>
               </a:rPr>
               <a:t>. Please check why and how </a:t>
             </a:r>
             <a:r>
-              <a:rPr lang="en-US" altLang="ja-JP" sz="1600" dirty="0" err="1">
+              <a:rPr lang="en-US" altLang="ja-JP" sz="1800" dirty="0" err="1">
                 <a:latin typeface="Meiryo UI" panose="020B0604030504040204" pitchFamily="50" charset="-128"/>
                 <a:ea typeface="Meiryo UI" panose="020B0604030504040204" pitchFamily="50" charset="-128"/>
               </a:rPr>
               <a:t>License_B</a:t>
             </a:r>
             <a:r>
-              <a:rPr lang="en-US" altLang="ja-JP" sz="1600" dirty="0">
+              <a:rPr lang="en-US" altLang="ja-JP" sz="1800" dirty="0">
                 <a:latin typeface="Meiryo UI" panose="020B0604030504040204" pitchFamily="50" charset="-128"/>
                 <a:ea typeface="Meiryo UI" panose="020B0604030504040204" pitchFamily="50" charset="-128"/>
               </a:rPr>
@@ -26230,8 +27433,8 @@
         </p:nvSpPr>
         <p:spPr>
           <a:xfrm>
-            <a:off x="467544" y="1312949"/>
-            <a:ext cx="8280920" cy="1564942"/>
+            <a:off x="467544" y="1484783"/>
+            <a:ext cx="8280920" cy="1393107"/>
           </a:xfrm>
           <a:prstGeom prst="roundRect">
             <a:avLst/>
@@ -26408,7 +27611,7 @@
           <p:cNvPr id="11" name="テキスト ボックス 10">
             <a:extLst>
               <a:ext uri="{FF2B5EF4-FFF2-40B4-BE49-F238E27FC236}">
-                <a16:creationId xmlns:a16="http://schemas.microsoft.com/office/drawing/2014/main" id="{1F3C87A8-C9D5-403A-9141-1BF329374B2F}"/>
+                <a16:creationId xmlns="" xmlns:a16="http://schemas.microsoft.com/office/drawing/2014/main" id="{1F3C87A8-C9D5-403A-9141-1BF329374B2F}"/>
               </a:ext>
             </a:extLst>
           </p:cNvPr>
@@ -26464,7 +27667,7 @@
           <p:cNvPr id="12" name="テキスト ボックス 11">
             <a:extLst>
               <a:ext uri="{FF2B5EF4-FFF2-40B4-BE49-F238E27FC236}">
-                <a16:creationId xmlns:a16="http://schemas.microsoft.com/office/drawing/2014/main" id="{24F0EDEF-029D-495E-A67A-C555ABF10C90}"/>
+                <a16:creationId xmlns="" xmlns:a16="http://schemas.microsoft.com/office/drawing/2014/main" id="{24F0EDEF-029D-495E-A67A-C555ABF10C90}"/>
               </a:ext>
             </a:extLst>
           </p:cNvPr>
@@ -26473,7 +27676,7 @@
         </p:nvSpPr>
         <p:spPr>
           <a:xfrm>
-            <a:off x="113828" y="476672"/>
+            <a:off x="113828" y="613137"/>
             <a:ext cx="2808782" cy="1015663"/>
           </a:xfrm>
           <a:prstGeom prst="rect">
@@ -26525,7 +27728,7 @@
           <p:cNvPr id="13" name="テキスト ボックス 12">
             <a:extLst>
               <a:ext uri="{FF2B5EF4-FFF2-40B4-BE49-F238E27FC236}">
-                <a16:creationId xmlns:a16="http://schemas.microsoft.com/office/drawing/2014/main" id="{781F96EC-E865-43D7-B9AA-97413AD2BCE2}"/>
+                <a16:creationId xmlns="" xmlns:a16="http://schemas.microsoft.com/office/drawing/2014/main" id="{781F96EC-E865-43D7-B9AA-97413AD2BCE2}"/>
               </a:ext>
             </a:extLst>
           </p:cNvPr>
@@ -26630,7 +27833,7 @@
           <p:cNvPr id="20" name="スライド番号プレースホルダー 19">
             <a:extLst>
               <a:ext uri="{FF2B5EF4-FFF2-40B4-BE49-F238E27FC236}">
-                <a16:creationId xmlns:a16="http://schemas.microsoft.com/office/drawing/2014/main" id="{48DE470D-D279-4C54-9B45-1DB5E048AFBF}"/>
+                <a16:creationId xmlns="" xmlns:a16="http://schemas.microsoft.com/office/drawing/2014/main" id="{48DE470D-D279-4C54-9B45-1DB5E048AFBF}"/>
               </a:ext>
             </a:extLst>
           </p:cNvPr>
@@ -26651,6 +27854,43 @@
               <a:t>36</a:t>
             </a:fld>
             <a:endParaRPr kumimoji="1" lang="ja-JP" altLang="en-US"/>
+          </a:p>
+        </p:txBody>
+      </p:sp>
+      <p:sp>
+        <p:nvSpPr>
+          <p:cNvPr id="14" name="正方形/長方形 13"/>
+          <p:cNvSpPr/>
+          <p:nvPr/>
+        </p:nvSpPr>
+        <p:spPr>
+          <a:xfrm>
+            <a:off x="189082" y="13496"/>
+            <a:ext cx="958660" cy="369332"/>
+          </a:xfrm>
+          <a:prstGeom prst="rect">
+            <a:avLst/>
+          </a:prstGeom>
+        </p:spPr>
+        <p:txBody>
+          <a:bodyPr wrap="none">
+            <a:spAutoFit/>
+          </a:bodyPr>
+          <a:lstStyle/>
+          <a:p>
+            <a:r>
+              <a:rPr lang="ja-JP" altLang="en-US" dirty="0">
+                <a:hlinkClick r:id="rId3" action="ppaction://hlinksldjump"/>
+              </a:rPr>
+              <a:t>← </a:t>
+            </a:r>
+            <a:r>
+              <a:rPr lang="en-US" altLang="ja-JP" dirty="0" smtClean="0">
+                <a:hlinkClick r:id="rId3" action="ppaction://hlinksldjump"/>
+              </a:rPr>
+              <a:t>Index</a:t>
+            </a:r>
+            <a:endParaRPr lang="ja-JP" altLang="en-US" dirty="0"/>
           </a:p>
         </p:txBody>
       </p:sp>
@@ -26748,7 +27988,7 @@
         </p:nvSpPr>
         <p:spPr>
           <a:xfrm>
-            <a:off x="457200" y="270863"/>
+            <a:off x="457200" y="342871"/>
             <a:ext cx="8229600" cy="709865"/>
           </a:xfrm>
           <a:ln>
@@ -26766,7 +28006,7 @@
           <a:lstStyle/>
           <a:p>
             <a:r>
-              <a:rPr kumimoji="1" lang="en-US" altLang="ja-JP" sz="1800" dirty="0">
+              <a:rPr kumimoji="1" lang="en-US" altLang="ja-JP" sz="2400" dirty="0">
                 <a:latin typeface="Meiryo UI" panose="020B0604030504040204" pitchFamily="50" charset="-128"/>
                 <a:ea typeface="Meiryo UI" panose="020B0604030504040204" pitchFamily="50" charset="-128"/>
                 <a:cs typeface="Meiryo UI" panose="020B0604030504040204" pitchFamily="50" charset="-128"/>
@@ -26774,14 +28014,14 @@
               <a:t>Can we avoid confor</a:t>
             </a:r>
             <a:r>
-              <a:rPr lang="en-US" altLang="ja-JP" sz="1800" dirty="0">
+              <a:rPr lang="en-US" altLang="ja-JP" sz="2400" dirty="0">
                 <a:latin typeface="Meiryo UI" panose="020B0604030504040204" pitchFamily="50" charset="-128"/>
                 <a:ea typeface="Meiryo UI" panose="020B0604030504040204" pitchFamily="50" charset="-128"/>
                 <a:cs typeface="Meiryo UI" panose="020B0604030504040204" pitchFamily="50" charset="-128"/>
               </a:rPr>
               <a:t>ming to the license when the OSS is embedded?</a:t>
             </a:r>
-            <a:endParaRPr kumimoji="1" lang="ja-JP" altLang="en-US" sz="1800" dirty="0">
+            <a:endParaRPr kumimoji="1" lang="ja-JP" altLang="en-US" sz="2400" dirty="0">
               <a:latin typeface="Meiryo UI" panose="020B0604030504040204" pitchFamily="50" charset="-128"/>
               <a:ea typeface="Meiryo UI" panose="020B0604030504040204" pitchFamily="50" charset="-128"/>
               <a:cs typeface="Meiryo UI" panose="020B0604030504040204" pitchFamily="50" charset="-128"/>
@@ -26820,8 +28060,8 @@
         </p:nvSpPr>
         <p:spPr>
           <a:xfrm>
-            <a:off x="467544" y="1412776"/>
-            <a:ext cx="8280920" cy="1485692"/>
+            <a:off x="467544" y="1560504"/>
+            <a:ext cx="8280920" cy="1337964"/>
           </a:xfrm>
           <a:prstGeom prst="roundRect">
             <a:avLst/>
@@ -26865,7 +28105,7 @@
               </a:spcAft>
             </a:pPr>
             <a:r>
-              <a:rPr lang="ja-JP" altLang="en-US" sz="2000" dirty="0">
+              <a:rPr lang="ja-JP" altLang="en-US" dirty="0">
                 <a:solidFill>
                   <a:schemeClr val="tx1"/>
                 </a:solidFill>
@@ -26876,7 +28116,7 @@
               <a:t>　</a:t>
             </a:r>
             <a:r>
-              <a:rPr lang="en-US" altLang="ja-JP" sz="2000" dirty="0">
+              <a:rPr lang="en-US" altLang="ja-JP" dirty="0">
                 <a:solidFill>
                   <a:schemeClr val="tx1"/>
                 </a:solidFill>
@@ -26886,7 +28126,7 @@
               </a:rPr>
               <a:t>We embedded OSS in our products. Considering that our users cannot retrieve any code embedded in the product, can we insist we virtually do not redistribute OSS?</a:t>
             </a:r>
-            <a:endParaRPr lang="ja-JP" altLang="en-US" sz="2000" dirty="0">
+            <a:endParaRPr lang="ja-JP" altLang="en-US" dirty="0">
               <a:solidFill>
                 <a:schemeClr val="tx1"/>
               </a:solidFill>
@@ -27012,7 +28252,7 @@
           <p:cNvPr id="12" name="テキスト ボックス 11">
             <a:extLst>
               <a:ext uri="{FF2B5EF4-FFF2-40B4-BE49-F238E27FC236}">
-                <a16:creationId xmlns:a16="http://schemas.microsoft.com/office/drawing/2014/main" id="{FF510B5E-E0AA-4B2A-8D36-638BFA602D68}"/>
+                <a16:creationId xmlns="" xmlns:a16="http://schemas.microsoft.com/office/drawing/2014/main" id="{FF510B5E-E0AA-4B2A-8D36-638BFA602D68}"/>
               </a:ext>
             </a:extLst>
           </p:cNvPr>
@@ -27021,7 +28261,7 @@
         </p:nvSpPr>
         <p:spPr>
           <a:xfrm>
-            <a:off x="113828" y="692696"/>
+            <a:off x="113828" y="777478"/>
             <a:ext cx="2545890" cy="923330"/>
           </a:xfrm>
           <a:prstGeom prst="rect">
@@ -27073,7 +28313,7 @@
           <p:cNvPr id="13" name="テキスト ボックス 12">
             <a:extLst>
               <a:ext uri="{FF2B5EF4-FFF2-40B4-BE49-F238E27FC236}">
-                <a16:creationId xmlns:a16="http://schemas.microsoft.com/office/drawing/2014/main" id="{0C28627F-2471-4D5B-9F1C-638D6BDE634D}"/>
+                <a16:creationId xmlns="" xmlns:a16="http://schemas.microsoft.com/office/drawing/2014/main" id="{0C28627F-2471-4D5B-9F1C-638D6BDE634D}"/>
               </a:ext>
             </a:extLst>
           </p:cNvPr>
@@ -27134,7 +28374,7 @@
           <p:cNvPr id="8" name="コンテンツ プレースホルダー 7">
             <a:extLst>
               <a:ext uri="{FF2B5EF4-FFF2-40B4-BE49-F238E27FC236}">
-                <a16:creationId xmlns:a16="http://schemas.microsoft.com/office/drawing/2014/main" id="{901C7EE4-8C22-446D-A06A-BF60C309A9EE}"/>
+                <a16:creationId xmlns="" xmlns:a16="http://schemas.microsoft.com/office/drawing/2014/main" id="{901C7EE4-8C22-446D-A06A-BF60C309A9EE}"/>
               </a:ext>
             </a:extLst>
           </p:cNvPr>
@@ -27168,7 +28408,7 @@
               <a:buChar char="u"/>
             </a:pPr>
             <a:r>
-              <a:rPr lang="en-US" altLang="ja-JP" sz="2000" dirty="0">
+              <a:rPr lang="en-US" altLang="ja-JP" sz="1800" dirty="0">
                 <a:latin typeface="Meiryo UI" panose="020B0604030504040204" pitchFamily="50" charset="-128"/>
                 <a:ea typeface="Meiryo UI" panose="020B0604030504040204" pitchFamily="50" charset="-128"/>
               </a:rPr>
@@ -27187,13 +28427,13 @@
               <a:buChar char="u"/>
             </a:pPr>
             <a:r>
-              <a:rPr lang="en-US" altLang="ja-JP" sz="2000" dirty="0">
+              <a:rPr lang="en-US" altLang="ja-JP" sz="1800" dirty="0">
                 <a:latin typeface="Meiryo UI" panose="020B0604030504040204" pitchFamily="50" charset="-128"/>
                 <a:ea typeface="Meiryo UI" panose="020B0604030504040204" pitchFamily="50" charset="-128"/>
               </a:rPr>
               <a:t>As such, you are bound by the licensing conditions of the OSS you have redistributed. </a:t>
             </a:r>
-            <a:endParaRPr lang="ja-JP" altLang="en-US" sz="2000" dirty="0">
+            <a:endParaRPr lang="ja-JP" altLang="en-US" sz="1800" dirty="0">
               <a:latin typeface="Meiryo UI" panose="020B0604030504040204" pitchFamily="50" charset="-128"/>
               <a:ea typeface="Meiryo UI" panose="020B0604030504040204" pitchFamily="50" charset="-128"/>
             </a:endParaRPr>
@@ -27205,7 +28445,7 @@
           <p:cNvPr id="21" name="スライド番号プレースホルダー 20">
             <a:extLst>
               <a:ext uri="{FF2B5EF4-FFF2-40B4-BE49-F238E27FC236}">
-                <a16:creationId xmlns:a16="http://schemas.microsoft.com/office/drawing/2014/main" id="{6B57C64E-6BBE-4F25-9F7D-FDB4D5A0388E}"/>
+                <a16:creationId xmlns="" xmlns:a16="http://schemas.microsoft.com/office/drawing/2014/main" id="{6B57C64E-6BBE-4F25-9F7D-FDB4D5A0388E}"/>
               </a:ext>
             </a:extLst>
           </p:cNvPr>
@@ -27226,6 +28466,43 @@
               <a:t>37</a:t>
             </a:fld>
             <a:endParaRPr kumimoji="1" lang="ja-JP" altLang="en-US"/>
+          </a:p>
+        </p:txBody>
+      </p:sp>
+      <p:sp>
+        <p:nvSpPr>
+          <p:cNvPr id="15" name="正方形/長方形 14"/>
+          <p:cNvSpPr/>
+          <p:nvPr/>
+        </p:nvSpPr>
+        <p:spPr>
+          <a:xfrm>
+            <a:off x="189082" y="13496"/>
+            <a:ext cx="958660" cy="369332"/>
+          </a:xfrm>
+          <a:prstGeom prst="rect">
+            <a:avLst/>
+          </a:prstGeom>
+        </p:spPr>
+        <p:txBody>
+          <a:bodyPr wrap="none">
+            <a:spAutoFit/>
+          </a:bodyPr>
+          <a:lstStyle/>
+          <a:p>
+            <a:r>
+              <a:rPr lang="ja-JP" altLang="en-US" dirty="0">
+                <a:hlinkClick r:id="rId3" action="ppaction://hlinksldjump"/>
+              </a:rPr>
+              <a:t>← </a:t>
+            </a:r>
+            <a:r>
+              <a:rPr lang="en-US" altLang="ja-JP" dirty="0" smtClean="0">
+                <a:hlinkClick r:id="rId3" action="ppaction://hlinksldjump"/>
+              </a:rPr>
+              <a:t>Index</a:t>
+            </a:r>
+            <a:endParaRPr lang="ja-JP" altLang="en-US" dirty="0"/>
           </a:p>
         </p:txBody>
       </p:sp>
@@ -27323,8 +28600,8 @@
         </p:nvSpPr>
         <p:spPr>
           <a:xfrm>
-            <a:off x="395536" y="199366"/>
-            <a:ext cx="8424936" cy="853370"/>
+            <a:off x="395536" y="343382"/>
+            <a:ext cx="8424936" cy="732002"/>
           </a:xfrm>
           <a:ln>
             <a:solidFill>
@@ -27367,7 +28644,7 @@
         </p:nvSpPr>
         <p:spPr>
           <a:xfrm>
-            <a:off x="395536" y="4012617"/>
+            <a:off x="457200" y="4012617"/>
             <a:ext cx="8291264" cy="2296703"/>
           </a:xfrm>
         </p:spPr>
@@ -27447,8 +28724,8 @@
         </p:nvSpPr>
         <p:spPr>
           <a:xfrm>
-            <a:off x="467544" y="1412776"/>
-            <a:ext cx="8280920" cy="1584176"/>
+            <a:off x="467544" y="1527404"/>
+            <a:ext cx="8280920" cy="1469547"/>
           </a:xfrm>
           <a:prstGeom prst="roundRect">
             <a:avLst>
@@ -27583,7 +28860,7 @@
           <p:cNvPr id="11" name="テキスト ボックス 10">
             <a:extLst>
               <a:ext uri="{FF2B5EF4-FFF2-40B4-BE49-F238E27FC236}">
-                <a16:creationId xmlns:a16="http://schemas.microsoft.com/office/drawing/2014/main" id="{1F3C87A8-C9D5-403A-9141-1BF329374B2F}"/>
+                <a16:creationId xmlns="" xmlns:a16="http://schemas.microsoft.com/office/drawing/2014/main" id="{1F3C87A8-C9D5-403A-9141-1BF329374B2F}"/>
               </a:ext>
             </a:extLst>
           </p:cNvPr>
@@ -27646,7 +28923,7 @@
           <p:cNvPr id="12" name="テキスト ボックス 11">
             <a:extLst>
               <a:ext uri="{FF2B5EF4-FFF2-40B4-BE49-F238E27FC236}">
-                <a16:creationId xmlns:a16="http://schemas.microsoft.com/office/drawing/2014/main" id="{24F0EDEF-029D-495E-A67A-C555ABF10C90}"/>
+                <a16:creationId xmlns="" xmlns:a16="http://schemas.microsoft.com/office/drawing/2014/main" id="{24F0EDEF-029D-495E-A67A-C555ABF10C90}"/>
               </a:ext>
             </a:extLst>
           </p:cNvPr>
@@ -27655,7 +28932,7 @@
         </p:nvSpPr>
         <p:spPr>
           <a:xfrm>
-            <a:off x="35496" y="541129"/>
+            <a:off x="35496" y="692696"/>
             <a:ext cx="2808782" cy="1015663"/>
           </a:xfrm>
           <a:prstGeom prst="rect">
@@ -27707,7 +28984,7 @@
           <p:cNvPr id="13" name="テキスト ボックス 12">
             <a:extLst>
               <a:ext uri="{FF2B5EF4-FFF2-40B4-BE49-F238E27FC236}">
-                <a16:creationId xmlns:a16="http://schemas.microsoft.com/office/drawing/2014/main" id="{781F96EC-E865-43D7-B9AA-97413AD2BCE2}"/>
+                <a16:creationId xmlns="" xmlns:a16="http://schemas.microsoft.com/office/drawing/2014/main" id="{781F96EC-E865-43D7-B9AA-97413AD2BCE2}"/>
               </a:ext>
             </a:extLst>
           </p:cNvPr>
@@ -27768,7 +29045,7 @@
           <p:cNvPr id="21" name="スライド番号プレースホルダー 20">
             <a:extLst>
               <a:ext uri="{FF2B5EF4-FFF2-40B4-BE49-F238E27FC236}">
-                <a16:creationId xmlns:a16="http://schemas.microsoft.com/office/drawing/2014/main" id="{D1DE015F-C5F0-4759-B79A-C1563036219A}"/>
+                <a16:creationId xmlns="" xmlns:a16="http://schemas.microsoft.com/office/drawing/2014/main" id="{D1DE015F-C5F0-4759-B79A-C1563036219A}"/>
               </a:ext>
             </a:extLst>
           </p:cNvPr>
@@ -27789,6 +29066,43 @@
               <a:t>38</a:t>
             </a:fld>
             <a:endParaRPr kumimoji="1" lang="ja-JP" altLang="en-US"/>
+          </a:p>
+        </p:txBody>
+      </p:sp>
+      <p:sp>
+        <p:nvSpPr>
+          <p:cNvPr id="15" name="正方形/長方形 14"/>
+          <p:cNvSpPr/>
+          <p:nvPr/>
+        </p:nvSpPr>
+        <p:spPr>
+          <a:xfrm>
+            <a:off x="189082" y="13496"/>
+            <a:ext cx="958660" cy="369332"/>
+          </a:xfrm>
+          <a:prstGeom prst="rect">
+            <a:avLst/>
+          </a:prstGeom>
+        </p:spPr>
+        <p:txBody>
+          <a:bodyPr wrap="none">
+            <a:spAutoFit/>
+          </a:bodyPr>
+          <a:lstStyle/>
+          <a:p>
+            <a:r>
+              <a:rPr lang="ja-JP" altLang="en-US" dirty="0">
+                <a:hlinkClick r:id="rId3" action="ppaction://hlinksldjump"/>
+              </a:rPr>
+              <a:t>← </a:t>
+            </a:r>
+            <a:r>
+              <a:rPr lang="en-US" altLang="ja-JP" dirty="0" smtClean="0">
+                <a:hlinkClick r:id="rId3" action="ppaction://hlinksldjump"/>
+              </a:rPr>
+              <a:t>Index</a:t>
+            </a:r>
+            <a:endParaRPr lang="ja-JP" altLang="en-US" dirty="0"/>
           </a:p>
         </p:txBody>
       </p:sp>
@@ -27827,7 +29141,7 @@
           <p:cNvPr id="5" name="テキスト ボックス 4">
             <a:extLst>
               <a:ext uri="{FF2B5EF4-FFF2-40B4-BE49-F238E27FC236}">
-                <a16:creationId xmlns:a16="http://schemas.microsoft.com/office/drawing/2014/main" id="{766F598E-5490-4DAB-AEBD-70F978EAC1FD}"/>
+                <a16:creationId xmlns="" xmlns:a16="http://schemas.microsoft.com/office/drawing/2014/main" id="{766F598E-5490-4DAB-AEBD-70F978EAC1FD}"/>
               </a:ext>
             </a:extLst>
           </p:cNvPr>
@@ -27936,7 +29250,7 @@
         </p:nvSpPr>
         <p:spPr>
           <a:xfrm>
-            <a:off x="467544" y="116633"/>
+            <a:off x="467544" y="404664"/>
             <a:ext cx="8229600" cy="576064"/>
           </a:xfrm>
           <a:ln>
@@ -27954,14 +29268,14 @@
           <a:lstStyle/>
           <a:p>
             <a:r>
-              <a:rPr lang="en-US" altLang="ja-JP" sz="2800" dirty="0">
+              <a:rPr lang="en-US" altLang="ja-JP" sz="2400" dirty="0">
                 <a:latin typeface="Meiryo UI" panose="020B0604030504040204" pitchFamily="50" charset="-128"/>
                 <a:ea typeface="Meiryo UI" panose="020B0604030504040204" pitchFamily="50" charset="-128"/>
                 <a:cs typeface="Meiryo UI" panose="020B0604030504040204" pitchFamily="50" charset="-128"/>
               </a:rPr>
               <a:t>Can I use OSS for commercial purposes?</a:t>
             </a:r>
-            <a:endParaRPr kumimoji="1" lang="ja-JP" altLang="en-US" sz="2800" dirty="0">
+            <a:endParaRPr kumimoji="1" lang="ja-JP" altLang="en-US" sz="2400" dirty="0">
               <a:latin typeface="Meiryo UI" panose="020B0604030504040204" pitchFamily="50" charset="-128"/>
               <a:ea typeface="Meiryo UI" panose="020B0604030504040204" pitchFamily="50" charset="-128"/>
               <a:cs typeface="Meiryo UI" panose="020B0604030504040204" pitchFamily="50" charset="-128"/>
@@ -28121,8 +29435,8 @@
         </p:nvSpPr>
         <p:spPr>
           <a:xfrm>
-            <a:off x="467544" y="1340768"/>
-            <a:ext cx="8280920" cy="1008112"/>
+            <a:off x="467544" y="1492334"/>
+            <a:ext cx="8280920" cy="856545"/>
           </a:xfrm>
           <a:prstGeom prst="roundRect">
             <a:avLst/>
@@ -28226,7 +29540,7 @@
           <p:cNvPr id="11" name="テキスト ボックス 10">
             <a:extLst>
               <a:ext uri="{FF2B5EF4-FFF2-40B4-BE49-F238E27FC236}">
-                <a16:creationId xmlns:a16="http://schemas.microsoft.com/office/drawing/2014/main" id="{835C3C2C-554B-4C56-AB69-EC9C3DA36C24}"/>
+                <a16:creationId xmlns="" xmlns:a16="http://schemas.microsoft.com/office/drawing/2014/main" id="{835C3C2C-554B-4C56-AB69-EC9C3DA36C24}"/>
               </a:ext>
             </a:extLst>
           </p:cNvPr>
@@ -28235,7 +29549,7 @@
         </p:nvSpPr>
         <p:spPr>
           <a:xfrm>
-            <a:off x="113828" y="476672"/>
+            <a:off x="113828" y="613137"/>
             <a:ext cx="2808782" cy="1015663"/>
           </a:xfrm>
           <a:prstGeom prst="rect">
@@ -28287,7 +29601,7 @@
           <p:cNvPr id="12" name="テキスト ボックス 11">
             <a:extLst>
               <a:ext uri="{FF2B5EF4-FFF2-40B4-BE49-F238E27FC236}">
-                <a16:creationId xmlns:a16="http://schemas.microsoft.com/office/drawing/2014/main" id="{45C9368F-5EDF-436F-A41C-8E0113EB0399}"/>
+                <a16:creationId xmlns="" xmlns:a16="http://schemas.microsoft.com/office/drawing/2014/main" id="{45C9368F-5EDF-436F-A41C-8E0113EB0399}"/>
               </a:ext>
             </a:extLst>
           </p:cNvPr>
@@ -28392,7 +29706,7 @@
           <p:cNvPr id="21" name="スライド番号プレースホルダー 20">
             <a:extLst>
               <a:ext uri="{FF2B5EF4-FFF2-40B4-BE49-F238E27FC236}">
-                <a16:creationId xmlns:a16="http://schemas.microsoft.com/office/drawing/2014/main" id="{D9214F9B-45B0-4794-989E-3C76D301D1E8}"/>
+                <a16:creationId xmlns="" xmlns:a16="http://schemas.microsoft.com/office/drawing/2014/main" id="{D9214F9B-45B0-4794-989E-3C76D301D1E8}"/>
               </a:ext>
             </a:extLst>
           </p:cNvPr>
@@ -28413,6 +29727,44 @@
               <a:t>3</a:t>
             </a:fld>
             <a:endParaRPr kumimoji="1" lang="ja-JP" altLang="en-US"/>
+          </a:p>
+        </p:txBody>
+      </p:sp>
+      <p:sp>
+        <p:nvSpPr>
+          <p:cNvPr id="7" name="テキスト ボックス 6"/>
+          <p:cNvSpPr txBox="1"/>
+          <p:nvPr/>
+        </p:nvSpPr>
+        <p:spPr>
+          <a:xfrm>
+            <a:off x="395536" y="35332"/>
+            <a:ext cx="958660" cy="369332"/>
+          </a:xfrm>
+          <a:prstGeom prst="rect">
+            <a:avLst/>
+          </a:prstGeom>
+          <a:noFill/>
+        </p:spPr>
+        <p:txBody>
+          <a:bodyPr wrap="none" rtlCol="0">
+            <a:spAutoFit/>
+          </a:bodyPr>
+          <a:lstStyle/>
+          <a:p>
+            <a:r>
+              <a:rPr lang="ja-JP" altLang="en-US" dirty="0" smtClean="0">
+                <a:hlinkClick r:id="rId4" action="ppaction://hlinksldjump"/>
+              </a:rPr>
+              <a:t>← </a:t>
+            </a:r>
+            <a:r>
+              <a:rPr lang="en-US" altLang="ja-JP" dirty="0" smtClean="0">
+                <a:hlinkClick r:id="rId4" action="ppaction://hlinksldjump"/>
+              </a:rPr>
+              <a:t>Index</a:t>
+            </a:r>
+            <a:endParaRPr kumimoji="1" lang="ja-JP" altLang="en-US" dirty="0"/>
           </a:p>
         </p:txBody>
       </p:sp>
@@ -28454,8 +29806,8 @@
         </p:nvSpPr>
         <p:spPr>
           <a:xfrm>
-            <a:off x="467544" y="2418219"/>
-            <a:ext cx="8280920" cy="3891101"/>
+            <a:off x="467544" y="2564904"/>
+            <a:ext cx="8280920" cy="3744416"/>
           </a:xfrm>
           <a:prstGeom prst="rect">
             <a:avLst/>
@@ -28510,7 +29862,7 @@
         </p:nvSpPr>
         <p:spPr>
           <a:xfrm>
-            <a:off x="395536" y="199366"/>
+            <a:off x="395536" y="363817"/>
             <a:ext cx="8424936" cy="637346"/>
           </a:xfrm>
           <a:ln>
@@ -28575,7 +29927,7 @@
               <a:buChar char="u"/>
             </a:pPr>
             <a:r>
-              <a:rPr lang="en-US" altLang="ja-JP" sz="2000" dirty="0">
+              <a:rPr lang="en-US" altLang="ja-JP" sz="1800" dirty="0">
                 <a:latin typeface="Meiryo UI" panose="020B0604030504040204" pitchFamily="50" charset="-128"/>
                 <a:ea typeface="Meiryo UI" panose="020B0604030504040204" pitchFamily="50" charset="-128"/>
                 <a:cs typeface="Meiryo UI" panose="020B0604030504040204" pitchFamily="50" charset="-128"/>
@@ -28594,13 +29946,13 @@
               <a:buNone/>
             </a:pPr>
             <a:r>
-              <a:rPr lang="ja-JP" altLang="en-US" sz="2000" dirty="0">
+              <a:rPr lang="ja-JP" altLang="en-US" sz="1800" dirty="0">
                 <a:latin typeface="Meiryo UI" panose="020B0604030504040204" pitchFamily="50" charset="-128"/>
                 <a:ea typeface="Meiryo UI" panose="020B0604030504040204" pitchFamily="50" charset="-128"/>
               </a:rPr>
               <a:t> </a:t>
             </a:r>
-            <a:endParaRPr lang="en-US" altLang="ja-JP" sz="2000" dirty="0">
+            <a:endParaRPr lang="en-US" altLang="ja-JP" sz="1800" dirty="0">
               <a:latin typeface="Meiryo UI" panose="020B0604030504040204" pitchFamily="50" charset="-128"/>
               <a:ea typeface="Meiryo UI" panose="020B0604030504040204" pitchFamily="50" charset="-128"/>
               <a:cs typeface="Meiryo UI" panose="020B0604030504040204" pitchFamily="50" charset="-128"/>
@@ -28616,7 +29968,7 @@
         </p:nvSpPr>
         <p:spPr>
           <a:xfrm>
-            <a:off x="467544" y="1340768"/>
+            <a:off x="467544" y="1505219"/>
             <a:ext cx="8280920" cy="915669"/>
           </a:xfrm>
           <a:prstGeom prst="roundRect">
@@ -28661,7 +30013,7 @@
               </a:spcAft>
             </a:pPr>
             <a:r>
-              <a:rPr lang="en-US" altLang="ja-JP" sz="2000" dirty="0">
+              <a:rPr lang="en-US" altLang="ja-JP" dirty="0">
                 <a:solidFill>
                   <a:schemeClr val="tx1"/>
                 </a:solidFill>
@@ -28682,7 +30034,7 @@
         </p:nvSpPr>
         <p:spPr>
           <a:xfrm>
-            <a:off x="3131840" y="2562235"/>
+            <a:off x="3131840" y="2659559"/>
             <a:ext cx="3744416" cy="769441"/>
           </a:xfrm>
           <a:prstGeom prst="rect">
@@ -28746,7 +30098,7 @@
           <p:cNvPr id="11" name="テキスト ボックス 10">
             <a:extLst>
               <a:ext uri="{FF2B5EF4-FFF2-40B4-BE49-F238E27FC236}">
-                <a16:creationId xmlns:a16="http://schemas.microsoft.com/office/drawing/2014/main" id="{1F3C87A8-C9D5-403A-9141-1BF329374B2F}"/>
+                <a16:creationId xmlns="" xmlns:a16="http://schemas.microsoft.com/office/drawing/2014/main" id="{1F3C87A8-C9D5-403A-9141-1BF329374B2F}"/>
               </a:ext>
             </a:extLst>
           </p:cNvPr>
@@ -28795,7 +30147,7 @@
           <p:cNvPr id="12" name="テキスト ボックス 11">
             <a:extLst>
               <a:ext uri="{FF2B5EF4-FFF2-40B4-BE49-F238E27FC236}">
-                <a16:creationId xmlns:a16="http://schemas.microsoft.com/office/drawing/2014/main" id="{24F0EDEF-029D-495E-A67A-C555ABF10C90}"/>
+                <a16:creationId xmlns="" xmlns:a16="http://schemas.microsoft.com/office/drawing/2014/main" id="{24F0EDEF-029D-495E-A67A-C555ABF10C90}"/>
               </a:ext>
             </a:extLst>
           </p:cNvPr>
@@ -28804,7 +30156,7 @@
         </p:nvSpPr>
         <p:spPr>
           <a:xfrm>
-            <a:off x="113828" y="476672"/>
+            <a:off x="113828" y="641123"/>
             <a:ext cx="2808782" cy="1015663"/>
           </a:xfrm>
           <a:prstGeom prst="rect">
@@ -28856,7 +30208,7 @@
           <p:cNvPr id="13" name="テキスト ボックス 12">
             <a:extLst>
               <a:ext uri="{FF2B5EF4-FFF2-40B4-BE49-F238E27FC236}">
-                <a16:creationId xmlns:a16="http://schemas.microsoft.com/office/drawing/2014/main" id="{781F96EC-E865-43D7-B9AA-97413AD2BCE2}"/>
+                <a16:creationId xmlns="" xmlns:a16="http://schemas.microsoft.com/office/drawing/2014/main" id="{781F96EC-E865-43D7-B9AA-97413AD2BCE2}"/>
               </a:ext>
             </a:extLst>
           </p:cNvPr>
@@ -28865,7 +30217,7 @@
         </p:nvSpPr>
         <p:spPr>
           <a:xfrm>
-            <a:off x="403920" y="2132856"/>
+            <a:off x="403920" y="2269321"/>
             <a:ext cx="2401619" cy="1015663"/>
           </a:xfrm>
           <a:prstGeom prst="rect">
@@ -28917,7 +30269,7 @@
           <p:cNvPr id="21" name="スライド番号プレースホルダー 20">
             <a:extLst>
               <a:ext uri="{FF2B5EF4-FFF2-40B4-BE49-F238E27FC236}">
-                <a16:creationId xmlns:a16="http://schemas.microsoft.com/office/drawing/2014/main" id="{714BB5E0-85FD-4ABB-B2A5-3BBB96E6D401}"/>
+                <a16:creationId xmlns="" xmlns:a16="http://schemas.microsoft.com/office/drawing/2014/main" id="{714BB5E0-85FD-4ABB-B2A5-3BBB96E6D401}"/>
               </a:ext>
             </a:extLst>
           </p:cNvPr>
@@ -28938,6 +30290,43 @@
               <a:t>39</a:t>
             </a:fld>
             <a:endParaRPr kumimoji="1" lang="ja-JP" altLang="en-US"/>
+          </a:p>
+        </p:txBody>
+      </p:sp>
+      <p:sp>
+        <p:nvSpPr>
+          <p:cNvPr id="15" name="正方形/長方形 14"/>
+          <p:cNvSpPr/>
+          <p:nvPr/>
+        </p:nvSpPr>
+        <p:spPr>
+          <a:xfrm>
+            <a:off x="189082" y="13496"/>
+            <a:ext cx="958660" cy="369332"/>
+          </a:xfrm>
+          <a:prstGeom prst="rect">
+            <a:avLst/>
+          </a:prstGeom>
+        </p:spPr>
+        <p:txBody>
+          <a:bodyPr wrap="none">
+            <a:spAutoFit/>
+          </a:bodyPr>
+          <a:lstStyle/>
+          <a:p>
+            <a:r>
+              <a:rPr lang="ja-JP" altLang="en-US" dirty="0">
+                <a:hlinkClick r:id="rId3" action="ppaction://hlinksldjump"/>
+              </a:rPr>
+              <a:t>← </a:t>
+            </a:r>
+            <a:r>
+              <a:rPr lang="en-US" altLang="ja-JP" dirty="0" smtClean="0">
+                <a:hlinkClick r:id="rId3" action="ppaction://hlinksldjump"/>
+              </a:rPr>
+              <a:t>Index</a:t>
+            </a:r>
+            <a:endParaRPr lang="ja-JP" altLang="en-US" dirty="0"/>
           </a:p>
         </p:txBody>
       </p:sp>
@@ -29035,7 +30424,7 @@
         </p:nvSpPr>
         <p:spPr>
           <a:xfrm>
-            <a:off x="395536" y="199366"/>
+            <a:off x="395536" y="335831"/>
             <a:ext cx="8424936" cy="637346"/>
           </a:xfrm>
           <a:ln>
@@ -29117,7 +30506,7 @@
               <a:buChar char="u"/>
             </a:pPr>
             <a:r>
-              <a:rPr lang="en-US" altLang="ja-JP" sz="2000" dirty="0">
+              <a:rPr lang="en-US" altLang="ja-JP" sz="1800" dirty="0">
                 <a:latin typeface="Meiryo UI" panose="020B0604030504040204" pitchFamily="50" charset="-128"/>
                 <a:ea typeface="Meiryo UI" panose="020B0604030504040204" pitchFamily="50" charset="-128"/>
                 <a:cs typeface="Meiryo UI" panose="020B0604030504040204" pitchFamily="50" charset="-128"/>
@@ -29137,7 +30526,7 @@
               <a:buChar char="u"/>
             </a:pPr>
             <a:r>
-              <a:rPr lang="en-US" altLang="ja-JP" sz="2000" dirty="0">
+              <a:rPr lang="en-US" altLang="ja-JP" sz="1800" dirty="0">
                 <a:latin typeface="Meiryo UI" panose="020B0604030504040204" pitchFamily="50" charset="-128"/>
                 <a:ea typeface="Meiryo UI" panose="020B0604030504040204" pitchFamily="50" charset="-128"/>
                 <a:cs typeface="Meiryo UI" panose="020B0604030504040204" pitchFamily="50" charset="-128"/>
@@ -29155,8 +30544,8 @@
         </p:nvSpPr>
         <p:spPr>
           <a:xfrm>
-            <a:off x="467544" y="1303357"/>
-            <a:ext cx="8280920" cy="1299884"/>
+            <a:off x="467544" y="1462947"/>
+            <a:ext cx="8280920" cy="1140293"/>
           </a:xfrm>
           <a:prstGeom prst="roundRect">
             <a:avLst/>
@@ -29329,7 +30718,7 @@
           <p:cNvPr id="11" name="テキスト ボックス 10">
             <a:extLst>
               <a:ext uri="{FF2B5EF4-FFF2-40B4-BE49-F238E27FC236}">
-                <a16:creationId xmlns:a16="http://schemas.microsoft.com/office/drawing/2014/main" id="{1F3C87A8-C9D5-403A-9141-1BF329374B2F}"/>
+                <a16:creationId xmlns="" xmlns:a16="http://schemas.microsoft.com/office/drawing/2014/main" id="{1F3C87A8-C9D5-403A-9141-1BF329374B2F}"/>
               </a:ext>
             </a:extLst>
           </p:cNvPr>
@@ -29392,7 +30781,7 @@
           <p:cNvPr id="12" name="テキスト ボックス 11">
             <a:extLst>
               <a:ext uri="{FF2B5EF4-FFF2-40B4-BE49-F238E27FC236}">
-                <a16:creationId xmlns:a16="http://schemas.microsoft.com/office/drawing/2014/main" id="{24F0EDEF-029D-495E-A67A-C555ABF10C90}"/>
+                <a16:creationId xmlns="" xmlns:a16="http://schemas.microsoft.com/office/drawing/2014/main" id="{24F0EDEF-029D-495E-A67A-C555ABF10C90}"/>
               </a:ext>
             </a:extLst>
           </p:cNvPr>
@@ -29401,7 +30790,7 @@
         </p:nvSpPr>
         <p:spPr>
           <a:xfrm>
-            <a:off x="113828" y="476672"/>
+            <a:off x="113828" y="613137"/>
             <a:ext cx="2808782" cy="1015663"/>
           </a:xfrm>
           <a:prstGeom prst="rect">
@@ -29453,7 +30842,7 @@
           <p:cNvPr id="13" name="テキスト ボックス 12">
             <a:extLst>
               <a:ext uri="{FF2B5EF4-FFF2-40B4-BE49-F238E27FC236}">
-                <a16:creationId xmlns:a16="http://schemas.microsoft.com/office/drawing/2014/main" id="{781F96EC-E865-43D7-B9AA-97413AD2BCE2}"/>
+                <a16:creationId xmlns="" xmlns:a16="http://schemas.microsoft.com/office/drawing/2014/main" id="{781F96EC-E865-43D7-B9AA-97413AD2BCE2}"/>
               </a:ext>
             </a:extLst>
           </p:cNvPr>
@@ -29514,7 +30903,7 @@
           <p:cNvPr id="21" name="スライド番号プレースホルダー 20">
             <a:extLst>
               <a:ext uri="{FF2B5EF4-FFF2-40B4-BE49-F238E27FC236}">
-                <a16:creationId xmlns:a16="http://schemas.microsoft.com/office/drawing/2014/main" id="{79B43A25-7F8D-415C-BC34-1CFE19759EEC}"/>
+                <a16:creationId xmlns="" xmlns:a16="http://schemas.microsoft.com/office/drawing/2014/main" id="{79B43A25-7F8D-415C-BC34-1CFE19759EEC}"/>
               </a:ext>
             </a:extLst>
           </p:cNvPr>
@@ -29535,6 +30924,43 @@
               <a:t>40</a:t>
             </a:fld>
             <a:endParaRPr kumimoji="1" lang="ja-JP" altLang="en-US"/>
+          </a:p>
+        </p:txBody>
+      </p:sp>
+      <p:sp>
+        <p:nvSpPr>
+          <p:cNvPr id="15" name="正方形/長方形 14"/>
+          <p:cNvSpPr/>
+          <p:nvPr/>
+        </p:nvSpPr>
+        <p:spPr>
+          <a:xfrm>
+            <a:off x="189082" y="13496"/>
+            <a:ext cx="958660" cy="369332"/>
+          </a:xfrm>
+          <a:prstGeom prst="rect">
+            <a:avLst/>
+          </a:prstGeom>
+        </p:spPr>
+        <p:txBody>
+          <a:bodyPr wrap="none">
+            <a:spAutoFit/>
+          </a:bodyPr>
+          <a:lstStyle/>
+          <a:p>
+            <a:r>
+              <a:rPr lang="ja-JP" altLang="en-US" dirty="0">
+                <a:hlinkClick r:id="rId3" action="ppaction://hlinksldjump"/>
+              </a:rPr>
+              <a:t>← </a:t>
+            </a:r>
+            <a:r>
+              <a:rPr lang="en-US" altLang="ja-JP" dirty="0" smtClean="0">
+                <a:hlinkClick r:id="rId3" action="ppaction://hlinksldjump"/>
+              </a:rPr>
+              <a:t>Index</a:t>
+            </a:r>
+            <a:endParaRPr lang="ja-JP" altLang="en-US" dirty="0"/>
           </a:p>
         </p:txBody>
       </p:sp>
@@ -29576,8 +31002,8 @@
         </p:nvSpPr>
         <p:spPr>
           <a:xfrm>
-            <a:off x="467544" y="2562235"/>
-            <a:ext cx="8280920" cy="3747085"/>
+            <a:off x="467544" y="2827958"/>
+            <a:ext cx="8280920" cy="3481362"/>
           </a:xfrm>
           <a:prstGeom prst="rect">
             <a:avLst/>
@@ -29632,8 +31058,8 @@
         </p:nvSpPr>
         <p:spPr>
           <a:xfrm>
-            <a:off x="395536" y="199366"/>
-            <a:ext cx="8424936" cy="637346"/>
+            <a:off x="395536" y="365718"/>
+            <a:ext cx="8424936" cy="759026"/>
           </a:xfrm>
           <a:ln>
             <a:solidFill>
@@ -29672,8 +31098,8 @@
         </p:nvSpPr>
         <p:spPr>
           <a:xfrm>
-            <a:off x="467544" y="3603681"/>
-            <a:ext cx="8291264" cy="2671845"/>
+            <a:off x="467544" y="3689512"/>
+            <a:ext cx="8291264" cy="2619808"/>
           </a:xfrm>
         </p:spPr>
         <p:txBody>
@@ -29690,7 +31116,7 @@
               <a:buChar char="u"/>
             </a:pPr>
             <a:r>
-              <a:rPr lang="en-US" altLang="ja-JP" sz="1600" dirty="0">
+              <a:rPr lang="en-US" altLang="ja-JP" sz="1700" dirty="0">
                 <a:latin typeface="Meiryo UI" panose="020B0604030504040204" pitchFamily="50" charset="-128"/>
                 <a:ea typeface="Meiryo UI" panose="020B0604030504040204" pitchFamily="50" charset="-128"/>
               </a:rPr>
@@ -29706,7 +31132,7 @@
               <a:buChar char="u"/>
             </a:pPr>
             <a:r>
-              <a:rPr lang="en-US" altLang="ja-JP" sz="1600" dirty="0">
+              <a:rPr lang="en-US" altLang="ja-JP" sz="1700" dirty="0">
                 <a:latin typeface="Meiryo UI" panose="020B0604030504040204" pitchFamily="50" charset="-128"/>
                 <a:ea typeface="Meiryo UI" panose="020B0604030504040204" pitchFamily="50" charset="-128"/>
               </a:rPr>
@@ -29722,13 +31148,13 @@
               <a:buChar char="u"/>
             </a:pPr>
             <a:r>
-              <a:rPr lang="en-US" altLang="ja-JP" sz="1600" dirty="0">
+              <a:rPr lang="en-US" altLang="ja-JP" sz="1700" dirty="0">
                 <a:latin typeface="Meiryo UI" panose="020B0604030504040204" pitchFamily="50" charset="-128"/>
                 <a:ea typeface="Meiryo UI" panose="020B0604030504040204" pitchFamily="50" charset="-128"/>
               </a:rPr>
               <a:t>If the retailer has substantial control over the product, such as if it is operated by a person from the retailer, the product is often considered to be distributed as a lending.</a:t>
             </a:r>
-            <a:endParaRPr lang="en-US" altLang="ja-JP" sz="1600" dirty="0">
+            <a:endParaRPr lang="en-US" altLang="ja-JP" sz="1700" dirty="0">
               <a:latin typeface="Meiryo UI" panose="020B0604030504040204" pitchFamily="50" charset="-128"/>
               <a:ea typeface="Meiryo UI" panose="020B0604030504040204" pitchFamily="50" charset="-128"/>
               <a:cs typeface="Meiryo UI" panose="020B0604030504040204" pitchFamily="50" charset="-128"/>
@@ -29744,8 +31170,8 @@
         </p:nvSpPr>
         <p:spPr>
           <a:xfrm>
-            <a:off x="467544" y="1340767"/>
-            <a:ext cx="8280920" cy="1113183"/>
+            <a:off x="467544" y="1586921"/>
+            <a:ext cx="8280920" cy="1194007"/>
           </a:xfrm>
           <a:prstGeom prst="roundRect">
             <a:avLst/>
@@ -29786,7 +31212,7 @@
               </a:spcAft>
             </a:pPr>
             <a:r>
-              <a:rPr lang="ja-JP" altLang="en-US" sz="1600" dirty="0">
+              <a:rPr lang="ja-JP" altLang="en-US" dirty="0">
                 <a:solidFill>
                   <a:schemeClr val="tx1"/>
                 </a:solidFill>
@@ -29797,7 +31223,7 @@
               <a:t>　</a:t>
             </a:r>
             <a:r>
-              <a:rPr lang="en-US" altLang="ja-JP" sz="1600" dirty="0">
+              <a:rPr lang="en-US" altLang="ja-JP" dirty="0">
                 <a:solidFill>
                   <a:schemeClr val="tx1"/>
                 </a:solidFill>
@@ -29807,7 +31233,7 @@
               </a:rPr>
               <a:t>We will conduct in-store experiments to understand the movement of customers in retail stores. We borrow the location of a retail store and temporarily install OSS embedded devices under our management for our use. In this case, does it mean that we have distributed OSS?</a:t>
             </a:r>
-            <a:endParaRPr lang="ja-JP" altLang="en-US" sz="1600" dirty="0">
+            <a:endParaRPr lang="ja-JP" altLang="en-US" dirty="0">
               <a:solidFill>
                 <a:schemeClr val="tx1"/>
               </a:solidFill>
@@ -29825,7 +31251,7 @@
         </p:nvSpPr>
         <p:spPr>
           <a:xfrm>
-            <a:off x="3123076" y="2698238"/>
+            <a:off x="3123076" y="2909377"/>
             <a:ext cx="1952980" cy="769441"/>
           </a:xfrm>
           <a:prstGeom prst="rect">
@@ -29889,7 +31315,7 @@
           <p:cNvPr id="11" name="テキスト ボックス 10">
             <a:extLst>
               <a:ext uri="{FF2B5EF4-FFF2-40B4-BE49-F238E27FC236}">
-                <a16:creationId xmlns:a16="http://schemas.microsoft.com/office/drawing/2014/main" id="{1F3C87A8-C9D5-403A-9141-1BF329374B2F}"/>
+                <a16:creationId xmlns="" xmlns:a16="http://schemas.microsoft.com/office/drawing/2014/main" id="{1F3C87A8-C9D5-403A-9141-1BF329374B2F}"/>
               </a:ext>
             </a:extLst>
           </p:cNvPr>
@@ -29931,7 +31357,7 @@
           <p:cNvPr id="12" name="テキスト ボックス 11">
             <a:extLst>
               <a:ext uri="{FF2B5EF4-FFF2-40B4-BE49-F238E27FC236}">
-                <a16:creationId xmlns:a16="http://schemas.microsoft.com/office/drawing/2014/main" id="{24F0EDEF-029D-495E-A67A-C555ABF10C90}"/>
+                <a16:creationId xmlns="" xmlns:a16="http://schemas.microsoft.com/office/drawing/2014/main" id="{24F0EDEF-029D-495E-A67A-C555ABF10C90}"/>
               </a:ext>
             </a:extLst>
           </p:cNvPr>
@@ -29940,7 +31366,7 @@
         </p:nvSpPr>
         <p:spPr>
           <a:xfrm>
-            <a:off x="113828" y="476672"/>
+            <a:off x="113828" y="722826"/>
             <a:ext cx="2808782" cy="1015663"/>
           </a:xfrm>
           <a:prstGeom prst="rect">
@@ -29992,7 +31418,7 @@
           <p:cNvPr id="13" name="テキスト ボックス 12">
             <a:extLst>
               <a:ext uri="{FF2B5EF4-FFF2-40B4-BE49-F238E27FC236}">
-                <a16:creationId xmlns:a16="http://schemas.microsoft.com/office/drawing/2014/main" id="{781F96EC-E865-43D7-B9AA-97413AD2BCE2}"/>
+                <a16:creationId xmlns="" xmlns:a16="http://schemas.microsoft.com/office/drawing/2014/main" id="{781F96EC-E865-43D7-B9AA-97413AD2BCE2}"/>
               </a:ext>
             </a:extLst>
           </p:cNvPr>
@@ -30001,7 +31427,7 @@
         </p:nvSpPr>
         <p:spPr>
           <a:xfrm>
-            <a:off x="403920" y="2230180"/>
+            <a:off x="403920" y="2629361"/>
             <a:ext cx="2401619" cy="1015663"/>
           </a:xfrm>
           <a:prstGeom prst="rect">
@@ -30053,7 +31479,7 @@
           <p:cNvPr id="21" name="スライド番号プレースホルダー 20">
             <a:extLst>
               <a:ext uri="{FF2B5EF4-FFF2-40B4-BE49-F238E27FC236}">
-                <a16:creationId xmlns:a16="http://schemas.microsoft.com/office/drawing/2014/main" id="{88C08C3A-82B5-4CAD-AC98-498F6C1363D0}"/>
+                <a16:creationId xmlns="" xmlns:a16="http://schemas.microsoft.com/office/drawing/2014/main" id="{88C08C3A-82B5-4CAD-AC98-498F6C1363D0}"/>
               </a:ext>
             </a:extLst>
           </p:cNvPr>
@@ -30074,6 +31500,43 @@
               <a:t>41</a:t>
             </a:fld>
             <a:endParaRPr kumimoji="1" lang="ja-JP" altLang="en-US"/>
+          </a:p>
+        </p:txBody>
+      </p:sp>
+      <p:sp>
+        <p:nvSpPr>
+          <p:cNvPr id="15" name="正方形/長方形 14"/>
+          <p:cNvSpPr/>
+          <p:nvPr/>
+        </p:nvSpPr>
+        <p:spPr>
+          <a:xfrm>
+            <a:off x="189082" y="13496"/>
+            <a:ext cx="958660" cy="369332"/>
+          </a:xfrm>
+          <a:prstGeom prst="rect">
+            <a:avLst/>
+          </a:prstGeom>
+        </p:spPr>
+        <p:txBody>
+          <a:bodyPr wrap="none">
+            <a:spAutoFit/>
+          </a:bodyPr>
+          <a:lstStyle/>
+          <a:p>
+            <a:r>
+              <a:rPr lang="ja-JP" altLang="en-US" dirty="0">
+                <a:hlinkClick r:id="rId3" action="ppaction://hlinksldjump"/>
+              </a:rPr>
+              <a:t>← </a:t>
+            </a:r>
+            <a:r>
+              <a:rPr lang="en-US" altLang="ja-JP" dirty="0" smtClean="0">
+                <a:hlinkClick r:id="rId3" action="ppaction://hlinksldjump"/>
+              </a:rPr>
+              <a:t>Index</a:t>
+            </a:r>
+            <a:endParaRPr lang="ja-JP" altLang="en-US" dirty="0"/>
           </a:p>
         </p:txBody>
       </p:sp>
@@ -30115,8 +31578,8 @@
         </p:nvSpPr>
         <p:spPr>
           <a:xfrm>
-            <a:off x="467544" y="2989402"/>
-            <a:ext cx="8280920" cy="3319918"/>
+            <a:off x="448876" y="3099158"/>
+            <a:ext cx="8280920" cy="3210160"/>
           </a:xfrm>
           <a:prstGeom prst="rect">
             <a:avLst/>
@@ -30171,7 +31634,7 @@
         </p:nvSpPr>
         <p:spPr>
           <a:xfrm>
-            <a:off x="457200" y="188640"/>
+            <a:off x="457200" y="325105"/>
             <a:ext cx="8229600" cy="759003"/>
           </a:xfrm>
           <a:ln>
@@ -30189,13 +31652,13 @@
           <a:lstStyle/>
           <a:p>
             <a:r>
-              <a:rPr lang="en-US" altLang="ja-JP" sz="2600" dirty="0">
+              <a:rPr lang="en-US" altLang="ja-JP" sz="2400" dirty="0">
                 <a:latin typeface="Meiryo UI" panose="020B0604030504040204" pitchFamily="50" charset="-128"/>
                 <a:ea typeface="Meiryo UI" panose="020B0604030504040204" pitchFamily="50" charset="-128"/>
               </a:rPr>
               <a:t>Is it necessary to comply with the OSS license included in other software?</a:t>
             </a:r>
-            <a:endParaRPr kumimoji="1" lang="ja-JP" altLang="en-US" sz="2600" dirty="0">
+            <a:endParaRPr kumimoji="1" lang="ja-JP" altLang="en-US" sz="2400" dirty="0">
               <a:latin typeface="Meiryo UI" panose="020B0604030504040204" pitchFamily="50" charset="-128"/>
               <a:ea typeface="Meiryo UI" panose="020B0604030504040204" pitchFamily="50" charset="-128"/>
               <a:cs typeface="Meiryo UI" panose="020B0604030504040204" pitchFamily="50" charset="-128"/>
@@ -30208,7 +31671,7 @@
           <p:cNvPr id="21" name="コンテンツ プレースホルダー 20">
             <a:extLst>
               <a:ext uri="{FF2B5EF4-FFF2-40B4-BE49-F238E27FC236}">
-                <a16:creationId xmlns:a16="http://schemas.microsoft.com/office/drawing/2014/main" id="{7C7EA47F-2F04-42A4-84B4-07F9BBFD1EFB}"/>
+                <a16:creationId xmlns="" xmlns:a16="http://schemas.microsoft.com/office/drawing/2014/main" id="{7C7EA47F-2F04-42A4-84B4-07F9BBFD1EFB}"/>
               </a:ext>
             </a:extLst>
           </p:cNvPr>
@@ -30242,13 +31705,13 @@
               <a:buChar char="u"/>
             </a:pPr>
             <a:r>
-              <a:rPr lang="en-US" altLang="ja-JP" sz="2000" dirty="0">
+              <a:rPr lang="en-US" altLang="ja-JP" sz="1800" dirty="0">
                 <a:latin typeface="Meiryo UI" panose="020B0604030504040204" pitchFamily="50" charset="-128"/>
                 <a:ea typeface="Meiryo UI" panose="020B0604030504040204" pitchFamily="50" charset="-128"/>
               </a:rPr>
               <a:t>Even if the OSS is included in the software made by other companies, you are required to comply with the license conditions of the OSS. However, in the case of this question, it is possible that Company A has a separate contract with OSS developers, so please check with Company A.</a:t>
             </a:r>
-            <a:endParaRPr kumimoji="1" lang="ja-JP" altLang="en-US" sz="2000" dirty="0">
+            <a:endParaRPr kumimoji="1" lang="ja-JP" altLang="en-US" sz="1800" dirty="0">
               <a:latin typeface="Meiryo UI" panose="020B0604030504040204" pitchFamily="50" charset="-128"/>
               <a:ea typeface="Meiryo UI" panose="020B0604030504040204" pitchFamily="50" charset="-128"/>
             </a:endParaRPr>
@@ -30286,7 +31749,7 @@
         </p:nvSpPr>
         <p:spPr>
           <a:xfrm>
-            <a:off x="467544" y="1310639"/>
+            <a:off x="467544" y="1457121"/>
             <a:ext cx="8280920" cy="1539831"/>
           </a:xfrm>
           <a:prstGeom prst="roundRect">
@@ -30357,7 +31820,7 @@
         </p:nvSpPr>
         <p:spPr>
           <a:xfrm>
-            <a:off x="3131840" y="3099158"/>
+            <a:off x="3131840" y="3307631"/>
             <a:ext cx="1512168" cy="769441"/>
           </a:xfrm>
           <a:prstGeom prst="rect">
@@ -30398,7 +31861,7 @@
           <p:cNvPr id="11" name="テキスト ボックス 10">
             <a:extLst>
               <a:ext uri="{FF2B5EF4-FFF2-40B4-BE49-F238E27FC236}">
-                <a16:creationId xmlns:a16="http://schemas.microsoft.com/office/drawing/2014/main" id="{1F3C87A8-C9D5-403A-9141-1BF329374B2F}"/>
+                <a16:creationId xmlns="" xmlns:a16="http://schemas.microsoft.com/office/drawing/2014/main" id="{1F3C87A8-C9D5-403A-9141-1BF329374B2F}"/>
               </a:ext>
             </a:extLst>
           </p:cNvPr>
@@ -30440,7 +31903,7 @@
           <p:cNvPr id="12" name="テキスト ボックス 11">
             <a:extLst>
               <a:ext uri="{FF2B5EF4-FFF2-40B4-BE49-F238E27FC236}">
-                <a16:creationId xmlns:a16="http://schemas.microsoft.com/office/drawing/2014/main" id="{24F0EDEF-029D-495E-A67A-C555ABF10C90}"/>
+                <a16:creationId xmlns="" xmlns:a16="http://schemas.microsoft.com/office/drawing/2014/main" id="{24F0EDEF-029D-495E-A67A-C555ABF10C90}"/>
               </a:ext>
             </a:extLst>
           </p:cNvPr>
@@ -30449,7 +31912,7 @@
         </p:nvSpPr>
         <p:spPr>
           <a:xfrm>
-            <a:off x="113828" y="476672"/>
+            <a:off x="113828" y="613137"/>
             <a:ext cx="2808782" cy="1015663"/>
           </a:xfrm>
           <a:prstGeom prst="rect">
@@ -30501,7 +31964,7 @@
           <p:cNvPr id="13" name="テキスト ボックス 12">
             <a:extLst>
               <a:ext uri="{FF2B5EF4-FFF2-40B4-BE49-F238E27FC236}">
-                <a16:creationId xmlns:a16="http://schemas.microsoft.com/office/drawing/2014/main" id="{781F96EC-E865-43D7-B9AA-97413AD2BCE2}"/>
+                <a16:creationId xmlns="" xmlns:a16="http://schemas.microsoft.com/office/drawing/2014/main" id="{781F96EC-E865-43D7-B9AA-97413AD2BCE2}"/>
               </a:ext>
             </a:extLst>
           </p:cNvPr>
@@ -30510,7 +31973,7 @@
         </p:nvSpPr>
         <p:spPr>
           <a:xfrm>
-            <a:off x="403920" y="2708920"/>
+            <a:off x="403920" y="2917393"/>
             <a:ext cx="2401619" cy="1015663"/>
           </a:xfrm>
           <a:prstGeom prst="rect">
@@ -30562,7 +32025,7 @@
           <p:cNvPr id="20" name="スライド番号プレースホルダー 19">
             <a:extLst>
               <a:ext uri="{FF2B5EF4-FFF2-40B4-BE49-F238E27FC236}">
-                <a16:creationId xmlns:a16="http://schemas.microsoft.com/office/drawing/2014/main" id="{944039DD-3EEA-4D9D-B3FC-AAEF6853DF1C}"/>
+                <a16:creationId xmlns="" xmlns:a16="http://schemas.microsoft.com/office/drawing/2014/main" id="{944039DD-3EEA-4D9D-B3FC-AAEF6853DF1C}"/>
               </a:ext>
             </a:extLst>
           </p:cNvPr>
@@ -30583,6 +32046,43 @@
               <a:t>42</a:t>
             </a:fld>
             <a:endParaRPr kumimoji="1" lang="ja-JP" altLang="en-US"/>
+          </a:p>
+        </p:txBody>
+      </p:sp>
+      <p:sp>
+        <p:nvSpPr>
+          <p:cNvPr id="15" name="正方形/長方形 14"/>
+          <p:cNvSpPr/>
+          <p:nvPr/>
+        </p:nvSpPr>
+        <p:spPr>
+          <a:xfrm>
+            <a:off x="189082" y="13496"/>
+            <a:ext cx="958660" cy="369332"/>
+          </a:xfrm>
+          <a:prstGeom prst="rect">
+            <a:avLst/>
+          </a:prstGeom>
+        </p:spPr>
+        <p:txBody>
+          <a:bodyPr wrap="none">
+            <a:spAutoFit/>
+          </a:bodyPr>
+          <a:lstStyle/>
+          <a:p>
+            <a:r>
+              <a:rPr lang="ja-JP" altLang="en-US" dirty="0">
+                <a:hlinkClick r:id="rId3" action="ppaction://hlinksldjump"/>
+              </a:rPr>
+              <a:t>← </a:t>
+            </a:r>
+            <a:r>
+              <a:rPr lang="en-US" altLang="ja-JP" dirty="0" smtClean="0">
+                <a:hlinkClick r:id="rId3" action="ppaction://hlinksldjump"/>
+              </a:rPr>
+              <a:t>Index</a:t>
+            </a:r>
+            <a:endParaRPr lang="ja-JP" altLang="en-US" dirty="0"/>
           </a:p>
         </p:txBody>
       </p:sp>
@@ -30624,8 +32124,8 @@
         </p:nvSpPr>
         <p:spPr>
           <a:xfrm>
-            <a:off x="467544" y="2418219"/>
-            <a:ext cx="8280920" cy="3891101"/>
+            <a:off x="467544" y="2562235"/>
+            <a:ext cx="8280920" cy="3747085"/>
           </a:xfrm>
           <a:prstGeom prst="rect">
             <a:avLst/>
@@ -30680,8 +32180,8 @@
         </p:nvSpPr>
         <p:spPr>
           <a:xfrm>
-            <a:off x="395536" y="96535"/>
-            <a:ext cx="8424936" cy="864403"/>
+            <a:off x="395536" y="343689"/>
+            <a:ext cx="8424936" cy="746184"/>
           </a:xfrm>
           <a:ln>
             <a:solidFill>
@@ -30885,7 +32385,7 @@
         </p:nvSpPr>
         <p:spPr>
           <a:xfrm>
-            <a:off x="467544" y="1425811"/>
+            <a:off x="467544" y="1577227"/>
             <a:ext cx="8280920" cy="915669"/>
           </a:xfrm>
           <a:prstGeom prst="roundRect">
@@ -30956,8 +32456,8 @@
         </p:nvSpPr>
         <p:spPr>
           <a:xfrm>
-            <a:off x="3131840" y="2562235"/>
-            <a:ext cx="3744416" cy="769441"/>
+            <a:off x="3131840" y="2731567"/>
+            <a:ext cx="1944216" cy="769441"/>
           </a:xfrm>
           <a:prstGeom prst="rect">
             <a:avLst/>
@@ -31020,7 +32520,7 @@
           <p:cNvPr id="11" name="テキスト ボックス 10">
             <a:extLst>
               <a:ext uri="{FF2B5EF4-FFF2-40B4-BE49-F238E27FC236}">
-                <a16:creationId xmlns:a16="http://schemas.microsoft.com/office/drawing/2014/main" id="{1F3C87A8-C9D5-403A-9141-1BF329374B2F}"/>
+                <a16:creationId xmlns="" xmlns:a16="http://schemas.microsoft.com/office/drawing/2014/main" id="{1F3C87A8-C9D5-403A-9141-1BF329374B2F}"/>
               </a:ext>
             </a:extLst>
           </p:cNvPr>
@@ -31070,7 +32570,7 @@
           <p:cNvPr id="12" name="テキスト ボックス 11">
             <a:extLst>
               <a:ext uri="{FF2B5EF4-FFF2-40B4-BE49-F238E27FC236}">
-                <a16:creationId xmlns:a16="http://schemas.microsoft.com/office/drawing/2014/main" id="{24F0EDEF-029D-495E-A67A-C555ABF10C90}"/>
+                <a16:creationId xmlns="" xmlns:a16="http://schemas.microsoft.com/office/drawing/2014/main" id="{24F0EDEF-029D-495E-A67A-C555ABF10C90}"/>
               </a:ext>
             </a:extLst>
           </p:cNvPr>
@@ -31079,7 +32579,7 @@
         </p:nvSpPr>
         <p:spPr>
           <a:xfrm>
-            <a:off x="-108520" y="620688"/>
+            <a:off x="-108520" y="772104"/>
             <a:ext cx="2545890" cy="923330"/>
           </a:xfrm>
           <a:prstGeom prst="rect">
@@ -31131,7 +32631,7 @@
           <p:cNvPr id="13" name="テキスト ボックス 12">
             <a:extLst>
               <a:ext uri="{FF2B5EF4-FFF2-40B4-BE49-F238E27FC236}">
-                <a16:creationId xmlns:a16="http://schemas.microsoft.com/office/drawing/2014/main" id="{781F96EC-E865-43D7-B9AA-97413AD2BCE2}"/>
+                <a16:creationId xmlns="" xmlns:a16="http://schemas.microsoft.com/office/drawing/2014/main" id="{781F96EC-E865-43D7-B9AA-97413AD2BCE2}"/>
               </a:ext>
             </a:extLst>
           </p:cNvPr>
@@ -31140,7 +32640,7 @@
         </p:nvSpPr>
         <p:spPr>
           <a:xfrm>
-            <a:off x="403920" y="2132856"/>
+            <a:off x="403920" y="2433662"/>
             <a:ext cx="2182008" cy="923330"/>
           </a:xfrm>
           <a:prstGeom prst="rect">
@@ -31192,7 +32692,7 @@
           <p:cNvPr id="21" name="スライド番号プレースホルダー 20">
             <a:extLst>
               <a:ext uri="{FF2B5EF4-FFF2-40B4-BE49-F238E27FC236}">
-                <a16:creationId xmlns:a16="http://schemas.microsoft.com/office/drawing/2014/main" id="{657B6D9C-B6C1-44F1-8C12-94AD5C8EC599}"/>
+                <a16:creationId xmlns="" xmlns:a16="http://schemas.microsoft.com/office/drawing/2014/main" id="{657B6D9C-B6C1-44F1-8C12-94AD5C8EC599}"/>
               </a:ext>
             </a:extLst>
           </p:cNvPr>
@@ -31213,6 +32713,43 @@
               <a:t>43</a:t>
             </a:fld>
             <a:endParaRPr kumimoji="1" lang="ja-JP" altLang="en-US"/>
+          </a:p>
+        </p:txBody>
+      </p:sp>
+      <p:sp>
+        <p:nvSpPr>
+          <p:cNvPr id="15" name="正方形/長方形 14"/>
+          <p:cNvSpPr/>
+          <p:nvPr/>
+        </p:nvSpPr>
+        <p:spPr>
+          <a:xfrm>
+            <a:off x="189082" y="13496"/>
+            <a:ext cx="958660" cy="369332"/>
+          </a:xfrm>
+          <a:prstGeom prst="rect">
+            <a:avLst/>
+          </a:prstGeom>
+        </p:spPr>
+        <p:txBody>
+          <a:bodyPr wrap="none">
+            <a:spAutoFit/>
+          </a:bodyPr>
+          <a:lstStyle/>
+          <a:p>
+            <a:r>
+              <a:rPr lang="ja-JP" altLang="en-US" dirty="0">
+                <a:hlinkClick r:id="rId3" action="ppaction://hlinksldjump"/>
+              </a:rPr>
+              <a:t>← </a:t>
+            </a:r>
+            <a:r>
+              <a:rPr lang="en-US" altLang="ja-JP" dirty="0" smtClean="0">
+                <a:hlinkClick r:id="rId3" action="ppaction://hlinksldjump"/>
+              </a:rPr>
+              <a:t>Index</a:t>
+            </a:r>
+            <a:endParaRPr lang="ja-JP" altLang="en-US" dirty="0"/>
           </a:p>
         </p:txBody>
       </p:sp>
@@ -31254,8 +32791,8 @@
         </p:nvSpPr>
         <p:spPr>
           <a:xfrm>
-            <a:off x="467544" y="2276873"/>
-            <a:ext cx="8280920" cy="4032448"/>
+            <a:off x="467544" y="2564904"/>
+            <a:ext cx="8280920" cy="3744417"/>
           </a:xfrm>
           <a:prstGeom prst="rect">
             <a:avLst/>
@@ -31310,7 +32847,7 @@
         </p:nvSpPr>
         <p:spPr>
           <a:xfrm>
-            <a:off x="487644" y="157999"/>
+            <a:off x="487644" y="354808"/>
             <a:ext cx="8280920" cy="769936"/>
           </a:xfrm>
           <a:ln>
@@ -31358,8 +32895,8 @@
         </p:nvSpPr>
         <p:spPr>
           <a:xfrm>
-            <a:off x="457200" y="3417336"/>
-            <a:ext cx="8291264" cy="2891984"/>
+            <a:off x="457200" y="3717032"/>
+            <a:ext cx="8291264" cy="2592288"/>
           </a:xfrm>
         </p:spPr>
         <p:txBody>
@@ -31458,7 +32995,7 @@
         </p:nvSpPr>
         <p:spPr>
           <a:xfrm>
-            <a:off x="467544" y="1340768"/>
+            <a:off x="467544" y="1636007"/>
             <a:ext cx="8280920" cy="784881"/>
           </a:xfrm>
           <a:prstGeom prst="roundRect">
@@ -31555,7 +33092,7 @@
           <p:cNvPr id="11" name="テキスト ボックス 10">
             <a:extLst>
               <a:ext uri="{FF2B5EF4-FFF2-40B4-BE49-F238E27FC236}">
-                <a16:creationId xmlns:a16="http://schemas.microsoft.com/office/drawing/2014/main" id="{1F3C87A8-C9D5-403A-9141-1BF329374B2F}"/>
+                <a16:creationId xmlns="" xmlns:a16="http://schemas.microsoft.com/office/drawing/2014/main" id="{1F3C87A8-C9D5-403A-9141-1BF329374B2F}"/>
               </a:ext>
             </a:extLst>
           </p:cNvPr>
@@ -31618,7 +33155,7 @@
           <p:cNvPr id="12" name="テキスト ボックス 11">
             <a:extLst>
               <a:ext uri="{FF2B5EF4-FFF2-40B4-BE49-F238E27FC236}">
-                <a16:creationId xmlns:a16="http://schemas.microsoft.com/office/drawing/2014/main" id="{24F0EDEF-029D-495E-A67A-C555ABF10C90}"/>
+                <a16:creationId xmlns="" xmlns:a16="http://schemas.microsoft.com/office/drawing/2014/main" id="{24F0EDEF-029D-495E-A67A-C555ABF10C90}"/>
               </a:ext>
             </a:extLst>
           </p:cNvPr>
@@ -31627,7 +33164,7 @@
         </p:nvSpPr>
         <p:spPr>
           <a:xfrm>
-            <a:off x="113828" y="476672"/>
+            <a:off x="113828" y="771911"/>
             <a:ext cx="2808782" cy="1015663"/>
           </a:xfrm>
           <a:prstGeom prst="rect">
@@ -31679,7 +33216,7 @@
           <p:cNvPr id="13" name="テキスト ボックス 12">
             <a:extLst>
               <a:ext uri="{FF2B5EF4-FFF2-40B4-BE49-F238E27FC236}">
-                <a16:creationId xmlns:a16="http://schemas.microsoft.com/office/drawing/2014/main" id="{781F96EC-E865-43D7-B9AA-97413AD2BCE2}"/>
+                <a16:creationId xmlns="" xmlns:a16="http://schemas.microsoft.com/office/drawing/2014/main" id="{781F96EC-E865-43D7-B9AA-97413AD2BCE2}"/>
               </a:ext>
             </a:extLst>
           </p:cNvPr>
@@ -31688,7 +33225,7 @@
         </p:nvSpPr>
         <p:spPr>
           <a:xfrm>
-            <a:off x="403920" y="1988840"/>
+            <a:off x="403920" y="2413337"/>
             <a:ext cx="2401619" cy="1015663"/>
           </a:xfrm>
           <a:prstGeom prst="rect">
@@ -31743,8 +33280,8 @@
         </p:nvSpPr>
         <p:spPr>
           <a:xfrm>
-            <a:off x="3059832" y="2496671"/>
-            <a:ext cx="3744416" cy="769441"/>
+            <a:off x="3059832" y="2731567"/>
+            <a:ext cx="1728192" cy="769441"/>
           </a:xfrm>
           <a:prstGeom prst="rect">
             <a:avLst/>
@@ -31784,7 +33321,7 @@
           <p:cNvPr id="21" name="スライド番号プレースホルダー 20">
             <a:extLst>
               <a:ext uri="{FF2B5EF4-FFF2-40B4-BE49-F238E27FC236}">
-                <a16:creationId xmlns:a16="http://schemas.microsoft.com/office/drawing/2014/main" id="{ECE2DEE1-EE13-48F8-B897-FDA7050F392B}"/>
+                <a16:creationId xmlns="" xmlns:a16="http://schemas.microsoft.com/office/drawing/2014/main" id="{ECE2DEE1-EE13-48F8-B897-FDA7050F392B}"/>
               </a:ext>
             </a:extLst>
           </p:cNvPr>
@@ -31805,6 +33342,43 @@
               <a:t>44</a:t>
             </a:fld>
             <a:endParaRPr kumimoji="1" lang="ja-JP" altLang="en-US"/>
+          </a:p>
+        </p:txBody>
+      </p:sp>
+      <p:sp>
+        <p:nvSpPr>
+          <p:cNvPr id="16" name="正方形/長方形 15"/>
+          <p:cNvSpPr/>
+          <p:nvPr/>
+        </p:nvSpPr>
+        <p:spPr>
+          <a:xfrm>
+            <a:off x="189082" y="13496"/>
+            <a:ext cx="958660" cy="369332"/>
+          </a:xfrm>
+          <a:prstGeom prst="rect">
+            <a:avLst/>
+          </a:prstGeom>
+        </p:spPr>
+        <p:txBody>
+          <a:bodyPr wrap="none">
+            <a:spAutoFit/>
+          </a:bodyPr>
+          <a:lstStyle/>
+          <a:p>
+            <a:r>
+              <a:rPr lang="ja-JP" altLang="en-US" dirty="0">
+                <a:hlinkClick r:id="rId3" action="ppaction://hlinksldjump"/>
+              </a:rPr>
+              <a:t>← </a:t>
+            </a:r>
+            <a:r>
+              <a:rPr lang="en-US" altLang="ja-JP" dirty="0" smtClean="0">
+                <a:hlinkClick r:id="rId3" action="ppaction://hlinksldjump"/>
+              </a:rPr>
+              <a:t>Index</a:t>
+            </a:r>
+            <a:endParaRPr lang="ja-JP" altLang="en-US" dirty="0"/>
           </a:p>
         </p:txBody>
       </p:sp>
@@ -31846,8 +33420,8 @@
         </p:nvSpPr>
         <p:spPr>
           <a:xfrm>
-            <a:off x="486419" y="2648866"/>
-            <a:ext cx="8280920" cy="3737977"/>
+            <a:off x="486419" y="2780928"/>
+            <a:ext cx="8280920" cy="3605915"/>
           </a:xfrm>
           <a:prstGeom prst="rect">
             <a:avLst/>
@@ -31902,8 +33476,8 @@
         </p:nvSpPr>
         <p:spPr>
           <a:xfrm>
-            <a:off x="457200" y="188640"/>
-            <a:ext cx="8229600" cy="637857"/>
+            <a:off x="457200" y="340946"/>
+            <a:ext cx="8229600" cy="560223"/>
           </a:xfrm>
           <a:ln>
             <a:solidFill>
@@ -31920,14 +33494,14 @@
           <a:lstStyle/>
           <a:p>
             <a:r>
-              <a:rPr lang="en-US" altLang="ja-JP" sz="2800" dirty="0">
+              <a:rPr lang="en-US" altLang="ja-JP" sz="2400" dirty="0">
                 <a:latin typeface="Meiryo UI" panose="020B0604030504040204" pitchFamily="50" charset="-128"/>
                 <a:ea typeface="Meiryo UI" panose="020B0604030504040204" pitchFamily="50" charset="-128"/>
                 <a:cs typeface="Meiryo UI" panose="020B0604030504040204" pitchFamily="50" charset="-128"/>
               </a:rPr>
               <a:t>Can I use it without a copyright notice?</a:t>
             </a:r>
-            <a:endParaRPr kumimoji="1" lang="ja-JP" altLang="en-US" sz="2800" dirty="0">
+            <a:endParaRPr kumimoji="1" lang="ja-JP" altLang="en-US" sz="2400" dirty="0">
               <a:latin typeface="Meiryo UI" panose="020B0604030504040204" pitchFamily="50" charset="-128"/>
               <a:ea typeface="Meiryo UI" panose="020B0604030504040204" pitchFamily="50" charset="-128"/>
               <a:cs typeface="Meiryo UI" panose="020B0604030504040204" pitchFamily="50" charset="-128"/>
@@ -31966,8 +33540,8 @@
         </p:nvSpPr>
         <p:spPr>
           <a:xfrm>
-            <a:off x="467544" y="1330892"/>
-            <a:ext cx="8280920" cy="1262084"/>
+            <a:off x="467544" y="1412776"/>
+            <a:ext cx="8280920" cy="1266676"/>
           </a:xfrm>
           <a:prstGeom prst="roundRect">
             <a:avLst/>
@@ -32075,7 +33649,7 @@
         </p:nvSpPr>
         <p:spPr>
           <a:xfrm>
-            <a:off x="3395644" y="2731567"/>
+            <a:off x="3395644" y="2875583"/>
             <a:ext cx="3168352" cy="769441"/>
           </a:xfrm>
           <a:prstGeom prst="rect">
@@ -32180,7 +33754,7 @@
           <p:cNvPr id="12" name="テキスト ボックス 11">
             <a:extLst>
               <a:ext uri="{FF2B5EF4-FFF2-40B4-BE49-F238E27FC236}">
-                <a16:creationId xmlns:a16="http://schemas.microsoft.com/office/drawing/2014/main" id="{FF510B5E-E0AA-4B2A-8D36-638BFA602D68}"/>
+                <a16:creationId xmlns="" xmlns:a16="http://schemas.microsoft.com/office/drawing/2014/main" id="{FF510B5E-E0AA-4B2A-8D36-638BFA602D68}"/>
               </a:ext>
             </a:extLst>
           </p:cNvPr>
@@ -32189,7 +33763,7 @@
         </p:nvSpPr>
         <p:spPr>
           <a:xfrm>
-            <a:off x="113828" y="466457"/>
+            <a:off x="113828" y="541129"/>
             <a:ext cx="2808782" cy="1015663"/>
           </a:xfrm>
           <a:prstGeom prst="rect">
@@ -32241,7 +33815,7 @@
           <p:cNvPr id="13" name="テキスト ボックス 12">
             <a:extLst>
               <a:ext uri="{FF2B5EF4-FFF2-40B4-BE49-F238E27FC236}">
-                <a16:creationId xmlns:a16="http://schemas.microsoft.com/office/drawing/2014/main" id="{0C28627F-2471-4D5B-9F1C-638D6BDE634D}"/>
+                <a16:creationId xmlns="" xmlns:a16="http://schemas.microsoft.com/office/drawing/2014/main" id="{0C28627F-2471-4D5B-9F1C-638D6BDE634D}"/>
               </a:ext>
             </a:extLst>
           </p:cNvPr>
@@ -32250,7 +33824,7 @@
         </p:nvSpPr>
         <p:spPr>
           <a:xfrm>
-            <a:off x="395536" y="2365436"/>
+            <a:off x="395536" y="2509452"/>
             <a:ext cx="2401619" cy="1015663"/>
           </a:xfrm>
           <a:prstGeom prst="rect">
@@ -32302,7 +33876,7 @@
           <p:cNvPr id="14" name="コンテンツ プレースホルダー 9">
             <a:extLst>
               <a:ext uri="{FF2B5EF4-FFF2-40B4-BE49-F238E27FC236}">
-                <a16:creationId xmlns:a16="http://schemas.microsoft.com/office/drawing/2014/main" id="{7DF77D3A-98F7-440A-8527-34526C0D6162}"/>
+                <a16:creationId xmlns="" xmlns:a16="http://schemas.microsoft.com/office/drawing/2014/main" id="{7DF77D3A-98F7-440A-8527-34526C0D6162}"/>
               </a:ext>
             </a:extLst>
           </p:cNvPr>
@@ -32395,7 +33969,7 @@
           <p:cNvPr id="21" name="スライド番号プレースホルダー 20">
             <a:extLst>
               <a:ext uri="{FF2B5EF4-FFF2-40B4-BE49-F238E27FC236}">
-                <a16:creationId xmlns:a16="http://schemas.microsoft.com/office/drawing/2014/main" id="{10DE6605-B03D-4A26-B6BE-BF2D4B1FF79C}"/>
+                <a16:creationId xmlns="" xmlns:a16="http://schemas.microsoft.com/office/drawing/2014/main" id="{10DE6605-B03D-4A26-B6BE-BF2D4B1FF79C}"/>
               </a:ext>
             </a:extLst>
           </p:cNvPr>
@@ -32416,6 +33990,43 @@
               <a:t>45</a:t>
             </a:fld>
             <a:endParaRPr kumimoji="1" lang="ja-JP" altLang="en-US"/>
+          </a:p>
+        </p:txBody>
+      </p:sp>
+      <p:sp>
+        <p:nvSpPr>
+          <p:cNvPr id="16" name="正方形/長方形 15"/>
+          <p:cNvSpPr/>
+          <p:nvPr/>
+        </p:nvSpPr>
+        <p:spPr>
+          <a:xfrm>
+            <a:off x="189082" y="13496"/>
+            <a:ext cx="958660" cy="369332"/>
+          </a:xfrm>
+          <a:prstGeom prst="rect">
+            <a:avLst/>
+          </a:prstGeom>
+        </p:spPr>
+        <p:txBody>
+          <a:bodyPr wrap="none">
+            <a:spAutoFit/>
+          </a:bodyPr>
+          <a:lstStyle/>
+          <a:p>
+            <a:r>
+              <a:rPr lang="ja-JP" altLang="en-US" dirty="0">
+                <a:hlinkClick r:id="rId3" action="ppaction://hlinksldjump"/>
+              </a:rPr>
+              <a:t>← </a:t>
+            </a:r>
+            <a:r>
+              <a:rPr lang="en-US" altLang="ja-JP" dirty="0" smtClean="0">
+                <a:hlinkClick r:id="rId3" action="ppaction://hlinksldjump"/>
+              </a:rPr>
+              <a:t>Index</a:t>
+            </a:r>
+            <a:endParaRPr lang="ja-JP" altLang="en-US" dirty="0"/>
           </a:p>
         </p:txBody>
       </p:sp>
@@ -32513,8 +34124,8 @@
         </p:nvSpPr>
         <p:spPr>
           <a:xfrm>
-            <a:off x="395536" y="199366"/>
-            <a:ext cx="8424936" cy="565338"/>
+            <a:off x="395536" y="332656"/>
+            <a:ext cx="8424936" cy="496507"/>
           </a:xfrm>
           <a:ln>
             <a:solidFill>
@@ -32531,14 +34142,14 @@
           <a:lstStyle/>
           <a:p>
             <a:r>
-              <a:rPr lang="en-US" altLang="ja-JP" sz="2800" dirty="0">
+              <a:rPr lang="en-US" altLang="ja-JP" sz="2400" dirty="0">
                 <a:latin typeface="Meiryo UI" panose="020B0604030504040204" pitchFamily="50" charset="-128"/>
                 <a:ea typeface="Meiryo UI" panose="020B0604030504040204" pitchFamily="50" charset="-128"/>
                 <a:cs typeface="Meiryo UI" panose="020B0604030504040204" pitchFamily="50" charset="-128"/>
               </a:rPr>
               <a:t>Can I freely use software without a license?</a:t>
             </a:r>
-            <a:endParaRPr kumimoji="1" lang="ja-JP" altLang="en-US" sz="2800" dirty="0">
+            <a:endParaRPr kumimoji="1" lang="ja-JP" altLang="en-US" sz="2400" dirty="0">
               <a:latin typeface="Meiryo UI" panose="020B0604030504040204" pitchFamily="50" charset="-128"/>
               <a:ea typeface="Meiryo UI" panose="020B0604030504040204" pitchFamily="50" charset="-128"/>
               <a:cs typeface="Meiryo UI" panose="020B0604030504040204" pitchFamily="50" charset="-128"/>
@@ -32579,7 +34190,7 @@
               <a:buChar char="u"/>
             </a:pPr>
             <a:r>
-              <a:rPr lang="en-US" altLang="ja-JP" sz="2000" dirty="0">
+              <a:rPr lang="en-US" altLang="ja-JP" sz="1800" dirty="0">
                 <a:latin typeface="Meiryo UI" panose="020B0604030504040204" pitchFamily="50" charset="-128"/>
                 <a:ea typeface="Meiryo UI" panose="020B0604030504040204" pitchFamily="50" charset="-128"/>
                 <a:cs typeface="Meiryo UI" panose="020B0604030504040204" pitchFamily="50" charset="-128"/>
@@ -32599,7 +34210,7 @@
               <a:buChar char="u"/>
             </a:pPr>
             <a:r>
-              <a:rPr lang="en-US" altLang="ja-JP" sz="2000" dirty="0">
+              <a:rPr lang="en-US" altLang="ja-JP" sz="1800" dirty="0">
                 <a:latin typeface="Meiryo UI" panose="020B0604030504040204" pitchFamily="50" charset="-128"/>
                 <a:ea typeface="Meiryo UI" panose="020B0604030504040204" pitchFamily="50" charset="-128"/>
                 <a:cs typeface="Meiryo UI" panose="020B0604030504040204" pitchFamily="50" charset="-128"/>
@@ -32619,7 +34230,7 @@
               <a:buChar char="u"/>
             </a:pPr>
             <a:r>
-              <a:rPr lang="en-US" altLang="ja-JP" sz="2000" dirty="0">
+              <a:rPr lang="en-US" altLang="ja-JP" sz="1800" dirty="0">
                 <a:latin typeface="Meiryo UI" panose="020B0604030504040204" pitchFamily="50" charset="-128"/>
                 <a:ea typeface="Meiryo UI" panose="020B0604030504040204" pitchFamily="50" charset="-128"/>
                 <a:cs typeface="Meiryo UI" panose="020B0604030504040204" pitchFamily="50" charset="-128"/>
@@ -32637,7 +34248,7 @@
         </p:nvSpPr>
         <p:spPr>
           <a:xfrm>
-            <a:off x="467544" y="1247557"/>
+            <a:off x="467544" y="1312017"/>
             <a:ext cx="8280920" cy="1123631"/>
           </a:xfrm>
           <a:prstGeom prst="roundRect">
@@ -32672,7 +34283,7 @@
           <a:p>
             <a:pPr fontAlgn="ctr">
               <a:lnSpc>
-                <a:spcPts val="3000"/>
+                <a:spcPts val="2700"/>
               </a:lnSpc>
               <a:spcBef>
                 <a:spcPct val="0"/>
@@ -32682,7 +34293,7 @@
               </a:spcAft>
             </a:pPr>
             <a:r>
-              <a:rPr lang="ja-JP" altLang="en-US" sz="2000" dirty="0">
+              <a:rPr lang="ja-JP" altLang="en-US" dirty="0">
                 <a:solidFill>
                   <a:schemeClr val="tx1"/>
                 </a:solidFill>
@@ -32693,7 +34304,7 @@
               <a:t>　</a:t>
             </a:r>
             <a:r>
-              <a:rPr lang="en-US" altLang="ja-JP" sz="2000" dirty="0">
+              <a:rPr lang="en-US" altLang="ja-JP" dirty="0">
                 <a:solidFill>
                   <a:schemeClr val="tx1"/>
                 </a:solidFill>
@@ -32703,7 +34314,7 @@
               </a:rPr>
               <a:t> I am looking for OSS that can be used in my product. The OSS I downloaded from the Internet did not come with a license document, but can I incorporate it into my product?</a:t>
             </a:r>
-            <a:endParaRPr lang="ja-JP" altLang="en-US" sz="2000" dirty="0">
+            <a:endParaRPr lang="ja-JP" altLang="en-US" dirty="0">
               <a:solidFill>
                 <a:schemeClr val="tx1"/>
               </a:solidFill>
@@ -32722,7 +34333,7 @@
         </p:nvSpPr>
         <p:spPr>
           <a:xfrm>
-            <a:off x="3131840" y="2562235"/>
+            <a:off x="3131840" y="2731567"/>
             <a:ext cx="3744416" cy="769441"/>
           </a:xfrm>
           <a:prstGeom prst="rect">
@@ -32786,7 +34397,7 @@
           <p:cNvPr id="11" name="テキスト ボックス 10">
             <a:extLst>
               <a:ext uri="{FF2B5EF4-FFF2-40B4-BE49-F238E27FC236}">
-                <a16:creationId xmlns:a16="http://schemas.microsoft.com/office/drawing/2014/main" id="{1F3C87A8-C9D5-403A-9141-1BF329374B2F}"/>
+                <a16:creationId xmlns="" xmlns:a16="http://schemas.microsoft.com/office/drawing/2014/main" id="{1F3C87A8-C9D5-403A-9141-1BF329374B2F}"/>
               </a:ext>
             </a:extLst>
           </p:cNvPr>
@@ -32828,7 +34439,7 @@
           <p:cNvPr id="12" name="テキスト ボックス 11">
             <a:extLst>
               <a:ext uri="{FF2B5EF4-FFF2-40B4-BE49-F238E27FC236}">
-                <a16:creationId xmlns:a16="http://schemas.microsoft.com/office/drawing/2014/main" id="{24F0EDEF-029D-495E-A67A-C555ABF10C90}"/>
+                <a16:creationId xmlns="" xmlns:a16="http://schemas.microsoft.com/office/drawing/2014/main" id="{24F0EDEF-029D-495E-A67A-C555ABF10C90}"/>
               </a:ext>
             </a:extLst>
           </p:cNvPr>
@@ -32837,7 +34448,7 @@
         </p:nvSpPr>
         <p:spPr>
           <a:xfrm>
-            <a:off x="113828" y="404664"/>
+            <a:off x="113828" y="469124"/>
             <a:ext cx="2808782" cy="1015663"/>
           </a:xfrm>
           <a:prstGeom prst="rect">
@@ -32889,7 +34500,7 @@
           <p:cNvPr id="13" name="テキスト ボックス 12">
             <a:extLst>
               <a:ext uri="{FF2B5EF4-FFF2-40B4-BE49-F238E27FC236}">
-                <a16:creationId xmlns:a16="http://schemas.microsoft.com/office/drawing/2014/main" id="{781F96EC-E865-43D7-B9AA-97413AD2BCE2}"/>
+                <a16:creationId xmlns="" xmlns:a16="http://schemas.microsoft.com/office/drawing/2014/main" id="{781F96EC-E865-43D7-B9AA-97413AD2BCE2}"/>
               </a:ext>
             </a:extLst>
           </p:cNvPr>
@@ -32898,7 +34509,7 @@
         </p:nvSpPr>
         <p:spPr>
           <a:xfrm>
-            <a:off x="403920" y="2197313"/>
+            <a:off x="403920" y="2341329"/>
             <a:ext cx="2401619" cy="1015663"/>
           </a:xfrm>
           <a:prstGeom prst="rect">
@@ -32950,7 +34561,7 @@
           <p:cNvPr id="21" name="スライド番号プレースホルダー 20">
             <a:extLst>
               <a:ext uri="{FF2B5EF4-FFF2-40B4-BE49-F238E27FC236}">
-                <a16:creationId xmlns:a16="http://schemas.microsoft.com/office/drawing/2014/main" id="{C37B754B-4F28-4ECB-A453-E0589F2A2F87}"/>
+                <a16:creationId xmlns="" xmlns:a16="http://schemas.microsoft.com/office/drawing/2014/main" id="{C37B754B-4F28-4ECB-A453-E0589F2A2F87}"/>
               </a:ext>
             </a:extLst>
           </p:cNvPr>
@@ -32971,6 +34582,43 @@
               <a:t>46</a:t>
             </a:fld>
             <a:endParaRPr kumimoji="1" lang="ja-JP" altLang="en-US"/>
+          </a:p>
+        </p:txBody>
+      </p:sp>
+      <p:sp>
+        <p:nvSpPr>
+          <p:cNvPr id="15" name="正方形/長方形 14"/>
+          <p:cNvSpPr/>
+          <p:nvPr/>
+        </p:nvSpPr>
+        <p:spPr>
+          <a:xfrm>
+            <a:off x="189082" y="13496"/>
+            <a:ext cx="958660" cy="369332"/>
+          </a:xfrm>
+          <a:prstGeom prst="rect">
+            <a:avLst/>
+          </a:prstGeom>
+        </p:spPr>
+        <p:txBody>
+          <a:bodyPr wrap="none">
+            <a:spAutoFit/>
+          </a:bodyPr>
+          <a:lstStyle/>
+          <a:p>
+            <a:r>
+              <a:rPr lang="ja-JP" altLang="en-US" dirty="0">
+                <a:hlinkClick r:id="rId3" action="ppaction://hlinksldjump"/>
+              </a:rPr>
+              <a:t>← </a:t>
+            </a:r>
+            <a:r>
+              <a:rPr lang="en-US" altLang="ja-JP" dirty="0" smtClean="0">
+                <a:hlinkClick r:id="rId3" action="ppaction://hlinksldjump"/>
+              </a:rPr>
+              <a:t>Index</a:t>
+            </a:r>
+            <a:endParaRPr lang="ja-JP" altLang="en-US" dirty="0"/>
           </a:p>
         </p:txBody>
       </p:sp>
@@ -33068,8 +34716,8 @@
         </p:nvSpPr>
         <p:spPr>
           <a:xfrm>
-            <a:off x="395536" y="199366"/>
-            <a:ext cx="8424936" cy="637346"/>
+            <a:off x="395536" y="322437"/>
+            <a:ext cx="8424936" cy="474946"/>
           </a:xfrm>
           <a:ln>
             <a:solidFill>
@@ -33086,14 +34734,14 @@
           <a:lstStyle/>
           <a:p>
             <a:r>
-              <a:rPr lang="en-US" altLang="ja-JP" sz="2800" dirty="0">
+              <a:rPr lang="en-US" altLang="ja-JP" sz="2400" dirty="0">
                 <a:latin typeface="Meiryo UI" panose="020B0604030504040204" pitchFamily="50" charset="-128"/>
                 <a:ea typeface="Meiryo UI" panose="020B0604030504040204" pitchFamily="50" charset="-128"/>
                 <a:cs typeface="Meiryo UI" panose="020B0604030504040204" pitchFamily="50" charset="-128"/>
               </a:rPr>
               <a:t>Is there a requirement for public domain?</a:t>
             </a:r>
-            <a:endParaRPr kumimoji="1" lang="ja-JP" altLang="en-US" sz="2800" strike="sngStrike" dirty="0">
+            <a:endParaRPr kumimoji="1" lang="ja-JP" altLang="en-US" sz="2400" strike="sngStrike" dirty="0">
               <a:solidFill>
                 <a:srgbClr val="FF0000"/>
               </a:solidFill>
@@ -33220,7 +34868,7 @@
               </a:spcAft>
             </a:pPr>
             <a:r>
-              <a:rPr lang="ja-JP" altLang="en-US" sz="2000" dirty="0">
+              <a:rPr lang="ja-JP" altLang="en-US" dirty="0">
                 <a:solidFill>
                   <a:schemeClr val="tx1"/>
                 </a:solidFill>
@@ -33231,7 +34879,7 @@
               <a:t>　</a:t>
             </a:r>
             <a:r>
-              <a:rPr lang="en-US" altLang="ja-JP" sz="2000" dirty="0">
+              <a:rPr lang="en-US" altLang="ja-JP" dirty="0">
                 <a:solidFill>
                   <a:schemeClr val="tx1"/>
                 </a:solidFill>
@@ -33316,7 +34964,7 @@
           <p:cNvPr id="11" name="テキスト ボックス 10">
             <a:extLst>
               <a:ext uri="{FF2B5EF4-FFF2-40B4-BE49-F238E27FC236}">
-                <a16:creationId xmlns:a16="http://schemas.microsoft.com/office/drawing/2014/main" id="{1F3C87A8-C9D5-403A-9141-1BF329374B2F}"/>
+                <a16:creationId xmlns="" xmlns:a16="http://schemas.microsoft.com/office/drawing/2014/main" id="{1F3C87A8-C9D5-403A-9141-1BF329374B2F}"/>
               </a:ext>
             </a:extLst>
           </p:cNvPr>
@@ -33362,7 +35010,7 @@
           <p:cNvPr id="12" name="テキスト ボックス 11">
             <a:extLst>
               <a:ext uri="{FF2B5EF4-FFF2-40B4-BE49-F238E27FC236}">
-                <a16:creationId xmlns:a16="http://schemas.microsoft.com/office/drawing/2014/main" id="{24F0EDEF-029D-495E-A67A-C555ABF10C90}"/>
+                <a16:creationId xmlns="" xmlns:a16="http://schemas.microsoft.com/office/drawing/2014/main" id="{24F0EDEF-029D-495E-A67A-C555ABF10C90}"/>
               </a:ext>
             </a:extLst>
           </p:cNvPr>
@@ -33423,7 +35071,7 @@
           <p:cNvPr id="13" name="テキスト ボックス 12">
             <a:extLst>
               <a:ext uri="{FF2B5EF4-FFF2-40B4-BE49-F238E27FC236}">
-                <a16:creationId xmlns:a16="http://schemas.microsoft.com/office/drawing/2014/main" id="{781F96EC-E865-43D7-B9AA-97413AD2BCE2}"/>
+                <a16:creationId xmlns="" xmlns:a16="http://schemas.microsoft.com/office/drawing/2014/main" id="{781F96EC-E865-43D7-B9AA-97413AD2BCE2}"/>
               </a:ext>
             </a:extLst>
           </p:cNvPr>
@@ -33484,7 +35132,7 @@
           <p:cNvPr id="21" name="スライド番号プレースホルダー 20">
             <a:extLst>
               <a:ext uri="{FF2B5EF4-FFF2-40B4-BE49-F238E27FC236}">
-                <a16:creationId xmlns:a16="http://schemas.microsoft.com/office/drawing/2014/main" id="{816BE19B-5420-4570-B8B7-F5209652DCED}"/>
+                <a16:creationId xmlns="" xmlns:a16="http://schemas.microsoft.com/office/drawing/2014/main" id="{816BE19B-5420-4570-B8B7-F5209652DCED}"/>
               </a:ext>
             </a:extLst>
           </p:cNvPr>
@@ -33505,6 +35153,43 @@
               <a:t>47</a:t>
             </a:fld>
             <a:endParaRPr kumimoji="1" lang="ja-JP" altLang="en-US"/>
+          </a:p>
+        </p:txBody>
+      </p:sp>
+      <p:sp>
+        <p:nvSpPr>
+          <p:cNvPr id="15" name="正方形/長方形 14"/>
+          <p:cNvSpPr/>
+          <p:nvPr/>
+        </p:nvSpPr>
+        <p:spPr>
+          <a:xfrm>
+            <a:off x="189082" y="13496"/>
+            <a:ext cx="958660" cy="369332"/>
+          </a:xfrm>
+          <a:prstGeom prst="rect">
+            <a:avLst/>
+          </a:prstGeom>
+        </p:spPr>
+        <p:txBody>
+          <a:bodyPr wrap="none">
+            <a:spAutoFit/>
+          </a:bodyPr>
+          <a:lstStyle/>
+          <a:p>
+            <a:r>
+              <a:rPr lang="ja-JP" altLang="en-US" dirty="0">
+                <a:hlinkClick r:id="rId3" action="ppaction://hlinksldjump"/>
+              </a:rPr>
+              <a:t>← </a:t>
+            </a:r>
+            <a:r>
+              <a:rPr lang="en-US" altLang="ja-JP" dirty="0" smtClean="0">
+                <a:hlinkClick r:id="rId3" action="ppaction://hlinksldjump"/>
+              </a:rPr>
+              <a:t>Index</a:t>
+            </a:r>
+            <a:endParaRPr lang="ja-JP" altLang="en-US" dirty="0"/>
           </a:p>
         </p:txBody>
       </p:sp>
@@ -33602,7 +35287,7 @@
         </p:nvSpPr>
         <p:spPr>
           <a:xfrm>
-            <a:off x="395536" y="199366"/>
+            <a:off x="395536" y="335831"/>
             <a:ext cx="8424936" cy="637346"/>
           </a:xfrm>
           <a:ln>
@@ -33671,7 +35356,7 @@
               <a:buChar char="u"/>
             </a:pPr>
             <a:r>
-              <a:rPr lang="en-US" altLang="ja-JP" sz="2000" dirty="0">
+              <a:rPr lang="en-US" altLang="ja-JP" sz="1800" dirty="0">
                 <a:latin typeface="Meiryo UI" panose="020B0604030504040204" pitchFamily="50" charset="-128"/>
                 <a:ea typeface="Meiryo UI" panose="020B0604030504040204" pitchFamily="50" charset="-128"/>
               </a:rPr>
@@ -33690,13 +35375,13 @@
               <a:buChar char="u"/>
             </a:pPr>
             <a:r>
-              <a:rPr lang="en-US" altLang="ja-JP" sz="2000" dirty="0">
+              <a:rPr lang="en-US" altLang="ja-JP" sz="1800" dirty="0">
                 <a:latin typeface="Meiryo UI" panose="020B0604030504040204" pitchFamily="50" charset="-128"/>
                 <a:ea typeface="Meiryo UI" panose="020B0604030504040204" pitchFamily="50" charset="-128"/>
               </a:rPr>
               <a:t>Therefore, when redistributing the software, we recommend that you include the README information as well.</a:t>
             </a:r>
-            <a:endParaRPr lang="en-US" altLang="ja-JP" sz="2000" dirty="0">
+            <a:endParaRPr lang="en-US" altLang="ja-JP" sz="1800" dirty="0">
               <a:latin typeface="Meiryo UI" panose="020B0604030504040204" pitchFamily="50" charset="-128"/>
               <a:ea typeface="Meiryo UI" panose="020B0604030504040204" pitchFamily="50" charset="-128"/>
               <a:cs typeface="Meiryo UI" panose="020B0604030504040204" pitchFamily="50" charset="-128"/>
@@ -33712,8 +35397,8 @@
         </p:nvSpPr>
         <p:spPr>
           <a:xfrm>
-            <a:off x="467544" y="1325668"/>
-            <a:ext cx="8280920" cy="1236566"/>
+            <a:off x="467544" y="1441402"/>
+            <a:ext cx="8280920" cy="1120831"/>
           </a:xfrm>
           <a:prstGeom prst="roundRect">
             <a:avLst/>
@@ -33747,7 +35432,7 @@
           <a:p>
             <a:pPr fontAlgn="ctr">
               <a:lnSpc>
-                <a:spcPts val="3000"/>
+                <a:spcPts val="2700"/>
               </a:lnSpc>
               <a:spcBef>
                 <a:spcPct val="0"/>
@@ -33757,7 +35442,7 @@
               </a:spcAft>
             </a:pPr>
             <a:r>
-              <a:rPr lang="ja-JP" altLang="en-US" sz="2000" dirty="0">
+              <a:rPr lang="ja-JP" altLang="en-US" dirty="0">
                 <a:solidFill>
                   <a:schemeClr val="tx1"/>
                 </a:solidFill>
@@ -33768,7 +35453,7 @@
               <a:t>　</a:t>
             </a:r>
             <a:r>
-              <a:rPr lang="en-US" altLang="ja-JP" sz="2000" dirty="0">
+              <a:rPr lang="en-US" altLang="ja-JP" dirty="0">
                 <a:solidFill>
                   <a:schemeClr val="tx1"/>
                 </a:solidFill>
@@ -33778,7 +35463,7 @@
               </a:rPr>
               <a:t>The README file of the OSS that I got says that it is public domain and that the developer is not responsible for it. Do I have to tell both of them when I redistribute it?</a:t>
             </a:r>
-            <a:endParaRPr lang="ja-JP" altLang="en-US" sz="2000" dirty="0">
+            <a:endParaRPr lang="ja-JP" altLang="en-US" dirty="0">
               <a:solidFill>
                 <a:schemeClr val="tx1"/>
               </a:solidFill>
@@ -33817,7 +35502,7 @@
           <p:cNvPr id="11" name="テキスト ボックス 10">
             <a:extLst>
               <a:ext uri="{FF2B5EF4-FFF2-40B4-BE49-F238E27FC236}">
-                <a16:creationId xmlns:a16="http://schemas.microsoft.com/office/drawing/2014/main" id="{1F3C87A8-C9D5-403A-9141-1BF329374B2F}"/>
+                <a16:creationId xmlns="" xmlns:a16="http://schemas.microsoft.com/office/drawing/2014/main" id="{1F3C87A8-C9D5-403A-9141-1BF329374B2F}"/>
               </a:ext>
             </a:extLst>
           </p:cNvPr>
@@ -33863,7 +35548,7 @@
           <p:cNvPr id="12" name="テキスト ボックス 11">
             <a:extLst>
               <a:ext uri="{FF2B5EF4-FFF2-40B4-BE49-F238E27FC236}">
-                <a16:creationId xmlns:a16="http://schemas.microsoft.com/office/drawing/2014/main" id="{24F0EDEF-029D-495E-A67A-C555ABF10C90}"/>
+                <a16:creationId xmlns="" xmlns:a16="http://schemas.microsoft.com/office/drawing/2014/main" id="{24F0EDEF-029D-495E-A67A-C555ABF10C90}"/>
               </a:ext>
             </a:extLst>
           </p:cNvPr>
@@ -33872,7 +35557,7 @@
         </p:nvSpPr>
         <p:spPr>
           <a:xfrm>
-            <a:off x="113828" y="476672"/>
+            <a:off x="113828" y="613137"/>
             <a:ext cx="2808782" cy="1015663"/>
           </a:xfrm>
           <a:prstGeom prst="rect">
@@ -33924,7 +35609,7 @@
           <p:cNvPr id="13" name="テキスト ボックス 12">
             <a:extLst>
               <a:ext uri="{FF2B5EF4-FFF2-40B4-BE49-F238E27FC236}">
-                <a16:creationId xmlns:a16="http://schemas.microsoft.com/office/drawing/2014/main" id="{781F96EC-E865-43D7-B9AA-97413AD2BCE2}"/>
+                <a16:creationId xmlns="" xmlns:a16="http://schemas.microsoft.com/office/drawing/2014/main" id="{781F96EC-E865-43D7-B9AA-97413AD2BCE2}"/>
               </a:ext>
             </a:extLst>
           </p:cNvPr>
@@ -34029,7 +35714,7 @@
           <p:cNvPr id="21" name="スライド番号プレースホルダー 20">
             <a:extLst>
               <a:ext uri="{FF2B5EF4-FFF2-40B4-BE49-F238E27FC236}">
-                <a16:creationId xmlns:a16="http://schemas.microsoft.com/office/drawing/2014/main" id="{F44A2D61-0A51-4EFA-AF66-A0AAB7138393}"/>
+                <a16:creationId xmlns="" xmlns:a16="http://schemas.microsoft.com/office/drawing/2014/main" id="{F44A2D61-0A51-4EFA-AF66-A0AAB7138393}"/>
               </a:ext>
             </a:extLst>
           </p:cNvPr>
@@ -34050,6 +35735,43 @@
               <a:t>48</a:t>
             </a:fld>
             <a:endParaRPr kumimoji="1" lang="ja-JP" altLang="en-US"/>
+          </a:p>
+        </p:txBody>
+      </p:sp>
+      <p:sp>
+        <p:nvSpPr>
+          <p:cNvPr id="15" name="正方形/長方形 14"/>
+          <p:cNvSpPr/>
+          <p:nvPr/>
+        </p:nvSpPr>
+        <p:spPr>
+          <a:xfrm>
+            <a:off x="189082" y="13496"/>
+            <a:ext cx="958660" cy="369332"/>
+          </a:xfrm>
+          <a:prstGeom prst="rect">
+            <a:avLst/>
+          </a:prstGeom>
+        </p:spPr>
+        <p:txBody>
+          <a:bodyPr wrap="none">
+            <a:spAutoFit/>
+          </a:bodyPr>
+          <a:lstStyle/>
+          <a:p>
+            <a:r>
+              <a:rPr lang="ja-JP" altLang="en-US" dirty="0">
+                <a:hlinkClick r:id="rId3" action="ppaction://hlinksldjump"/>
+              </a:rPr>
+              <a:t>← </a:t>
+            </a:r>
+            <a:r>
+              <a:rPr lang="en-US" altLang="ja-JP" dirty="0" smtClean="0">
+                <a:hlinkClick r:id="rId3" action="ppaction://hlinksldjump"/>
+              </a:rPr>
+              <a:t>Index</a:t>
+            </a:r>
+            <a:endParaRPr lang="ja-JP" altLang="en-US" dirty="0"/>
           </a:p>
         </p:txBody>
       </p:sp>
@@ -34091,8 +35813,8 @@
         </p:nvSpPr>
         <p:spPr>
           <a:xfrm>
-            <a:off x="467544" y="2708920"/>
-            <a:ext cx="8280920" cy="3672408"/>
+            <a:off x="467544" y="2788478"/>
+            <a:ext cx="8280920" cy="3592849"/>
           </a:xfrm>
           <a:prstGeom prst="rect">
             <a:avLst/>
@@ -34147,7 +35869,7 @@
         </p:nvSpPr>
         <p:spPr>
           <a:xfrm>
-            <a:off x="827584" y="116632"/>
+            <a:off x="827584" y="332657"/>
             <a:ext cx="7869560" cy="720079"/>
           </a:xfrm>
           <a:ln>
@@ -34305,7 +36027,7 @@
         <p:spPr>
           <a:xfrm>
             <a:off x="467544" y="3789040"/>
-            <a:ext cx="8219256" cy="2594957"/>
+            <a:ext cx="8280920" cy="2594957"/>
           </a:xfrm>
         </p:spPr>
         <p:txBody>
@@ -34319,7 +36041,7 @@
               <a:buChar char="u"/>
             </a:pPr>
             <a:r>
-              <a:rPr lang="en-US" altLang="ja-JP" sz="2000" dirty="0">
+              <a:rPr lang="en-US" altLang="ja-JP" sz="1800" dirty="0">
                 <a:latin typeface="Meiryo UI" panose="020B0604030504040204" pitchFamily="50" charset="-128"/>
                 <a:ea typeface="Meiryo UI" panose="020B0604030504040204" pitchFamily="50" charset="-128"/>
                 <a:cs typeface="Meiryo UI" panose="020B0604030504040204" pitchFamily="50" charset="-128"/>
@@ -34333,7 +36055,7 @@
               <a:buChar char="u"/>
             </a:pPr>
             <a:r>
-              <a:rPr lang="en-US" altLang="ja-JP" sz="2000" dirty="0">
+              <a:rPr lang="en-US" altLang="ja-JP" sz="1800" dirty="0">
                 <a:latin typeface="Meiryo UI" panose="020B0604030504040204" pitchFamily="50" charset="-128"/>
                 <a:ea typeface="Meiryo UI" panose="020B0604030504040204" pitchFamily="50" charset="-128"/>
                 <a:cs typeface="Meiryo UI" panose="020B0604030504040204" pitchFamily="50" charset="-128"/>
@@ -34347,7 +36069,7 @@
               <a:buChar char="u"/>
             </a:pPr>
             <a:r>
-              <a:rPr lang="en-US" altLang="ja-JP" sz="2000" dirty="0">
+              <a:rPr lang="en-US" altLang="ja-JP" sz="1800" dirty="0">
                 <a:latin typeface="Meiryo UI" panose="020B0604030504040204" pitchFamily="50" charset="-128"/>
                 <a:ea typeface="Meiryo UI" panose="020B0604030504040204" pitchFamily="50" charset="-128"/>
                 <a:cs typeface="Meiryo UI" panose="020B0604030504040204" pitchFamily="50" charset="-128"/>
@@ -34365,7 +36087,7 @@
         </p:nvSpPr>
         <p:spPr>
           <a:xfrm>
-            <a:off x="467544" y="1412776"/>
+            <a:off x="467544" y="1484784"/>
             <a:ext cx="8280920" cy="1224136"/>
           </a:xfrm>
           <a:prstGeom prst="roundRect">
@@ -34407,7 +36129,7 @@
               </a:spcAft>
             </a:pPr>
             <a:r>
-              <a:rPr lang="ja-JP" altLang="en-US" sz="2000" dirty="0">
+              <a:rPr lang="ja-JP" altLang="en-US" dirty="0">
                 <a:solidFill>
                   <a:schemeClr val="tx1"/>
                 </a:solidFill>
@@ -34418,7 +36140,7 @@
               <a:t>　</a:t>
             </a:r>
             <a:r>
-              <a:rPr lang="en-US" altLang="ja-JP" sz="2000" dirty="0">
+              <a:rPr lang="en-US" altLang="ja-JP" dirty="0">
                 <a:solidFill>
                   <a:schemeClr val="tx1"/>
                 </a:solidFill>
@@ -34439,7 +36161,7 @@
               </a:spcAft>
             </a:pPr>
             <a:r>
-              <a:rPr lang="ja-JP" altLang="en-US" sz="2000" dirty="0">
+              <a:rPr lang="ja-JP" altLang="en-US" dirty="0">
                 <a:solidFill>
                   <a:schemeClr val="tx1"/>
                 </a:solidFill>
@@ -34450,7 +36172,7 @@
               <a:t>　</a:t>
             </a:r>
             <a:r>
-              <a:rPr lang="en-US" altLang="ja-JP" sz="2000" dirty="0">
+              <a:rPr lang="en-US" altLang="ja-JP" dirty="0">
                 <a:solidFill>
                   <a:schemeClr val="tx1"/>
                 </a:solidFill>
@@ -34460,7 +36182,7 @@
               </a:rPr>
               <a:t>Can I assume there is no restrictions in including the program in my product? </a:t>
             </a:r>
-            <a:endParaRPr lang="ja-JP" altLang="en-US" sz="2000" dirty="0">
+            <a:endParaRPr lang="ja-JP" altLang="en-US" dirty="0">
               <a:solidFill>
                 <a:schemeClr val="tx1"/>
               </a:solidFill>
@@ -34479,7 +36201,7 @@
         </p:nvSpPr>
         <p:spPr>
           <a:xfrm>
-            <a:off x="113828" y="476672"/>
+            <a:off x="113828" y="620688"/>
             <a:ext cx="2808782" cy="1015663"/>
           </a:xfrm>
           <a:prstGeom prst="rect">
@@ -34653,7 +36375,7 @@
           <p:cNvPr id="11" name="テキスト ボックス 10">
             <a:extLst>
               <a:ext uri="{FF2B5EF4-FFF2-40B4-BE49-F238E27FC236}">
-                <a16:creationId xmlns:a16="http://schemas.microsoft.com/office/drawing/2014/main" id="{754F9331-8652-43EF-AEC7-0E42F96CC6FA}"/>
+                <a16:creationId xmlns="" xmlns:a16="http://schemas.microsoft.com/office/drawing/2014/main" id="{754F9331-8652-43EF-AEC7-0E42F96CC6FA}"/>
               </a:ext>
             </a:extLst>
           </p:cNvPr>
@@ -34717,7 +36439,7 @@
           <p:cNvPr id="21" name="スライド番号プレースホルダー 20">
             <a:extLst>
               <a:ext uri="{FF2B5EF4-FFF2-40B4-BE49-F238E27FC236}">
-                <a16:creationId xmlns:a16="http://schemas.microsoft.com/office/drawing/2014/main" id="{CC500F49-4BA7-4DD5-ADB4-2A84AF6413F6}"/>
+                <a16:creationId xmlns="" xmlns:a16="http://schemas.microsoft.com/office/drawing/2014/main" id="{CC500F49-4BA7-4DD5-ADB4-2A84AF6413F6}"/>
               </a:ext>
             </a:extLst>
           </p:cNvPr>
@@ -34738,6 +36460,43 @@
               <a:t>4</a:t>
             </a:fld>
             <a:endParaRPr kumimoji="1" lang="ja-JP" altLang="en-US"/>
+          </a:p>
+        </p:txBody>
+      </p:sp>
+      <p:sp>
+        <p:nvSpPr>
+          <p:cNvPr id="5" name="正方形/長方形 4"/>
+          <p:cNvSpPr/>
+          <p:nvPr/>
+        </p:nvSpPr>
+        <p:spPr>
+          <a:xfrm>
+            <a:off x="189082" y="13496"/>
+            <a:ext cx="958660" cy="369332"/>
+          </a:xfrm>
+          <a:prstGeom prst="rect">
+            <a:avLst/>
+          </a:prstGeom>
+        </p:spPr>
+        <p:txBody>
+          <a:bodyPr wrap="none">
+            <a:spAutoFit/>
+          </a:bodyPr>
+          <a:lstStyle/>
+          <a:p>
+            <a:r>
+              <a:rPr lang="ja-JP" altLang="en-US" dirty="0">
+                <a:hlinkClick r:id="rId3" action="ppaction://hlinksldjump"/>
+              </a:rPr>
+              <a:t>← </a:t>
+            </a:r>
+            <a:r>
+              <a:rPr lang="en-US" altLang="ja-JP" dirty="0" smtClean="0">
+                <a:hlinkClick r:id="rId3" action="ppaction://hlinksldjump"/>
+              </a:rPr>
+              <a:t>Index</a:t>
+            </a:r>
+            <a:endParaRPr lang="ja-JP" altLang="en-US" dirty="0"/>
           </a:p>
         </p:txBody>
       </p:sp>
@@ -34835,7 +36594,7 @@
         </p:nvSpPr>
         <p:spPr>
           <a:xfrm>
-            <a:off x="395536" y="199366"/>
+            <a:off x="395536" y="363817"/>
             <a:ext cx="8424936" cy="637346"/>
           </a:xfrm>
           <a:ln>
@@ -34880,7 +36639,7 @@
         </p:nvSpPr>
         <p:spPr>
           <a:xfrm>
-            <a:off x="457200" y="2852936"/>
+            <a:off x="457200" y="2996952"/>
             <a:ext cx="8291264" cy="3168352"/>
           </a:xfrm>
         </p:spPr>
@@ -34892,7 +36651,7 @@
           <a:p>
             <a:pPr fontAlgn="base">
               <a:lnSpc>
-                <a:spcPts val="2200"/>
+                <a:spcPts val="2100"/>
               </a:lnSpc>
               <a:spcBef>
                 <a:spcPts val="0"/>
@@ -34911,7 +36670,7 @@
           <a:p>
             <a:pPr fontAlgn="base">
               <a:lnSpc>
-                <a:spcPts val="2200"/>
+                <a:spcPts val="2100"/>
               </a:lnSpc>
               <a:spcBef>
                 <a:spcPts val="0"/>
@@ -34930,7 +36689,7 @@
           <a:p>
             <a:pPr fontAlgn="base">
               <a:lnSpc>
-                <a:spcPts val="2200"/>
+                <a:spcPts val="2100"/>
               </a:lnSpc>
               <a:spcBef>
                 <a:spcPts val="0"/>
@@ -34956,8 +36715,8 @@
         </p:nvSpPr>
         <p:spPr>
           <a:xfrm>
-            <a:off x="467544" y="1268760"/>
-            <a:ext cx="8280920" cy="915669"/>
+            <a:off x="467544" y="1482574"/>
+            <a:ext cx="8280920" cy="727420"/>
           </a:xfrm>
           <a:prstGeom prst="roundRect">
             <a:avLst/>
@@ -34991,7 +36750,7 @@
           <a:p>
             <a:pPr fontAlgn="ctr">
               <a:lnSpc>
-                <a:spcPts val="3000"/>
+                <a:spcPts val="2600"/>
               </a:lnSpc>
               <a:spcBef>
                 <a:spcPct val="0"/>
@@ -35001,7 +36760,7 @@
               </a:spcAft>
             </a:pPr>
             <a:r>
-              <a:rPr lang="ja-JP" altLang="en-US" sz="2000" dirty="0">
+              <a:rPr lang="ja-JP" altLang="en-US" dirty="0">
                 <a:solidFill>
                   <a:schemeClr val="tx1"/>
                 </a:solidFill>
@@ -35012,7 +36771,7 @@
               <a:t>　</a:t>
             </a:r>
             <a:r>
-              <a:rPr lang="en-US" altLang="ja-JP" sz="2000" dirty="0">
+              <a:rPr lang="en-US" altLang="ja-JP" dirty="0">
                 <a:solidFill>
                   <a:schemeClr val="tx1"/>
                 </a:solidFill>
@@ -35021,7 +36780,7 @@
               </a:rPr>
               <a:t> The license terms of the OSS I obtained prohibit commercial use. Can I use it within my company?</a:t>
             </a:r>
-            <a:endParaRPr lang="ja-JP" altLang="en-US" sz="2000" dirty="0">
+            <a:endParaRPr lang="ja-JP" altLang="en-US" dirty="0">
               <a:solidFill>
                 <a:schemeClr val="tx1"/>
               </a:solidFill>
@@ -35104,7 +36863,7 @@
           <p:cNvPr id="11" name="テキスト ボックス 10">
             <a:extLst>
               <a:ext uri="{FF2B5EF4-FFF2-40B4-BE49-F238E27FC236}">
-                <a16:creationId xmlns:a16="http://schemas.microsoft.com/office/drawing/2014/main" id="{1F3C87A8-C9D5-403A-9141-1BF329374B2F}"/>
+                <a16:creationId xmlns="" xmlns:a16="http://schemas.microsoft.com/office/drawing/2014/main" id="{1F3C87A8-C9D5-403A-9141-1BF329374B2F}"/>
               </a:ext>
             </a:extLst>
           </p:cNvPr>
@@ -35160,7 +36919,7 @@
           <p:cNvPr id="12" name="テキスト ボックス 11">
             <a:extLst>
               <a:ext uri="{FF2B5EF4-FFF2-40B4-BE49-F238E27FC236}">
-                <a16:creationId xmlns:a16="http://schemas.microsoft.com/office/drawing/2014/main" id="{24F0EDEF-029D-495E-A67A-C555ABF10C90}"/>
+                <a16:creationId xmlns="" xmlns:a16="http://schemas.microsoft.com/office/drawing/2014/main" id="{24F0EDEF-029D-495E-A67A-C555ABF10C90}"/>
               </a:ext>
             </a:extLst>
           </p:cNvPr>
@@ -35169,7 +36928,7 @@
         </p:nvSpPr>
         <p:spPr>
           <a:xfrm>
-            <a:off x="113828" y="469121"/>
+            <a:off x="113828" y="633572"/>
             <a:ext cx="2808782" cy="1015663"/>
           </a:xfrm>
           <a:prstGeom prst="rect">
@@ -35221,7 +36980,7 @@
           <p:cNvPr id="13" name="テキスト ボックス 12">
             <a:extLst>
               <a:ext uri="{FF2B5EF4-FFF2-40B4-BE49-F238E27FC236}">
-                <a16:creationId xmlns:a16="http://schemas.microsoft.com/office/drawing/2014/main" id="{781F96EC-E865-43D7-B9AA-97413AD2BCE2}"/>
+                <a16:creationId xmlns="" xmlns:a16="http://schemas.microsoft.com/office/drawing/2014/main" id="{781F96EC-E865-43D7-B9AA-97413AD2BCE2}"/>
               </a:ext>
             </a:extLst>
           </p:cNvPr>
@@ -35282,7 +37041,7 @@
           <p:cNvPr id="5" name="正方形/長方形 4">
             <a:extLst>
               <a:ext uri="{FF2B5EF4-FFF2-40B4-BE49-F238E27FC236}">
-                <a16:creationId xmlns:a16="http://schemas.microsoft.com/office/drawing/2014/main" id="{D19B027C-588F-4ADC-A831-6C0CD1EF5215}"/>
+                <a16:creationId xmlns="" xmlns:a16="http://schemas.microsoft.com/office/drawing/2014/main" id="{D19B027C-588F-4ADC-A831-6C0CD1EF5215}"/>
               </a:ext>
             </a:extLst>
           </p:cNvPr>
@@ -35329,7 +37088,7 @@
           <p:cNvPr id="22" name="スライド番号プレースホルダー 21">
             <a:extLst>
               <a:ext uri="{FF2B5EF4-FFF2-40B4-BE49-F238E27FC236}">
-                <a16:creationId xmlns:a16="http://schemas.microsoft.com/office/drawing/2014/main" id="{BAB77182-D05F-4D6E-BFD6-1536112B9C26}"/>
+                <a16:creationId xmlns="" xmlns:a16="http://schemas.microsoft.com/office/drawing/2014/main" id="{BAB77182-D05F-4D6E-BFD6-1536112B9C26}"/>
               </a:ext>
             </a:extLst>
           </p:cNvPr>
@@ -35350,6 +37109,43 @@
               <a:t>49</a:t>
             </a:fld>
             <a:endParaRPr kumimoji="1" lang="ja-JP" altLang="en-US"/>
+          </a:p>
+        </p:txBody>
+      </p:sp>
+      <p:sp>
+        <p:nvSpPr>
+          <p:cNvPr id="15" name="正方形/長方形 14"/>
+          <p:cNvSpPr/>
+          <p:nvPr/>
+        </p:nvSpPr>
+        <p:spPr>
+          <a:xfrm>
+            <a:off x="189082" y="13496"/>
+            <a:ext cx="958660" cy="369332"/>
+          </a:xfrm>
+          <a:prstGeom prst="rect">
+            <a:avLst/>
+          </a:prstGeom>
+        </p:spPr>
+        <p:txBody>
+          <a:bodyPr wrap="none">
+            <a:spAutoFit/>
+          </a:bodyPr>
+          <a:lstStyle/>
+          <a:p>
+            <a:r>
+              <a:rPr lang="ja-JP" altLang="en-US" dirty="0">
+                <a:hlinkClick r:id="rId3" action="ppaction://hlinksldjump"/>
+              </a:rPr>
+              <a:t>← </a:t>
+            </a:r>
+            <a:r>
+              <a:rPr lang="en-US" altLang="ja-JP" dirty="0" smtClean="0">
+                <a:hlinkClick r:id="rId3" action="ppaction://hlinksldjump"/>
+              </a:rPr>
+              <a:t>Index</a:t>
+            </a:r>
+            <a:endParaRPr lang="ja-JP" altLang="en-US" dirty="0"/>
           </a:p>
         </p:txBody>
       </p:sp>
@@ -35447,7 +37243,7 @@
         </p:nvSpPr>
         <p:spPr>
           <a:xfrm>
-            <a:off x="395536" y="199365"/>
+            <a:off x="395536" y="351399"/>
             <a:ext cx="8424936" cy="781363"/>
           </a:xfrm>
           <a:ln>
@@ -35465,14 +37261,14 @@
           <a:lstStyle/>
           <a:p>
             <a:r>
-              <a:rPr lang="en-US" altLang="ja-JP" sz="2000" dirty="0">
+              <a:rPr lang="en-US" altLang="ja-JP" sz="2400" dirty="0">
                 <a:latin typeface="Meiryo UI" panose="020B0604030504040204" pitchFamily="50" charset="-128"/>
                 <a:ea typeface="Meiryo UI" panose="020B0604030504040204" pitchFamily="50" charset="-128"/>
                 <a:cs typeface="Meiryo UI" panose="020B0604030504040204" pitchFamily="50" charset="-128"/>
               </a:rPr>
               <a:t>Can I use documents or diagrams on OSS for my product under the OSS license?</a:t>
             </a:r>
-            <a:endParaRPr kumimoji="1" lang="ja-JP" altLang="en-US" sz="2000" dirty="0">
+            <a:endParaRPr kumimoji="1" lang="ja-JP" altLang="en-US" sz="2400" dirty="0">
               <a:latin typeface="Meiryo UI" panose="020B0604030504040204" pitchFamily="50" charset="-128"/>
               <a:ea typeface="Meiryo UI" panose="020B0604030504040204" pitchFamily="50" charset="-128"/>
               <a:cs typeface="Meiryo UI" panose="020B0604030504040204" pitchFamily="50" charset="-128"/>
@@ -35513,7 +37309,7 @@
               <a:buChar char="u"/>
             </a:pPr>
             <a:r>
-              <a:rPr lang="en-US" altLang="ja-JP" sz="2000" dirty="0">
+              <a:rPr lang="en-US" altLang="ja-JP" sz="1800" dirty="0">
                 <a:latin typeface="Meiryo UI" panose="020B0604030504040204" pitchFamily="50" charset="-128"/>
                 <a:ea typeface="Meiryo UI" panose="020B0604030504040204" pitchFamily="50" charset="-128"/>
                 <a:cs typeface="Meiryo UI" panose="020B0604030504040204" pitchFamily="50" charset="-128"/>
@@ -35521,7 +37317,7 @@
               <a:t>You</a:t>
             </a:r>
             <a:r>
-              <a:rPr lang="ja-JP" altLang="en-US" sz="2000" dirty="0">
+              <a:rPr lang="ja-JP" altLang="en-US" sz="1800" dirty="0">
                 <a:latin typeface="Meiryo UI" panose="020B0604030504040204" pitchFamily="50" charset="-128"/>
                 <a:ea typeface="Meiryo UI" panose="020B0604030504040204" pitchFamily="50" charset="-128"/>
                 <a:cs typeface="Meiryo UI" panose="020B0604030504040204" pitchFamily="50" charset="-128"/>
@@ -35529,7 +37325,7 @@
               <a:t> </a:t>
             </a:r>
             <a:r>
-              <a:rPr lang="en-US" altLang="ja-JP" sz="2000" dirty="0">
+              <a:rPr lang="en-US" altLang="ja-JP" sz="1800" dirty="0">
                 <a:latin typeface="Meiryo UI" panose="020B0604030504040204" pitchFamily="50" charset="-128"/>
                 <a:ea typeface="Meiryo UI" panose="020B0604030504040204" pitchFamily="50" charset="-128"/>
                 <a:cs typeface="Meiryo UI" panose="020B0604030504040204" pitchFamily="50" charset="-128"/>
@@ -35549,7 +37345,7 @@
               <a:buChar char="u"/>
             </a:pPr>
             <a:r>
-              <a:rPr lang="en-US" altLang="ja-JP" sz="2000" dirty="0">
+              <a:rPr lang="en-US" altLang="ja-JP" sz="1800" dirty="0">
                 <a:latin typeface="Meiryo UI" panose="020B0604030504040204" pitchFamily="50" charset="-128"/>
                 <a:ea typeface="Meiryo UI" panose="020B0604030504040204" pitchFamily="50" charset="-128"/>
                 <a:cs typeface="Meiryo UI" panose="020B0604030504040204" pitchFamily="50" charset="-128"/>
@@ -35557,7 +37353,7 @@
               <a:t>Licensing</a:t>
             </a:r>
             <a:r>
-              <a:rPr lang="ja-JP" altLang="en-US" sz="2000" dirty="0">
+              <a:rPr lang="ja-JP" altLang="en-US" sz="1800" dirty="0">
                 <a:latin typeface="Meiryo UI" panose="020B0604030504040204" pitchFamily="50" charset="-128"/>
                 <a:ea typeface="Meiryo UI" panose="020B0604030504040204" pitchFamily="50" charset="-128"/>
                 <a:cs typeface="Meiryo UI" panose="020B0604030504040204" pitchFamily="50" charset="-128"/>
@@ -35565,7 +37361,7 @@
               <a:t> </a:t>
             </a:r>
             <a:r>
-              <a:rPr lang="en-US" altLang="ja-JP" sz="2000" dirty="0">
+              <a:rPr lang="en-US" altLang="ja-JP" sz="1800" dirty="0">
                 <a:latin typeface="Meiryo UI" panose="020B0604030504040204" pitchFamily="50" charset="-128"/>
                 <a:ea typeface="Meiryo UI" panose="020B0604030504040204" pitchFamily="50" charset="-128"/>
                 <a:cs typeface="Meiryo UI" panose="020B0604030504040204" pitchFamily="50" charset="-128"/>
@@ -35573,7 +37369,7 @@
               <a:t>terms</a:t>
             </a:r>
             <a:r>
-              <a:rPr lang="ja-JP" altLang="en-US" sz="2000" dirty="0">
+              <a:rPr lang="ja-JP" altLang="en-US" sz="1800" dirty="0">
                 <a:latin typeface="Meiryo UI" panose="020B0604030504040204" pitchFamily="50" charset="-128"/>
                 <a:ea typeface="Meiryo UI" panose="020B0604030504040204" pitchFamily="50" charset="-128"/>
                 <a:cs typeface="Meiryo UI" panose="020B0604030504040204" pitchFamily="50" charset="-128"/>
@@ -35581,7 +37377,7 @@
               <a:t> </a:t>
             </a:r>
             <a:r>
-              <a:rPr lang="en-US" altLang="ja-JP" sz="2000" dirty="0">
+              <a:rPr lang="en-US" altLang="ja-JP" sz="1800" dirty="0">
                 <a:latin typeface="Meiryo UI" panose="020B0604030504040204" pitchFamily="50" charset="-128"/>
                 <a:ea typeface="Meiryo UI" panose="020B0604030504040204" pitchFamily="50" charset="-128"/>
                 <a:cs typeface="Meiryo UI" panose="020B0604030504040204" pitchFamily="50" charset="-128"/>
@@ -35599,8 +37395,8 @@
         </p:nvSpPr>
         <p:spPr>
           <a:xfrm>
-            <a:off x="467544" y="1340768"/>
-            <a:ext cx="8280920" cy="1143744"/>
+            <a:off x="467544" y="1527411"/>
+            <a:ext cx="8280920" cy="1062469"/>
           </a:xfrm>
           <a:prstGeom prst="roundRect">
             <a:avLst/>
@@ -35634,7 +37430,7 @@
           <a:p>
             <a:pPr fontAlgn="ctr">
               <a:lnSpc>
-                <a:spcPts val="3000"/>
+                <a:spcPts val="2700"/>
               </a:lnSpc>
               <a:spcBef>
                 <a:spcPct val="0"/>
@@ -35644,7 +37440,7 @@
               </a:spcAft>
             </a:pPr>
             <a:r>
-              <a:rPr lang="ja-JP" altLang="en-US" sz="2000" dirty="0">
+              <a:rPr lang="ja-JP" altLang="en-US" dirty="0">
                 <a:solidFill>
                   <a:schemeClr val="tx1"/>
                 </a:solidFill>
@@ -35655,7 +37451,7 @@
               <a:t>　</a:t>
             </a:r>
             <a:r>
-              <a:rPr lang="en-US" altLang="ja-JP" sz="2000" dirty="0">
+              <a:rPr lang="en-US" altLang="ja-JP" dirty="0">
                 <a:solidFill>
                   <a:schemeClr val="tx1"/>
                 </a:solidFill>
@@ -35665,7 +37461,7 @@
               </a:rPr>
               <a:t> Can I assume to be able to use the documents or diagrams on an OSS community’s website for my product under the same license terms as the OSS?</a:t>
             </a:r>
-            <a:endParaRPr lang="ja-JP" altLang="en-US" sz="2000" dirty="0">
+            <a:endParaRPr lang="ja-JP" altLang="en-US" dirty="0">
               <a:solidFill>
                 <a:schemeClr val="tx1"/>
               </a:solidFill>
@@ -35748,7 +37544,7 @@
           <p:cNvPr id="11" name="テキスト ボックス 10">
             <a:extLst>
               <a:ext uri="{FF2B5EF4-FFF2-40B4-BE49-F238E27FC236}">
-                <a16:creationId xmlns:a16="http://schemas.microsoft.com/office/drawing/2014/main" id="{1F3C87A8-C9D5-403A-9141-1BF329374B2F}"/>
+                <a16:creationId xmlns="" xmlns:a16="http://schemas.microsoft.com/office/drawing/2014/main" id="{1F3C87A8-C9D5-403A-9141-1BF329374B2F}"/>
               </a:ext>
             </a:extLst>
           </p:cNvPr>
@@ -35842,7 +37638,7 @@
           <p:cNvPr id="12" name="テキスト ボックス 11">
             <a:extLst>
               <a:ext uri="{FF2B5EF4-FFF2-40B4-BE49-F238E27FC236}">
-                <a16:creationId xmlns:a16="http://schemas.microsoft.com/office/drawing/2014/main" id="{24F0EDEF-029D-495E-A67A-C555ABF10C90}"/>
+                <a16:creationId xmlns="" xmlns:a16="http://schemas.microsoft.com/office/drawing/2014/main" id="{24F0EDEF-029D-495E-A67A-C555ABF10C90}"/>
               </a:ext>
             </a:extLst>
           </p:cNvPr>
@@ -35851,7 +37647,7 @@
         </p:nvSpPr>
         <p:spPr>
           <a:xfrm>
-            <a:off x="107504" y="625444"/>
+            <a:off x="107504" y="777478"/>
             <a:ext cx="2545890" cy="923330"/>
           </a:xfrm>
           <a:prstGeom prst="rect">
@@ -35903,7 +37699,7 @@
           <p:cNvPr id="13" name="テキスト ボックス 12">
             <a:extLst>
               <a:ext uri="{FF2B5EF4-FFF2-40B4-BE49-F238E27FC236}">
-                <a16:creationId xmlns:a16="http://schemas.microsoft.com/office/drawing/2014/main" id="{781F96EC-E865-43D7-B9AA-97413AD2BCE2}"/>
+                <a16:creationId xmlns="" xmlns:a16="http://schemas.microsoft.com/office/drawing/2014/main" id="{781F96EC-E865-43D7-B9AA-97413AD2BCE2}"/>
               </a:ext>
             </a:extLst>
           </p:cNvPr>
@@ -35912,7 +37708,7 @@
         </p:nvSpPr>
         <p:spPr>
           <a:xfrm>
-            <a:off x="403920" y="2431904"/>
+            <a:off x="403920" y="2505670"/>
             <a:ext cx="2182008" cy="923330"/>
           </a:xfrm>
           <a:prstGeom prst="rect">
@@ -35964,7 +37760,7 @@
           <p:cNvPr id="21" name="スライド番号プレースホルダー 20">
             <a:extLst>
               <a:ext uri="{FF2B5EF4-FFF2-40B4-BE49-F238E27FC236}">
-                <a16:creationId xmlns:a16="http://schemas.microsoft.com/office/drawing/2014/main" id="{1FF8B5B1-DBCE-4780-AED5-B8009FC4BE02}"/>
+                <a16:creationId xmlns="" xmlns:a16="http://schemas.microsoft.com/office/drawing/2014/main" id="{1FF8B5B1-DBCE-4780-AED5-B8009FC4BE02}"/>
               </a:ext>
             </a:extLst>
           </p:cNvPr>
@@ -35985,6 +37781,43 @@
               <a:t>50</a:t>
             </a:fld>
             <a:endParaRPr kumimoji="1" lang="ja-JP" altLang="en-US"/>
+          </a:p>
+        </p:txBody>
+      </p:sp>
+      <p:sp>
+        <p:nvSpPr>
+          <p:cNvPr id="15" name="正方形/長方形 14"/>
+          <p:cNvSpPr/>
+          <p:nvPr/>
+        </p:nvSpPr>
+        <p:spPr>
+          <a:xfrm>
+            <a:off x="189082" y="13496"/>
+            <a:ext cx="958660" cy="369332"/>
+          </a:xfrm>
+          <a:prstGeom prst="rect">
+            <a:avLst/>
+          </a:prstGeom>
+        </p:spPr>
+        <p:txBody>
+          <a:bodyPr wrap="none">
+            <a:spAutoFit/>
+          </a:bodyPr>
+          <a:lstStyle/>
+          <a:p>
+            <a:r>
+              <a:rPr lang="ja-JP" altLang="en-US" dirty="0">
+                <a:hlinkClick r:id="rId3" action="ppaction://hlinksldjump"/>
+              </a:rPr>
+              <a:t>← </a:t>
+            </a:r>
+            <a:r>
+              <a:rPr lang="en-US" altLang="ja-JP" dirty="0" smtClean="0">
+                <a:hlinkClick r:id="rId3" action="ppaction://hlinksldjump"/>
+              </a:rPr>
+              <a:t>Index</a:t>
+            </a:r>
+            <a:endParaRPr lang="ja-JP" altLang="en-US" dirty="0"/>
           </a:p>
         </p:txBody>
       </p:sp>
@@ -36082,7 +37915,7 @@
         </p:nvSpPr>
         <p:spPr>
           <a:xfrm>
-            <a:off x="395536" y="199366"/>
+            <a:off x="395536" y="343382"/>
             <a:ext cx="8424936" cy="709354"/>
           </a:xfrm>
           <a:ln>
@@ -36143,7 +37976,7 @@
               <a:buChar char="u"/>
             </a:pPr>
             <a:r>
-              <a:rPr lang="en-US" altLang="ja-JP" sz="2000" dirty="0">
+              <a:rPr lang="en-US" altLang="ja-JP" sz="1800" dirty="0">
                 <a:latin typeface="Meiryo UI" panose="020B0604030504040204" pitchFamily="50" charset="-128"/>
                 <a:ea typeface="Meiryo UI" panose="020B0604030504040204" pitchFamily="50" charset="-128"/>
                 <a:cs typeface="Meiryo UI" panose="020B0604030504040204" pitchFamily="50" charset="-128"/>
@@ -36163,7 +37996,7 @@
               <a:buChar char="u"/>
             </a:pPr>
             <a:r>
-              <a:rPr lang="en-US" altLang="ja-JP" sz="2000" dirty="0">
+              <a:rPr lang="en-US" altLang="ja-JP" sz="1800" dirty="0">
                 <a:latin typeface="Meiryo UI" panose="020B0604030504040204" pitchFamily="50" charset="-128"/>
                 <a:ea typeface="Meiryo UI" panose="020B0604030504040204" pitchFamily="50" charset="-128"/>
                 <a:cs typeface="Meiryo UI" panose="020B0604030504040204" pitchFamily="50" charset="-128"/>
@@ -36182,14 +38015,14 @@
               <a:buNone/>
             </a:pPr>
             <a:r>
-              <a:rPr lang="ja-JP" altLang="en-US" sz="2000" dirty="0">
+              <a:rPr lang="ja-JP" altLang="en-US" sz="1800" dirty="0">
                 <a:latin typeface="Meiryo UI" panose="020B0604030504040204" pitchFamily="50" charset="-128"/>
                 <a:ea typeface="Meiryo UI" panose="020B0604030504040204" pitchFamily="50" charset="-128"/>
                 <a:cs typeface="Meiryo UI" panose="020B0604030504040204" pitchFamily="50" charset="-128"/>
               </a:rPr>
               <a:t>　</a:t>
             </a:r>
-            <a:endParaRPr lang="en-US" altLang="ja-JP" sz="2000" dirty="0">
+            <a:endParaRPr lang="en-US" altLang="ja-JP" sz="1800" dirty="0">
               <a:latin typeface="Meiryo UI" panose="020B0604030504040204" pitchFamily="50" charset="-128"/>
               <a:ea typeface="Meiryo UI" panose="020B0604030504040204" pitchFamily="50" charset="-128"/>
               <a:cs typeface="Meiryo UI" panose="020B0604030504040204" pitchFamily="50" charset="-128"/>
@@ -36205,8 +38038,8 @@
         </p:nvSpPr>
         <p:spPr>
           <a:xfrm>
-            <a:off x="467544" y="1340768"/>
-            <a:ext cx="8280920" cy="1224136"/>
+            <a:off x="467544" y="1549240"/>
+            <a:ext cx="8280920" cy="1015663"/>
           </a:xfrm>
           <a:prstGeom prst="roundRect">
             <a:avLst/>
@@ -36346,7 +38179,7 @@
           <p:cNvPr id="11" name="テキスト ボックス 10">
             <a:extLst>
               <a:ext uri="{FF2B5EF4-FFF2-40B4-BE49-F238E27FC236}">
-                <a16:creationId xmlns:a16="http://schemas.microsoft.com/office/drawing/2014/main" id="{1F3C87A8-C9D5-403A-9141-1BF329374B2F}"/>
+                <a16:creationId xmlns="" xmlns:a16="http://schemas.microsoft.com/office/drawing/2014/main" id="{1F3C87A8-C9D5-403A-9141-1BF329374B2F}"/>
               </a:ext>
             </a:extLst>
           </p:cNvPr>
@@ -36423,7 +38256,7 @@
           <p:cNvPr id="12" name="テキスト ボックス 11">
             <a:extLst>
               <a:ext uri="{FF2B5EF4-FFF2-40B4-BE49-F238E27FC236}">
-                <a16:creationId xmlns:a16="http://schemas.microsoft.com/office/drawing/2014/main" id="{24F0EDEF-029D-495E-A67A-C555ABF10C90}"/>
+                <a16:creationId xmlns="" xmlns:a16="http://schemas.microsoft.com/office/drawing/2014/main" id="{24F0EDEF-029D-495E-A67A-C555ABF10C90}"/>
               </a:ext>
             </a:extLst>
           </p:cNvPr>
@@ -36432,7 +38265,7 @@
         </p:nvSpPr>
         <p:spPr>
           <a:xfrm>
-            <a:off x="107034" y="541129"/>
+            <a:off x="107034" y="685145"/>
             <a:ext cx="2808782" cy="1015663"/>
           </a:xfrm>
           <a:prstGeom prst="rect">
@@ -36484,7 +38317,7 @@
           <p:cNvPr id="13" name="テキスト ボックス 12">
             <a:extLst>
               <a:ext uri="{FF2B5EF4-FFF2-40B4-BE49-F238E27FC236}">
-                <a16:creationId xmlns:a16="http://schemas.microsoft.com/office/drawing/2014/main" id="{781F96EC-E865-43D7-B9AA-97413AD2BCE2}"/>
+                <a16:creationId xmlns="" xmlns:a16="http://schemas.microsoft.com/office/drawing/2014/main" id="{781F96EC-E865-43D7-B9AA-97413AD2BCE2}"/>
               </a:ext>
             </a:extLst>
           </p:cNvPr>
@@ -36545,7 +38378,7 @@
           <p:cNvPr id="21" name="スライド番号プレースホルダー 20">
             <a:extLst>
               <a:ext uri="{FF2B5EF4-FFF2-40B4-BE49-F238E27FC236}">
-                <a16:creationId xmlns:a16="http://schemas.microsoft.com/office/drawing/2014/main" id="{EBEA6CF3-5103-4783-B49E-F221C5F2A55D}"/>
+                <a16:creationId xmlns="" xmlns:a16="http://schemas.microsoft.com/office/drawing/2014/main" id="{EBEA6CF3-5103-4783-B49E-F221C5F2A55D}"/>
               </a:ext>
             </a:extLst>
           </p:cNvPr>
@@ -36566,6 +38399,43 @@
               <a:t>51</a:t>
             </a:fld>
             <a:endParaRPr kumimoji="1" lang="ja-JP" altLang="en-US"/>
+          </a:p>
+        </p:txBody>
+      </p:sp>
+      <p:sp>
+        <p:nvSpPr>
+          <p:cNvPr id="15" name="正方形/長方形 14"/>
+          <p:cNvSpPr/>
+          <p:nvPr/>
+        </p:nvSpPr>
+        <p:spPr>
+          <a:xfrm>
+            <a:off x="189082" y="13496"/>
+            <a:ext cx="958660" cy="369332"/>
+          </a:xfrm>
+          <a:prstGeom prst="rect">
+            <a:avLst/>
+          </a:prstGeom>
+        </p:spPr>
+        <p:txBody>
+          <a:bodyPr wrap="none">
+            <a:spAutoFit/>
+          </a:bodyPr>
+          <a:lstStyle/>
+          <a:p>
+            <a:r>
+              <a:rPr lang="ja-JP" altLang="en-US" dirty="0">
+                <a:hlinkClick r:id="rId3" action="ppaction://hlinksldjump"/>
+              </a:rPr>
+              <a:t>← </a:t>
+            </a:r>
+            <a:r>
+              <a:rPr lang="en-US" altLang="ja-JP" dirty="0" smtClean="0">
+                <a:hlinkClick r:id="rId3" action="ppaction://hlinksldjump"/>
+              </a:rPr>
+              <a:t>Index</a:t>
+            </a:r>
+            <a:endParaRPr lang="ja-JP" altLang="en-US" dirty="0"/>
           </a:p>
         </p:txBody>
       </p:sp>
@@ -36663,7 +38533,7 @@
         </p:nvSpPr>
         <p:spPr>
           <a:xfrm>
-            <a:off x="395536" y="199366"/>
+            <a:off x="395536" y="333006"/>
             <a:ext cx="8424936" cy="709354"/>
           </a:xfrm>
           <a:ln>
@@ -36703,8 +38573,8 @@
         </p:nvSpPr>
         <p:spPr>
           <a:xfrm>
-            <a:off x="457200" y="3637474"/>
-            <a:ext cx="8291264" cy="2671845"/>
+            <a:off x="457200" y="3811687"/>
+            <a:ext cx="8291264" cy="2497632"/>
           </a:xfrm>
         </p:spPr>
         <p:txBody>
@@ -36724,7 +38594,7 @@
               <a:buChar char="u"/>
             </a:pPr>
             <a:r>
-              <a:rPr lang="en-US" altLang="ja-JP" sz="2000" dirty="0">
+              <a:rPr lang="en-US" altLang="ja-JP" sz="1800" dirty="0">
                 <a:latin typeface="Meiryo UI" panose="020B0604030504040204" pitchFamily="50" charset="-128"/>
                 <a:ea typeface="Meiryo UI" panose="020B0604030504040204" pitchFamily="50" charset="-128"/>
                 <a:cs typeface="Meiryo UI" panose="020B0604030504040204" pitchFamily="50" charset="-128"/>
@@ -36744,7 +38614,7 @@
               <a:buChar char="u"/>
             </a:pPr>
             <a:r>
-              <a:rPr lang="en-US" altLang="ja-JP" sz="2000" dirty="0">
+              <a:rPr lang="en-US" altLang="ja-JP" sz="1800" dirty="0">
                 <a:latin typeface="Meiryo UI" panose="020B0604030504040204" pitchFamily="50" charset="-128"/>
                 <a:ea typeface="Meiryo UI" panose="020B0604030504040204" pitchFamily="50" charset="-128"/>
                 <a:cs typeface="Meiryo UI" panose="020B0604030504040204" pitchFamily="50" charset="-128"/>
@@ -36762,8 +38632,8 @@
         </p:nvSpPr>
         <p:spPr>
           <a:xfrm>
-            <a:off x="467544" y="1340767"/>
-            <a:ext cx="8280920" cy="1303695"/>
+            <a:off x="467544" y="1556792"/>
+            <a:ext cx="8280920" cy="1087670"/>
           </a:xfrm>
           <a:prstGeom prst="roundRect">
             <a:avLst/>
@@ -36807,7 +38677,7 @@
               </a:spcAft>
             </a:pPr>
             <a:r>
-              <a:rPr lang="ja-JP" altLang="en-US" sz="2000" dirty="0">
+              <a:rPr lang="ja-JP" altLang="en-US" dirty="0">
                 <a:solidFill>
                   <a:schemeClr val="tx1"/>
                 </a:solidFill>
@@ -36818,7 +38688,7 @@
               <a:t>　</a:t>
             </a:r>
             <a:r>
-              <a:rPr lang="en-US" altLang="ja-JP" sz="2000" dirty="0">
+              <a:rPr lang="en-US" altLang="ja-JP" dirty="0">
                 <a:solidFill>
                   <a:schemeClr val="tx1"/>
                 </a:solidFill>
@@ -36828,7 +38698,7 @@
               </a:rPr>
               <a:t>I would like to incorporate sample codes published in books and magazines that introduce OSS into my products, can I use them freely?</a:t>
             </a:r>
-            <a:endParaRPr lang="ja-JP" altLang="en-US" sz="2000" dirty="0">
+            <a:endParaRPr lang="ja-JP" altLang="en-US" dirty="0">
               <a:solidFill>
                 <a:schemeClr val="tx1"/>
               </a:solidFill>
@@ -36847,8 +38717,8 @@
         </p:nvSpPr>
         <p:spPr>
           <a:xfrm>
-            <a:off x="3131840" y="2803575"/>
-            <a:ext cx="3744416" cy="769441"/>
+            <a:off x="3131840" y="2947591"/>
+            <a:ext cx="1368152" cy="769441"/>
           </a:xfrm>
           <a:prstGeom prst="rect">
             <a:avLst/>
@@ -36911,7 +38781,7 @@
           <p:cNvPr id="11" name="テキスト ボックス 10">
             <a:extLst>
               <a:ext uri="{FF2B5EF4-FFF2-40B4-BE49-F238E27FC236}">
-                <a16:creationId xmlns:a16="http://schemas.microsoft.com/office/drawing/2014/main" id="{1F3C87A8-C9D5-403A-9141-1BF329374B2F}"/>
+                <a16:creationId xmlns="" xmlns:a16="http://schemas.microsoft.com/office/drawing/2014/main" id="{1F3C87A8-C9D5-403A-9141-1BF329374B2F}"/>
               </a:ext>
             </a:extLst>
           </p:cNvPr>
@@ -36967,7 +38837,7 @@
           <p:cNvPr id="12" name="テキスト ボックス 11">
             <a:extLst>
               <a:ext uri="{FF2B5EF4-FFF2-40B4-BE49-F238E27FC236}">
-                <a16:creationId xmlns:a16="http://schemas.microsoft.com/office/drawing/2014/main" id="{24F0EDEF-029D-495E-A67A-C555ABF10C90}"/>
+                <a16:creationId xmlns="" xmlns:a16="http://schemas.microsoft.com/office/drawing/2014/main" id="{24F0EDEF-029D-495E-A67A-C555ABF10C90}"/>
               </a:ext>
             </a:extLst>
           </p:cNvPr>
@@ -36976,7 +38846,7 @@
         </p:nvSpPr>
         <p:spPr>
           <a:xfrm>
-            <a:off x="63254" y="551505"/>
+            <a:off x="63254" y="685145"/>
             <a:ext cx="2808782" cy="1015663"/>
           </a:xfrm>
           <a:prstGeom prst="rect">
@@ -37028,7 +38898,7 @@
           <p:cNvPr id="13" name="テキスト ボックス 12">
             <a:extLst>
               <a:ext uri="{FF2B5EF4-FFF2-40B4-BE49-F238E27FC236}">
-                <a16:creationId xmlns:a16="http://schemas.microsoft.com/office/drawing/2014/main" id="{781F96EC-E865-43D7-B9AA-97413AD2BCE2}"/>
+                <a16:creationId xmlns="" xmlns:a16="http://schemas.microsoft.com/office/drawing/2014/main" id="{781F96EC-E865-43D7-B9AA-97413AD2BCE2}"/>
               </a:ext>
             </a:extLst>
           </p:cNvPr>
@@ -37037,7 +38907,7 @@
         </p:nvSpPr>
         <p:spPr>
           <a:xfrm>
-            <a:off x="403920" y="2374196"/>
+            <a:off x="403920" y="2557353"/>
             <a:ext cx="2401619" cy="1015663"/>
           </a:xfrm>
           <a:prstGeom prst="rect">
@@ -37089,7 +38959,7 @@
           <p:cNvPr id="21" name="スライド番号プレースホルダー 20">
             <a:extLst>
               <a:ext uri="{FF2B5EF4-FFF2-40B4-BE49-F238E27FC236}">
-                <a16:creationId xmlns:a16="http://schemas.microsoft.com/office/drawing/2014/main" id="{4147A3F5-1C15-4F5C-82F9-BD041F6B9554}"/>
+                <a16:creationId xmlns="" xmlns:a16="http://schemas.microsoft.com/office/drawing/2014/main" id="{4147A3F5-1C15-4F5C-82F9-BD041F6B9554}"/>
               </a:ext>
             </a:extLst>
           </p:cNvPr>
@@ -37110,6 +38980,43 @@
               <a:t>52</a:t>
             </a:fld>
             <a:endParaRPr kumimoji="1" lang="ja-JP" altLang="en-US"/>
+          </a:p>
+        </p:txBody>
+      </p:sp>
+      <p:sp>
+        <p:nvSpPr>
+          <p:cNvPr id="15" name="正方形/長方形 14"/>
+          <p:cNvSpPr/>
+          <p:nvPr/>
+        </p:nvSpPr>
+        <p:spPr>
+          <a:xfrm>
+            <a:off x="189082" y="13496"/>
+            <a:ext cx="958660" cy="369332"/>
+          </a:xfrm>
+          <a:prstGeom prst="rect">
+            <a:avLst/>
+          </a:prstGeom>
+        </p:spPr>
+        <p:txBody>
+          <a:bodyPr wrap="none">
+            <a:spAutoFit/>
+          </a:bodyPr>
+          <a:lstStyle/>
+          <a:p>
+            <a:r>
+              <a:rPr lang="ja-JP" altLang="en-US" dirty="0">
+                <a:hlinkClick r:id="rId3" action="ppaction://hlinksldjump"/>
+              </a:rPr>
+              <a:t>← </a:t>
+            </a:r>
+            <a:r>
+              <a:rPr lang="en-US" altLang="ja-JP" dirty="0" smtClean="0">
+                <a:hlinkClick r:id="rId3" action="ppaction://hlinksldjump"/>
+              </a:rPr>
+              <a:t>Index</a:t>
+            </a:r>
+            <a:endParaRPr lang="ja-JP" altLang="en-US" dirty="0"/>
           </a:p>
         </p:txBody>
       </p:sp>
@@ -37151,8 +39058,8 @@
         </p:nvSpPr>
         <p:spPr>
           <a:xfrm>
-            <a:off x="467544" y="2492896"/>
-            <a:ext cx="8280920" cy="3816425"/>
+            <a:off x="467544" y="2642131"/>
+            <a:ext cx="8280920" cy="3667190"/>
           </a:xfrm>
           <a:prstGeom prst="rect">
             <a:avLst/>
@@ -37207,7 +39114,7 @@
         </p:nvSpPr>
         <p:spPr>
           <a:xfrm>
-            <a:off x="395536" y="199366"/>
+            <a:off x="395536" y="343382"/>
             <a:ext cx="8424936" cy="709354"/>
           </a:xfrm>
           <a:ln>
@@ -37273,7 +39180,7 @@
               <a:buChar char="u"/>
             </a:pPr>
             <a:r>
-              <a:rPr lang="en-US" altLang="ja-JP" sz="2000" dirty="0">
+              <a:rPr lang="en-US" altLang="ja-JP" sz="1800" dirty="0">
                 <a:latin typeface="Meiryo UI" panose="020B0604030504040204" pitchFamily="50" charset="-128"/>
                 <a:ea typeface="Meiryo UI" panose="020B0604030504040204" pitchFamily="50" charset="-128"/>
               </a:rPr>
@@ -37292,7 +39199,7 @@
               <a:buChar char="u"/>
             </a:pPr>
             <a:r>
-              <a:rPr lang="en-US" altLang="ja-JP" sz="2000" dirty="0">
+              <a:rPr lang="en-US" altLang="ja-JP" sz="1800" dirty="0">
                 <a:latin typeface="Meiryo UI" panose="020B0604030504040204" pitchFamily="50" charset="-128"/>
                 <a:ea typeface="Meiryo UI" panose="020B0604030504040204" pitchFamily="50" charset="-128"/>
               </a:rPr>
@@ -37309,8 +39216,8 @@
         </p:nvSpPr>
         <p:spPr>
           <a:xfrm>
-            <a:off x="467544" y="1340767"/>
-            <a:ext cx="8280920" cy="1105099"/>
+            <a:off x="467544" y="1527405"/>
+            <a:ext cx="8280920" cy="1067695"/>
           </a:xfrm>
           <a:prstGeom prst="roundRect">
             <a:avLst/>
@@ -37351,7 +39258,7 @@
               </a:spcAft>
             </a:pPr>
             <a:r>
-              <a:rPr lang="en-US" altLang="ja-JP" sz="2000" dirty="0">
+              <a:rPr lang="en-US" altLang="ja-JP" dirty="0">
                 <a:solidFill>
                   <a:schemeClr val="tx1"/>
                 </a:solidFill>
@@ -37360,7 +39267,7 @@
               </a:rPr>
               <a:t>  Since we can use OSS freely, do we need to take into account the license conditions of the OSS built into the product in the license agreement?</a:t>
             </a:r>
-            <a:endParaRPr lang="ja-JP" altLang="en-US" sz="2000" dirty="0">
+            <a:endParaRPr lang="ja-JP" altLang="en-US" dirty="0">
               <a:solidFill>
                 <a:schemeClr val="tx1"/>
               </a:solidFill>
@@ -37399,7 +39306,7 @@
           <p:cNvPr id="11" name="テキスト ボックス 10">
             <a:extLst>
               <a:ext uri="{FF2B5EF4-FFF2-40B4-BE49-F238E27FC236}">
-                <a16:creationId xmlns:a16="http://schemas.microsoft.com/office/drawing/2014/main" id="{1F3C87A8-C9D5-403A-9141-1BF329374B2F}"/>
+                <a16:creationId xmlns="" xmlns:a16="http://schemas.microsoft.com/office/drawing/2014/main" id="{1F3C87A8-C9D5-403A-9141-1BF329374B2F}"/>
               </a:ext>
             </a:extLst>
           </p:cNvPr>
@@ -37455,7 +39362,7 @@
           <p:cNvPr id="12" name="テキスト ボックス 11">
             <a:extLst>
               <a:ext uri="{FF2B5EF4-FFF2-40B4-BE49-F238E27FC236}">
-                <a16:creationId xmlns:a16="http://schemas.microsoft.com/office/drawing/2014/main" id="{24F0EDEF-029D-495E-A67A-C555ABF10C90}"/>
+                <a16:creationId xmlns="" xmlns:a16="http://schemas.microsoft.com/office/drawing/2014/main" id="{24F0EDEF-029D-495E-A67A-C555ABF10C90}"/>
               </a:ext>
             </a:extLst>
           </p:cNvPr>
@@ -37464,7 +39371,7 @@
         </p:nvSpPr>
         <p:spPr>
           <a:xfrm>
-            <a:off x="113828" y="541129"/>
+            <a:off x="113828" y="685145"/>
             <a:ext cx="2808782" cy="1015663"/>
           </a:xfrm>
           <a:prstGeom prst="rect">
@@ -37516,7 +39423,7 @@
           <p:cNvPr id="13" name="テキスト ボックス 12">
             <a:extLst>
               <a:ext uri="{FF2B5EF4-FFF2-40B4-BE49-F238E27FC236}">
-                <a16:creationId xmlns:a16="http://schemas.microsoft.com/office/drawing/2014/main" id="{781F96EC-E865-43D7-B9AA-97413AD2BCE2}"/>
+                <a16:creationId xmlns="" xmlns:a16="http://schemas.microsoft.com/office/drawing/2014/main" id="{781F96EC-E865-43D7-B9AA-97413AD2BCE2}"/>
               </a:ext>
             </a:extLst>
           </p:cNvPr>
@@ -37525,7 +39432,7 @@
         </p:nvSpPr>
         <p:spPr>
           <a:xfrm>
-            <a:off x="403920" y="2276872"/>
+            <a:off x="403920" y="2420888"/>
             <a:ext cx="2401619" cy="1015663"/>
           </a:xfrm>
           <a:prstGeom prst="rect">
@@ -37580,7 +39487,7 @@
         </p:nvSpPr>
         <p:spPr>
           <a:xfrm>
-            <a:off x="3131840" y="2731567"/>
+            <a:off x="3131840" y="2875583"/>
             <a:ext cx="2088232" cy="769441"/>
           </a:xfrm>
           <a:prstGeom prst="rect">
@@ -37621,7 +39528,7 @@
           <p:cNvPr id="21" name="スライド番号プレースホルダー 20">
             <a:extLst>
               <a:ext uri="{FF2B5EF4-FFF2-40B4-BE49-F238E27FC236}">
-                <a16:creationId xmlns:a16="http://schemas.microsoft.com/office/drawing/2014/main" id="{1018A4E3-A451-4AC6-B825-37595A58619D}"/>
+                <a16:creationId xmlns="" xmlns:a16="http://schemas.microsoft.com/office/drawing/2014/main" id="{1018A4E3-A451-4AC6-B825-37595A58619D}"/>
               </a:ext>
             </a:extLst>
           </p:cNvPr>
@@ -37642,6 +39549,43 @@
               <a:t>53</a:t>
             </a:fld>
             <a:endParaRPr kumimoji="1" lang="ja-JP" altLang="en-US"/>
+          </a:p>
+        </p:txBody>
+      </p:sp>
+      <p:sp>
+        <p:nvSpPr>
+          <p:cNvPr id="15" name="正方形/長方形 14"/>
+          <p:cNvSpPr/>
+          <p:nvPr/>
+        </p:nvSpPr>
+        <p:spPr>
+          <a:xfrm>
+            <a:off x="189082" y="13496"/>
+            <a:ext cx="958660" cy="369332"/>
+          </a:xfrm>
+          <a:prstGeom prst="rect">
+            <a:avLst/>
+          </a:prstGeom>
+        </p:spPr>
+        <p:txBody>
+          <a:bodyPr wrap="none">
+            <a:spAutoFit/>
+          </a:bodyPr>
+          <a:lstStyle/>
+          <a:p>
+            <a:r>
+              <a:rPr lang="ja-JP" altLang="en-US" dirty="0">
+                <a:hlinkClick r:id="rId3" action="ppaction://hlinksldjump"/>
+              </a:rPr>
+              <a:t>← </a:t>
+            </a:r>
+            <a:r>
+              <a:rPr lang="en-US" altLang="ja-JP" dirty="0" smtClean="0">
+                <a:hlinkClick r:id="rId3" action="ppaction://hlinksldjump"/>
+              </a:rPr>
+              <a:t>Index</a:t>
+            </a:r>
+            <a:endParaRPr lang="ja-JP" altLang="en-US" dirty="0"/>
           </a:p>
         </p:txBody>
       </p:sp>
@@ -37683,8 +39627,8 @@
         </p:nvSpPr>
         <p:spPr>
           <a:xfrm>
-            <a:off x="467544" y="2562235"/>
-            <a:ext cx="8280920" cy="3747085"/>
+            <a:off x="467544" y="2659559"/>
+            <a:ext cx="8280920" cy="3649761"/>
           </a:xfrm>
           <a:prstGeom prst="rect">
             <a:avLst/>
@@ -37739,7 +39683,7 @@
         </p:nvSpPr>
         <p:spPr>
           <a:xfrm>
-            <a:off x="395536" y="199366"/>
+            <a:off x="395536" y="335831"/>
             <a:ext cx="8424936" cy="637346"/>
           </a:xfrm>
           <a:ln>
@@ -37779,7 +39723,7 @@
         </p:nvSpPr>
         <p:spPr>
           <a:xfrm>
-            <a:off x="467544" y="3356992"/>
+            <a:off x="467544" y="3565467"/>
             <a:ext cx="8291264" cy="2671845"/>
           </a:xfrm>
         </p:spPr>
@@ -37800,7 +39744,7 @@
               <a:buChar char="u"/>
             </a:pPr>
             <a:r>
-              <a:rPr lang="en-US" altLang="ja-JP" sz="2000" dirty="0">
+              <a:rPr lang="en-US" altLang="ja-JP" sz="1800" dirty="0">
                 <a:latin typeface="Meiryo UI" panose="020B0604030504040204" pitchFamily="50" charset="-128"/>
                 <a:ea typeface="Meiryo UI" panose="020B0604030504040204" pitchFamily="50" charset="-128"/>
               </a:rPr>
@@ -37819,7 +39763,7 @@
               <a:buChar char="u"/>
             </a:pPr>
             <a:r>
-              <a:rPr lang="en-US" altLang="ja-JP" sz="2000" dirty="0">
+              <a:rPr lang="en-US" altLang="ja-JP" sz="1800" dirty="0">
                 <a:latin typeface="Meiryo UI" panose="020B0604030504040204" pitchFamily="50" charset="-128"/>
                 <a:ea typeface="Meiryo UI" panose="020B0604030504040204" pitchFamily="50" charset="-128"/>
               </a:rPr>
@@ -37838,7 +39782,7 @@
               <a:buChar char="u"/>
             </a:pPr>
             <a:r>
-              <a:rPr lang="en-US" altLang="ja-JP" sz="2000" dirty="0">
+              <a:rPr lang="en-US" altLang="ja-JP" sz="1800" dirty="0">
                 <a:latin typeface="Meiryo UI" panose="020B0604030504040204" pitchFamily="50" charset="-128"/>
                 <a:ea typeface="Meiryo UI" panose="020B0604030504040204" pitchFamily="50" charset="-128"/>
               </a:rPr>
@@ -37856,7 +39800,7 @@
               <a:buFont typeface="Wingdings" panose="05000000000000000000" pitchFamily="2" charset="2"/>
               <a:buChar char="u"/>
             </a:pPr>
-            <a:endParaRPr lang="en-US" altLang="ja-JP" sz="2000" dirty="0" err="1">
+            <a:endParaRPr lang="en-US" altLang="ja-JP" sz="1800" dirty="0" err="1">
               <a:latin typeface="Meiryo UI" panose="020B0604030504040204" pitchFamily="50" charset="-128"/>
               <a:ea typeface="Meiryo UI" panose="020B0604030504040204" pitchFamily="50" charset="-128"/>
             </a:endParaRPr>
@@ -37871,7 +39815,7 @@
         </p:nvSpPr>
         <p:spPr>
           <a:xfrm>
-            <a:off x="467544" y="1340768"/>
+            <a:off x="467544" y="1487453"/>
             <a:ext cx="8280920" cy="1077451"/>
           </a:xfrm>
           <a:prstGeom prst="roundRect">
@@ -37955,8 +39899,8 @@
         </p:nvSpPr>
         <p:spPr>
           <a:xfrm>
-            <a:off x="3131840" y="2659559"/>
-            <a:ext cx="3744416" cy="769441"/>
+            <a:off x="3131840" y="2875583"/>
+            <a:ext cx="1584176" cy="769441"/>
           </a:xfrm>
           <a:prstGeom prst="rect">
             <a:avLst/>
@@ -38019,7 +39963,7 @@
           <p:cNvPr id="11" name="テキスト ボックス 10">
             <a:extLst>
               <a:ext uri="{FF2B5EF4-FFF2-40B4-BE49-F238E27FC236}">
-                <a16:creationId xmlns:a16="http://schemas.microsoft.com/office/drawing/2014/main" id="{1F3C87A8-C9D5-403A-9141-1BF329374B2F}"/>
+                <a16:creationId xmlns="" xmlns:a16="http://schemas.microsoft.com/office/drawing/2014/main" id="{1F3C87A8-C9D5-403A-9141-1BF329374B2F}"/>
               </a:ext>
             </a:extLst>
           </p:cNvPr>
@@ -38096,7 +40040,7 @@
           <p:cNvPr id="12" name="テキスト ボックス 11">
             <a:extLst>
               <a:ext uri="{FF2B5EF4-FFF2-40B4-BE49-F238E27FC236}">
-                <a16:creationId xmlns:a16="http://schemas.microsoft.com/office/drawing/2014/main" id="{24F0EDEF-029D-495E-A67A-C555ABF10C90}"/>
+                <a16:creationId xmlns="" xmlns:a16="http://schemas.microsoft.com/office/drawing/2014/main" id="{24F0EDEF-029D-495E-A67A-C555ABF10C90}"/>
               </a:ext>
             </a:extLst>
           </p:cNvPr>
@@ -38105,7 +40049,7 @@
         </p:nvSpPr>
         <p:spPr>
           <a:xfrm>
-            <a:off x="113828" y="476672"/>
+            <a:off x="113828" y="613137"/>
             <a:ext cx="2808782" cy="1015663"/>
           </a:xfrm>
           <a:prstGeom prst="rect">
@@ -38157,7 +40101,7 @@
           <p:cNvPr id="13" name="テキスト ボックス 12">
             <a:extLst>
               <a:ext uri="{FF2B5EF4-FFF2-40B4-BE49-F238E27FC236}">
-                <a16:creationId xmlns:a16="http://schemas.microsoft.com/office/drawing/2014/main" id="{781F96EC-E865-43D7-B9AA-97413AD2BCE2}"/>
+                <a16:creationId xmlns="" xmlns:a16="http://schemas.microsoft.com/office/drawing/2014/main" id="{781F96EC-E865-43D7-B9AA-97413AD2BCE2}"/>
               </a:ext>
             </a:extLst>
           </p:cNvPr>
@@ -38166,7 +40110,7 @@
         </p:nvSpPr>
         <p:spPr>
           <a:xfrm>
-            <a:off x="403920" y="2230180"/>
+            <a:off x="403920" y="2485345"/>
             <a:ext cx="2401619" cy="1015663"/>
           </a:xfrm>
           <a:prstGeom prst="rect">
@@ -38218,7 +40162,7 @@
           <p:cNvPr id="21" name="スライド番号プレースホルダー 20">
             <a:extLst>
               <a:ext uri="{FF2B5EF4-FFF2-40B4-BE49-F238E27FC236}">
-                <a16:creationId xmlns:a16="http://schemas.microsoft.com/office/drawing/2014/main" id="{7B6C7C25-2E2C-477E-84A9-4D7B69609325}"/>
+                <a16:creationId xmlns="" xmlns:a16="http://schemas.microsoft.com/office/drawing/2014/main" id="{7B6C7C25-2E2C-477E-84A9-4D7B69609325}"/>
               </a:ext>
             </a:extLst>
           </p:cNvPr>
@@ -38239,6 +40183,43 @@
               <a:t>54</a:t>
             </a:fld>
             <a:endParaRPr kumimoji="1" lang="ja-JP" altLang="en-US"/>
+          </a:p>
+        </p:txBody>
+      </p:sp>
+      <p:sp>
+        <p:nvSpPr>
+          <p:cNvPr id="15" name="正方形/長方形 14"/>
+          <p:cNvSpPr/>
+          <p:nvPr/>
+        </p:nvSpPr>
+        <p:spPr>
+          <a:xfrm>
+            <a:off x="189082" y="13496"/>
+            <a:ext cx="958660" cy="369332"/>
+          </a:xfrm>
+          <a:prstGeom prst="rect">
+            <a:avLst/>
+          </a:prstGeom>
+        </p:spPr>
+        <p:txBody>
+          <a:bodyPr wrap="none">
+            <a:spAutoFit/>
+          </a:bodyPr>
+          <a:lstStyle/>
+          <a:p>
+            <a:r>
+              <a:rPr lang="ja-JP" altLang="en-US" dirty="0">
+                <a:hlinkClick r:id="rId3" action="ppaction://hlinksldjump"/>
+              </a:rPr>
+              <a:t>← </a:t>
+            </a:r>
+            <a:r>
+              <a:rPr lang="en-US" altLang="ja-JP" dirty="0" smtClean="0">
+                <a:hlinkClick r:id="rId3" action="ppaction://hlinksldjump"/>
+              </a:rPr>
+              <a:t>Index</a:t>
+            </a:r>
+            <a:endParaRPr lang="ja-JP" altLang="en-US" dirty="0"/>
           </a:p>
         </p:txBody>
       </p:sp>
@@ -38277,7 +40258,7 @@
           <p:cNvPr id="2" name="タイトル 1">
             <a:extLst>
               <a:ext uri="{FF2B5EF4-FFF2-40B4-BE49-F238E27FC236}">
-                <a16:creationId xmlns:a16="http://schemas.microsoft.com/office/drawing/2014/main" id="{052515C4-96C5-4525-802A-9C22A205D5F3}"/>
+                <a16:creationId xmlns="" xmlns:a16="http://schemas.microsoft.com/office/drawing/2014/main" id="{052515C4-96C5-4525-802A-9C22A205D5F3}"/>
               </a:ext>
             </a:extLst>
           </p:cNvPr>
@@ -38311,7 +40292,7 @@
           <p:cNvPr id="3" name="コンテンツ プレースホルダー 2">
             <a:extLst>
               <a:ext uri="{FF2B5EF4-FFF2-40B4-BE49-F238E27FC236}">
-                <a16:creationId xmlns:a16="http://schemas.microsoft.com/office/drawing/2014/main" id="{E042F5E5-F065-440B-B6D9-1E2FBB49EF98}"/>
+                <a16:creationId xmlns="" xmlns:a16="http://schemas.microsoft.com/office/drawing/2014/main" id="{E042F5E5-F065-440B-B6D9-1E2FBB49EF98}"/>
               </a:ext>
             </a:extLst>
           </p:cNvPr>
@@ -38335,6 +40316,13 @@
                 <a:ea typeface="Meiryo UI" panose="020B0604030504040204" pitchFamily="50" charset="-128"/>
               </a:rPr>
               <a:t>proprietary software</a:t>
+            </a:r>
+            <a:r>
+              <a:rPr lang="en-US" altLang="ja-JP" sz="1800" dirty="0">
+                <a:latin typeface="Meiryo UI" panose="020B0604030504040204" pitchFamily="50" charset="-128"/>
+                <a:ea typeface="Meiryo UI" panose="020B0604030504040204" pitchFamily="50" charset="-128"/>
+              </a:rPr>
+              <a:t/>
             </a:r>
             <a:br>
               <a:rPr lang="en-US" altLang="ja-JP" sz="1800" dirty="0">
@@ -38384,6 +40372,13 @@
               </a:rPr>
               <a:t>license compatibility</a:t>
             </a:r>
+            <a:r>
+              <a:rPr lang="en-US" altLang="ja-JP" sz="1800" dirty="0">
+                <a:latin typeface="Meiryo UI" panose="020B0604030504040204" pitchFamily="50" charset="-128"/>
+                <a:ea typeface="Meiryo UI" panose="020B0604030504040204" pitchFamily="50" charset="-128"/>
+              </a:rPr>
+              <a:t/>
+            </a:r>
             <a:br>
               <a:rPr lang="en-US" altLang="ja-JP" sz="1800" dirty="0">
                 <a:latin typeface="Meiryo UI" panose="020B0604030504040204" pitchFamily="50" charset="-128"/>
@@ -38493,7 +40488,7 @@
           <p:cNvPr id="4" name="フッター プレースホルダー 3">
             <a:extLst>
               <a:ext uri="{FF2B5EF4-FFF2-40B4-BE49-F238E27FC236}">
-                <a16:creationId xmlns:a16="http://schemas.microsoft.com/office/drawing/2014/main" id="{55023027-03E2-417B-89BD-54CC023B8461}"/>
+                <a16:creationId xmlns="" xmlns:a16="http://schemas.microsoft.com/office/drawing/2014/main" id="{55023027-03E2-417B-89BD-54CC023B8461}"/>
               </a:ext>
             </a:extLst>
           </p:cNvPr>
@@ -38522,7 +40517,7 @@
           <p:cNvPr id="15" name="スライド番号プレースホルダー 14">
             <a:extLst>
               <a:ext uri="{FF2B5EF4-FFF2-40B4-BE49-F238E27FC236}">
-                <a16:creationId xmlns:a16="http://schemas.microsoft.com/office/drawing/2014/main" id="{BCF43DB9-7EDE-4FBC-B9A6-5E98BC164CF6}"/>
+                <a16:creationId xmlns="" xmlns:a16="http://schemas.microsoft.com/office/drawing/2014/main" id="{BCF43DB9-7EDE-4FBC-B9A6-5E98BC164CF6}"/>
               </a:ext>
             </a:extLst>
           </p:cNvPr>
@@ -38543,6 +40538,43 @@
               <a:t>55</a:t>
             </a:fld>
             <a:endParaRPr kumimoji="1" lang="ja-JP" altLang="en-US"/>
+          </a:p>
+        </p:txBody>
+      </p:sp>
+      <p:sp>
+        <p:nvSpPr>
+          <p:cNvPr id="7" name="正方形/長方形 6"/>
+          <p:cNvSpPr/>
+          <p:nvPr/>
+        </p:nvSpPr>
+        <p:spPr>
+          <a:xfrm>
+            <a:off x="189082" y="13496"/>
+            <a:ext cx="958660" cy="369332"/>
+          </a:xfrm>
+          <a:prstGeom prst="rect">
+            <a:avLst/>
+          </a:prstGeom>
+        </p:spPr>
+        <p:txBody>
+          <a:bodyPr wrap="none">
+            <a:spAutoFit/>
+          </a:bodyPr>
+          <a:lstStyle/>
+          <a:p>
+            <a:r>
+              <a:rPr lang="ja-JP" altLang="en-US" dirty="0">
+                <a:hlinkClick r:id="rId2" action="ppaction://hlinksldjump"/>
+              </a:rPr>
+              <a:t>← </a:t>
+            </a:r>
+            <a:r>
+              <a:rPr lang="en-US" altLang="ja-JP" dirty="0" smtClean="0">
+                <a:hlinkClick r:id="rId2" action="ppaction://hlinksldjump"/>
+              </a:rPr>
+              <a:t>Index</a:t>
+            </a:r>
+            <a:endParaRPr lang="ja-JP" altLang="en-US" dirty="0"/>
           </a:p>
         </p:txBody>
       </p:sp>
@@ -38768,6 +40800,13 @@
               </a:rPr>
               <a:t>https://lists.linuxfoundation.org/mailman/listinfo/openchain-japan-wg</a:t>
             </a:r>
+            <a:r>
+              <a:rPr lang="en-US" altLang="ja-JP" dirty="0">
+                <a:latin typeface="メイリオ" panose="020B0604030504040204" pitchFamily="50" charset="-128"/>
+                <a:ea typeface="メイリオ" panose="020B0604030504040204" pitchFamily="50" charset="-128"/>
+              </a:rPr>
+              <a:t/>
+            </a:r>
             <a:br>
               <a:rPr lang="en-US" altLang="ja-JP" dirty="0">
                 <a:latin typeface="メイリオ" panose="020B0604030504040204" pitchFamily="50" charset="-128"/>
@@ -38856,8 +40895,8 @@
         </p:nvSpPr>
         <p:spPr>
           <a:xfrm>
-            <a:off x="467544" y="2996952"/>
-            <a:ext cx="8280920" cy="3384375"/>
+            <a:off x="467544" y="3161876"/>
+            <a:ext cx="8280920" cy="3219451"/>
           </a:xfrm>
           <a:prstGeom prst="rect">
             <a:avLst/>
@@ -38912,7 +40951,7 @@
         </p:nvSpPr>
         <p:spPr>
           <a:xfrm>
-            <a:off x="440998" y="185507"/>
+            <a:off x="440998" y="332656"/>
             <a:ext cx="8212191" cy="648072"/>
           </a:xfrm>
           <a:ln>
@@ -38930,14 +40969,14 @@
           <a:lstStyle/>
           <a:p>
             <a:r>
-              <a:rPr lang="en-US" altLang="ja-JP" sz="2200" dirty="0">
+              <a:rPr lang="en-US" altLang="ja-JP" sz="2400" dirty="0">
                 <a:latin typeface="Meiryo UI" panose="020B0604030504040204" pitchFamily="50" charset="-128"/>
                 <a:ea typeface="Meiryo UI" panose="020B0604030504040204" pitchFamily="50" charset="-128"/>
                 <a:cs typeface="Meiryo UI" panose="020B0604030504040204" pitchFamily="50" charset="-128"/>
               </a:rPr>
               <a:t>Can I use the same OSS my colleagues have already used without problem?</a:t>
             </a:r>
-            <a:endParaRPr kumimoji="1" lang="ja-JP" altLang="en-US" sz="2200" dirty="0">
+            <a:endParaRPr kumimoji="1" lang="ja-JP" altLang="en-US" sz="2400" dirty="0">
               <a:latin typeface="Meiryo UI" panose="020B0604030504040204" pitchFamily="50" charset="-128"/>
               <a:ea typeface="Meiryo UI" panose="020B0604030504040204" pitchFamily="50" charset="-128"/>
               <a:cs typeface="Meiryo UI" panose="020B0604030504040204" pitchFamily="50" charset="-128"/>
@@ -39004,7 +41043,7 @@
         </p:nvSpPr>
         <p:spPr>
           <a:xfrm>
-            <a:off x="467544" y="1268761"/>
+            <a:off x="467544" y="1463878"/>
             <a:ext cx="8280920" cy="1605082"/>
           </a:xfrm>
           <a:prstGeom prst="roundRect">
@@ -39086,7 +41125,7 @@
         </p:nvSpPr>
         <p:spPr>
           <a:xfrm>
-            <a:off x="113828" y="476672"/>
+            <a:off x="113828" y="613137"/>
             <a:ext cx="2808782" cy="1015663"/>
           </a:xfrm>
           <a:prstGeom prst="rect">
@@ -39141,7 +41180,7 @@
         </p:nvSpPr>
         <p:spPr>
           <a:xfrm>
-            <a:off x="436113" y="2708920"/>
+            <a:off x="436113" y="2852936"/>
             <a:ext cx="2401619" cy="1015663"/>
           </a:xfrm>
           <a:prstGeom prst="rect">
@@ -39196,7 +41235,7 @@
         </p:nvSpPr>
         <p:spPr>
           <a:xfrm>
-            <a:off x="3059832" y="3045302"/>
+            <a:off x="3059832" y="3163615"/>
             <a:ext cx="1944216" cy="769441"/>
           </a:xfrm>
           <a:prstGeom prst="rect">
@@ -39260,7 +41299,7 @@
           <p:cNvPr id="11" name="テキスト ボックス 10">
             <a:extLst>
               <a:ext uri="{FF2B5EF4-FFF2-40B4-BE49-F238E27FC236}">
-                <a16:creationId xmlns:a16="http://schemas.microsoft.com/office/drawing/2014/main" id="{3224FE39-BAEA-4CD9-B412-F0BA506C14A4}"/>
+                <a16:creationId xmlns="" xmlns:a16="http://schemas.microsoft.com/office/drawing/2014/main" id="{3224FE39-BAEA-4CD9-B412-F0BA506C14A4}"/>
               </a:ext>
             </a:extLst>
           </p:cNvPr>
@@ -39316,7 +41355,7 @@
           <p:cNvPr id="12" name="テキスト ボックス 11">
             <a:extLst>
               <a:ext uri="{FF2B5EF4-FFF2-40B4-BE49-F238E27FC236}">
-                <a16:creationId xmlns:a16="http://schemas.microsoft.com/office/drawing/2014/main" id="{D727DA9C-9E06-4E5E-904B-9FE18FC0F557}"/>
+                <a16:creationId xmlns="" xmlns:a16="http://schemas.microsoft.com/office/drawing/2014/main" id="{D727DA9C-9E06-4E5E-904B-9FE18FC0F557}"/>
               </a:ext>
             </a:extLst>
           </p:cNvPr>
@@ -39372,7 +41411,7 @@
           <p:cNvPr id="22" name="スライド番号プレースホルダー 21">
             <a:extLst>
               <a:ext uri="{FF2B5EF4-FFF2-40B4-BE49-F238E27FC236}">
-                <a16:creationId xmlns:a16="http://schemas.microsoft.com/office/drawing/2014/main" id="{497DE090-F4E5-4F85-99B9-81E7590FA80F}"/>
+                <a16:creationId xmlns="" xmlns:a16="http://schemas.microsoft.com/office/drawing/2014/main" id="{497DE090-F4E5-4F85-99B9-81E7590FA80F}"/>
               </a:ext>
             </a:extLst>
           </p:cNvPr>
@@ -39393,6 +41432,43 @@
               <a:t>5</a:t>
             </a:fld>
             <a:endParaRPr kumimoji="1" lang="ja-JP" altLang="en-US"/>
+          </a:p>
+        </p:txBody>
+      </p:sp>
+      <p:sp>
+        <p:nvSpPr>
+          <p:cNvPr id="13" name="正方形/長方形 12"/>
+          <p:cNvSpPr/>
+          <p:nvPr/>
+        </p:nvSpPr>
+        <p:spPr>
+          <a:xfrm>
+            <a:off x="189082" y="13496"/>
+            <a:ext cx="958660" cy="369332"/>
+          </a:xfrm>
+          <a:prstGeom prst="rect">
+            <a:avLst/>
+          </a:prstGeom>
+        </p:spPr>
+        <p:txBody>
+          <a:bodyPr wrap="none">
+            <a:spAutoFit/>
+          </a:bodyPr>
+          <a:lstStyle/>
+          <a:p>
+            <a:r>
+              <a:rPr lang="ja-JP" altLang="en-US" dirty="0">
+                <a:hlinkClick r:id="rId3" action="ppaction://hlinksldjump"/>
+              </a:rPr>
+              <a:t>← </a:t>
+            </a:r>
+            <a:r>
+              <a:rPr lang="en-US" altLang="ja-JP" dirty="0" smtClean="0">
+                <a:hlinkClick r:id="rId3" action="ppaction://hlinksldjump"/>
+              </a:rPr>
+              <a:t>Index</a:t>
+            </a:r>
+            <a:endParaRPr lang="ja-JP" altLang="en-US" dirty="0"/>
           </a:p>
         </p:txBody>
       </p:sp>
@@ -39490,7 +41566,7 @@
         </p:nvSpPr>
         <p:spPr>
           <a:xfrm>
-            <a:off x="425152" y="199366"/>
+            <a:off x="425152" y="343382"/>
             <a:ext cx="8323312" cy="637346"/>
           </a:xfrm>
           <a:ln>
@@ -39560,6 +41636,13 @@
               </a:rPr>
               <a:t>In some cases, trademark rights have been obtained for OSS names and logos, and their use in product names may violate the Unfair Competition Prevention Law. In addition, some OSS prohibit the use of the OSS name as a selling point of the product by license, so you cannot use it without permission.</a:t>
             </a:r>
+            <a:r>
+              <a:rPr lang="en-US" altLang="ja-JP" sz="1600" dirty="0">
+                <a:latin typeface="Meiryo UI" panose="020B0604030504040204" pitchFamily="50" charset="-128"/>
+                <a:ea typeface="Meiryo UI" panose="020B0604030504040204" pitchFamily="50" charset="-128"/>
+              </a:rPr>
+              <a:t/>
+            </a:r>
             <a:br>
               <a:rPr lang="en-US" altLang="ja-JP" sz="1600" dirty="0">
                 <a:latin typeface="Meiryo UI" panose="020B0604030504040204" pitchFamily="50" charset="-128"/>
@@ -39595,6 +41678,13 @@
                 <a:ea typeface="Meiryo UI" panose="020B0604030504040204" pitchFamily="50" charset="-128"/>
               </a:rPr>
               <a:t> Example: Guidelines for the use of Linux trademarks</a:t>
+            </a:r>
+            <a:r>
+              <a:rPr lang="ja-JP" altLang="en-US" sz="1600" dirty="0">
+                <a:latin typeface="Meiryo UI" panose="020B0604030504040204" pitchFamily="50" charset="-128"/>
+                <a:ea typeface="Meiryo UI" panose="020B0604030504040204" pitchFamily="50" charset="-128"/>
+              </a:rPr>
+              <a:t/>
             </a:r>
             <a:br>
               <a:rPr lang="ja-JP" altLang="en-US" sz="1600" dirty="0">
@@ -39649,8 +41739,8 @@
         </p:nvSpPr>
         <p:spPr>
           <a:xfrm>
-            <a:off x="467544" y="1325668"/>
-            <a:ext cx="8280920" cy="930770"/>
+            <a:off x="467544" y="1490118"/>
+            <a:ext cx="8280920" cy="881070"/>
           </a:xfrm>
           <a:prstGeom prst="roundRect">
             <a:avLst/>
@@ -39803,7 +41893,7 @@
           <p:cNvPr id="11" name="テキスト ボックス 10">
             <a:extLst>
               <a:ext uri="{FF2B5EF4-FFF2-40B4-BE49-F238E27FC236}">
-                <a16:creationId xmlns:a16="http://schemas.microsoft.com/office/drawing/2014/main" id="{1F3C87A8-C9D5-403A-9141-1BF329374B2F}"/>
+                <a16:creationId xmlns="" xmlns:a16="http://schemas.microsoft.com/office/drawing/2014/main" id="{1F3C87A8-C9D5-403A-9141-1BF329374B2F}"/>
               </a:ext>
             </a:extLst>
           </p:cNvPr>
@@ -39859,7 +41949,7 @@
           <p:cNvPr id="12" name="テキスト ボックス 11">
             <a:extLst>
               <a:ext uri="{FF2B5EF4-FFF2-40B4-BE49-F238E27FC236}">
-                <a16:creationId xmlns:a16="http://schemas.microsoft.com/office/drawing/2014/main" id="{24F0EDEF-029D-495E-A67A-C555ABF10C90}"/>
+                <a16:creationId xmlns="" xmlns:a16="http://schemas.microsoft.com/office/drawing/2014/main" id="{24F0EDEF-029D-495E-A67A-C555ABF10C90}"/>
               </a:ext>
             </a:extLst>
           </p:cNvPr>
@@ -39868,7 +41958,7 @@
         </p:nvSpPr>
         <p:spPr>
           <a:xfrm>
-            <a:off x="113828" y="476672"/>
+            <a:off x="113828" y="641122"/>
             <a:ext cx="2808782" cy="1015663"/>
           </a:xfrm>
           <a:prstGeom prst="rect">
@@ -39920,7 +42010,7 @@
           <p:cNvPr id="13" name="テキスト ボックス 12">
             <a:extLst>
               <a:ext uri="{FF2B5EF4-FFF2-40B4-BE49-F238E27FC236}">
-                <a16:creationId xmlns:a16="http://schemas.microsoft.com/office/drawing/2014/main" id="{781F96EC-E865-43D7-B9AA-97413AD2BCE2}"/>
+                <a16:creationId xmlns="" xmlns:a16="http://schemas.microsoft.com/office/drawing/2014/main" id="{781F96EC-E865-43D7-B9AA-97413AD2BCE2}"/>
               </a:ext>
             </a:extLst>
           </p:cNvPr>
@@ -39929,7 +42019,7 @@
         </p:nvSpPr>
         <p:spPr>
           <a:xfrm>
-            <a:off x="403920" y="2132856"/>
+            <a:off x="403920" y="2197313"/>
             <a:ext cx="2401619" cy="1015663"/>
           </a:xfrm>
           <a:prstGeom prst="rect">
@@ -39981,7 +42071,7 @@
           <p:cNvPr id="21" name="スライド番号プレースホルダー 20">
             <a:extLst>
               <a:ext uri="{FF2B5EF4-FFF2-40B4-BE49-F238E27FC236}">
-                <a16:creationId xmlns:a16="http://schemas.microsoft.com/office/drawing/2014/main" id="{ACE1AB47-4E45-4B95-8BA9-6FEC11F3695C}"/>
+                <a16:creationId xmlns="" xmlns:a16="http://schemas.microsoft.com/office/drawing/2014/main" id="{ACE1AB47-4E45-4B95-8BA9-6FEC11F3695C}"/>
               </a:ext>
             </a:extLst>
           </p:cNvPr>
@@ -40002,6 +42092,43 @@
               <a:t>6</a:t>
             </a:fld>
             <a:endParaRPr kumimoji="1" lang="ja-JP" altLang="en-US"/>
+          </a:p>
+        </p:txBody>
+      </p:sp>
+      <p:sp>
+        <p:nvSpPr>
+          <p:cNvPr id="14" name="正方形/長方形 13"/>
+          <p:cNvSpPr/>
+          <p:nvPr/>
+        </p:nvSpPr>
+        <p:spPr>
+          <a:xfrm>
+            <a:off x="189082" y="13496"/>
+            <a:ext cx="958660" cy="369332"/>
+          </a:xfrm>
+          <a:prstGeom prst="rect">
+            <a:avLst/>
+          </a:prstGeom>
+        </p:spPr>
+        <p:txBody>
+          <a:bodyPr wrap="none">
+            <a:spAutoFit/>
+          </a:bodyPr>
+          <a:lstStyle/>
+          <a:p>
+            <a:r>
+              <a:rPr lang="ja-JP" altLang="en-US" dirty="0">
+                <a:hlinkClick r:id="rId4" action="ppaction://hlinksldjump"/>
+              </a:rPr>
+              <a:t>← </a:t>
+            </a:r>
+            <a:r>
+              <a:rPr lang="en-US" altLang="ja-JP" dirty="0" smtClean="0">
+                <a:hlinkClick r:id="rId4" action="ppaction://hlinksldjump"/>
+              </a:rPr>
+              <a:t>Index</a:t>
+            </a:r>
+            <a:endParaRPr lang="ja-JP" altLang="en-US" dirty="0"/>
           </a:p>
         </p:txBody>
       </p:sp>
@@ -40115,7 +42242,7 @@
         </p:nvSpPr>
         <p:spPr>
           <a:xfrm>
-            <a:off x="611560" y="116632"/>
+            <a:off x="611560" y="332657"/>
             <a:ext cx="8085584" cy="720079"/>
           </a:xfrm>
           <a:ln>
@@ -40239,8 +42366,8 @@
         </p:nvSpPr>
         <p:spPr>
           <a:xfrm>
-            <a:off x="467544" y="1410107"/>
-            <a:ext cx="8280920" cy="1224136"/>
+            <a:off x="467544" y="1556792"/>
+            <a:ext cx="8280920" cy="1031584"/>
           </a:xfrm>
           <a:prstGeom prst="roundRect">
             <a:avLst/>
@@ -40321,7 +42448,7 @@
         </p:nvSpPr>
         <p:spPr>
           <a:xfrm>
-            <a:off x="107034" y="476672"/>
+            <a:off x="107034" y="685145"/>
             <a:ext cx="2808782" cy="1015663"/>
           </a:xfrm>
           <a:prstGeom prst="rect">
@@ -40495,7 +42622,7 @@
           <p:cNvPr id="11" name="テキスト ボックス 10">
             <a:extLst>
               <a:ext uri="{FF2B5EF4-FFF2-40B4-BE49-F238E27FC236}">
-                <a16:creationId xmlns:a16="http://schemas.microsoft.com/office/drawing/2014/main" id="{F6244045-13BF-4DAF-95C0-AD4A5E63C6F5}"/>
+                <a16:creationId xmlns="" xmlns:a16="http://schemas.microsoft.com/office/drawing/2014/main" id="{F6244045-13BF-4DAF-95C0-AD4A5E63C6F5}"/>
               </a:ext>
             </a:extLst>
           </p:cNvPr>
@@ -40551,7 +42678,7 @@
           <p:cNvPr id="21" name="スライド番号プレースホルダー 20">
             <a:extLst>
               <a:ext uri="{FF2B5EF4-FFF2-40B4-BE49-F238E27FC236}">
-                <a16:creationId xmlns:a16="http://schemas.microsoft.com/office/drawing/2014/main" id="{182864BA-F8E4-4122-B176-013B58EBC16A}"/>
+                <a16:creationId xmlns="" xmlns:a16="http://schemas.microsoft.com/office/drawing/2014/main" id="{182864BA-F8E4-4122-B176-013B58EBC16A}"/>
               </a:ext>
             </a:extLst>
           </p:cNvPr>
@@ -40572,6 +42699,43 @@
               <a:t>7</a:t>
             </a:fld>
             <a:endParaRPr kumimoji="1" lang="ja-JP" altLang="en-US"/>
+          </a:p>
+        </p:txBody>
+      </p:sp>
+      <p:sp>
+        <p:nvSpPr>
+          <p:cNvPr id="12" name="正方形/長方形 11"/>
+          <p:cNvSpPr/>
+          <p:nvPr/>
+        </p:nvSpPr>
+        <p:spPr>
+          <a:xfrm>
+            <a:off x="189082" y="13496"/>
+            <a:ext cx="958660" cy="369332"/>
+          </a:xfrm>
+          <a:prstGeom prst="rect">
+            <a:avLst/>
+          </a:prstGeom>
+        </p:spPr>
+        <p:txBody>
+          <a:bodyPr wrap="none">
+            <a:spAutoFit/>
+          </a:bodyPr>
+          <a:lstStyle/>
+          <a:p>
+            <a:r>
+              <a:rPr lang="ja-JP" altLang="en-US" dirty="0">
+                <a:hlinkClick r:id="rId3" action="ppaction://hlinksldjump"/>
+              </a:rPr>
+              <a:t>← </a:t>
+            </a:r>
+            <a:r>
+              <a:rPr lang="en-US" altLang="ja-JP" dirty="0" smtClean="0">
+                <a:hlinkClick r:id="rId3" action="ppaction://hlinksldjump"/>
+              </a:rPr>
+              <a:t>Index</a:t>
+            </a:r>
+            <a:endParaRPr lang="ja-JP" altLang="en-US" dirty="0"/>
           </a:p>
         </p:txBody>
       </p:sp>
@@ -40613,8 +42777,8 @@
         </p:nvSpPr>
         <p:spPr>
           <a:xfrm>
-            <a:off x="467544" y="2683943"/>
-            <a:ext cx="8280920" cy="3625377"/>
+            <a:off x="467544" y="2899967"/>
+            <a:ext cx="8280920" cy="3409353"/>
           </a:xfrm>
           <a:prstGeom prst="rect">
             <a:avLst/>
@@ -40669,7 +42833,7 @@
         </p:nvSpPr>
         <p:spPr>
           <a:xfrm>
-            <a:off x="395536" y="116632"/>
+            <a:off x="395536" y="343382"/>
             <a:ext cx="8424936" cy="781362"/>
           </a:xfrm>
           <a:ln>
@@ -40714,8 +42878,8 @@
         </p:nvSpPr>
         <p:spPr>
           <a:xfrm>
-            <a:off x="457200" y="3666738"/>
-            <a:ext cx="8291264" cy="2642581"/>
+            <a:off x="457200" y="3836071"/>
+            <a:ext cx="8291264" cy="2473248"/>
           </a:xfrm>
         </p:spPr>
         <p:txBody>
@@ -40789,8 +42953,8 @@
         </p:nvSpPr>
         <p:spPr>
           <a:xfrm>
-            <a:off x="467544" y="1340768"/>
-            <a:ext cx="8280920" cy="1296144"/>
+            <a:off x="467544" y="1603823"/>
+            <a:ext cx="8280920" cy="1249113"/>
           </a:xfrm>
           <a:prstGeom prst="roundRect">
             <a:avLst/>
@@ -40824,7 +42988,7 @@
           <a:p>
             <a:pPr fontAlgn="ctr">
               <a:lnSpc>
-                <a:spcPts val="3000"/>
+                <a:spcPts val="2800"/>
               </a:lnSpc>
               <a:spcBef>
                 <a:spcPct val="0"/>
@@ -40892,7 +43056,7 @@
           <p:cNvPr id="11" name="テキスト ボックス 10">
             <a:extLst>
               <a:ext uri="{FF2B5EF4-FFF2-40B4-BE49-F238E27FC236}">
-                <a16:creationId xmlns:a16="http://schemas.microsoft.com/office/drawing/2014/main" id="{1F3C87A8-C9D5-403A-9141-1BF329374B2F}"/>
+                <a16:creationId xmlns="" xmlns:a16="http://schemas.microsoft.com/office/drawing/2014/main" id="{1F3C87A8-C9D5-403A-9141-1BF329374B2F}"/>
               </a:ext>
             </a:extLst>
           </p:cNvPr>
@@ -40969,7 +43133,7 @@
           <p:cNvPr id="12" name="テキスト ボックス 11">
             <a:extLst>
               <a:ext uri="{FF2B5EF4-FFF2-40B4-BE49-F238E27FC236}">
-                <a16:creationId xmlns:a16="http://schemas.microsoft.com/office/drawing/2014/main" id="{24F0EDEF-029D-495E-A67A-C555ABF10C90}"/>
+                <a16:creationId xmlns="" xmlns:a16="http://schemas.microsoft.com/office/drawing/2014/main" id="{24F0EDEF-029D-495E-A67A-C555ABF10C90}"/>
               </a:ext>
             </a:extLst>
           </p:cNvPr>
@@ -40978,7 +43142,7 @@
         </p:nvSpPr>
         <p:spPr>
           <a:xfrm>
-            <a:off x="113828" y="476672"/>
+            <a:off x="113828" y="757153"/>
             <a:ext cx="2808782" cy="1015663"/>
           </a:xfrm>
           <a:prstGeom prst="rect">
@@ -41030,7 +43194,7 @@
           <p:cNvPr id="13" name="テキスト ボックス 12">
             <a:extLst>
               <a:ext uri="{FF2B5EF4-FFF2-40B4-BE49-F238E27FC236}">
-                <a16:creationId xmlns:a16="http://schemas.microsoft.com/office/drawing/2014/main" id="{781F96EC-E865-43D7-B9AA-97413AD2BCE2}"/>
+                <a16:creationId xmlns="" xmlns:a16="http://schemas.microsoft.com/office/drawing/2014/main" id="{781F96EC-E865-43D7-B9AA-97413AD2BCE2}"/>
               </a:ext>
             </a:extLst>
           </p:cNvPr>
@@ -41039,7 +43203,7 @@
         </p:nvSpPr>
         <p:spPr>
           <a:xfrm>
-            <a:off x="403920" y="2420888"/>
+            <a:off x="403920" y="2701369"/>
             <a:ext cx="2401619" cy="1015663"/>
           </a:xfrm>
           <a:prstGeom prst="rect">
@@ -41094,7 +43258,7 @@
         </p:nvSpPr>
         <p:spPr>
           <a:xfrm>
-            <a:off x="3203848" y="2803575"/>
+            <a:off x="3203848" y="3019599"/>
             <a:ext cx="3744416" cy="769441"/>
           </a:xfrm>
           <a:prstGeom prst="rect">
@@ -41135,7 +43299,7 @@
           <p:cNvPr id="21" name="スライド番号プレースホルダー 20">
             <a:extLst>
               <a:ext uri="{FF2B5EF4-FFF2-40B4-BE49-F238E27FC236}">
-                <a16:creationId xmlns:a16="http://schemas.microsoft.com/office/drawing/2014/main" id="{CC78E268-2F47-461E-9913-D88DAE69D49C}"/>
+                <a16:creationId xmlns="" xmlns:a16="http://schemas.microsoft.com/office/drawing/2014/main" id="{CC78E268-2F47-461E-9913-D88DAE69D49C}"/>
               </a:ext>
             </a:extLst>
           </p:cNvPr>
@@ -41156,6 +43320,43 @@
               <a:t>8</a:t>
             </a:fld>
             <a:endParaRPr kumimoji="1" lang="ja-JP" altLang="en-US"/>
+          </a:p>
+        </p:txBody>
+      </p:sp>
+      <p:sp>
+        <p:nvSpPr>
+          <p:cNvPr id="15" name="正方形/長方形 14"/>
+          <p:cNvSpPr/>
+          <p:nvPr/>
+        </p:nvSpPr>
+        <p:spPr>
+          <a:xfrm>
+            <a:off x="189082" y="13496"/>
+            <a:ext cx="958660" cy="369332"/>
+          </a:xfrm>
+          <a:prstGeom prst="rect">
+            <a:avLst/>
+          </a:prstGeom>
+        </p:spPr>
+        <p:txBody>
+          <a:bodyPr wrap="none">
+            <a:spAutoFit/>
+          </a:bodyPr>
+          <a:lstStyle/>
+          <a:p>
+            <a:r>
+              <a:rPr lang="ja-JP" altLang="en-US" dirty="0">
+                <a:hlinkClick r:id="rId3" action="ppaction://hlinksldjump"/>
+              </a:rPr>
+              <a:t>← </a:t>
+            </a:r>
+            <a:r>
+              <a:rPr lang="en-US" altLang="ja-JP" dirty="0" smtClean="0">
+                <a:hlinkClick r:id="rId3" action="ppaction://hlinksldjump"/>
+              </a:rPr>
+              <a:t>Index</a:t>
+            </a:r>
+            <a:endParaRPr lang="ja-JP" altLang="en-US" dirty="0"/>
           </a:p>
         </p:txBody>
       </p:sp>
